--- a/stock management system/pp of sms.pptx
+++ b/stock management system/pp of sms.pptx
@@ -34,49 +34,49 @@
     <p:sldId id="303" r:id="rId28"/>
     <p:sldId id="307" r:id="rId29"/>
     <p:sldId id="261" r:id="rId30"/>
-    <p:sldId id="262" r:id="rId31"/>
-    <p:sldId id="263" r:id="rId32"/>
-    <p:sldId id="267" r:id="rId33"/>
-    <p:sldId id="264" r:id="rId34"/>
-    <p:sldId id="268" r:id="rId35"/>
-    <p:sldId id="265" r:id="rId36"/>
-    <p:sldId id="269" r:id="rId37"/>
-    <p:sldId id="279" r:id="rId38"/>
-    <p:sldId id="270" r:id="rId39"/>
-    <p:sldId id="280" r:id="rId40"/>
-    <p:sldId id="271" r:id="rId41"/>
-    <p:sldId id="281" r:id="rId42"/>
-    <p:sldId id="287" r:id="rId43"/>
-    <p:sldId id="288" r:id="rId44"/>
-    <p:sldId id="289" r:id="rId45"/>
-    <p:sldId id="290" r:id="rId46"/>
-    <p:sldId id="291" r:id="rId47"/>
-    <p:sldId id="318" r:id="rId48"/>
-    <p:sldId id="292" r:id="rId49"/>
-    <p:sldId id="308" r:id="rId50"/>
-    <p:sldId id="309" r:id="rId51"/>
-    <p:sldId id="310" r:id="rId52"/>
-    <p:sldId id="311" r:id="rId53"/>
-    <p:sldId id="312" r:id="rId54"/>
-    <p:sldId id="313" r:id="rId55"/>
-    <p:sldId id="314" r:id="rId56"/>
-    <p:sldId id="315" r:id="rId57"/>
-    <p:sldId id="317" r:id="rId58"/>
-    <p:sldId id="319" r:id="rId59"/>
-    <p:sldId id="321" r:id="rId60"/>
-    <p:sldId id="322" r:id="rId61"/>
-    <p:sldId id="323" r:id="rId62"/>
-    <p:sldId id="324" r:id="rId63"/>
-    <p:sldId id="325" r:id="rId64"/>
-    <p:sldId id="326" r:id="rId65"/>
-    <p:sldId id="327" r:id="rId66"/>
-    <p:sldId id="328" r:id="rId67"/>
-    <p:sldId id="329" r:id="rId68"/>
-    <p:sldId id="330" r:id="rId69"/>
-    <p:sldId id="331" r:id="rId70"/>
-    <p:sldId id="332" r:id="rId71"/>
-    <p:sldId id="333" r:id="rId72"/>
-    <p:sldId id="336" r:id="rId73"/>
+    <p:sldId id="336" r:id="rId31"/>
+    <p:sldId id="262" r:id="rId32"/>
+    <p:sldId id="263" r:id="rId33"/>
+    <p:sldId id="267" r:id="rId34"/>
+    <p:sldId id="264" r:id="rId35"/>
+    <p:sldId id="268" r:id="rId36"/>
+    <p:sldId id="265" r:id="rId37"/>
+    <p:sldId id="269" r:id="rId38"/>
+    <p:sldId id="279" r:id="rId39"/>
+    <p:sldId id="270" r:id="rId40"/>
+    <p:sldId id="280" r:id="rId41"/>
+    <p:sldId id="271" r:id="rId42"/>
+    <p:sldId id="281" r:id="rId43"/>
+    <p:sldId id="287" r:id="rId44"/>
+    <p:sldId id="288" r:id="rId45"/>
+    <p:sldId id="289" r:id="rId46"/>
+    <p:sldId id="290" r:id="rId47"/>
+    <p:sldId id="291" r:id="rId48"/>
+    <p:sldId id="318" r:id="rId49"/>
+    <p:sldId id="292" r:id="rId50"/>
+    <p:sldId id="308" r:id="rId51"/>
+    <p:sldId id="309" r:id="rId52"/>
+    <p:sldId id="310" r:id="rId53"/>
+    <p:sldId id="311" r:id="rId54"/>
+    <p:sldId id="312" r:id="rId55"/>
+    <p:sldId id="313" r:id="rId56"/>
+    <p:sldId id="314" r:id="rId57"/>
+    <p:sldId id="315" r:id="rId58"/>
+    <p:sldId id="317" r:id="rId59"/>
+    <p:sldId id="319" r:id="rId60"/>
+    <p:sldId id="321" r:id="rId61"/>
+    <p:sldId id="322" r:id="rId62"/>
+    <p:sldId id="323" r:id="rId63"/>
+    <p:sldId id="324" r:id="rId64"/>
+    <p:sldId id="325" r:id="rId65"/>
+    <p:sldId id="326" r:id="rId66"/>
+    <p:sldId id="327" r:id="rId67"/>
+    <p:sldId id="328" r:id="rId68"/>
+    <p:sldId id="329" r:id="rId69"/>
+    <p:sldId id="330" r:id="rId70"/>
+    <p:sldId id="331" r:id="rId71"/>
+    <p:sldId id="332" r:id="rId72"/>
+    <p:sldId id="333" r:id="rId73"/>
     <p:sldId id="320" r:id="rId74"/>
     <p:sldId id="335" r:id="rId75"/>
     <p:sldId id="334" r:id="rId76"/>
@@ -465,7 +465,7 @@
           <a:p>
             <a:fld id="{C8CE3B9A-6D67-41F8-8453-F151FCDFD414}" type="datetimeFigureOut">
               <a:rPr lang="en-US" smtClean="0"/>
-              <a:t>4/6/2019</a:t>
+              <a:t>4/11/2019</a:t>
             </a:fld>
             <a:endParaRPr lang="en-US"/>
           </a:p>
@@ -858,7 +858,7 @@
           <a:p>
             <a:fld id="{C8CE3B9A-6D67-41F8-8453-F151FCDFD414}" type="datetimeFigureOut">
               <a:rPr lang="en-US" smtClean="0"/>
-              <a:t>4/6/2019</a:t>
+              <a:t>4/11/2019</a:t>
             </a:fld>
             <a:endParaRPr lang="en-US"/>
           </a:p>
@@ -1390,7 +1390,7 @@
           <a:p>
             <a:fld id="{C8CE3B9A-6D67-41F8-8453-F151FCDFD414}" type="datetimeFigureOut">
               <a:rPr lang="en-US" smtClean="0"/>
-              <a:t>4/6/2019</a:t>
+              <a:t>4/11/2019</a:t>
             </a:fld>
             <a:endParaRPr lang="en-US"/>
           </a:p>
@@ -1523,7 +1523,7 @@
           <a:p>
             <a:fld id="{C8CE3B9A-6D67-41F8-8453-F151FCDFD414}" type="datetimeFigureOut">
               <a:rPr lang="en-US" smtClean="0"/>
-              <a:t>4/6/2019</a:t>
+              <a:t>4/11/2019</a:t>
             </a:fld>
             <a:endParaRPr lang="en-US"/>
           </a:p>
@@ -2066,7 +2066,7 @@
           <a:p>
             <a:fld id="{C8CE3B9A-6D67-41F8-8453-F151FCDFD414}" type="datetimeFigureOut">
               <a:rPr lang="en-US" smtClean="0"/>
-              <a:t>4/6/2019</a:t>
+              <a:t>4/11/2019</a:t>
             </a:fld>
             <a:endParaRPr lang="en-US"/>
           </a:p>
@@ -2361,7 +2361,7 @@
           <a:p>
             <a:fld id="{C8CE3B9A-6D67-41F8-8453-F151FCDFD414}" type="datetimeFigureOut">
               <a:rPr lang="en-US" smtClean="0"/>
-              <a:t>4/6/2019</a:t>
+              <a:t>4/11/2019</a:t>
             </a:fld>
             <a:endParaRPr lang="en-US"/>
           </a:p>
@@ -3020,7 +3020,7 @@
           <a:p>
             <a:fld id="{C8CE3B9A-6D67-41F8-8453-F151FCDFD414}" type="datetimeFigureOut">
               <a:rPr lang="en-US" smtClean="0"/>
-              <a:t>4/6/2019</a:t>
+              <a:t>4/11/2019</a:t>
             </a:fld>
             <a:endParaRPr lang="en-US"/>
           </a:p>
@@ -3456,7 +3456,7 @@
           <a:p>
             <a:fld id="{C8CE3B9A-6D67-41F8-8453-F151FCDFD414}" type="datetimeFigureOut">
               <a:rPr lang="en-US" smtClean="0"/>
-              <a:t>4/6/2019</a:t>
+              <a:t>4/11/2019</a:t>
             </a:fld>
             <a:endParaRPr lang="en-US"/>
           </a:p>
@@ -3769,7 +3769,7 @@
           <a:p>
             <a:fld id="{C8CE3B9A-6D67-41F8-8453-F151FCDFD414}" type="datetimeFigureOut">
               <a:rPr lang="en-US" smtClean="0"/>
-              <a:t>4/6/2019</a:t>
+              <a:t>4/11/2019</a:t>
             </a:fld>
             <a:endParaRPr lang="en-US"/>
           </a:p>
@@ -4501,7 +4501,7 @@
           <a:p>
             <a:fld id="{C8CE3B9A-6D67-41F8-8453-F151FCDFD414}" type="datetimeFigureOut">
               <a:rPr lang="en-US" smtClean="0"/>
-              <a:t>4/6/2019</a:t>
+              <a:t>4/11/2019</a:t>
             </a:fld>
             <a:endParaRPr lang="en-US"/>
           </a:p>
@@ -5165,7 +5165,7 @@
           <a:p>
             <a:fld id="{C8CE3B9A-6D67-41F8-8453-F151FCDFD414}" type="datetimeFigureOut">
               <a:rPr lang="en-US" smtClean="0"/>
-              <a:t>4/6/2019</a:t>
+              <a:t>4/11/2019</a:t>
             </a:fld>
             <a:endParaRPr lang="en-US"/>
           </a:p>
@@ -5438,7 +5438,7 @@
           <a:p>
             <a:fld id="{C8CE3B9A-6D67-41F8-8453-F151FCDFD414}" type="datetimeFigureOut">
               <a:rPr lang="en-US" smtClean="0"/>
-              <a:t>4/6/2019</a:t>
+              <a:t>4/11/2019</a:t>
             </a:fld>
             <a:endParaRPr lang="en-US"/>
           </a:p>
@@ -9863,7 +9863,7 @@
       </p:sp>
       <p:pic>
         <p:nvPicPr>
-          <p:cNvPr id="3" name="Content Placeholder 2"/>
+          <p:cNvPr id="4" name="Content Placeholder 3"/>
           <p:cNvPicPr>
             <a:picLocks noGrp="1" noChangeAspect="1"/>
           </p:cNvPicPr>
@@ -9886,7 +9886,7 @@
         <p:spPr>
           <a:xfrm>
             <a:off x="533400" y="1527174"/>
-            <a:ext cx="7696199" cy="4721225"/>
+            <a:ext cx="7924800" cy="4721225"/>
           </a:xfrm>
         </p:spPr>
       </p:pic>
@@ -9975,16 +9975,56 @@
               <a:rPr lang="en-US" dirty="0"/>
               <a:t> </a:t>
             </a:r>
-            <a:r>
-              <a:rPr lang="en-US" dirty="0" smtClean="0"/>
-              <a:t>The classes of</a:t>
-            </a:r>
-          </a:p>
-          <a:p>
-            <a:r>
-              <a:rPr lang="en-US" dirty="0" smtClean="0"/>
-              <a:t>Stock management system are user, product, category, brand, supplier and buyer. So the buyer can buy the product that are available and supplier will supply the product to the buyer. </a:t>
-            </a:r>
+            <a:endParaRPr lang="en-US" dirty="0" smtClean="0"/>
+          </a:p>
+          <a:p>
+            <a:r>
+              <a:rPr lang="en-US" dirty="0" smtClean="0"/>
+              <a:t>The </a:t>
+            </a:r>
+            <a:r>
+              <a:rPr lang="en-US" dirty="0" smtClean="0"/>
+              <a:t>classes </a:t>
+            </a:r>
+            <a:r>
+              <a:rPr lang="en-US" dirty="0" smtClean="0"/>
+              <a:t>of Stock </a:t>
+            </a:r>
+            <a:r>
+              <a:rPr lang="en-US" dirty="0" smtClean="0"/>
+              <a:t>management system are user, product, category, </a:t>
+            </a:r>
+            <a:r>
+              <a:rPr lang="en-US" dirty="0" smtClean="0"/>
+              <a:t>brand </a:t>
+            </a:r>
+            <a:r>
+              <a:rPr lang="en-US" dirty="0" smtClean="0"/>
+              <a:t>and </a:t>
+            </a:r>
+            <a:r>
+              <a:rPr lang="en-US" dirty="0" smtClean="0"/>
+              <a:t>customer</a:t>
+            </a:r>
+            <a:r>
+              <a:rPr lang="en-US" dirty="0" smtClean="0"/>
+              <a:t>. </a:t>
+            </a:r>
+          </a:p>
+          <a:p>
+            <a:r>
+              <a:rPr lang="en-US" dirty="0" smtClean="0"/>
+              <a:t>So the customer </a:t>
+            </a:r>
+            <a:r>
+              <a:rPr lang="en-US" dirty="0" smtClean="0"/>
+              <a:t>can buy the product that are </a:t>
+            </a:r>
+            <a:r>
+              <a:rPr lang="en-US" dirty="0" smtClean="0"/>
+              <a:t>available. </a:t>
+            </a:r>
+            <a:endParaRPr lang="en-US" dirty="0" smtClean="0"/>
           </a:p>
           <a:p>
             <a:r>
@@ -10313,13 +10353,21 @@
         <p:spPr/>
         <p:txBody>
           <a:bodyPr>
-            <a:normAutofit lnSpcReduction="10000"/>
+            <a:normAutofit/>
           </a:bodyPr>
           <a:lstStyle/>
           <a:p>
             <a:r>
               <a:rPr lang="en-US" dirty="0" smtClean="0"/>
-              <a:t>Here in the use case diagram, the admin, supplier and user are the actor who interact with the use cases.</a:t>
+              <a:t>Here in the use case diagram, the </a:t>
+            </a:r>
+            <a:r>
+              <a:rPr lang="en-US" dirty="0" smtClean="0"/>
+              <a:t>admin and </a:t>
+            </a:r>
+            <a:r>
+              <a:rPr lang="en-US" dirty="0" smtClean="0"/>
+              <a:t>user are the actor who interact with the use cases.</a:t>
             </a:r>
           </a:p>
           <a:p>
@@ -10331,8 +10379,13 @@
           <a:p>
             <a:r>
               <a:rPr lang="en-US" dirty="0" smtClean="0"/>
-              <a:t>The admin has right to control the stock, product and suppliers.</a:t>
-            </a:r>
+              <a:t>The admin has right to control the </a:t>
+            </a:r>
+            <a:r>
+              <a:rPr lang="en-US" dirty="0" smtClean="0"/>
+              <a:t> system.</a:t>
+            </a:r>
+            <a:endParaRPr lang="en-US" dirty="0" smtClean="0"/>
           </a:p>
           <a:p>
             <a:r>
@@ -10404,12 +10457,8 @@
           <a:lstStyle/>
           <a:p>
             <a:r>
-              <a:rPr lang="en-US" dirty="0" err="1" smtClean="0"/>
-              <a:t>Er</a:t>
-            </a:r>
-            <a:r>
-              <a:rPr lang="en-US" dirty="0" smtClean="0"/>
-              <a:t>-diagram of stock management</a:t>
+              <a:rPr lang="en-US" dirty="0" smtClean="0"/>
+              <a:t>Er-diagram of stock management</a:t>
             </a:r>
             <a:endParaRPr lang="en-US" dirty="0"/>
           </a:p>
@@ -10437,12 +10486,8 @@
               <a:buChar char="Ø"/>
             </a:pPr>
             <a:r>
-              <a:rPr lang="en-US" sz="2000" dirty="0" err="1" smtClean="0"/>
-              <a:t>Er</a:t>
-            </a:r>
-            <a:r>
               <a:rPr lang="en-US" sz="2000" dirty="0" smtClean="0"/>
-              <a:t>-diagram is the visual representation which is like the class diagram but it involves the entities .</a:t>
+              <a:t>Er-diagram is the visual representation which is like the class diagram but it involves the entities .</a:t>
             </a:r>
             <a:endParaRPr lang="en-US" sz="2000" dirty="0"/>
           </a:p>
@@ -10498,7 +10543,7 @@
       </p:sp>
       <p:pic>
         <p:nvPicPr>
-          <p:cNvPr id="5" name="Content Placeholder 4"/>
+          <p:cNvPr id="6" name="Content Placeholder 5"/>
           <p:cNvPicPr>
             <a:picLocks noGrp="1" noChangeAspect="1"/>
           </p:cNvPicPr>
@@ -10520,8 +10565,8 @@
         </p:blipFill>
         <p:spPr>
           <a:xfrm>
-            <a:off x="4648200" y="1752601"/>
-            <a:ext cx="4267200" cy="3581400"/>
+            <a:off x="4800600" y="1828800"/>
+            <a:ext cx="4038600" cy="3429000"/>
           </a:xfrm>
         </p:spPr>
       </p:pic>
@@ -10677,6 +10722,106 @@
             <p:ph type="title"/>
           </p:nvPr>
         </p:nvSpPr>
+        <p:spPr/>
+        <p:txBody>
+          <a:bodyPr/>
+          <a:lstStyle/>
+          <a:p>
+            <a:r>
+              <a:rPr lang="en-US" dirty="0" smtClean="0"/>
+              <a:t>Er diagram</a:t>
+            </a:r>
+            <a:endParaRPr lang="en-US" dirty="0"/>
+          </a:p>
+        </p:txBody>
+      </p:sp>
+      <p:sp>
+        <p:nvSpPr>
+          <p:cNvPr id="6" name="Content Placeholder 5"/>
+          <p:cNvSpPr>
+            <a:spLocks noGrp="1"/>
+          </p:cNvSpPr>
+          <p:nvPr>
+            <p:ph sz="quarter" idx="1"/>
+          </p:nvPr>
+        </p:nvSpPr>
+        <p:spPr/>
+        <p:txBody>
+          <a:bodyPr/>
+          <a:lstStyle/>
+          <a:p>
+            <a:r>
+              <a:rPr lang="en-US" dirty="0" smtClean="0"/>
+              <a:t>There are six entities of er diagram of stock management system. </a:t>
+            </a:r>
+          </a:p>
+          <a:p>
+            <a:r>
+              <a:rPr lang="en-US" dirty="0" smtClean="0"/>
+              <a:t>They are customer, order, product, brand, category and brand_category.</a:t>
+            </a:r>
+          </a:p>
+          <a:p>
+            <a:r>
+              <a:rPr lang="en-US" dirty="0" smtClean="0"/>
+              <a:t>The customer and product forms the many to many relationship which is order.</a:t>
+            </a:r>
+          </a:p>
+          <a:p>
+            <a:r>
+              <a:rPr lang="en-US" dirty="0" smtClean="0"/>
+              <a:t>As well the brand and category form the many to many relationship which is brand_category.</a:t>
+            </a:r>
+          </a:p>
+          <a:p>
+            <a:r>
+              <a:rPr lang="en-US" dirty="0" smtClean="0"/>
+              <a:t>The brand and product forms the one to many relationship as shown in the diagram above. </a:t>
+            </a:r>
+            <a:endParaRPr lang="en-US" dirty="0"/>
+          </a:p>
+        </p:txBody>
+      </p:sp>
+    </p:spTree>
+    <p:extLst>
+      <p:ext uri="{BB962C8B-B14F-4D97-AF65-F5344CB8AC3E}">
+        <p14:creationId xmlns:p14="http://schemas.microsoft.com/office/powerpoint/2010/main" val="4064616864"/>
+      </p:ext>
+    </p:extLst>
+  </p:cSld>
+  <p:clrMapOvr>
+    <a:masterClrMapping/>
+  </p:clrMapOvr>
+</p:sld>
+</file>
+
+<file path=ppt/slides/slide31.xml><?xml version="1.0" encoding="utf-8"?>
+<p:sld xmlns:a="http://schemas.openxmlformats.org/drawingml/2006/main" xmlns:r="http://schemas.openxmlformats.org/officeDocument/2006/relationships" xmlns:p="http://schemas.openxmlformats.org/presentationml/2006/main">
+  <p:cSld>
+    <p:spTree>
+      <p:nvGrpSpPr>
+        <p:cNvPr id="1" name=""/>
+        <p:cNvGrpSpPr/>
+        <p:nvPr/>
+      </p:nvGrpSpPr>
+      <p:grpSpPr>
+        <a:xfrm>
+          <a:off x="0" y="0"/>
+          <a:ext cx="0" cy="0"/>
+          <a:chOff x="0" y="0"/>
+          <a:chExt cx="0" cy="0"/>
+        </a:xfrm>
+      </p:grpSpPr>
+      <p:sp>
+        <p:nvSpPr>
+          <p:cNvPr id="5" name="Title 4"/>
+          <p:cNvSpPr>
+            <a:spLocks noGrp="1"/>
+          </p:cNvSpPr>
+          <p:nvPr>
+            <p:ph type="title"/>
+          </p:nvPr>
+        </p:nvSpPr>
         <p:spPr>
           <a:xfrm>
             <a:off x="2438400" y="228600"/>
@@ -10804,7 +10949,7 @@
 </p:sld>
 </file>
 
-<file path=ppt/slides/slide31.xml><?xml version="1.0" encoding="utf-8"?>
+<file path=ppt/slides/slide32.xml><?xml version="1.0" encoding="utf-8"?>
 <p:sld xmlns:a="http://schemas.openxmlformats.org/drawingml/2006/main" xmlns:r="http://schemas.openxmlformats.org/officeDocument/2006/relationships" xmlns:p="http://schemas.openxmlformats.org/presentationml/2006/main">
   <p:cSld>
     <p:spTree>
@@ -10914,7 +11059,7 @@
 </p:sld>
 </file>
 
-<file path=ppt/slides/slide32.xml><?xml version="1.0" encoding="utf-8"?>
+<file path=ppt/slides/slide33.xml><?xml version="1.0" encoding="utf-8"?>
 <p:sld xmlns:a="http://schemas.openxmlformats.org/drawingml/2006/main" xmlns:r="http://schemas.openxmlformats.org/officeDocument/2006/relationships" xmlns:p="http://schemas.openxmlformats.org/presentationml/2006/main">
   <p:cSld>
     <p:spTree>
@@ -11015,7 +11160,7 @@
 </p:sld>
 </file>
 
-<file path=ppt/slides/slide33.xml><?xml version="1.0" encoding="utf-8"?>
+<file path=ppt/slides/slide34.xml><?xml version="1.0" encoding="utf-8"?>
 <p:sld xmlns:a="http://schemas.openxmlformats.org/drawingml/2006/main" xmlns:r="http://schemas.openxmlformats.org/officeDocument/2006/relationships" xmlns:p="http://schemas.openxmlformats.org/presentationml/2006/main">
   <p:cSld>
     <p:spTree>
@@ -11104,7 +11249,7 @@
 </p:sld>
 </file>
 
-<file path=ppt/slides/slide34.xml><?xml version="1.0" encoding="utf-8"?>
+<file path=ppt/slides/slide35.xml><?xml version="1.0" encoding="utf-8"?>
 <p:sld xmlns:a="http://schemas.openxmlformats.org/drawingml/2006/main" xmlns:r="http://schemas.openxmlformats.org/officeDocument/2006/relationships" xmlns:p="http://schemas.openxmlformats.org/presentationml/2006/main">
   <p:cSld>
     <p:spTree>
@@ -11167,20 +11312,23 @@
           <a:p>
             <a:r>
               <a:rPr lang="en-US" dirty="0" smtClean="0"/>
-              <a:t>They can add stock as well.</a:t>
-            </a:r>
-          </a:p>
-          <a:p>
-            <a:r>
-              <a:rPr lang="en-US" dirty="0" smtClean="0"/>
-              <a:t>They can calculate the payment of the product.</a:t>
-            </a:r>
-          </a:p>
-          <a:p>
-            <a:r>
-              <a:rPr lang="en-US" dirty="0" smtClean="0"/>
-              <a:t>They can print out the bill payment of the product. </a:t>
-            </a:r>
+              <a:t>They </a:t>
+            </a:r>
+            <a:r>
+              <a:rPr lang="en-US" dirty="0" smtClean="0"/>
+              <a:t>can calculate the payment of the product.</a:t>
+            </a:r>
+          </a:p>
+          <a:p>
+            <a:r>
+              <a:rPr lang="en-US" dirty="0" smtClean="0"/>
+              <a:t>To add the product, admin should select the brand and category</a:t>
+            </a:r>
+            <a:r>
+              <a:rPr lang="en-US" dirty="0" smtClean="0"/>
+              <a:t>. Then, name the product and make the payment.</a:t>
+            </a:r>
+            <a:endParaRPr lang="en-US" dirty="0" smtClean="0"/>
           </a:p>
           <a:p>
             <a:endParaRPr lang="en-US" dirty="0" smtClean="0"/>
@@ -11210,7 +11358,7 @@
 </p:sld>
 </file>
 
-<file path=ppt/slides/slide35.xml><?xml version="1.0" encoding="utf-8"?>
+<file path=ppt/slides/slide36.xml><?xml version="1.0" encoding="utf-8"?>
 <p:sld xmlns:a="http://schemas.openxmlformats.org/drawingml/2006/main" xmlns:r="http://schemas.openxmlformats.org/officeDocument/2006/relationships" xmlns:p="http://schemas.openxmlformats.org/presentationml/2006/main">
   <p:cSld>
     <p:spTree>
@@ -11310,7 +11458,7 @@
 </p:sld>
 </file>
 
-<file path=ppt/slides/slide36.xml><?xml version="1.0" encoding="utf-8"?>
+<file path=ppt/slides/slide37.xml><?xml version="1.0" encoding="utf-8"?>
 <p:sld xmlns:a="http://schemas.openxmlformats.org/drawingml/2006/main" xmlns:r="http://schemas.openxmlformats.org/officeDocument/2006/relationships" xmlns:p="http://schemas.openxmlformats.org/presentationml/2006/main">
   <p:cSld>
     <p:spTree>
@@ -11372,19 +11520,53 @@
           <a:p>
             <a:r>
               <a:rPr lang="en-US" dirty="0" smtClean="0"/>
-              <a:t>To supply the product to the buyer, firstly select category and brand.</a:t>
-            </a:r>
-          </a:p>
-          <a:p>
-            <a:r>
-              <a:rPr lang="en-US" dirty="0" smtClean="0"/>
-              <a:t>After selection, check if the product is available or not.</a:t>
-            </a:r>
-          </a:p>
-          <a:p>
-            <a:r>
-              <a:rPr lang="en-US" dirty="0" smtClean="0"/>
-              <a:t>If product is available then select the buyer who needed it.</a:t>
+              <a:t>To </a:t>
+            </a:r>
+            <a:r>
+              <a:rPr lang="en-US" dirty="0" smtClean="0"/>
+              <a:t>supply </a:t>
+            </a:r>
+            <a:r>
+              <a:rPr lang="en-US" dirty="0" smtClean="0"/>
+              <a:t>the product to the </a:t>
+            </a:r>
+            <a:r>
+              <a:rPr lang="en-US" dirty="0" smtClean="0"/>
+              <a:t>customer</a:t>
+            </a:r>
+            <a:r>
+              <a:rPr lang="en-US" dirty="0" smtClean="0"/>
+              <a:t>, </a:t>
+            </a:r>
+            <a:r>
+              <a:rPr lang="en-US" dirty="0" smtClean="0"/>
+              <a:t>firstly </a:t>
+            </a:r>
+            <a:r>
+              <a:rPr lang="en-US" dirty="0" smtClean="0"/>
+              <a:t>check the product is available or not.</a:t>
+            </a:r>
+            <a:r>
+              <a:rPr lang="en-US" dirty="0" smtClean="0"/>
+              <a:t> </a:t>
+            </a:r>
+          </a:p>
+          <a:p>
+            <a:r>
+              <a:rPr lang="en-US" dirty="0" smtClean="0"/>
+              <a:t>If </a:t>
+            </a:r>
+            <a:r>
+              <a:rPr lang="en-US" dirty="0" smtClean="0"/>
+              <a:t>product is available then </a:t>
+            </a:r>
+            <a:r>
+              <a:rPr lang="en-US" dirty="0" smtClean="0"/>
+              <a:t>enter the information of customer </a:t>
+            </a:r>
+            <a:r>
+              <a:rPr lang="en-US" dirty="0" smtClean="0"/>
+              <a:t>who needed it.</a:t>
             </a:r>
           </a:p>
           <a:p>
@@ -11395,9 +11577,30 @@
           </a:p>
           <a:p>
             <a:r>
-              <a:rPr lang="en-US" dirty="0" smtClean="0"/>
-              <a:t>Lastly generate the bill.</a:t>
-            </a:r>
+              <a:rPr lang="en-US" dirty="0"/>
+              <a:t>G</a:t>
+            </a:r>
+            <a:r>
+              <a:rPr lang="en-US" dirty="0" smtClean="0"/>
+              <a:t>enerate </a:t>
+            </a:r>
+            <a:r>
+              <a:rPr lang="en-US" dirty="0" smtClean="0"/>
+              <a:t>the bill</a:t>
+            </a:r>
+            <a:r>
+              <a:rPr lang="en-US" dirty="0" smtClean="0"/>
+              <a:t>.</a:t>
+            </a:r>
+          </a:p>
+          <a:p>
+            <a:r>
+              <a:rPr lang="en-US" dirty="0" smtClean="0"/>
+              <a:t>Lastly send it to customer.</a:t>
+            </a:r>
+            <a:endParaRPr lang="en-US" dirty="0" smtClean="0"/>
+          </a:p>
+          <a:p>
             <a:endParaRPr lang="en-US" dirty="0"/>
           </a:p>
         </p:txBody>
@@ -11422,7 +11625,7 @@
 </p:sld>
 </file>
 
-<file path=ppt/slides/slide37.xml><?xml version="1.0" encoding="utf-8"?>
+<file path=ppt/slides/slide38.xml><?xml version="1.0" encoding="utf-8"?>
 <p:sld xmlns:a="http://schemas.openxmlformats.org/drawingml/2006/main" xmlns:r="http://schemas.openxmlformats.org/officeDocument/2006/relationships" xmlns:p="http://schemas.openxmlformats.org/presentationml/2006/main">
   <p:cSld>
     <p:spTree>
@@ -11559,7 +11762,7 @@
 </p:sld>
 </file>
 
-<file path=ppt/slides/slide38.xml><?xml version="1.0" encoding="utf-8"?>
+<file path=ppt/slides/slide39.xml><?xml version="1.0" encoding="utf-8"?>
 <p:sld xmlns:a="http://schemas.openxmlformats.org/drawingml/2006/main" xmlns:r="http://schemas.openxmlformats.org/officeDocument/2006/relationships" xmlns:p="http://schemas.openxmlformats.org/presentationml/2006/main">
   <p:cSld>
     <p:spTree>
@@ -11684,137 +11887,6 @@
 </p:sld>
 </file>
 
-<file path=ppt/slides/slide39.xml><?xml version="1.0" encoding="utf-8"?>
-<p:sld xmlns:a="http://schemas.openxmlformats.org/drawingml/2006/main" xmlns:r="http://schemas.openxmlformats.org/officeDocument/2006/relationships" xmlns:p="http://schemas.openxmlformats.org/presentationml/2006/main">
-  <p:cSld>
-    <p:spTree>
-      <p:nvGrpSpPr>
-        <p:cNvPr id="1" name=""/>
-        <p:cNvGrpSpPr/>
-        <p:nvPr/>
-      </p:nvGrpSpPr>
-      <p:grpSpPr>
-        <a:xfrm>
-          <a:off x="0" y="0"/>
-          <a:ext cx="0" cy="0"/>
-          <a:chOff x="0" y="0"/>
-          <a:chExt cx="0" cy="0"/>
-        </a:xfrm>
-      </p:grpSpPr>
-      <p:sp>
-        <p:nvSpPr>
-          <p:cNvPr id="3" name="Title 2"/>
-          <p:cNvSpPr>
-            <a:spLocks noGrp="1"/>
-          </p:cNvSpPr>
-          <p:nvPr>
-            <p:ph type="title"/>
-          </p:nvPr>
-        </p:nvSpPr>
-        <p:spPr/>
-        <p:txBody>
-          <a:bodyPr/>
-          <a:lstStyle/>
-          <a:p>
-            <a:endParaRPr lang="en-US"/>
-          </a:p>
-        </p:txBody>
-      </p:sp>
-      <p:sp>
-        <p:nvSpPr>
-          <p:cNvPr id="2" name="Content Placeholder 1"/>
-          <p:cNvSpPr>
-            <a:spLocks noGrp="1"/>
-          </p:cNvSpPr>
-          <p:nvPr>
-            <p:ph sz="quarter" idx="1"/>
-          </p:nvPr>
-        </p:nvSpPr>
-        <p:spPr/>
-        <p:txBody>
-          <a:bodyPr>
-            <a:normAutofit fontScale="85000" lnSpcReduction="10000"/>
-          </a:bodyPr>
-          <a:lstStyle/>
-          <a:p>
-            <a:r>
-              <a:rPr lang="en-US" dirty="0" smtClean="0"/>
-              <a:t>Here in this diagram, the admin is the actor. The login page, validation, main page and login failure page are the objects. </a:t>
-            </a:r>
-          </a:p>
-          <a:p>
-            <a:pPr marL="342900" indent="-342900">
-              <a:buFont typeface="Wingdings" pitchFamily="2" charset="2"/>
-              <a:buChar char="ü"/>
-            </a:pPr>
-            <a:r>
-              <a:rPr lang="en-US" dirty="0" smtClean="0"/>
-              <a:t>Firstly the admin interact with the login page object with the message visit. After visiting the page  the actor enter the email and password.</a:t>
-            </a:r>
-          </a:p>
-          <a:p>
-            <a:pPr marL="342900" indent="-342900">
-              <a:buFont typeface="Wingdings" pitchFamily="2" charset="2"/>
-              <a:buChar char="ü"/>
-            </a:pPr>
-            <a:r>
-              <a:rPr lang="en-US" dirty="0" smtClean="0"/>
-              <a:t>To verify the email and password the login page object interact with the validation object with the message verify.</a:t>
-            </a:r>
-          </a:p>
-          <a:p>
-            <a:pPr marL="342900" indent="-342900">
-              <a:buFont typeface="Wingdings" pitchFamily="2" charset="2"/>
-              <a:buChar char="ü"/>
-            </a:pPr>
-            <a:r>
-              <a:rPr lang="en-US" dirty="0" smtClean="0"/>
-              <a:t>To know the valid or invalid email and password the process is working in the frame as shown in the diagram.</a:t>
-            </a:r>
-          </a:p>
-          <a:p>
-            <a:pPr marL="342900" indent="-342900">
-              <a:buFont typeface="Wingdings" pitchFamily="2" charset="2"/>
-              <a:buChar char="ü"/>
-            </a:pPr>
-            <a:r>
-              <a:rPr lang="en-US" dirty="0" smtClean="0"/>
-              <a:t>If login is valid then login page object interact with the main page object with the message redirect else (in case of invalid)</a:t>
-            </a:r>
-            <a:r>
-              <a:rPr lang="en-US" dirty="0"/>
-              <a:t> </a:t>
-            </a:r>
-            <a:r>
-              <a:rPr lang="en-US" dirty="0" smtClean="0"/>
-              <a:t>then login page object interact with the login failure page with the message redirect.</a:t>
-            </a:r>
-          </a:p>
-          <a:p>
-            <a:endParaRPr lang="en-US" dirty="0"/>
-          </a:p>
-        </p:txBody>
-      </p:sp>
-    </p:spTree>
-    <p:extLst>
-      <p:ext uri="{BB962C8B-B14F-4D97-AF65-F5344CB8AC3E}">
-        <p14:creationId xmlns:p14="http://schemas.microsoft.com/office/powerpoint/2010/main" val="2075872207"/>
-      </p:ext>
-    </p:extLst>
-  </p:cSld>
-  <p:clrMapOvr>
-    <a:masterClrMapping/>
-  </p:clrMapOvr>
-  <p:timing>
-    <p:tnLst>
-      <p:par>
-        <p:cTn id="1" dur="indefinite" restart="never" nodeType="tmRoot"/>
-      </p:par>
-    </p:tnLst>
-  </p:timing>
-</p:sld>
-</file>
-
 <file path=ppt/slides/slide4.xml><?xml version="1.0" encoding="utf-8"?>
 <p:sld xmlns:a="http://schemas.openxmlformats.org/drawingml/2006/main" xmlns:r="http://schemas.openxmlformats.org/officeDocument/2006/relationships" xmlns:p="http://schemas.openxmlformats.org/presentationml/2006/main">
   <p:cSld>
@@ -11976,7 +12048,138 @@
           <a:bodyPr/>
           <a:lstStyle/>
           <a:p>
-            <a:endParaRPr lang="en-US"/>
+            <a:endParaRPr lang="en-US" dirty="0"/>
+          </a:p>
+        </p:txBody>
+      </p:sp>
+      <p:sp>
+        <p:nvSpPr>
+          <p:cNvPr id="2" name="Content Placeholder 1"/>
+          <p:cNvSpPr>
+            <a:spLocks noGrp="1"/>
+          </p:cNvSpPr>
+          <p:nvPr>
+            <p:ph sz="quarter" idx="1"/>
+          </p:nvPr>
+        </p:nvSpPr>
+        <p:spPr/>
+        <p:txBody>
+          <a:bodyPr>
+            <a:normAutofit fontScale="85000" lnSpcReduction="10000"/>
+          </a:bodyPr>
+          <a:lstStyle/>
+          <a:p>
+            <a:r>
+              <a:rPr lang="en-US" dirty="0" smtClean="0"/>
+              <a:t>Here in this diagram, the admin is the actor. The login page, validation, main page and login failure page are the objects. </a:t>
+            </a:r>
+          </a:p>
+          <a:p>
+            <a:pPr marL="342900" indent="-342900">
+              <a:buFont typeface="Wingdings" pitchFamily="2" charset="2"/>
+              <a:buChar char="ü"/>
+            </a:pPr>
+            <a:r>
+              <a:rPr lang="en-US" dirty="0" smtClean="0"/>
+              <a:t>Firstly the admin interact with the login page object with the message visit. After visiting the page  the actor enter the email and password.</a:t>
+            </a:r>
+          </a:p>
+          <a:p>
+            <a:pPr marL="342900" indent="-342900">
+              <a:buFont typeface="Wingdings" pitchFamily="2" charset="2"/>
+              <a:buChar char="ü"/>
+            </a:pPr>
+            <a:r>
+              <a:rPr lang="en-US" dirty="0" smtClean="0"/>
+              <a:t>To verify the email and password the login page object interact with the validation object with the message verify.</a:t>
+            </a:r>
+          </a:p>
+          <a:p>
+            <a:pPr marL="342900" indent="-342900">
+              <a:buFont typeface="Wingdings" pitchFamily="2" charset="2"/>
+              <a:buChar char="ü"/>
+            </a:pPr>
+            <a:r>
+              <a:rPr lang="en-US" dirty="0" smtClean="0"/>
+              <a:t>To know the valid or invalid email and password the process is working in the frame as shown in the diagram.</a:t>
+            </a:r>
+          </a:p>
+          <a:p>
+            <a:pPr marL="342900" indent="-342900">
+              <a:buFont typeface="Wingdings" pitchFamily="2" charset="2"/>
+              <a:buChar char="ü"/>
+            </a:pPr>
+            <a:r>
+              <a:rPr lang="en-US" dirty="0" smtClean="0"/>
+              <a:t>If login is valid then login page object interact with the main page object with the message redirect else (in case of invalid)</a:t>
+            </a:r>
+            <a:r>
+              <a:rPr lang="en-US" dirty="0"/>
+              <a:t> </a:t>
+            </a:r>
+            <a:r>
+              <a:rPr lang="en-US" dirty="0" smtClean="0"/>
+              <a:t>then login page object interact with the login failure page with the message redirect.</a:t>
+            </a:r>
+          </a:p>
+          <a:p>
+            <a:endParaRPr lang="en-US" dirty="0"/>
+          </a:p>
+        </p:txBody>
+      </p:sp>
+    </p:spTree>
+    <p:extLst>
+      <p:ext uri="{BB962C8B-B14F-4D97-AF65-F5344CB8AC3E}">
+        <p14:creationId xmlns:p14="http://schemas.microsoft.com/office/powerpoint/2010/main" val="2075872207"/>
+      </p:ext>
+    </p:extLst>
+  </p:cSld>
+  <p:clrMapOvr>
+    <a:masterClrMapping/>
+  </p:clrMapOvr>
+  <p:timing>
+    <p:tnLst>
+      <p:par>
+        <p:cTn id="1" dur="indefinite" restart="never" nodeType="tmRoot"/>
+      </p:par>
+    </p:tnLst>
+  </p:timing>
+</p:sld>
+</file>
+
+<file path=ppt/slides/slide41.xml><?xml version="1.0" encoding="utf-8"?>
+<p:sld xmlns:a="http://schemas.openxmlformats.org/drawingml/2006/main" xmlns:r="http://schemas.openxmlformats.org/officeDocument/2006/relationships" xmlns:p="http://schemas.openxmlformats.org/presentationml/2006/main">
+  <p:cSld>
+    <p:spTree>
+      <p:nvGrpSpPr>
+        <p:cNvPr id="1" name=""/>
+        <p:cNvGrpSpPr/>
+        <p:nvPr/>
+      </p:nvGrpSpPr>
+      <p:grpSpPr>
+        <a:xfrm>
+          <a:off x="0" y="0"/>
+          <a:ext cx="0" cy="0"/>
+          <a:chOff x="0" y="0"/>
+          <a:chExt cx="0" cy="0"/>
+        </a:xfrm>
+      </p:grpSpPr>
+      <p:sp>
+        <p:nvSpPr>
+          <p:cNvPr id="3" name="Title 2"/>
+          <p:cNvSpPr>
+            <a:spLocks noGrp="1"/>
+          </p:cNvSpPr>
+          <p:nvPr>
+            <p:ph type="title"/>
+          </p:nvPr>
+        </p:nvSpPr>
+        <p:spPr/>
+        <p:txBody>
+          <a:bodyPr/>
+          <a:lstStyle/>
+          <a:p>
+            <a:endParaRPr lang="en-US" dirty="0"/>
           </a:p>
         </p:txBody>
       </p:sp>
@@ -12029,7 +12232,7 @@
 </p:sld>
 </file>
 
-<file path=ppt/slides/slide41.xml><?xml version="1.0" encoding="utf-8"?>
+<file path=ppt/slides/slide42.xml><?xml version="1.0" encoding="utf-8"?>
 <p:sld xmlns:a="http://schemas.openxmlformats.org/drawingml/2006/main" xmlns:r="http://schemas.openxmlformats.org/officeDocument/2006/relationships" xmlns:p="http://schemas.openxmlformats.org/presentationml/2006/main">
   <p:cSld>
     <p:spTree>
@@ -12061,7 +12264,7 @@
           <a:bodyPr/>
           <a:lstStyle/>
           <a:p>
-            <a:endParaRPr lang="en-US"/>
+            <a:endParaRPr lang="en-US" dirty="0"/>
           </a:p>
         </p:txBody>
       </p:sp>
@@ -12084,7 +12287,39 @@
           <a:p>
             <a:r>
               <a:rPr lang="en-US" dirty="0" smtClean="0"/>
-              <a:t>Likewise the admin is the actor in this diagram. The login success, stock management, product management, supplier management, bill management and buyer management are the objects.</a:t>
+              <a:t>Likewise the admin is the actor in this diagram. The login </a:t>
+            </a:r>
+            <a:r>
+              <a:rPr lang="en-US" dirty="0" smtClean="0"/>
+              <a:t>success, brand management, category </a:t>
+            </a:r>
+            <a:r>
+              <a:rPr lang="en-US" dirty="0" smtClean="0"/>
+              <a:t>management, </a:t>
+            </a:r>
+            <a:r>
+              <a:rPr lang="en-US" dirty="0" smtClean="0"/>
+              <a:t>product</a:t>
+            </a:r>
+            <a:r>
+              <a:rPr lang="en-US" dirty="0" smtClean="0"/>
+              <a:t> </a:t>
+            </a:r>
+            <a:r>
+              <a:rPr lang="en-US" dirty="0" smtClean="0"/>
+              <a:t>management, bill management and </a:t>
+            </a:r>
+            <a:r>
+              <a:rPr lang="en-US" dirty="0" smtClean="0"/>
+              <a:t>customer</a:t>
+            </a:r>
+            <a:r>
+              <a:rPr lang="en-US" dirty="0" smtClean="0"/>
+              <a:t> </a:t>
+            </a:r>
+            <a:r>
+              <a:rPr lang="en-US" dirty="0" smtClean="0"/>
+              <a:t>management are the objects.</a:t>
             </a:r>
           </a:p>
           <a:p>
@@ -12104,8 +12339,37 @@
             </a:pPr>
             <a:r>
               <a:rPr lang="en-US" dirty="0" smtClean="0"/>
-              <a:t>The admin can manage the stock with the interaction of login success object with the stock management object with the message manage the stock.</a:t>
-            </a:r>
+              <a:t>The admin can manage the </a:t>
+            </a:r>
+            <a:r>
+              <a:rPr lang="en-US" dirty="0" smtClean="0"/>
+              <a:t>brand </a:t>
+            </a:r>
+            <a:r>
+              <a:rPr lang="en-US" dirty="0" smtClean="0"/>
+              <a:t>with the interaction of login success object with the </a:t>
+            </a:r>
+            <a:r>
+              <a:rPr lang="en-US" dirty="0" smtClean="0"/>
+              <a:t>brand </a:t>
+            </a:r>
+            <a:r>
+              <a:rPr lang="en-US" dirty="0" smtClean="0"/>
+              <a:t>management object with the message manage the </a:t>
+            </a:r>
+            <a:r>
+              <a:rPr lang="en-US" dirty="0" smtClean="0"/>
+              <a:t>brand</a:t>
+            </a:r>
+            <a:r>
+              <a:rPr lang="en-US" dirty="0" smtClean="0"/>
+              <a:t> details</a:t>
+            </a:r>
+            <a:r>
+              <a:rPr lang="en-US" dirty="0" smtClean="0"/>
+              <a:t>.</a:t>
+            </a:r>
+            <a:endParaRPr lang="en-US" dirty="0" smtClean="0"/>
           </a:p>
           <a:p>
             <a:pPr marL="342900" indent="-342900">
@@ -12114,8 +12378,69 @@
             </a:pPr>
             <a:r>
               <a:rPr lang="en-US" dirty="0" smtClean="0"/>
-              <a:t>In this way the admin can manage the product, supplier, bill and buyer with the interaction of login success object with the product management, supplier management, bill management and buyer management with the messages manage the product/supplier/bill/buyer.</a:t>
-            </a:r>
+              <a:t>In this way the admin can manage </a:t>
+            </a:r>
+            <a:r>
+              <a:rPr lang="en-US" dirty="0" smtClean="0"/>
+              <a:t>the category, product, bill </a:t>
+            </a:r>
+            <a:r>
+              <a:rPr lang="en-US" dirty="0" smtClean="0"/>
+              <a:t>and </a:t>
+            </a:r>
+            <a:r>
+              <a:rPr lang="en-US" dirty="0" smtClean="0"/>
+              <a:t>customer </a:t>
+            </a:r>
+            <a:r>
+              <a:rPr lang="en-US" dirty="0" smtClean="0"/>
+              <a:t>with </a:t>
+            </a:r>
+            <a:r>
+              <a:rPr lang="en-US" dirty="0" smtClean="0"/>
+              <a:t>the interaction of login success object with the </a:t>
+            </a:r>
+            <a:r>
+              <a:rPr lang="en-US" dirty="0" smtClean="0"/>
+              <a:t>category</a:t>
+            </a:r>
+            <a:r>
+              <a:rPr lang="en-US" dirty="0" smtClean="0"/>
+              <a:t> </a:t>
+            </a:r>
+            <a:r>
+              <a:rPr lang="en-US" dirty="0" smtClean="0"/>
+              <a:t>management, </a:t>
+            </a:r>
+            <a:r>
+              <a:rPr lang="en-US" dirty="0" smtClean="0"/>
+              <a:t>product </a:t>
+            </a:r>
+            <a:r>
+              <a:rPr lang="en-US" dirty="0" smtClean="0"/>
+              <a:t>management</a:t>
+            </a:r>
+            <a:r>
+              <a:rPr lang="en-US" dirty="0" smtClean="0"/>
+              <a:t>, bill management and </a:t>
+            </a:r>
+            <a:r>
+              <a:rPr lang="en-US" dirty="0" smtClean="0"/>
+              <a:t>customer</a:t>
+            </a:r>
+            <a:r>
+              <a:rPr lang="en-US" dirty="0" smtClean="0"/>
+              <a:t> </a:t>
+            </a:r>
+            <a:r>
+              <a:rPr lang="en-US" dirty="0" smtClean="0"/>
+              <a:t>management with the messages manage the </a:t>
+            </a:r>
+            <a:r>
+              <a:rPr lang="en-US" dirty="0" smtClean="0"/>
+              <a:t>category/product/bill/customer details.</a:t>
+            </a:r>
+            <a:endParaRPr lang="en-US" dirty="0" smtClean="0"/>
           </a:p>
           <a:p>
             <a:pPr marL="342900" indent="-342900">
@@ -12124,7 +12449,31 @@
             </a:pPr>
             <a:r>
               <a:rPr lang="en-US" dirty="0" smtClean="0"/>
-              <a:t>To edit, add, save, list and delete the stock the stock management object interact with self as it is done in the stock management object.</a:t>
+              <a:t>To edit, add, save, list and delete the </a:t>
+            </a:r>
+            <a:r>
+              <a:rPr lang="en-US" dirty="0" smtClean="0"/>
+              <a:t>brand</a:t>
+            </a:r>
+            <a:r>
+              <a:rPr lang="en-US" dirty="0" smtClean="0"/>
+              <a:t> ,the brand </a:t>
+            </a:r>
+            <a:r>
+              <a:rPr lang="en-US" dirty="0" smtClean="0"/>
+              <a:t>management object interact with self as it is done in the </a:t>
+            </a:r>
+            <a:r>
+              <a:rPr lang="en-US" dirty="0" smtClean="0"/>
+              <a:t>brand</a:t>
+            </a:r>
+            <a:r>
+              <a:rPr lang="en-US" dirty="0" smtClean="0"/>
+              <a:t> </a:t>
+            </a:r>
+            <a:r>
+              <a:rPr lang="en-US" dirty="0" smtClean="0"/>
+              <a:t>management object.</a:t>
             </a:r>
           </a:p>
           <a:p>
@@ -12134,7 +12483,31 @@
             </a:pPr>
             <a:r>
               <a:rPr lang="en-US" dirty="0" smtClean="0"/>
-              <a:t>Similarly, to edit, add, save, list and delete the product, supplier, bill and buyer management the objects interact with self as shown in the diagram</a:t>
+              <a:t>Similarly, to edit, add, save, list and delete the </a:t>
+            </a:r>
+            <a:r>
+              <a:rPr lang="en-US" dirty="0" smtClean="0"/>
+              <a:t>category, product, </a:t>
+            </a:r>
+            <a:r>
+              <a:rPr lang="en-US" dirty="0" smtClean="0"/>
+              <a:t>bill and </a:t>
+            </a:r>
+            <a:r>
+              <a:rPr lang="en-US" dirty="0" smtClean="0"/>
+              <a:t>customer</a:t>
+            </a:r>
+            <a:r>
+              <a:rPr lang="en-US" dirty="0" smtClean="0"/>
+              <a:t> </a:t>
+            </a:r>
+            <a:r>
+              <a:rPr lang="en-US" dirty="0" smtClean="0"/>
+              <a:t>management the objects interact with self as shown in the </a:t>
+            </a:r>
+            <a:r>
+              <a:rPr lang="en-US" dirty="0" smtClean="0"/>
+              <a:t>diagram.</a:t>
             </a:r>
             <a:endParaRPr lang="en-US" dirty="0"/>
           </a:p>
@@ -12160,7 +12533,7 @@
 </p:sld>
 </file>
 
-<file path=ppt/slides/slide42.xml><?xml version="1.0" encoding="utf-8"?>
+<file path=ppt/slides/slide43.xml><?xml version="1.0" encoding="utf-8"?>
 <p:sld xmlns:a="http://schemas.openxmlformats.org/drawingml/2006/main" xmlns:r="http://schemas.openxmlformats.org/officeDocument/2006/relationships" xmlns:p="http://schemas.openxmlformats.org/presentationml/2006/main">
   <p:cSld>
     <p:spTree>
@@ -12249,115 +12622,6 @@
 </p:sld>
 </file>
 
-<file path=ppt/slides/slide43.xml><?xml version="1.0" encoding="utf-8"?>
-<p:sld xmlns:a="http://schemas.openxmlformats.org/drawingml/2006/main" xmlns:r="http://schemas.openxmlformats.org/officeDocument/2006/relationships" xmlns:p="http://schemas.openxmlformats.org/presentationml/2006/main">
-  <p:cSld>
-    <p:spTree>
-      <p:nvGrpSpPr>
-        <p:cNvPr id="1" name=""/>
-        <p:cNvGrpSpPr/>
-        <p:nvPr/>
-      </p:nvGrpSpPr>
-      <p:grpSpPr>
-        <a:xfrm>
-          <a:off x="0" y="0"/>
-          <a:ext cx="0" cy="0"/>
-          <a:chOff x="0" y="0"/>
-          <a:chExt cx="0" cy="0"/>
-        </a:xfrm>
-      </p:grpSpPr>
-      <p:sp>
-        <p:nvSpPr>
-          <p:cNvPr id="3" name="Title 2"/>
-          <p:cNvSpPr>
-            <a:spLocks noGrp="1"/>
-          </p:cNvSpPr>
-          <p:nvPr>
-            <p:ph type="title"/>
-          </p:nvPr>
-        </p:nvSpPr>
-        <p:spPr/>
-        <p:txBody>
-          <a:bodyPr/>
-          <a:lstStyle/>
-          <a:p>
-            <a:endParaRPr lang="en-US"/>
-          </a:p>
-        </p:txBody>
-      </p:sp>
-      <p:sp>
-        <p:nvSpPr>
-          <p:cNvPr id="2" name="Content Placeholder 1"/>
-          <p:cNvSpPr>
-            <a:spLocks noGrp="1"/>
-          </p:cNvSpPr>
-          <p:nvPr>
-            <p:ph sz="quarter" idx="1"/>
-          </p:nvPr>
-        </p:nvSpPr>
-        <p:spPr/>
-        <p:txBody>
-          <a:bodyPr/>
-          <a:lstStyle/>
-          <a:p>
-            <a:r>
-              <a:rPr lang="en-US" dirty="0" smtClean="0"/>
-              <a:t>Here, the sequence diagram is of the adding the stock.</a:t>
-            </a:r>
-          </a:p>
-          <a:p>
-            <a:r>
-              <a:rPr lang="en-US" dirty="0" smtClean="0"/>
-              <a:t>Firstly to add the stock go to the stock management.</a:t>
-            </a:r>
-          </a:p>
-          <a:p>
-            <a:r>
-              <a:rPr lang="en-US" dirty="0" smtClean="0"/>
-              <a:t>After entering select the category.</a:t>
-            </a:r>
-          </a:p>
-          <a:p>
-            <a:r>
-              <a:rPr lang="en-US" dirty="0" smtClean="0"/>
-              <a:t>After selecting category, select the brand.</a:t>
-            </a:r>
-          </a:p>
-          <a:p>
-            <a:r>
-              <a:rPr lang="en-US" dirty="0" smtClean="0"/>
-              <a:t>Likewise after brand, select product and select supplier.</a:t>
-            </a:r>
-          </a:p>
-          <a:p>
-            <a:r>
-              <a:rPr lang="en-US" dirty="0" smtClean="0"/>
-              <a:t>Now, manage the bill of the stock and click to add.</a:t>
-            </a:r>
-            <a:endParaRPr lang="en-US" dirty="0"/>
-          </a:p>
-        </p:txBody>
-      </p:sp>
-    </p:spTree>
-    <p:extLst>
-      <p:ext uri="{BB962C8B-B14F-4D97-AF65-F5344CB8AC3E}">
-        <p14:creationId xmlns:p14="http://schemas.microsoft.com/office/powerpoint/2010/main" val="381949956"/>
-      </p:ext>
-    </p:extLst>
-  </p:cSld>
-  <p:clrMapOvr>
-    <a:masterClrMapping/>
-  </p:clrMapOvr>
-  <p:timing>
-    <p:tnLst>
-      <p:par>
-        <p:cTn id="1" dur="indefinite" restart="never" nodeType="tmRoot"/>
-      </p:par>
-    </p:tnLst>
-  </p:timing>
-</p:sld>
-</file>
-
 <file path=ppt/slides/slide44.xml><?xml version="1.0" encoding="utf-8"?>
 <p:sld xmlns:a="http://schemas.openxmlformats.org/drawingml/2006/main" xmlns:r="http://schemas.openxmlformats.org/officeDocument/2006/relationships" xmlns:p="http://schemas.openxmlformats.org/presentationml/2006/main">
   <p:cSld>
@@ -12390,10 +12654,6 @@
           <a:bodyPr/>
           <a:lstStyle/>
           <a:p>
-            <a:r>
-              <a:rPr lang="en-US" dirty="0" smtClean="0"/>
-              <a:t>testing</a:t>
-            </a:r>
             <a:endParaRPr lang="en-US" dirty="0"/>
           </a:p>
         </p:txBody>
@@ -12410,29 +12670,109 @@
         </p:nvSpPr>
         <p:spPr/>
         <p:txBody>
-          <a:bodyPr>
-            <a:normAutofit lnSpcReduction="10000"/>
-          </a:bodyPr>
-          <a:lstStyle/>
-          <a:p>
-            <a:r>
-              <a:rPr lang="en-US" dirty="0" smtClean="0"/>
-              <a:t>Testing </a:t>
-            </a:r>
-          </a:p>
-          <a:p>
-            <a:r>
-              <a:rPr lang="en-US" dirty="0" smtClean="0"/>
-              <a:t>It is the process of checking weather the software works properly or not.</a:t>
-            </a:r>
-          </a:p>
-          <a:p>
-            <a:r>
-              <a:rPr lang="en-US" dirty="0" smtClean="0"/>
-              <a:t>It plays the vital role while developing the project as it provides the validation to the project. It helps to find out the error and solve it effectively. To do the test also there are many testing available like whitebox testing, blackbox testing, integration testing, etc. so, to complete this project here I used the two types of testing which are the blackbox testing and whitebox testing.</a:t>
-            </a:r>
-          </a:p>
-          <a:p>
+          <a:bodyPr/>
+          <a:lstStyle/>
+          <a:p>
+            <a:r>
+              <a:rPr lang="en-US" dirty="0" smtClean="0"/>
+              <a:t>Here, the sequence diagram is of the adding the </a:t>
+            </a:r>
+            <a:r>
+              <a:rPr lang="en-US" dirty="0" smtClean="0"/>
+              <a:t>product</a:t>
+            </a:r>
+            <a:r>
+              <a:rPr lang="en-US" dirty="0" smtClean="0"/>
+              <a:t>.</a:t>
+            </a:r>
+            <a:endParaRPr lang="en-US" dirty="0" smtClean="0"/>
+          </a:p>
+          <a:p>
+            <a:r>
+              <a:rPr lang="en-US" dirty="0" smtClean="0"/>
+              <a:t>Firstly to add the </a:t>
+            </a:r>
+            <a:r>
+              <a:rPr lang="en-US" dirty="0" smtClean="0"/>
+              <a:t>product</a:t>
+            </a:r>
+            <a:r>
+              <a:rPr lang="en-US" dirty="0" smtClean="0"/>
+              <a:t> </a:t>
+            </a:r>
+            <a:r>
+              <a:rPr lang="en-US" dirty="0" smtClean="0"/>
+              <a:t>go to the </a:t>
+            </a:r>
+            <a:r>
+              <a:rPr lang="en-US" dirty="0" smtClean="0"/>
+              <a:t>product</a:t>
+            </a:r>
+            <a:r>
+              <a:rPr lang="en-US" dirty="0" smtClean="0"/>
+              <a:t> </a:t>
+            </a:r>
+            <a:r>
+              <a:rPr lang="en-US" dirty="0" smtClean="0"/>
+              <a:t>management.</a:t>
+            </a:r>
+          </a:p>
+          <a:p>
+            <a:r>
+              <a:rPr lang="en-US" dirty="0" smtClean="0"/>
+              <a:t>After entering select the category.</a:t>
+            </a:r>
+          </a:p>
+          <a:p>
+            <a:r>
+              <a:rPr lang="en-US" dirty="0" smtClean="0"/>
+              <a:t>After selecting category, select the brand.</a:t>
+            </a:r>
+          </a:p>
+          <a:p>
+            <a:r>
+              <a:rPr lang="en-US" dirty="0" smtClean="0"/>
+              <a:t>Likewise after brand, </a:t>
+            </a:r>
+            <a:r>
+              <a:rPr lang="en-US" dirty="0" smtClean="0"/>
+              <a:t>name the </a:t>
+            </a:r>
+            <a:r>
+              <a:rPr lang="en-US" dirty="0" smtClean="0"/>
+              <a:t> </a:t>
+            </a:r>
+            <a:r>
+              <a:rPr lang="en-US" dirty="0" smtClean="0"/>
+              <a:t>product and </a:t>
+            </a:r>
+            <a:r>
+              <a:rPr lang="en-US" dirty="0" smtClean="0"/>
+              <a:t>manage the rate</a:t>
+            </a:r>
+            <a:r>
+              <a:rPr lang="en-US" dirty="0" smtClean="0"/>
+              <a:t>.</a:t>
+            </a:r>
+            <a:endParaRPr lang="en-US" dirty="0" smtClean="0"/>
+          </a:p>
+          <a:p>
+            <a:r>
+              <a:rPr lang="en-US" dirty="0" smtClean="0"/>
+              <a:t>Now</a:t>
+            </a:r>
+            <a:r>
+              <a:rPr lang="en-US" dirty="0" smtClean="0"/>
+              <a:t>, </a:t>
+            </a:r>
+            <a:r>
+              <a:rPr lang="en-US" dirty="0" smtClean="0"/>
+              <a:t>click to </a:t>
+            </a:r>
+            <a:r>
+              <a:rPr lang="en-US" dirty="0" smtClean="0"/>
+              <a:t>add to add the product.</a:t>
+            </a:r>
             <a:endParaRPr lang="en-US" dirty="0"/>
           </a:p>
         </p:txBody>
@@ -12440,7 +12780,7 @@
     </p:spTree>
     <p:extLst>
       <p:ext uri="{BB962C8B-B14F-4D97-AF65-F5344CB8AC3E}">
-        <p14:creationId xmlns:p14="http://schemas.microsoft.com/office/powerpoint/2010/main" val="3301096533"/>
+        <p14:creationId xmlns:p14="http://schemas.microsoft.com/office/powerpoint/2010/main" val="381949956"/>
       </p:ext>
     </p:extLst>
   </p:cSld>
@@ -12491,7 +12831,7 @@
           <a:p>
             <a:r>
               <a:rPr lang="en-US" dirty="0" smtClean="0"/>
-              <a:t>Blackbox testing</a:t>
+              <a:t>testing</a:t>
             </a:r>
             <a:endParaRPr lang="en-US" dirty="0"/>
           </a:p>
@@ -12509,19 +12849,29 @@
         </p:nvSpPr>
         <p:spPr/>
         <p:txBody>
-          <a:bodyPr/>
-          <a:lstStyle/>
-          <a:p>
-            <a:r>
-              <a:rPr lang="en-US" dirty="0" smtClean="0"/>
-              <a:t>Blackbox testing</a:t>
-            </a:r>
-          </a:p>
-          <a:p>
-            <a:r>
-              <a:rPr lang="en-US" dirty="0" smtClean="0"/>
-              <a:t>It is one of the best testing method which is used to test the functional part of the software and making sure that the behavior of the software is as expected. So it is also know as the behavioral based testing. It only look up to the functional part testing not the internal part of the software. Just like the login, registration and other functional part of the software.</a:t>
-            </a:r>
+          <a:bodyPr>
+            <a:normAutofit lnSpcReduction="10000"/>
+          </a:bodyPr>
+          <a:lstStyle/>
+          <a:p>
+            <a:r>
+              <a:rPr lang="en-US" dirty="0" smtClean="0"/>
+              <a:t>Testing </a:t>
+            </a:r>
+          </a:p>
+          <a:p>
+            <a:r>
+              <a:rPr lang="en-US" dirty="0" smtClean="0"/>
+              <a:t>It is the process of checking weather the software works properly or not.</a:t>
+            </a:r>
+          </a:p>
+          <a:p>
+            <a:r>
+              <a:rPr lang="en-US" dirty="0" smtClean="0"/>
+              <a:t>It plays the vital role while developing the project as it provides the validation to the project. It helps to find out the error and solve it effectively. To do the test also there are many testing available like whitebox testing, blackbox testing, integration testing, etc. so, to complete this project here I used the two types of testing which are the blackbox testing and whitebox testing.</a:t>
+            </a:r>
+          </a:p>
+          <a:p>
             <a:endParaRPr lang="en-US" dirty="0"/>
           </a:p>
         </p:txBody>
@@ -12529,7 +12879,7 @@
     </p:spTree>
     <p:extLst>
       <p:ext uri="{BB962C8B-B14F-4D97-AF65-F5344CB8AC3E}">
-        <p14:creationId xmlns:p14="http://schemas.microsoft.com/office/powerpoint/2010/main" val="3110014913"/>
+        <p14:creationId xmlns:p14="http://schemas.microsoft.com/office/powerpoint/2010/main" val="3301096533"/>
       </p:ext>
     </p:extLst>
   </p:cSld>
@@ -12578,7 +12928,96 @@
           <a:bodyPr/>
           <a:lstStyle/>
           <a:p>
-            <a:endParaRPr lang="en-US"/>
+            <a:r>
+              <a:rPr lang="en-US" dirty="0" smtClean="0"/>
+              <a:t>Blackbox testing</a:t>
+            </a:r>
+            <a:endParaRPr lang="en-US" dirty="0"/>
+          </a:p>
+        </p:txBody>
+      </p:sp>
+      <p:sp>
+        <p:nvSpPr>
+          <p:cNvPr id="2" name="Content Placeholder 1"/>
+          <p:cNvSpPr>
+            <a:spLocks noGrp="1"/>
+          </p:cNvSpPr>
+          <p:nvPr>
+            <p:ph sz="quarter" idx="1"/>
+          </p:nvPr>
+        </p:nvSpPr>
+        <p:spPr/>
+        <p:txBody>
+          <a:bodyPr/>
+          <a:lstStyle/>
+          <a:p>
+            <a:r>
+              <a:rPr lang="en-US" dirty="0" smtClean="0"/>
+              <a:t>Blackbox testing</a:t>
+            </a:r>
+          </a:p>
+          <a:p>
+            <a:r>
+              <a:rPr lang="en-US" dirty="0" smtClean="0"/>
+              <a:t>It is one of the best testing method which is used to test the functional part of the software and making sure that the behavior of the software is as expected. So it is also know as the behavioral based testing. It only look up to the functional part testing not the internal part of the software. Just like the login, registration and other functional part of the software.</a:t>
+            </a:r>
+            <a:endParaRPr lang="en-US" dirty="0"/>
+          </a:p>
+        </p:txBody>
+      </p:sp>
+    </p:spTree>
+    <p:extLst>
+      <p:ext uri="{BB962C8B-B14F-4D97-AF65-F5344CB8AC3E}">
+        <p14:creationId xmlns:p14="http://schemas.microsoft.com/office/powerpoint/2010/main" val="3110014913"/>
+      </p:ext>
+    </p:extLst>
+  </p:cSld>
+  <p:clrMapOvr>
+    <a:masterClrMapping/>
+  </p:clrMapOvr>
+  <p:timing>
+    <p:tnLst>
+      <p:par>
+        <p:cTn id="1" dur="indefinite" restart="never" nodeType="tmRoot"/>
+      </p:par>
+    </p:tnLst>
+  </p:timing>
+</p:sld>
+</file>
+
+<file path=ppt/slides/slide47.xml><?xml version="1.0" encoding="utf-8"?>
+<p:sld xmlns:a="http://schemas.openxmlformats.org/drawingml/2006/main" xmlns:r="http://schemas.openxmlformats.org/officeDocument/2006/relationships" xmlns:p="http://schemas.openxmlformats.org/presentationml/2006/main">
+  <p:cSld>
+    <p:spTree>
+      <p:nvGrpSpPr>
+        <p:cNvPr id="1" name=""/>
+        <p:cNvGrpSpPr/>
+        <p:nvPr/>
+      </p:nvGrpSpPr>
+      <p:grpSpPr>
+        <a:xfrm>
+          <a:off x="0" y="0"/>
+          <a:ext cx="0" cy="0"/>
+          <a:chOff x="0" y="0"/>
+          <a:chExt cx="0" cy="0"/>
+        </a:xfrm>
+      </p:grpSpPr>
+      <p:sp>
+        <p:nvSpPr>
+          <p:cNvPr id="3" name="Title 2"/>
+          <p:cNvSpPr>
+            <a:spLocks noGrp="1"/>
+          </p:cNvSpPr>
+          <p:nvPr>
+            <p:ph type="title"/>
+          </p:nvPr>
+        </p:nvSpPr>
+        <p:spPr/>
+        <p:txBody>
+          <a:bodyPr/>
+          <a:lstStyle/>
+          <a:p>
+            <a:endParaRPr lang="en-US" dirty="0"/>
           </a:p>
         </p:txBody>
       </p:sp>
@@ -12592,7 +13031,7 @@
             <p:ph sz="quarter" idx="1"/>
             <p:extLst>
               <p:ext uri="{D42A27DB-BD31-4B8C-83A1-F6EECF244321}">
-                <p14:modId xmlns:p14="http://schemas.microsoft.com/office/powerpoint/2010/main" val="2016390795"/>
+                <p14:modId xmlns:p14="http://schemas.microsoft.com/office/powerpoint/2010/main" val="66576192"/>
               </p:ext>
             </p:extLst>
           </p:nvPr>
@@ -12790,21 +13229,13 @@
                     <a:p>
                       <a:r>
                         <a:rPr lang="en-US" sz="1100" baseline="0" dirty="0" smtClean="0"/>
-                        <a:t>The email </a:t>
-                      </a:r>
-                      <a:r>
-                        <a:rPr lang="en-US" sz="1100" baseline="0" dirty="0" smtClean="0"/>
-                        <a:t>field is required</a:t>
+                        <a:t>The email field is required</a:t>
                       </a:r>
                     </a:p>
                     <a:p>
                       <a:r>
                         <a:rPr lang="en-US" sz="1100" baseline="0" dirty="0" smtClean="0"/>
-                        <a:t>The password </a:t>
-                      </a:r>
-                      <a:r>
-                        <a:rPr lang="en-US" sz="1100" baseline="0" dirty="0" smtClean="0"/>
-                        <a:t>field is required.</a:t>
+                        <a:t>The password field is required.</a:t>
                       </a:r>
                       <a:endParaRPr lang="en-US" sz="1100" dirty="0" smtClean="0"/>
                     </a:p>
@@ -12848,19 +13279,11 @@
                     <a:p>
                       <a:r>
                         <a:rPr lang="en-US" sz="1100" dirty="0" smtClean="0"/>
-                        <a:t>Testing: inserting the </a:t>
-                      </a:r>
-                      <a:r>
-                        <a:rPr lang="en-US" sz="1100" dirty="0" smtClean="0"/>
-                        <a:t>invalid</a:t>
+                        <a:t>Testing: inserting the invalid</a:t>
                       </a:r>
                       <a:r>
                         <a:rPr lang="en-US" sz="1100" baseline="0" dirty="0" smtClean="0"/>
-                        <a:t> </a:t>
-                      </a:r>
-                      <a:r>
-                        <a:rPr lang="en-US" sz="1100" baseline="0" dirty="0" smtClean="0"/>
-                        <a:t>password in login form.</a:t>
+                        <a:t> password in login form.</a:t>
                       </a:r>
                       <a:endParaRPr lang="en-US" sz="1100" dirty="0"/>
                     </a:p>
@@ -13041,7 +13464,11 @@
                     <a:p>
                       <a:r>
                         <a:rPr lang="en-US" sz="1100" dirty="0" smtClean="0"/>
-                        <a:t>Email does not exits</a:t>
+                        <a:t>Email does not </a:t>
+                      </a:r>
+                      <a:r>
+                        <a:rPr lang="en-US" sz="1100" dirty="0" smtClean="0"/>
+                        <a:t>exists</a:t>
                       </a:r>
                       <a:endParaRPr lang="en-US" sz="1100" dirty="0"/>
                     </a:p>
@@ -13459,7 +13886,7 @@
 </p:sld>
 </file>
 
-<file path=ppt/slides/slide47.xml><?xml version="1.0" encoding="utf-8"?>
+<file path=ppt/slides/slide48.xml><?xml version="1.0" encoding="utf-8"?>
 <p:sld xmlns:a="http://schemas.openxmlformats.org/drawingml/2006/main" xmlns:r="http://schemas.openxmlformats.org/officeDocument/2006/relationships" xmlns:p="http://schemas.openxmlformats.org/presentationml/2006/main">
   <p:cSld>
     <p:spTree>
@@ -13505,7 +13932,7 @@
             <p:ph sz="quarter" idx="1"/>
             <p:extLst>
               <p:ext uri="{D42A27DB-BD31-4B8C-83A1-F6EECF244321}">
-                <p14:modId xmlns:p14="http://schemas.microsoft.com/office/powerpoint/2010/main" val="3403269585"/>
+                <p14:modId xmlns:p14="http://schemas.microsoft.com/office/powerpoint/2010/main" val="257453950"/>
               </p:ext>
             </p:extLst>
           </p:nvPr>
@@ -13692,11 +14119,7 @@
                     <a:p>
                       <a:r>
                         <a:rPr lang="en-US" sz="1100" dirty="0" smtClean="0"/>
-                        <a:t>Testing: changing the password </a:t>
-                      </a:r>
-                      <a:r>
-                        <a:rPr lang="en-US" sz="1100" dirty="0" smtClean="0"/>
-                        <a:t> which length is more</a:t>
+                        <a:t>Testing: changing the password  which length is more</a:t>
                       </a:r>
                       <a:r>
                         <a:rPr lang="en-US" sz="1100" baseline="0" dirty="0" smtClean="0"/>
@@ -14075,7 +14498,7 @@
 </p:sld>
 </file>
 
-<file path=ppt/slides/slide48.xml><?xml version="1.0" encoding="utf-8"?>
+<file path=ppt/slides/slide49.xml><?xml version="1.0" encoding="utf-8"?>
 <p:sld xmlns:a="http://schemas.openxmlformats.org/drawingml/2006/main" xmlns:r="http://schemas.openxmlformats.org/officeDocument/2006/relationships" xmlns:p="http://schemas.openxmlformats.org/presentationml/2006/main">
   <p:cSld>
     <p:spTree>
@@ -14284,7 +14707,135 @@
 </p:sld>
 </file>
 
-<file path=ppt/slides/slide49.xml><?xml version="1.0" encoding="utf-8"?>
+<file path=ppt/slides/slide5.xml><?xml version="1.0" encoding="utf-8"?>
+<p:sld xmlns:a="http://schemas.openxmlformats.org/drawingml/2006/main" xmlns:r="http://schemas.openxmlformats.org/officeDocument/2006/relationships" xmlns:p="http://schemas.openxmlformats.org/presentationml/2006/main">
+  <p:cSld>
+    <p:spTree>
+      <p:nvGrpSpPr>
+        <p:cNvPr id="1" name=""/>
+        <p:cNvGrpSpPr/>
+        <p:nvPr/>
+      </p:nvGrpSpPr>
+      <p:grpSpPr>
+        <a:xfrm>
+          <a:off x="0" y="0"/>
+          <a:ext cx="0" cy="0"/>
+          <a:chOff x="0" y="0"/>
+          <a:chExt cx="0" cy="0"/>
+        </a:xfrm>
+      </p:grpSpPr>
+      <p:sp>
+        <p:nvSpPr>
+          <p:cNvPr id="2" name="Title 1"/>
+          <p:cNvSpPr>
+            <a:spLocks noGrp="1"/>
+          </p:cNvSpPr>
+          <p:nvPr>
+            <p:ph type="title"/>
+          </p:nvPr>
+        </p:nvSpPr>
+        <p:spPr/>
+        <p:txBody>
+          <a:bodyPr>
+            <a:normAutofit/>
+          </a:bodyPr>
+          <a:lstStyle/>
+          <a:p>
+            <a:r>
+              <a:rPr lang="en-US" dirty="0" smtClean="0"/>
+              <a:t>Aims of Stock Management System</a:t>
+            </a:r>
+            <a:endParaRPr lang="en-US" dirty="0"/>
+          </a:p>
+        </p:txBody>
+      </p:sp>
+      <p:sp>
+        <p:nvSpPr>
+          <p:cNvPr id="3" name="Content Placeholder 2"/>
+          <p:cNvSpPr>
+            <a:spLocks noGrp="1"/>
+          </p:cNvSpPr>
+          <p:nvPr>
+            <p:ph sz="quarter" idx="1"/>
+          </p:nvPr>
+        </p:nvSpPr>
+        <p:spPr>
+          <a:xfrm>
+            <a:off x="533400" y="2057400"/>
+            <a:ext cx="8229600" cy="4075176"/>
+          </a:xfrm>
+        </p:spPr>
+        <p:txBody>
+          <a:bodyPr>
+            <a:normAutofit lnSpcReduction="10000"/>
+          </a:bodyPr>
+          <a:lstStyle/>
+          <a:p>
+            <a:r>
+              <a:rPr lang="en-US" sz="3200" dirty="0" smtClean="0"/>
+              <a:t>Followings are the aims of sms</a:t>
+            </a:r>
+          </a:p>
+          <a:p>
+            <a:pPr marL="457200" indent="-457200">
+              <a:buFont typeface="Wingdings" pitchFamily="2" charset="2"/>
+              <a:buChar char="§"/>
+            </a:pPr>
+            <a:r>
+              <a:rPr lang="en-US" sz="3200" dirty="0" smtClean="0"/>
+              <a:t>The main aim is to manage the product available in the stock in the systematic way.</a:t>
+            </a:r>
+          </a:p>
+          <a:p>
+            <a:pPr marL="457200" indent="-457200">
+              <a:buFont typeface="Wingdings" pitchFamily="2" charset="2"/>
+              <a:buChar char="§"/>
+            </a:pPr>
+            <a:r>
+              <a:rPr lang="en-US" sz="3200" dirty="0" smtClean="0"/>
+              <a:t>To keep the records of products and manage it properly in the database.</a:t>
+            </a:r>
+          </a:p>
+          <a:p>
+            <a:pPr marL="457200" indent="-457200">
+              <a:buFont typeface="Wingdings" pitchFamily="2" charset="2"/>
+              <a:buChar char="§"/>
+            </a:pPr>
+            <a:r>
+              <a:rPr lang="en-US" sz="3200" dirty="0" smtClean="0"/>
+              <a:t>To display the available products and their details.</a:t>
+            </a:r>
+          </a:p>
+          <a:p>
+            <a:pPr marL="457200" indent="-457200">
+              <a:buFont typeface="Wingdings" pitchFamily="2" charset="2"/>
+              <a:buChar char="§"/>
+            </a:pPr>
+            <a:endParaRPr lang="en-US" sz="3200" dirty="0"/>
+          </a:p>
+        </p:txBody>
+      </p:sp>
+    </p:spTree>
+    <p:extLst>
+      <p:ext uri="{BB962C8B-B14F-4D97-AF65-F5344CB8AC3E}">
+        <p14:creationId xmlns:p14="http://schemas.microsoft.com/office/powerpoint/2010/main" val="3046616702"/>
+      </p:ext>
+    </p:extLst>
+  </p:cSld>
+  <p:clrMapOvr>
+    <a:masterClrMapping/>
+  </p:clrMapOvr>
+  <p:timing>
+    <p:tnLst>
+      <p:par>
+        <p:cTn id="1" dur="indefinite" restart="never" nodeType="tmRoot"/>
+      </p:par>
+    </p:tnLst>
+  </p:timing>
+</p:sld>
+</file>
+
+<file path=ppt/slides/slide50.xml><?xml version="1.0" encoding="utf-8"?>
 <p:sld xmlns:a="http://schemas.openxmlformats.org/drawingml/2006/main" xmlns:r="http://schemas.openxmlformats.org/officeDocument/2006/relationships" xmlns:p="http://schemas.openxmlformats.org/presentationml/2006/main">
   <p:cSld>
     <p:spTree>
@@ -14557,135 +15108,7 @@
 </p:sld>
 </file>
 
-<file path=ppt/slides/slide5.xml><?xml version="1.0" encoding="utf-8"?>
-<p:sld xmlns:a="http://schemas.openxmlformats.org/drawingml/2006/main" xmlns:r="http://schemas.openxmlformats.org/officeDocument/2006/relationships" xmlns:p="http://schemas.openxmlformats.org/presentationml/2006/main">
-  <p:cSld>
-    <p:spTree>
-      <p:nvGrpSpPr>
-        <p:cNvPr id="1" name=""/>
-        <p:cNvGrpSpPr/>
-        <p:nvPr/>
-      </p:nvGrpSpPr>
-      <p:grpSpPr>
-        <a:xfrm>
-          <a:off x="0" y="0"/>
-          <a:ext cx="0" cy="0"/>
-          <a:chOff x="0" y="0"/>
-          <a:chExt cx="0" cy="0"/>
-        </a:xfrm>
-      </p:grpSpPr>
-      <p:sp>
-        <p:nvSpPr>
-          <p:cNvPr id="2" name="Title 1"/>
-          <p:cNvSpPr>
-            <a:spLocks noGrp="1"/>
-          </p:cNvSpPr>
-          <p:nvPr>
-            <p:ph type="title"/>
-          </p:nvPr>
-        </p:nvSpPr>
-        <p:spPr/>
-        <p:txBody>
-          <a:bodyPr>
-            <a:normAutofit/>
-          </a:bodyPr>
-          <a:lstStyle/>
-          <a:p>
-            <a:r>
-              <a:rPr lang="en-US" dirty="0" smtClean="0"/>
-              <a:t>Aims of Stock Management System</a:t>
-            </a:r>
-            <a:endParaRPr lang="en-US" dirty="0"/>
-          </a:p>
-        </p:txBody>
-      </p:sp>
-      <p:sp>
-        <p:nvSpPr>
-          <p:cNvPr id="3" name="Content Placeholder 2"/>
-          <p:cNvSpPr>
-            <a:spLocks noGrp="1"/>
-          </p:cNvSpPr>
-          <p:nvPr>
-            <p:ph sz="quarter" idx="1"/>
-          </p:nvPr>
-        </p:nvSpPr>
-        <p:spPr>
-          <a:xfrm>
-            <a:off x="533400" y="2057400"/>
-            <a:ext cx="8229600" cy="4075176"/>
-          </a:xfrm>
-        </p:spPr>
-        <p:txBody>
-          <a:bodyPr>
-            <a:normAutofit lnSpcReduction="10000"/>
-          </a:bodyPr>
-          <a:lstStyle/>
-          <a:p>
-            <a:r>
-              <a:rPr lang="en-US" sz="3200" dirty="0" smtClean="0"/>
-              <a:t>Followings are the aims of sms</a:t>
-            </a:r>
-          </a:p>
-          <a:p>
-            <a:pPr marL="457200" indent="-457200">
-              <a:buFont typeface="Wingdings" pitchFamily="2" charset="2"/>
-              <a:buChar char="§"/>
-            </a:pPr>
-            <a:r>
-              <a:rPr lang="en-US" sz="3200" dirty="0" smtClean="0"/>
-              <a:t>The main aim is to manage the product available in the stock in the systematic way.</a:t>
-            </a:r>
-          </a:p>
-          <a:p>
-            <a:pPr marL="457200" indent="-457200">
-              <a:buFont typeface="Wingdings" pitchFamily="2" charset="2"/>
-              <a:buChar char="§"/>
-            </a:pPr>
-            <a:r>
-              <a:rPr lang="en-US" sz="3200" dirty="0" smtClean="0"/>
-              <a:t>To keep the records of products and manage it properly in the database.</a:t>
-            </a:r>
-          </a:p>
-          <a:p>
-            <a:pPr marL="457200" indent="-457200">
-              <a:buFont typeface="Wingdings" pitchFamily="2" charset="2"/>
-              <a:buChar char="§"/>
-            </a:pPr>
-            <a:r>
-              <a:rPr lang="en-US" sz="3200" dirty="0" smtClean="0"/>
-              <a:t>To display the available products and their details.</a:t>
-            </a:r>
-          </a:p>
-          <a:p>
-            <a:pPr marL="457200" indent="-457200">
-              <a:buFont typeface="Wingdings" pitchFamily="2" charset="2"/>
-              <a:buChar char="§"/>
-            </a:pPr>
-            <a:endParaRPr lang="en-US" sz="3200" dirty="0"/>
-          </a:p>
-        </p:txBody>
-      </p:sp>
-    </p:spTree>
-    <p:extLst>
-      <p:ext uri="{BB962C8B-B14F-4D97-AF65-F5344CB8AC3E}">
-        <p14:creationId xmlns:p14="http://schemas.microsoft.com/office/powerpoint/2010/main" val="3046616702"/>
-      </p:ext>
-    </p:extLst>
-  </p:cSld>
-  <p:clrMapOvr>
-    <a:masterClrMapping/>
-  </p:clrMapOvr>
-  <p:timing>
-    <p:tnLst>
-      <p:par>
-        <p:cTn id="1" dur="indefinite" restart="never" nodeType="tmRoot"/>
-      </p:par>
-    </p:tnLst>
-  </p:timing>
-</p:sld>
-</file>
-
-<file path=ppt/slides/slide50.xml><?xml version="1.0" encoding="utf-8"?>
+<file path=ppt/slides/slide51.xml><?xml version="1.0" encoding="utf-8"?>
 <p:sld xmlns:a="http://schemas.openxmlformats.org/drawingml/2006/main" xmlns:r="http://schemas.openxmlformats.org/officeDocument/2006/relationships" xmlns:p="http://schemas.openxmlformats.org/presentationml/2006/main">
   <p:cSld>
     <p:spTree>
@@ -14958,7 +15381,7 @@
 </p:sld>
 </file>
 
-<file path=ppt/slides/slide51.xml><?xml version="1.0" encoding="utf-8"?>
+<file path=ppt/slides/slide52.xml><?xml version="1.0" encoding="utf-8"?>
 <p:sld xmlns:a="http://schemas.openxmlformats.org/drawingml/2006/main" xmlns:r="http://schemas.openxmlformats.org/officeDocument/2006/relationships" xmlns:p="http://schemas.openxmlformats.org/presentationml/2006/main">
   <p:cSld>
     <p:spTree>
@@ -15231,7 +15654,7 @@
 </p:sld>
 </file>
 
-<file path=ppt/slides/slide52.xml><?xml version="1.0" encoding="utf-8"?>
+<file path=ppt/slides/slide53.xml><?xml version="1.0" encoding="utf-8"?>
 <p:sld xmlns:a="http://schemas.openxmlformats.org/drawingml/2006/main" xmlns:r="http://schemas.openxmlformats.org/officeDocument/2006/relationships" xmlns:p="http://schemas.openxmlformats.org/presentationml/2006/main">
   <p:cSld>
     <p:spTree>
@@ -15602,7 +16025,7 @@
 </p:sld>
 </file>
 
-<file path=ppt/slides/slide53.xml><?xml version="1.0" encoding="utf-8"?>
+<file path=ppt/slides/slide54.xml><?xml version="1.0" encoding="utf-8"?>
 <p:sld xmlns:a="http://schemas.openxmlformats.org/drawingml/2006/main" xmlns:r="http://schemas.openxmlformats.org/officeDocument/2006/relationships" xmlns:p="http://schemas.openxmlformats.org/presentationml/2006/main">
   <p:cSld>
     <p:spTree>
@@ -15973,7 +16396,7 @@
 </p:sld>
 </file>
 
-<file path=ppt/slides/slide54.xml><?xml version="1.0" encoding="utf-8"?>
+<file path=ppt/slides/slide55.xml><?xml version="1.0" encoding="utf-8"?>
 <p:sld xmlns:a="http://schemas.openxmlformats.org/drawingml/2006/main" xmlns:r="http://schemas.openxmlformats.org/officeDocument/2006/relationships" xmlns:p="http://schemas.openxmlformats.org/presentationml/2006/main">
   <p:cSld>
     <p:spTree>
@@ -16319,7 +16742,7 @@
 </p:sld>
 </file>
 
-<file path=ppt/slides/slide55.xml><?xml version="1.0" encoding="utf-8"?>
+<file path=ppt/slides/slide56.xml><?xml version="1.0" encoding="utf-8"?>
 <p:sld xmlns:a="http://schemas.openxmlformats.org/drawingml/2006/main" xmlns:r="http://schemas.openxmlformats.org/officeDocument/2006/relationships" xmlns:p="http://schemas.openxmlformats.org/presentationml/2006/main">
   <p:cSld>
     <p:spTree>
@@ -16690,7 +17113,7 @@
 </p:sld>
 </file>
 
-<file path=ppt/slides/slide56.xml><?xml version="1.0" encoding="utf-8"?>
+<file path=ppt/slides/slide57.xml><?xml version="1.0" encoding="utf-8"?>
 <p:sld xmlns:a="http://schemas.openxmlformats.org/drawingml/2006/main" xmlns:r="http://schemas.openxmlformats.org/officeDocument/2006/relationships" xmlns:p="http://schemas.openxmlformats.org/presentationml/2006/main">
   <p:cSld>
     <p:spTree>
@@ -16997,7 +17420,7 @@
 </p:sld>
 </file>
 
-<file path=ppt/slides/slide57.xml><?xml version="1.0" encoding="utf-8"?>
+<file path=ppt/slides/slide58.xml><?xml version="1.0" encoding="utf-8"?>
 <p:sld xmlns:a="http://schemas.openxmlformats.org/drawingml/2006/main" xmlns:r="http://schemas.openxmlformats.org/officeDocument/2006/relationships" xmlns:p="http://schemas.openxmlformats.org/presentationml/2006/main">
   <p:cSld>
     <p:spTree>
@@ -17029,7 +17452,11 @@
           <a:bodyPr/>
           <a:lstStyle/>
           <a:p>
-            <a:endParaRPr lang="en-US"/>
+            <a:r>
+              <a:rPr lang="en-US" dirty="0" smtClean="0"/>
+              <a:t> </a:t>
+            </a:r>
+            <a:endParaRPr lang="en-US" dirty="0"/>
           </a:p>
         </p:txBody>
       </p:sp>
@@ -17304,7 +17731,7 @@
 </p:sld>
 </file>
 
-<file path=ppt/slides/slide58.xml><?xml version="1.0" encoding="utf-8"?>
+<file path=ppt/slides/slide59.xml><?xml version="1.0" encoding="utf-8"?>
 <p:sld xmlns:a="http://schemas.openxmlformats.org/drawingml/2006/main" xmlns:r="http://schemas.openxmlformats.org/officeDocument/2006/relationships" xmlns:p="http://schemas.openxmlformats.org/presentationml/2006/main">
   <p:cSld>
     <p:spTree>
@@ -17406,7 +17833,186 @@
 </p:sld>
 </file>
 
-<file path=ppt/slides/slide59.xml><?xml version="1.0" encoding="utf-8"?>
+<file path=ppt/slides/slide6.xml><?xml version="1.0" encoding="utf-8"?>
+<p:sld xmlns:a="http://schemas.openxmlformats.org/drawingml/2006/main" xmlns:r="http://schemas.openxmlformats.org/officeDocument/2006/relationships" xmlns:p="http://schemas.openxmlformats.org/presentationml/2006/main">
+  <p:cSld>
+    <p:spTree>
+      <p:nvGrpSpPr>
+        <p:cNvPr id="1" name=""/>
+        <p:cNvGrpSpPr/>
+        <p:nvPr/>
+      </p:nvGrpSpPr>
+      <p:grpSpPr>
+        <a:xfrm>
+          <a:off x="0" y="0"/>
+          <a:ext cx="0" cy="0"/>
+          <a:chOff x="0" y="0"/>
+          <a:chExt cx="0" cy="0"/>
+        </a:xfrm>
+      </p:grpSpPr>
+      <p:sp>
+        <p:nvSpPr>
+          <p:cNvPr id="2" name="Title 1"/>
+          <p:cNvSpPr>
+            <a:spLocks noGrp="1"/>
+          </p:cNvSpPr>
+          <p:nvPr>
+            <p:ph type="title"/>
+          </p:nvPr>
+        </p:nvSpPr>
+        <p:spPr>
+          <a:xfrm>
+            <a:off x="2514600" y="304800"/>
+            <a:ext cx="3733800" cy="685800"/>
+          </a:xfrm>
+        </p:spPr>
+        <p:style>
+          <a:lnRef idx="2">
+            <a:schemeClr val="accent4"/>
+          </a:lnRef>
+          <a:fillRef idx="1">
+            <a:schemeClr val="lt1"/>
+          </a:fillRef>
+          <a:effectRef idx="0">
+            <a:schemeClr val="accent4"/>
+          </a:effectRef>
+          <a:fontRef idx="minor">
+            <a:schemeClr val="dk1"/>
+          </a:fontRef>
+        </p:style>
+        <p:txBody>
+          <a:bodyPr>
+            <a:normAutofit fontScale="90000"/>
+          </a:bodyPr>
+          <a:lstStyle/>
+          <a:p>
+            <a:r>
+              <a:rPr lang="en-US" dirty="0" smtClean="0"/>
+              <a:t/>
+            </a:r>
+            <a:br>
+              <a:rPr lang="en-US" dirty="0" smtClean="0"/>
+            </a:br>
+            <a:r>
+              <a:rPr lang="en-US" dirty="0" smtClean="0"/>
+              <a:t>objectives </a:t>
+            </a:r>
+            <a:endParaRPr lang="en-US" dirty="0"/>
+          </a:p>
+        </p:txBody>
+      </p:sp>
+      <p:sp>
+        <p:nvSpPr>
+          <p:cNvPr id="3" name="Content Placeholder 2"/>
+          <p:cNvSpPr>
+            <a:spLocks noGrp="1"/>
+          </p:cNvSpPr>
+          <p:nvPr>
+            <p:ph sz="quarter" idx="1"/>
+          </p:nvPr>
+        </p:nvSpPr>
+        <p:spPr/>
+        <p:txBody>
+          <a:bodyPr>
+            <a:noAutofit/>
+          </a:bodyPr>
+          <a:lstStyle/>
+          <a:p>
+            <a:r>
+              <a:rPr lang="en-US" sz="3200" dirty="0" smtClean="0"/>
+              <a:t>To meet the given aims here are the objectives of sms</a:t>
+            </a:r>
+          </a:p>
+          <a:p>
+            <a:pPr marL="457200" indent="-457200">
+              <a:buFont typeface="Wingdings" pitchFamily="2" charset="2"/>
+              <a:buChar char="Ø"/>
+            </a:pPr>
+            <a:r>
+              <a:rPr lang="en-US" sz="3200" dirty="0" smtClean="0"/>
+              <a:t>Firstly collecting the requirements</a:t>
+            </a:r>
+          </a:p>
+          <a:p>
+            <a:pPr marL="457200" indent="-457200">
+              <a:buFont typeface="Wingdings" pitchFamily="2" charset="2"/>
+              <a:buChar char="Ø"/>
+            </a:pPr>
+            <a:r>
+              <a:rPr lang="en-US" sz="3200" dirty="0" smtClean="0"/>
+              <a:t>Designing the database for sms</a:t>
+            </a:r>
+          </a:p>
+          <a:p>
+            <a:pPr marL="457200" indent="-457200">
+              <a:buFont typeface="Wingdings" pitchFamily="2" charset="2"/>
+              <a:buChar char="Ø"/>
+            </a:pPr>
+            <a:r>
+              <a:rPr lang="en-US" sz="3200" dirty="0" smtClean="0"/>
+              <a:t>Performing the installation</a:t>
+            </a:r>
+          </a:p>
+          <a:p>
+            <a:pPr marL="457200" indent="-457200">
+              <a:buFont typeface="Wingdings" pitchFamily="2" charset="2"/>
+              <a:buChar char="Ø"/>
+            </a:pPr>
+            <a:r>
+              <a:rPr lang="en-US" sz="3200" dirty="0" smtClean="0"/>
+              <a:t>Performing the planning</a:t>
+            </a:r>
+          </a:p>
+          <a:p>
+            <a:pPr marL="457200" indent="-457200">
+              <a:buFont typeface="Wingdings" pitchFamily="2" charset="2"/>
+              <a:buChar char="Ø"/>
+            </a:pPr>
+            <a:r>
+              <a:rPr lang="en-US" sz="3200" dirty="0" smtClean="0"/>
+              <a:t>Performing the testing</a:t>
+            </a:r>
+          </a:p>
+          <a:p>
+            <a:pPr marL="457200" indent="-457200">
+              <a:buFont typeface="Wingdings" pitchFamily="2" charset="2"/>
+              <a:buChar char="Ø"/>
+            </a:pPr>
+            <a:r>
+              <a:rPr lang="en-US" sz="3200" dirty="0" smtClean="0"/>
+              <a:t>Performing the release</a:t>
+            </a:r>
+          </a:p>
+          <a:p>
+            <a:pPr marL="457200" indent="-457200">
+              <a:buFont typeface="Wingdings" pitchFamily="2" charset="2"/>
+              <a:buChar char="Ø"/>
+            </a:pPr>
+            <a:endParaRPr lang="en-US" sz="3200" dirty="0"/>
+          </a:p>
+        </p:txBody>
+      </p:sp>
+    </p:spTree>
+    <p:extLst>
+      <p:ext uri="{BB962C8B-B14F-4D97-AF65-F5344CB8AC3E}">
+        <p14:creationId xmlns:p14="http://schemas.microsoft.com/office/powerpoint/2010/main" val="2320549971"/>
+      </p:ext>
+    </p:extLst>
+  </p:cSld>
+  <p:clrMapOvr>
+    <a:masterClrMapping/>
+  </p:clrMapOvr>
+  <p:timing>
+    <p:tnLst>
+      <p:par>
+        <p:cTn id="1" dur="indefinite" restart="never" nodeType="tmRoot"/>
+      </p:par>
+    </p:tnLst>
+  </p:timing>
+</p:sld>
+</file>
+
+<file path=ppt/slides/slide60.xml><?xml version="1.0" encoding="utf-8"?>
 <p:sld xmlns:a="http://schemas.openxmlformats.org/drawingml/2006/main" xmlns:r="http://schemas.openxmlformats.org/officeDocument/2006/relationships" xmlns:p="http://schemas.openxmlformats.org/presentationml/2006/main">
   <p:cSld>
     <p:spTree>
@@ -17504,186 +18110,7 @@
 </p:sld>
 </file>
 
-<file path=ppt/slides/slide6.xml><?xml version="1.0" encoding="utf-8"?>
-<p:sld xmlns:a="http://schemas.openxmlformats.org/drawingml/2006/main" xmlns:r="http://schemas.openxmlformats.org/officeDocument/2006/relationships" xmlns:p="http://schemas.openxmlformats.org/presentationml/2006/main">
-  <p:cSld>
-    <p:spTree>
-      <p:nvGrpSpPr>
-        <p:cNvPr id="1" name=""/>
-        <p:cNvGrpSpPr/>
-        <p:nvPr/>
-      </p:nvGrpSpPr>
-      <p:grpSpPr>
-        <a:xfrm>
-          <a:off x="0" y="0"/>
-          <a:ext cx="0" cy="0"/>
-          <a:chOff x="0" y="0"/>
-          <a:chExt cx="0" cy="0"/>
-        </a:xfrm>
-      </p:grpSpPr>
-      <p:sp>
-        <p:nvSpPr>
-          <p:cNvPr id="2" name="Title 1"/>
-          <p:cNvSpPr>
-            <a:spLocks noGrp="1"/>
-          </p:cNvSpPr>
-          <p:nvPr>
-            <p:ph type="title"/>
-          </p:nvPr>
-        </p:nvSpPr>
-        <p:spPr>
-          <a:xfrm>
-            <a:off x="2514600" y="304800"/>
-            <a:ext cx="3733800" cy="685800"/>
-          </a:xfrm>
-        </p:spPr>
-        <p:style>
-          <a:lnRef idx="2">
-            <a:schemeClr val="accent4"/>
-          </a:lnRef>
-          <a:fillRef idx="1">
-            <a:schemeClr val="lt1"/>
-          </a:fillRef>
-          <a:effectRef idx="0">
-            <a:schemeClr val="accent4"/>
-          </a:effectRef>
-          <a:fontRef idx="minor">
-            <a:schemeClr val="dk1"/>
-          </a:fontRef>
-        </p:style>
-        <p:txBody>
-          <a:bodyPr>
-            <a:normAutofit fontScale="90000"/>
-          </a:bodyPr>
-          <a:lstStyle/>
-          <a:p>
-            <a:r>
-              <a:rPr lang="en-US" dirty="0" smtClean="0"/>
-              <a:t/>
-            </a:r>
-            <a:br>
-              <a:rPr lang="en-US" dirty="0" smtClean="0"/>
-            </a:br>
-            <a:r>
-              <a:rPr lang="en-US" dirty="0" smtClean="0"/>
-              <a:t>objectives </a:t>
-            </a:r>
-            <a:endParaRPr lang="en-US" dirty="0"/>
-          </a:p>
-        </p:txBody>
-      </p:sp>
-      <p:sp>
-        <p:nvSpPr>
-          <p:cNvPr id="3" name="Content Placeholder 2"/>
-          <p:cNvSpPr>
-            <a:spLocks noGrp="1"/>
-          </p:cNvSpPr>
-          <p:nvPr>
-            <p:ph sz="quarter" idx="1"/>
-          </p:nvPr>
-        </p:nvSpPr>
-        <p:spPr/>
-        <p:txBody>
-          <a:bodyPr>
-            <a:noAutofit/>
-          </a:bodyPr>
-          <a:lstStyle/>
-          <a:p>
-            <a:r>
-              <a:rPr lang="en-US" sz="3200" dirty="0" smtClean="0"/>
-              <a:t>To meet the given aims here are the objectives of sms</a:t>
-            </a:r>
-          </a:p>
-          <a:p>
-            <a:pPr marL="457200" indent="-457200">
-              <a:buFont typeface="Wingdings" pitchFamily="2" charset="2"/>
-              <a:buChar char="Ø"/>
-            </a:pPr>
-            <a:r>
-              <a:rPr lang="en-US" sz="3200" dirty="0" smtClean="0"/>
-              <a:t>Firstly collecting the requirements</a:t>
-            </a:r>
-          </a:p>
-          <a:p>
-            <a:pPr marL="457200" indent="-457200">
-              <a:buFont typeface="Wingdings" pitchFamily="2" charset="2"/>
-              <a:buChar char="Ø"/>
-            </a:pPr>
-            <a:r>
-              <a:rPr lang="en-US" sz="3200" dirty="0" smtClean="0"/>
-              <a:t>Designing the database for sms</a:t>
-            </a:r>
-          </a:p>
-          <a:p>
-            <a:pPr marL="457200" indent="-457200">
-              <a:buFont typeface="Wingdings" pitchFamily="2" charset="2"/>
-              <a:buChar char="Ø"/>
-            </a:pPr>
-            <a:r>
-              <a:rPr lang="en-US" sz="3200" dirty="0" smtClean="0"/>
-              <a:t>Performing the installation</a:t>
-            </a:r>
-          </a:p>
-          <a:p>
-            <a:pPr marL="457200" indent="-457200">
-              <a:buFont typeface="Wingdings" pitchFamily="2" charset="2"/>
-              <a:buChar char="Ø"/>
-            </a:pPr>
-            <a:r>
-              <a:rPr lang="en-US" sz="3200" dirty="0" smtClean="0"/>
-              <a:t>Performing the planning</a:t>
-            </a:r>
-          </a:p>
-          <a:p>
-            <a:pPr marL="457200" indent="-457200">
-              <a:buFont typeface="Wingdings" pitchFamily="2" charset="2"/>
-              <a:buChar char="Ø"/>
-            </a:pPr>
-            <a:r>
-              <a:rPr lang="en-US" sz="3200" dirty="0" smtClean="0"/>
-              <a:t>Performing the testing</a:t>
-            </a:r>
-          </a:p>
-          <a:p>
-            <a:pPr marL="457200" indent="-457200">
-              <a:buFont typeface="Wingdings" pitchFamily="2" charset="2"/>
-              <a:buChar char="Ø"/>
-            </a:pPr>
-            <a:r>
-              <a:rPr lang="en-US" sz="3200" dirty="0" smtClean="0"/>
-              <a:t>Performing the release</a:t>
-            </a:r>
-          </a:p>
-          <a:p>
-            <a:pPr marL="457200" indent="-457200">
-              <a:buFont typeface="Wingdings" pitchFamily="2" charset="2"/>
-              <a:buChar char="Ø"/>
-            </a:pPr>
-            <a:endParaRPr lang="en-US" sz="3200" dirty="0"/>
-          </a:p>
-        </p:txBody>
-      </p:sp>
-    </p:spTree>
-    <p:extLst>
-      <p:ext uri="{BB962C8B-B14F-4D97-AF65-F5344CB8AC3E}">
-        <p14:creationId xmlns:p14="http://schemas.microsoft.com/office/powerpoint/2010/main" val="2320549971"/>
-      </p:ext>
-    </p:extLst>
-  </p:cSld>
-  <p:clrMapOvr>
-    <a:masterClrMapping/>
-  </p:clrMapOvr>
-  <p:timing>
-    <p:tnLst>
-      <p:par>
-        <p:cTn id="1" dur="indefinite" restart="never" nodeType="tmRoot"/>
-      </p:par>
-    </p:tnLst>
-  </p:timing>
-</p:sld>
-</file>
-
-<file path=ppt/slides/slide60.xml><?xml version="1.0" encoding="utf-8"?>
+<file path=ppt/slides/slide61.xml><?xml version="1.0" encoding="utf-8"?>
 <p:sld xmlns:a="http://schemas.openxmlformats.org/drawingml/2006/main" xmlns:r="http://schemas.openxmlformats.org/officeDocument/2006/relationships" xmlns:p="http://schemas.openxmlformats.org/presentationml/2006/main">
   <p:cSld>
     <p:spTree>
@@ -17781,7 +18208,7 @@
 </p:sld>
 </file>
 
-<file path=ppt/slides/slide61.xml><?xml version="1.0" encoding="utf-8"?>
+<file path=ppt/slides/slide62.xml><?xml version="1.0" encoding="utf-8"?>
 <p:sld xmlns:a="http://schemas.openxmlformats.org/drawingml/2006/main" xmlns:r="http://schemas.openxmlformats.org/officeDocument/2006/relationships" xmlns:p="http://schemas.openxmlformats.org/presentationml/2006/main">
   <p:cSld>
     <p:spTree>
@@ -17879,7 +18306,7 @@
 </p:sld>
 </file>
 
-<file path=ppt/slides/slide62.xml><?xml version="1.0" encoding="utf-8"?>
+<file path=ppt/slides/slide63.xml><?xml version="1.0" encoding="utf-8"?>
 <p:sld xmlns:a="http://schemas.openxmlformats.org/drawingml/2006/main" xmlns:r="http://schemas.openxmlformats.org/officeDocument/2006/relationships" xmlns:p="http://schemas.openxmlformats.org/presentationml/2006/main">
   <p:cSld>
     <p:spTree>
@@ -17977,7 +18404,7 @@
 </p:sld>
 </file>
 
-<file path=ppt/slides/slide63.xml><?xml version="1.0" encoding="utf-8"?>
+<file path=ppt/slides/slide64.xml><?xml version="1.0" encoding="utf-8"?>
 <p:sld xmlns:a="http://schemas.openxmlformats.org/drawingml/2006/main" xmlns:r="http://schemas.openxmlformats.org/officeDocument/2006/relationships" xmlns:p="http://schemas.openxmlformats.org/presentationml/2006/main">
   <p:cSld>
     <p:spTree>
@@ -18075,7 +18502,7 @@
 </p:sld>
 </file>
 
-<file path=ppt/slides/slide64.xml><?xml version="1.0" encoding="utf-8"?>
+<file path=ppt/slides/slide65.xml><?xml version="1.0" encoding="utf-8"?>
 <p:sld xmlns:a="http://schemas.openxmlformats.org/drawingml/2006/main" xmlns:r="http://schemas.openxmlformats.org/officeDocument/2006/relationships" xmlns:p="http://schemas.openxmlformats.org/presentationml/2006/main">
   <p:cSld>
     <p:spTree>
@@ -18173,7 +18600,7 @@
 </p:sld>
 </file>
 
-<file path=ppt/slides/slide65.xml><?xml version="1.0" encoding="utf-8"?>
+<file path=ppt/slides/slide66.xml><?xml version="1.0" encoding="utf-8"?>
 <p:sld xmlns:a="http://schemas.openxmlformats.org/drawingml/2006/main" xmlns:r="http://schemas.openxmlformats.org/officeDocument/2006/relationships" xmlns:p="http://schemas.openxmlformats.org/presentationml/2006/main">
   <p:cSld>
     <p:spTree>
@@ -18271,7 +18698,7 @@
 </p:sld>
 </file>
 
-<file path=ppt/slides/slide66.xml><?xml version="1.0" encoding="utf-8"?>
+<file path=ppt/slides/slide67.xml><?xml version="1.0" encoding="utf-8"?>
 <p:sld xmlns:a="http://schemas.openxmlformats.org/drawingml/2006/main" xmlns:r="http://schemas.openxmlformats.org/officeDocument/2006/relationships" xmlns:p="http://schemas.openxmlformats.org/presentationml/2006/main">
   <p:cSld>
     <p:spTree>
@@ -18369,7 +18796,7 @@
 </p:sld>
 </file>
 
-<file path=ppt/slides/slide67.xml><?xml version="1.0" encoding="utf-8"?>
+<file path=ppt/slides/slide68.xml><?xml version="1.0" encoding="utf-8"?>
 <p:sld xmlns:a="http://schemas.openxmlformats.org/drawingml/2006/main" xmlns:r="http://schemas.openxmlformats.org/officeDocument/2006/relationships" xmlns:p="http://schemas.openxmlformats.org/presentationml/2006/main">
   <p:cSld>
     <p:spTree>
@@ -18467,7 +18894,7 @@
 </p:sld>
 </file>
 
-<file path=ppt/slides/slide68.xml><?xml version="1.0" encoding="utf-8"?>
+<file path=ppt/slides/slide69.xml><?xml version="1.0" encoding="utf-8"?>
 <p:sld xmlns:a="http://schemas.openxmlformats.org/drawingml/2006/main" xmlns:r="http://schemas.openxmlformats.org/officeDocument/2006/relationships" xmlns:p="http://schemas.openxmlformats.org/presentationml/2006/main">
   <p:cSld>
     <p:spTree>
@@ -18565,7 +18992,139 @@
 </p:sld>
 </file>
 
-<file path=ppt/slides/slide69.xml><?xml version="1.0" encoding="utf-8"?>
+<file path=ppt/slides/slide7.xml><?xml version="1.0" encoding="utf-8"?>
+<p:sld xmlns:a="http://schemas.openxmlformats.org/drawingml/2006/main" xmlns:r="http://schemas.openxmlformats.org/officeDocument/2006/relationships" xmlns:p="http://schemas.openxmlformats.org/presentationml/2006/main">
+  <p:cSld>
+    <p:spTree>
+      <p:nvGrpSpPr>
+        <p:cNvPr id="1" name=""/>
+        <p:cNvGrpSpPr/>
+        <p:nvPr/>
+      </p:nvGrpSpPr>
+      <p:grpSpPr>
+        <a:xfrm>
+          <a:off x="0" y="0"/>
+          <a:ext cx="0" cy="0"/>
+          <a:chOff x="0" y="0"/>
+          <a:chExt cx="0" cy="0"/>
+        </a:xfrm>
+      </p:grpSpPr>
+      <p:sp>
+        <p:nvSpPr>
+          <p:cNvPr id="3" name="Title 2"/>
+          <p:cNvSpPr>
+            <a:spLocks noGrp="1"/>
+          </p:cNvSpPr>
+          <p:nvPr>
+            <p:ph type="title"/>
+          </p:nvPr>
+        </p:nvSpPr>
+        <p:spPr/>
+        <p:txBody>
+          <a:bodyPr/>
+          <a:lstStyle/>
+          <a:p>
+            <a:r>
+              <a:rPr lang="en-US" dirty="0" smtClean="0"/>
+              <a:t>features</a:t>
+            </a:r>
+            <a:endParaRPr lang="en-US" dirty="0"/>
+          </a:p>
+        </p:txBody>
+      </p:sp>
+      <p:sp>
+        <p:nvSpPr>
+          <p:cNvPr id="2" name="Content Placeholder 1"/>
+          <p:cNvSpPr>
+            <a:spLocks noGrp="1"/>
+          </p:cNvSpPr>
+          <p:nvPr>
+            <p:ph sz="quarter" idx="1"/>
+          </p:nvPr>
+        </p:nvSpPr>
+        <p:spPr/>
+        <p:txBody>
+          <a:bodyPr>
+            <a:normAutofit fontScale="77500" lnSpcReduction="20000"/>
+          </a:bodyPr>
+          <a:lstStyle/>
+          <a:p>
+            <a:r>
+              <a:rPr lang="en-US" dirty="0" smtClean="0"/>
+              <a:t>Following are the features of the stock management system</a:t>
+            </a:r>
+          </a:p>
+          <a:p>
+            <a:r>
+              <a:rPr lang="en-US" dirty="0" smtClean="0"/>
+              <a:t>1.Customer management</a:t>
+            </a:r>
+          </a:p>
+          <a:p>
+            <a:r>
+              <a:rPr lang="en-US" dirty="0" smtClean="0"/>
+              <a:t>It keeps the details of the customer and keep the record safely. It keeps the order of customer and provide with bill.</a:t>
+            </a:r>
+          </a:p>
+          <a:p>
+            <a:r>
+              <a:rPr lang="en-US" dirty="0" smtClean="0"/>
+              <a:t>2.Point of sales management</a:t>
+            </a:r>
+          </a:p>
+          <a:p>
+            <a:r>
+              <a:rPr lang="en-US" dirty="0" smtClean="0"/>
+              <a:t>It has the billing system which keep the record of payments. It helps to ensure the customer transaction complete correctly and keep the record safe.</a:t>
+            </a:r>
+          </a:p>
+          <a:p>
+            <a:r>
+              <a:rPr lang="en-US" dirty="0" smtClean="0"/>
+              <a:t>3.Stock control</a:t>
+            </a:r>
+          </a:p>
+          <a:p>
+            <a:r>
+              <a:rPr lang="en-US" dirty="0" smtClean="0"/>
+              <a:t>It manages the stock and keep the record of the stock. It shows the available of the stock and helps to edit the stock.</a:t>
+            </a:r>
+          </a:p>
+          <a:p>
+            <a:r>
+              <a:rPr lang="en-US" dirty="0" smtClean="0"/>
+              <a:t>4.It provides the best security and keeps the data and information safely.</a:t>
+            </a:r>
+          </a:p>
+          <a:p>
+            <a:r>
+              <a:rPr lang="en-US" dirty="0" smtClean="0"/>
+              <a:t>5. It helps to save the cost as well as time while approaching the data and information.</a:t>
+            </a:r>
+          </a:p>
+        </p:txBody>
+      </p:sp>
+    </p:spTree>
+    <p:extLst>
+      <p:ext uri="{BB962C8B-B14F-4D97-AF65-F5344CB8AC3E}">
+        <p14:creationId xmlns:p14="http://schemas.microsoft.com/office/powerpoint/2010/main" val="2306280887"/>
+      </p:ext>
+    </p:extLst>
+  </p:cSld>
+  <p:clrMapOvr>
+    <a:masterClrMapping/>
+  </p:clrMapOvr>
+  <p:timing>
+    <p:tnLst>
+      <p:par>
+        <p:cTn id="1" dur="indefinite" restart="never" nodeType="tmRoot"/>
+      </p:par>
+    </p:tnLst>
+  </p:timing>
+</p:sld>
+</file>
+
+<file path=ppt/slides/slide70.xml><?xml version="1.0" encoding="utf-8"?>
 <p:sld xmlns:a="http://schemas.openxmlformats.org/drawingml/2006/main" xmlns:r="http://schemas.openxmlformats.org/officeDocument/2006/relationships" xmlns:p="http://schemas.openxmlformats.org/presentationml/2006/main">
   <p:cSld>
     <p:spTree>
@@ -18663,139 +19222,7 @@
 </p:sld>
 </file>
 
-<file path=ppt/slides/slide7.xml><?xml version="1.0" encoding="utf-8"?>
-<p:sld xmlns:a="http://schemas.openxmlformats.org/drawingml/2006/main" xmlns:r="http://schemas.openxmlformats.org/officeDocument/2006/relationships" xmlns:p="http://schemas.openxmlformats.org/presentationml/2006/main">
-  <p:cSld>
-    <p:spTree>
-      <p:nvGrpSpPr>
-        <p:cNvPr id="1" name=""/>
-        <p:cNvGrpSpPr/>
-        <p:nvPr/>
-      </p:nvGrpSpPr>
-      <p:grpSpPr>
-        <a:xfrm>
-          <a:off x="0" y="0"/>
-          <a:ext cx="0" cy="0"/>
-          <a:chOff x="0" y="0"/>
-          <a:chExt cx="0" cy="0"/>
-        </a:xfrm>
-      </p:grpSpPr>
-      <p:sp>
-        <p:nvSpPr>
-          <p:cNvPr id="3" name="Title 2"/>
-          <p:cNvSpPr>
-            <a:spLocks noGrp="1"/>
-          </p:cNvSpPr>
-          <p:nvPr>
-            <p:ph type="title"/>
-          </p:nvPr>
-        </p:nvSpPr>
-        <p:spPr/>
-        <p:txBody>
-          <a:bodyPr/>
-          <a:lstStyle/>
-          <a:p>
-            <a:r>
-              <a:rPr lang="en-US" dirty="0" smtClean="0"/>
-              <a:t>features</a:t>
-            </a:r>
-            <a:endParaRPr lang="en-US" dirty="0"/>
-          </a:p>
-        </p:txBody>
-      </p:sp>
-      <p:sp>
-        <p:nvSpPr>
-          <p:cNvPr id="2" name="Content Placeholder 1"/>
-          <p:cNvSpPr>
-            <a:spLocks noGrp="1"/>
-          </p:cNvSpPr>
-          <p:nvPr>
-            <p:ph sz="quarter" idx="1"/>
-          </p:nvPr>
-        </p:nvSpPr>
-        <p:spPr/>
-        <p:txBody>
-          <a:bodyPr>
-            <a:normAutofit fontScale="77500" lnSpcReduction="20000"/>
-          </a:bodyPr>
-          <a:lstStyle/>
-          <a:p>
-            <a:r>
-              <a:rPr lang="en-US" dirty="0" smtClean="0"/>
-              <a:t>Following are the features of the stock management system</a:t>
-            </a:r>
-          </a:p>
-          <a:p>
-            <a:r>
-              <a:rPr lang="en-US" dirty="0" smtClean="0"/>
-              <a:t>1.Customer management</a:t>
-            </a:r>
-          </a:p>
-          <a:p>
-            <a:r>
-              <a:rPr lang="en-US" dirty="0" smtClean="0"/>
-              <a:t>It keeps the details of the customer and keep the record safely. It keeps the order of customer and provide with bill.</a:t>
-            </a:r>
-          </a:p>
-          <a:p>
-            <a:r>
-              <a:rPr lang="en-US" dirty="0" smtClean="0"/>
-              <a:t>2.Point of sales management</a:t>
-            </a:r>
-          </a:p>
-          <a:p>
-            <a:r>
-              <a:rPr lang="en-US" dirty="0" smtClean="0"/>
-              <a:t>It has the billing system which keep the record of payments. It helps to ensure the customer transaction complete correctly and keep the record safe.</a:t>
-            </a:r>
-          </a:p>
-          <a:p>
-            <a:r>
-              <a:rPr lang="en-US" dirty="0" smtClean="0"/>
-              <a:t>3.Stock control</a:t>
-            </a:r>
-          </a:p>
-          <a:p>
-            <a:r>
-              <a:rPr lang="en-US" dirty="0" smtClean="0"/>
-              <a:t>It manages the stock and keep the record of the stock. It shows the available of the stock and helps to edit the stock.</a:t>
-            </a:r>
-          </a:p>
-          <a:p>
-            <a:r>
-              <a:rPr lang="en-US" dirty="0" smtClean="0"/>
-              <a:t>4.It provides the best security and keeps the data and information safely.</a:t>
-            </a:r>
-          </a:p>
-          <a:p>
-            <a:r>
-              <a:rPr lang="en-US" dirty="0" smtClean="0"/>
-              <a:t>5. It helps to save the cost as well as time while approaching the data and information.</a:t>
-            </a:r>
-          </a:p>
-        </p:txBody>
-      </p:sp>
-    </p:spTree>
-    <p:extLst>
-      <p:ext uri="{BB962C8B-B14F-4D97-AF65-F5344CB8AC3E}">
-        <p14:creationId xmlns:p14="http://schemas.microsoft.com/office/powerpoint/2010/main" val="2306280887"/>
-      </p:ext>
-    </p:extLst>
-  </p:cSld>
-  <p:clrMapOvr>
-    <a:masterClrMapping/>
-  </p:clrMapOvr>
-  <p:timing>
-    <p:tnLst>
-      <p:par>
-        <p:cTn id="1" dur="indefinite" restart="never" nodeType="tmRoot"/>
-      </p:par>
-    </p:tnLst>
-  </p:timing>
-</p:sld>
-</file>
-
-<file path=ppt/slides/slide70.xml><?xml version="1.0" encoding="utf-8"?>
+<file path=ppt/slides/slide71.xml><?xml version="1.0" encoding="utf-8"?>
 <p:sld xmlns:a="http://schemas.openxmlformats.org/drawingml/2006/main" xmlns:r="http://schemas.openxmlformats.org/officeDocument/2006/relationships" xmlns:p="http://schemas.openxmlformats.org/presentationml/2006/main">
   <p:cSld>
     <p:spTree>
@@ -18893,7 +19320,7 @@
 </p:sld>
 </file>
 
-<file path=ppt/slides/slide71.xml><?xml version="1.0" encoding="utf-8"?>
+<file path=ppt/slides/slide72.xml><?xml version="1.0" encoding="utf-8"?>
 <p:sld xmlns:a="http://schemas.openxmlformats.org/drawingml/2006/main" xmlns:r="http://schemas.openxmlformats.org/officeDocument/2006/relationships" xmlns:p="http://schemas.openxmlformats.org/presentationml/2006/main">
   <p:cSld>
     <p:spTree>
@@ -18991,108 +19418,6 @@
 </p:sld>
 </file>
 
-<file path=ppt/slides/slide72.xml><?xml version="1.0" encoding="utf-8"?>
-<p:sld xmlns:a="http://schemas.openxmlformats.org/drawingml/2006/main" xmlns:r="http://schemas.openxmlformats.org/officeDocument/2006/relationships" xmlns:p="http://schemas.openxmlformats.org/presentationml/2006/main">
-  <p:cSld>
-    <p:spTree>
-      <p:nvGrpSpPr>
-        <p:cNvPr id="1" name=""/>
-        <p:cNvGrpSpPr/>
-        <p:nvPr/>
-      </p:nvGrpSpPr>
-      <p:grpSpPr>
-        <a:xfrm>
-          <a:off x="0" y="0"/>
-          <a:ext cx="0" cy="0"/>
-          <a:chOff x="0" y="0"/>
-          <a:chExt cx="0" cy="0"/>
-        </a:xfrm>
-      </p:grpSpPr>
-      <p:sp>
-        <p:nvSpPr>
-          <p:cNvPr id="3" name="Title 2"/>
-          <p:cNvSpPr>
-            <a:spLocks noGrp="1"/>
-          </p:cNvSpPr>
-          <p:nvPr>
-            <p:ph type="title"/>
-          </p:nvPr>
-        </p:nvSpPr>
-        <p:spPr/>
-        <p:txBody>
-          <a:bodyPr/>
-          <a:lstStyle/>
-          <a:p>
-            <a:r>
-              <a:rPr lang="en-US" dirty="0" smtClean="0"/>
-              <a:t>tables</a:t>
-            </a:r>
-            <a:endParaRPr lang="en-US" dirty="0"/>
-          </a:p>
-        </p:txBody>
-      </p:sp>
-      <p:pic>
-        <p:nvPicPr>
-          <p:cNvPr id="18434" name="Picture 2" descr="F:\sem\4th semester\Mandira\CP\analysis\images\u1.PNG"/>
-          <p:cNvPicPr>
-            <a:picLocks noGrp="1" noChangeAspect="1" noChangeArrowheads="1"/>
-          </p:cNvPicPr>
-          <p:nvPr>
-            <p:ph sz="quarter" idx="1"/>
-          </p:nvPr>
-        </p:nvPicPr>
-        <p:blipFill>
-          <a:blip r:embed="rId2">
-            <a:extLst>
-              <a:ext uri="{28A0092B-C50C-407E-A947-70E740481C1C}">
-                <a14:useLocalDpi xmlns:a14="http://schemas.microsoft.com/office/drawing/2010/main" val="0"/>
-              </a:ext>
-            </a:extLst>
-          </a:blip>
-          <a:stretch>
-            <a:fillRect/>
-          </a:stretch>
-        </p:blipFill>
-        <p:spPr bwMode="auto">
-          <a:xfrm>
-            <a:off x="301625" y="2102449"/>
-            <a:ext cx="8504238" cy="3421452"/>
-          </a:xfrm>
-          <a:prstGeom prst="rect">
-            <a:avLst/>
-          </a:prstGeom>
-          <a:noFill/>
-          <a:extLst>
-            <a:ext uri="{909E8E84-426E-40DD-AFC4-6F175D3DCCD1}">
-              <a14:hiddenFill xmlns:a14="http://schemas.microsoft.com/office/drawing/2010/main">
-                <a:solidFill>
-                  <a:srgbClr val="FFFFFF"/>
-                </a:solidFill>
-              </a14:hiddenFill>
-            </a:ext>
-          </a:extLst>
-        </p:spPr>
-      </p:pic>
-    </p:spTree>
-    <p:extLst>
-      <p:ext uri="{BB962C8B-B14F-4D97-AF65-F5344CB8AC3E}">
-        <p14:creationId xmlns:p14="http://schemas.microsoft.com/office/powerpoint/2010/main" val="3837961694"/>
-      </p:ext>
-    </p:extLst>
-  </p:cSld>
-  <p:clrMapOvr>
-    <a:masterClrMapping/>
-  </p:clrMapOvr>
-  <p:timing>
-    <p:tnLst>
-      <p:par>
-        <p:cTn id="1" dur="indefinite" restart="never" nodeType="tmRoot"/>
-      </p:par>
-    </p:tnLst>
-  </p:timing>
-</p:sld>
-</file>
-
 <file path=ppt/slides/slide73.xml><?xml version="1.0" encoding="utf-8"?>
 <p:sld xmlns:a="http://schemas.openxmlformats.org/drawingml/2006/main" xmlns:r="http://schemas.openxmlformats.org/officeDocument/2006/relationships" xmlns:p="http://schemas.openxmlformats.org/presentationml/2006/main">
   <p:cSld>
@@ -19139,7 +19464,7 @@
       </p:sp>
       <p:pic>
         <p:nvPicPr>
-          <p:cNvPr id="16386" name="Picture 2" descr="F:\sem\4th semester\Mandira\CP\analysis\images\u2.PNG"/>
+          <p:cNvPr id="3074" name="Picture 2" descr="E:\SMS\analysis\images\ui1.PNG"/>
           <p:cNvPicPr>
             <a:picLocks noGrp="1" noChangeAspect="1" noChangeArrowheads="1"/>
           </p:cNvPicPr>
@@ -19155,14 +19480,15 @@
               </a:ext>
             </a:extLst>
           </a:blip>
+          <a:srcRect/>
           <a:stretch>
             <a:fillRect/>
           </a:stretch>
         </p:blipFill>
         <p:spPr bwMode="auto">
           <a:xfrm>
-            <a:off x="2362688" y="2227041"/>
-            <a:ext cx="4382112" cy="3172268"/>
+            <a:off x="1447800" y="1828800"/>
+            <a:ext cx="5943600" cy="4267200"/>
           </a:xfrm>
           <a:prstGeom prst="rect">
             <a:avLst/>
@@ -19241,7 +19567,7 @@
       </p:sp>
       <p:pic>
         <p:nvPicPr>
-          <p:cNvPr id="17410" name="Picture 2" descr="F:\sem\4th semester\Mandira\CP\analysis\images\u3.PNG"/>
+          <p:cNvPr id="2050" name="Picture 2" descr="E:\SMS\analysis\images\ui2.PNG"/>
           <p:cNvPicPr>
             <a:picLocks noGrp="1" noChangeAspect="1" noChangeArrowheads="1"/>
           </p:cNvPicPr>
@@ -19257,14 +19583,15 @@
               </a:ext>
             </a:extLst>
           </a:blip>
+          <a:srcRect/>
           <a:stretch>
             <a:fillRect/>
           </a:stretch>
         </p:blipFill>
         <p:spPr bwMode="auto">
           <a:xfrm>
-            <a:off x="301625" y="1964291"/>
-            <a:ext cx="8504238" cy="3697768"/>
+            <a:off x="301625" y="1855208"/>
+            <a:ext cx="8504238" cy="3915933"/>
           </a:xfrm>
           <a:prstGeom prst="rect">
             <a:avLst/>
@@ -19335,7 +19662,7 @@
           <a:p>
             <a:r>
               <a:rPr lang="en-US" dirty="0" smtClean="0"/>
-              <a:t>profile</a:t>
+              <a:t>Category </a:t>
             </a:r>
             <a:endParaRPr lang="en-US" dirty="0"/>
           </a:p>
@@ -19343,7 +19670,7 @@
       </p:sp>
       <p:pic>
         <p:nvPicPr>
-          <p:cNvPr id="15362" name="Picture 2"/>
+          <p:cNvPr id="1026" name="Picture 2"/>
           <p:cNvPicPr>
             <a:picLocks noGrp="1" noChangeAspect="1" noChangeArrowheads="1"/>
           </p:cNvPicPr>
@@ -19359,14 +19686,15 @@
               </a:ext>
             </a:extLst>
           </a:blip>
+          <a:srcRect/>
           <a:stretch>
             <a:fillRect/>
           </a:stretch>
         </p:blipFill>
         <p:spPr bwMode="auto">
           <a:xfrm>
-            <a:off x="301625" y="2025281"/>
-            <a:ext cx="8504238" cy="3575787"/>
+            <a:off x="301625" y="1858321"/>
+            <a:ext cx="8504238" cy="3909708"/>
           </a:xfrm>
           <a:prstGeom prst="rect">
             <a:avLst/>

--- a/stock management system/pp of sms.pptx
+++ b/stock management system/pp of sms.pptx
@@ -14,13 +14,13 @@
     <p:sldId id="295" r:id="rId8"/>
     <p:sldId id="296" r:id="rId9"/>
     <p:sldId id="297" r:id="rId10"/>
-    <p:sldId id="273" r:id="rId11"/>
-    <p:sldId id="274" r:id="rId12"/>
-    <p:sldId id="275" r:id="rId13"/>
-    <p:sldId id="276" r:id="rId14"/>
-    <p:sldId id="282" r:id="rId15"/>
-    <p:sldId id="283" r:id="rId16"/>
-    <p:sldId id="284" r:id="rId17"/>
+    <p:sldId id="282" r:id="rId11"/>
+    <p:sldId id="283" r:id="rId12"/>
+    <p:sldId id="284" r:id="rId13"/>
+    <p:sldId id="273" r:id="rId14"/>
+    <p:sldId id="274" r:id="rId15"/>
+    <p:sldId id="275" r:id="rId16"/>
+    <p:sldId id="276" r:id="rId17"/>
     <p:sldId id="298" r:id="rId18"/>
     <p:sldId id="299" r:id="rId19"/>
     <p:sldId id="300" r:id="rId20"/>
@@ -49,41 +49,61 @@
     <p:sldId id="281" r:id="rId43"/>
     <p:sldId id="287" r:id="rId44"/>
     <p:sldId id="288" r:id="rId45"/>
-    <p:sldId id="289" r:id="rId46"/>
-    <p:sldId id="290" r:id="rId47"/>
-    <p:sldId id="291" r:id="rId48"/>
-    <p:sldId id="318" r:id="rId49"/>
-    <p:sldId id="292" r:id="rId50"/>
-    <p:sldId id="308" r:id="rId51"/>
-    <p:sldId id="309" r:id="rId52"/>
-    <p:sldId id="310" r:id="rId53"/>
-    <p:sldId id="311" r:id="rId54"/>
-    <p:sldId id="312" r:id="rId55"/>
-    <p:sldId id="313" r:id="rId56"/>
-    <p:sldId id="314" r:id="rId57"/>
-    <p:sldId id="315" r:id="rId58"/>
-    <p:sldId id="317" r:id="rId59"/>
-    <p:sldId id="319" r:id="rId60"/>
-    <p:sldId id="321" r:id="rId61"/>
-    <p:sldId id="322" r:id="rId62"/>
-    <p:sldId id="323" r:id="rId63"/>
-    <p:sldId id="324" r:id="rId64"/>
-    <p:sldId id="325" r:id="rId65"/>
-    <p:sldId id="326" r:id="rId66"/>
-    <p:sldId id="327" r:id="rId67"/>
-    <p:sldId id="328" r:id="rId68"/>
-    <p:sldId id="329" r:id="rId69"/>
-    <p:sldId id="330" r:id="rId70"/>
-    <p:sldId id="331" r:id="rId71"/>
-    <p:sldId id="332" r:id="rId72"/>
-    <p:sldId id="333" r:id="rId73"/>
-    <p:sldId id="320" r:id="rId74"/>
-    <p:sldId id="335" r:id="rId75"/>
-    <p:sldId id="334" r:id="rId76"/>
-    <p:sldId id="305" r:id="rId77"/>
-    <p:sldId id="306" r:id="rId78"/>
-    <p:sldId id="304" r:id="rId79"/>
-    <p:sldId id="277" r:id="rId80"/>
+    <p:sldId id="319" r:id="rId46"/>
+    <p:sldId id="321" r:id="rId47"/>
+    <p:sldId id="322" r:id="rId48"/>
+    <p:sldId id="323" r:id="rId49"/>
+    <p:sldId id="324" r:id="rId50"/>
+    <p:sldId id="325" r:id="rId51"/>
+    <p:sldId id="326" r:id="rId52"/>
+    <p:sldId id="327" r:id="rId53"/>
+    <p:sldId id="328" r:id="rId54"/>
+    <p:sldId id="329" r:id="rId55"/>
+    <p:sldId id="330" r:id="rId56"/>
+    <p:sldId id="331" r:id="rId57"/>
+    <p:sldId id="332" r:id="rId58"/>
+    <p:sldId id="333" r:id="rId59"/>
+    <p:sldId id="353" r:id="rId60"/>
+    <p:sldId id="354" r:id="rId61"/>
+    <p:sldId id="355" r:id="rId62"/>
+    <p:sldId id="289" r:id="rId63"/>
+    <p:sldId id="290" r:id="rId64"/>
+    <p:sldId id="291" r:id="rId65"/>
+    <p:sldId id="318" r:id="rId66"/>
+    <p:sldId id="292" r:id="rId67"/>
+    <p:sldId id="308" r:id="rId68"/>
+    <p:sldId id="309" r:id="rId69"/>
+    <p:sldId id="310" r:id="rId70"/>
+    <p:sldId id="311" r:id="rId71"/>
+    <p:sldId id="312" r:id="rId72"/>
+    <p:sldId id="313" r:id="rId73"/>
+    <p:sldId id="314" r:id="rId74"/>
+    <p:sldId id="315" r:id="rId75"/>
+    <p:sldId id="317" r:id="rId76"/>
+    <p:sldId id="357" r:id="rId77"/>
+    <p:sldId id="356" r:id="rId78"/>
+    <p:sldId id="305" r:id="rId79"/>
+    <p:sldId id="306" r:id="rId80"/>
+    <p:sldId id="320" r:id="rId81"/>
+    <p:sldId id="338" r:id="rId82"/>
+    <p:sldId id="335" r:id="rId83"/>
+    <p:sldId id="339" r:id="rId84"/>
+    <p:sldId id="334" r:id="rId85"/>
+    <p:sldId id="340" r:id="rId86"/>
+    <p:sldId id="341" r:id="rId87"/>
+    <p:sldId id="342" r:id="rId88"/>
+    <p:sldId id="343" r:id="rId89"/>
+    <p:sldId id="344" r:id="rId90"/>
+    <p:sldId id="345" r:id="rId91"/>
+    <p:sldId id="346" r:id="rId92"/>
+    <p:sldId id="347" r:id="rId93"/>
+    <p:sldId id="348" r:id="rId94"/>
+    <p:sldId id="349" r:id="rId95"/>
+    <p:sldId id="350" r:id="rId96"/>
+    <p:sldId id="351" r:id="rId97"/>
+    <p:sldId id="352" r:id="rId98"/>
+    <p:sldId id="304" r:id="rId99"/>
+    <p:sldId id="277" r:id="rId100"/>
   </p:sldIdLst>
   <p:sldSz cx="9144000" cy="6858000" type="screen4x3"/>
   <p:notesSz cx="6858000" cy="9144000"/>
@@ -465,7 +485,7 @@
           <a:p>
             <a:fld id="{C8CE3B9A-6D67-41F8-8453-F151FCDFD414}" type="datetimeFigureOut">
               <a:rPr lang="en-US" smtClean="0"/>
-              <a:t>4/11/2019</a:t>
+              <a:t>4/14/2019</a:t>
             </a:fld>
             <a:endParaRPr lang="en-US"/>
           </a:p>
@@ -858,7 +878,7 @@
           <a:p>
             <a:fld id="{C8CE3B9A-6D67-41F8-8453-F151FCDFD414}" type="datetimeFigureOut">
               <a:rPr lang="en-US" smtClean="0"/>
-              <a:t>4/11/2019</a:t>
+              <a:t>4/14/2019</a:t>
             </a:fld>
             <a:endParaRPr lang="en-US"/>
           </a:p>
@@ -1390,7 +1410,7 @@
           <a:p>
             <a:fld id="{C8CE3B9A-6D67-41F8-8453-F151FCDFD414}" type="datetimeFigureOut">
               <a:rPr lang="en-US" smtClean="0"/>
-              <a:t>4/11/2019</a:t>
+              <a:t>4/14/2019</a:t>
             </a:fld>
             <a:endParaRPr lang="en-US"/>
           </a:p>
@@ -1523,7 +1543,7 @@
           <a:p>
             <a:fld id="{C8CE3B9A-6D67-41F8-8453-F151FCDFD414}" type="datetimeFigureOut">
               <a:rPr lang="en-US" smtClean="0"/>
-              <a:t>4/11/2019</a:t>
+              <a:t>4/14/2019</a:t>
             </a:fld>
             <a:endParaRPr lang="en-US"/>
           </a:p>
@@ -2066,7 +2086,7 @@
           <a:p>
             <a:fld id="{C8CE3B9A-6D67-41F8-8453-F151FCDFD414}" type="datetimeFigureOut">
               <a:rPr lang="en-US" smtClean="0"/>
-              <a:t>4/11/2019</a:t>
+              <a:t>4/14/2019</a:t>
             </a:fld>
             <a:endParaRPr lang="en-US"/>
           </a:p>
@@ -2361,7 +2381,7 @@
           <a:p>
             <a:fld id="{C8CE3B9A-6D67-41F8-8453-F151FCDFD414}" type="datetimeFigureOut">
               <a:rPr lang="en-US" smtClean="0"/>
-              <a:t>4/11/2019</a:t>
+              <a:t>4/14/2019</a:t>
             </a:fld>
             <a:endParaRPr lang="en-US"/>
           </a:p>
@@ -3020,7 +3040,7 @@
           <a:p>
             <a:fld id="{C8CE3B9A-6D67-41F8-8453-F151FCDFD414}" type="datetimeFigureOut">
               <a:rPr lang="en-US" smtClean="0"/>
-              <a:t>4/11/2019</a:t>
+              <a:t>4/14/2019</a:t>
             </a:fld>
             <a:endParaRPr lang="en-US"/>
           </a:p>
@@ -3456,7 +3476,7 @@
           <a:p>
             <a:fld id="{C8CE3B9A-6D67-41F8-8453-F151FCDFD414}" type="datetimeFigureOut">
               <a:rPr lang="en-US" smtClean="0"/>
-              <a:t>4/11/2019</a:t>
+              <a:t>4/14/2019</a:t>
             </a:fld>
             <a:endParaRPr lang="en-US"/>
           </a:p>
@@ -3769,7 +3789,7 @@
           <a:p>
             <a:fld id="{C8CE3B9A-6D67-41F8-8453-F151FCDFD414}" type="datetimeFigureOut">
               <a:rPr lang="en-US" smtClean="0"/>
-              <a:t>4/11/2019</a:t>
+              <a:t>4/14/2019</a:t>
             </a:fld>
             <a:endParaRPr lang="en-US"/>
           </a:p>
@@ -4501,7 +4521,7 @@
           <a:p>
             <a:fld id="{C8CE3B9A-6D67-41F8-8453-F151FCDFD414}" type="datetimeFigureOut">
               <a:rPr lang="en-US" smtClean="0"/>
-              <a:t>4/11/2019</a:t>
+              <a:t>4/14/2019</a:t>
             </a:fld>
             <a:endParaRPr lang="en-US"/>
           </a:p>
@@ -5165,7 +5185,7 @@
           <a:p>
             <a:fld id="{C8CE3B9A-6D67-41F8-8453-F151FCDFD414}" type="datetimeFigureOut">
               <a:rPr lang="en-US" smtClean="0"/>
-              <a:t>4/11/2019</a:t>
+              <a:t>4/14/2019</a:t>
             </a:fld>
             <a:endParaRPr lang="en-US"/>
           </a:p>
@@ -5438,7 +5458,7 @@
           <a:p>
             <a:fld id="{C8CE3B9A-6D67-41F8-8453-F151FCDFD414}" type="datetimeFigureOut">
               <a:rPr lang="en-US" smtClean="0"/>
-              <a:t>4/11/2019</a:t>
+              <a:t>4/14/2019</a:t>
             </a:fld>
             <a:endParaRPr lang="en-US"/>
           </a:p>
@@ -6164,20 +6184,16 @@
           <a:p>
             <a:r>
               <a:rPr lang="en-US" dirty="0"/>
-              <a:t>Stock Management </a:t>
-            </a:r>
-            <a:r>
-              <a:rPr lang="en-US" dirty="0" smtClean="0"/>
-              <a:t>System</a:t>
-            </a:r>
-            <a:r>
-              <a:rPr lang="en-US" dirty="0"/>
               <a:t/>
             </a:r>
             <a:br>
               <a:rPr lang="en-US" dirty="0"/>
             </a:br>
             <a:r>
+              <a:rPr lang="en-US" b="1" dirty="0"/>
+              <a:t>Stock Management System</a:t>
+            </a:r>
+            <a:r>
               <a:rPr lang="en-US" dirty="0"/>
               <a:t/>
             </a:r>
@@ -6185,18 +6201,25 @@
               <a:rPr lang="en-US" dirty="0"/>
             </a:br>
             <a:r>
-              <a:rPr lang="en-US" dirty="0" err="1" smtClean="0"/>
-              <a:t>Mandira</a:t>
-            </a:r>
-            <a:r>
-              <a:rPr lang="en-US" dirty="0" smtClean="0"/>
-              <a:t> </a:t>
-            </a:r>
-            <a:r>
-              <a:rPr lang="en-US" smtClean="0"/>
+              <a:rPr lang="en-US" u="sng" dirty="0" smtClean="0"/>
+              <a:t>Mandira </a:t>
+            </a:r>
+            <a:r>
+              <a:rPr lang="en-US" u="sng" dirty="0" smtClean="0"/>
               <a:t>Tamang</a:t>
             </a:r>
-            <a:endParaRPr lang="en-US" dirty="0"/>
+            <a:r>
+              <a:rPr lang="en-US" dirty="0" smtClean="0"/>
+              <a:t/>
+            </a:r>
+            <a:br>
+              <a:rPr lang="en-US" dirty="0" smtClean="0"/>
+            </a:br>
+            <a:r>
+              <a:rPr lang="en-US" sz="2700" dirty="0" smtClean="0"/>
+              <a:t>NCC ID:00172999</a:t>
+            </a:r>
+            <a:endParaRPr lang="en-US" sz="2700" dirty="0"/>
           </a:p>
         </p:txBody>
       </p:sp>
@@ -6287,6 +6310,299 @@
           <a:p>
             <a:r>
               <a:rPr lang="en-US" dirty="0" smtClean="0"/>
+              <a:t>Gantt chart</a:t>
+            </a:r>
+            <a:endParaRPr lang="en-US" dirty="0"/>
+          </a:p>
+        </p:txBody>
+      </p:sp>
+      <p:sp>
+        <p:nvSpPr>
+          <p:cNvPr id="2" name="Content Placeholder 1"/>
+          <p:cNvSpPr>
+            <a:spLocks noGrp="1"/>
+          </p:cNvSpPr>
+          <p:nvPr>
+            <p:ph sz="quarter" idx="1"/>
+          </p:nvPr>
+        </p:nvSpPr>
+        <p:spPr/>
+        <p:txBody>
+          <a:bodyPr>
+            <a:normAutofit/>
+          </a:bodyPr>
+          <a:lstStyle/>
+          <a:p>
+            <a:r>
+              <a:rPr lang="en-US" dirty="0" smtClean="0"/>
+              <a:t>Gantt chart</a:t>
+            </a:r>
+          </a:p>
+          <a:p>
+            <a:pPr marL="342900" indent="-342900">
+              <a:buFont typeface="Wingdings" pitchFamily="2" charset="2"/>
+              <a:buChar char="§"/>
+            </a:pPr>
+            <a:r>
+              <a:rPr lang="en-US" dirty="0" smtClean="0"/>
+              <a:t>It is the process of maintaining the record of the start and the end of the work or activity. </a:t>
+            </a:r>
+          </a:p>
+          <a:p>
+            <a:pPr marL="342900" indent="-342900">
+              <a:buFont typeface="Wingdings" pitchFamily="2" charset="2"/>
+              <a:buChar char="§"/>
+            </a:pPr>
+            <a:r>
+              <a:rPr lang="en-US" dirty="0" smtClean="0"/>
+              <a:t>Its like the timetable which is maintain to manage and finish the work at the time.</a:t>
+            </a:r>
+          </a:p>
+          <a:p>
+            <a:pPr marL="342900" indent="-342900">
+              <a:buFont typeface="Wingdings" pitchFamily="2" charset="2"/>
+              <a:buChar char="§"/>
+            </a:pPr>
+            <a:r>
+              <a:rPr lang="en-US" dirty="0" smtClean="0"/>
+              <a:t> Its main aim is to give the exact record of the work. That is why it play the vital role to develop the project which help to manage the project simply and effectively.</a:t>
+            </a:r>
+            <a:endParaRPr lang="en-US" dirty="0"/>
+          </a:p>
+        </p:txBody>
+      </p:sp>
+    </p:spTree>
+    <p:extLst>
+      <p:ext uri="{BB962C8B-B14F-4D97-AF65-F5344CB8AC3E}">
+        <p14:creationId xmlns:p14="http://schemas.microsoft.com/office/powerpoint/2010/main" val="3257325586"/>
+      </p:ext>
+    </p:extLst>
+  </p:cSld>
+  <p:clrMapOvr>
+    <a:masterClrMapping/>
+  </p:clrMapOvr>
+  <p:timing>
+    <p:tnLst>
+      <p:par>
+        <p:cTn id="1" dur="indefinite" restart="never" nodeType="tmRoot"/>
+      </p:par>
+    </p:tnLst>
+  </p:timing>
+</p:sld>
+</file>
+
+<file path=ppt/slides/slide11.xml><?xml version="1.0" encoding="utf-8"?>
+<p:sld xmlns:a="http://schemas.openxmlformats.org/drawingml/2006/main" xmlns:r="http://schemas.openxmlformats.org/officeDocument/2006/relationships" xmlns:p="http://schemas.openxmlformats.org/presentationml/2006/main">
+  <p:cSld>
+    <p:spTree>
+      <p:nvGrpSpPr>
+        <p:cNvPr id="1" name=""/>
+        <p:cNvGrpSpPr/>
+        <p:nvPr/>
+      </p:nvGrpSpPr>
+      <p:grpSpPr>
+        <a:xfrm>
+          <a:off x="0" y="0"/>
+          <a:ext cx="0" cy="0"/>
+          <a:chOff x="0" y="0"/>
+          <a:chExt cx="0" cy="0"/>
+        </a:xfrm>
+      </p:grpSpPr>
+      <p:sp>
+        <p:nvSpPr>
+          <p:cNvPr id="3" name="Title 2"/>
+          <p:cNvSpPr>
+            <a:spLocks noGrp="1"/>
+          </p:cNvSpPr>
+          <p:nvPr>
+            <p:ph type="title"/>
+          </p:nvPr>
+        </p:nvSpPr>
+        <p:spPr/>
+        <p:txBody>
+          <a:bodyPr/>
+          <a:lstStyle/>
+          <a:p>
+            <a:r>
+              <a:rPr lang="en-US" dirty="0" smtClean="0"/>
+              <a:t>Diagram of Gantt chart</a:t>
+            </a:r>
+            <a:endParaRPr lang="en-US" dirty="0"/>
+          </a:p>
+        </p:txBody>
+      </p:sp>
+      <p:pic>
+        <p:nvPicPr>
+          <p:cNvPr id="5" name="Content Placeholder 4"/>
+          <p:cNvPicPr>
+            <a:picLocks noGrp="1" noChangeAspect="1"/>
+          </p:cNvPicPr>
+          <p:nvPr>
+            <p:ph sz="quarter" idx="1"/>
+          </p:nvPr>
+        </p:nvPicPr>
+        <p:blipFill>
+          <a:blip r:embed="rId2">
+            <a:extLst>
+              <a:ext uri="{28A0092B-C50C-407E-A947-70E740481C1C}">
+                <a14:useLocalDpi xmlns:a14="http://schemas.microsoft.com/office/drawing/2010/main" val="0"/>
+              </a:ext>
+            </a:extLst>
+          </a:blip>
+          <a:stretch>
+            <a:fillRect/>
+          </a:stretch>
+        </p:blipFill>
+        <p:spPr>
+          <a:xfrm>
+            <a:off x="1301888" y="1527175"/>
+            <a:ext cx="6503711" cy="4572000"/>
+          </a:xfrm>
+        </p:spPr>
+      </p:pic>
+    </p:spTree>
+    <p:extLst>
+      <p:ext uri="{BB962C8B-B14F-4D97-AF65-F5344CB8AC3E}">
+        <p14:creationId xmlns:p14="http://schemas.microsoft.com/office/powerpoint/2010/main" val="1779612821"/>
+      </p:ext>
+    </p:extLst>
+  </p:cSld>
+  <p:clrMapOvr>
+    <a:masterClrMapping/>
+  </p:clrMapOvr>
+  <p:timing>
+    <p:tnLst>
+      <p:par>
+        <p:cTn id="1" dur="indefinite" restart="never" nodeType="tmRoot"/>
+      </p:par>
+    </p:tnLst>
+  </p:timing>
+</p:sld>
+</file>
+
+<file path=ppt/slides/slide12.xml><?xml version="1.0" encoding="utf-8"?>
+<p:sld xmlns:a="http://schemas.openxmlformats.org/drawingml/2006/main" xmlns:r="http://schemas.openxmlformats.org/officeDocument/2006/relationships" xmlns:p="http://schemas.openxmlformats.org/presentationml/2006/main">
+  <p:cSld>
+    <p:spTree>
+      <p:nvGrpSpPr>
+        <p:cNvPr id="1" name=""/>
+        <p:cNvGrpSpPr/>
+        <p:nvPr/>
+      </p:nvGrpSpPr>
+      <p:grpSpPr>
+        <a:xfrm>
+          <a:off x="0" y="0"/>
+          <a:ext cx="0" cy="0"/>
+          <a:chOff x="0" y="0"/>
+          <a:chExt cx="0" cy="0"/>
+        </a:xfrm>
+      </p:grpSpPr>
+      <p:sp>
+        <p:nvSpPr>
+          <p:cNvPr id="3" name="Title 2"/>
+          <p:cNvSpPr>
+            <a:spLocks noGrp="1"/>
+          </p:cNvSpPr>
+          <p:nvPr>
+            <p:ph type="title"/>
+          </p:nvPr>
+        </p:nvSpPr>
+        <p:spPr/>
+        <p:txBody>
+          <a:bodyPr/>
+          <a:lstStyle/>
+          <a:p>
+            <a:r>
+              <a:rPr lang="en-US" dirty="0" smtClean="0"/>
+              <a:t>Gantt chart</a:t>
+            </a:r>
+            <a:endParaRPr lang="en-US" dirty="0"/>
+          </a:p>
+        </p:txBody>
+      </p:sp>
+      <p:pic>
+        <p:nvPicPr>
+          <p:cNvPr id="5" name="Content Placeholder 4"/>
+          <p:cNvPicPr>
+            <a:picLocks noGrp="1" noChangeAspect="1"/>
+          </p:cNvPicPr>
+          <p:nvPr>
+            <p:ph sz="quarter" idx="1"/>
+          </p:nvPr>
+        </p:nvPicPr>
+        <p:blipFill>
+          <a:blip r:embed="rId2">
+            <a:extLst>
+              <a:ext uri="{28A0092B-C50C-407E-A947-70E740481C1C}">
+                <a14:useLocalDpi xmlns:a14="http://schemas.microsoft.com/office/drawing/2010/main" val="0"/>
+              </a:ext>
+            </a:extLst>
+          </a:blip>
+          <a:stretch>
+            <a:fillRect/>
+          </a:stretch>
+        </p:blipFill>
+        <p:spPr>
+          <a:xfrm>
+            <a:off x="977125" y="1527175"/>
+            <a:ext cx="7153238" cy="4572000"/>
+          </a:xfrm>
+        </p:spPr>
+      </p:pic>
+    </p:spTree>
+    <p:extLst>
+      <p:ext uri="{BB962C8B-B14F-4D97-AF65-F5344CB8AC3E}">
+        <p14:creationId xmlns:p14="http://schemas.microsoft.com/office/powerpoint/2010/main" val="1687426290"/>
+      </p:ext>
+    </p:extLst>
+  </p:cSld>
+  <p:clrMapOvr>
+    <a:masterClrMapping/>
+  </p:clrMapOvr>
+  <p:timing>
+    <p:tnLst>
+      <p:par>
+        <p:cTn id="1" dur="indefinite" restart="never" nodeType="tmRoot"/>
+      </p:par>
+    </p:tnLst>
+  </p:timing>
+</p:sld>
+</file>
+
+<file path=ppt/slides/slide13.xml><?xml version="1.0" encoding="utf-8"?>
+<p:sld xmlns:a="http://schemas.openxmlformats.org/drawingml/2006/main" xmlns:r="http://schemas.openxmlformats.org/officeDocument/2006/relationships" xmlns:p="http://schemas.openxmlformats.org/presentationml/2006/main">
+  <p:cSld>
+    <p:spTree>
+      <p:nvGrpSpPr>
+        <p:cNvPr id="1" name=""/>
+        <p:cNvGrpSpPr/>
+        <p:nvPr/>
+      </p:nvGrpSpPr>
+      <p:grpSpPr>
+        <a:xfrm>
+          <a:off x="0" y="0"/>
+          <a:ext cx="0" cy="0"/>
+          <a:chOff x="0" y="0"/>
+          <a:chExt cx="0" cy="0"/>
+        </a:xfrm>
+      </p:grpSpPr>
+      <p:sp>
+        <p:nvSpPr>
+          <p:cNvPr id="3" name="Title 2"/>
+          <p:cNvSpPr>
+            <a:spLocks noGrp="1"/>
+          </p:cNvSpPr>
+          <p:nvPr>
+            <p:ph type="title"/>
+          </p:nvPr>
+        </p:nvSpPr>
+        <p:spPr/>
+        <p:txBody>
+          <a:bodyPr/>
+          <a:lstStyle/>
+          <a:p>
+            <a:r>
+              <a:rPr lang="en-US" dirty="0" smtClean="0"/>
               <a:t>Methodology  used</a:t>
             </a:r>
             <a:endParaRPr lang="en-US" dirty="0"/>
@@ -6401,7 +6717,7 @@
 </p:sld>
 </file>
 
-<file path=ppt/slides/slide11.xml><?xml version="1.0" encoding="utf-8"?>
+<file path=ppt/slides/slide14.xml><?xml version="1.0" encoding="utf-8"?>
 <p:sld xmlns:a="http://schemas.openxmlformats.org/drawingml/2006/main" xmlns:r="http://schemas.openxmlformats.org/officeDocument/2006/relationships" xmlns:p="http://schemas.openxmlformats.org/presentationml/2006/main">
   <p:cSld>
     <p:spTree>
@@ -6489,454 +6805,6 @@
 </p:sld>
 </file>
 
-<file path=ppt/slides/slide12.xml><?xml version="1.0" encoding="utf-8"?>
-<p:sld xmlns:a="http://schemas.openxmlformats.org/drawingml/2006/main" xmlns:r="http://schemas.openxmlformats.org/officeDocument/2006/relationships" xmlns:p="http://schemas.openxmlformats.org/presentationml/2006/main">
-  <p:cSld>
-    <p:spTree>
-      <p:nvGrpSpPr>
-        <p:cNvPr id="1" name=""/>
-        <p:cNvGrpSpPr/>
-        <p:nvPr/>
-      </p:nvGrpSpPr>
-      <p:grpSpPr>
-        <a:xfrm>
-          <a:off x="0" y="0"/>
-          <a:ext cx="0" cy="0"/>
-          <a:chOff x="0" y="0"/>
-          <a:chExt cx="0" cy="0"/>
-        </a:xfrm>
-      </p:grpSpPr>
-      <p:sp>
-        <p:nvSpPr>
-          <p:cNvPr id="3" name="Title 2"/>
-          <p:cNvSpPr>
-            <a:spLocks noGrp="1"/>
-          </p:cNvSpPr>
-          <p:nvPr>
-            <p:ph type="title"/>
-          </p:nvPr>
-        </p:nvSpPr>
-        <p:spPr>
-          <a:xfrm>
-            <a:off x="609600" y="304800"/>
-            <a:ext cx="8534400" cy="758952"/>
-          </a:xfrm>
-        </p:spPr>
-        <p:txBody>
-          <a:bodyPr>
-            <a:normAutofit fontScale="90000"/>
-          </a:bodyPr>
-          <a:lstStyle/>
-          <a:p>
-            <a:r>
-              <a:rPr lang="en-US" dirty="0" smtClean="0"/>
-              <a:t/>
-            </a:r>
-            <a:br>
-              <a:rPr lang="en-US" dirty="0" smtClean="0"/>
-            </a:br>
-            <a:r>
-              <a:rPr lang="en-US" dirty="0" smtClean="0"/>
-              <a:t>System </a:t>
-            </a:r>
-            <a:r>
-              <a:rPr lang="en-US" dirty="0"/>
-              <a:t>Architecture	</a:t>
-            </a:r>
-            <a:br>
-              <a:rPr lang="en-US" dirty="0"/>
-            </a:br>
-            <a:endParaRPr lang="en-US" dirty="0"/>
-          </a:p>
-        </p:txBody>
-      </p:sp>
-      <p:sp>
-        <p:nvSpPr>
-          <p:cNvPr id="2" name="Content Placeholder 1"/>
-          <p:cNvSpPr>
-            <a:spLocks noGrp="1"/>
-          </p:cNvSpPr>
-          <p:nvPr>
-            <p:ph sz="quarter" idx="1"/>
-          </p:nvPr>
-        </p:nvSpPr>
-        <p:spPr/>
-        <p:txBody>
-          <a:bodyPr>
-            <a:normAutofit fontScale="70000" lnSpcReduction="20000"/>
-          </a:bodyPr>
-          <a:lstStyle/>
-          <a:p>
-            <a:pPr marL="0" indent="0">
-              <a:buNone/>
-            </a:pPr>
-            <a:r>
-              <a:rPr lang="en-US" b="1" dirty="0" smtClean="0"/>
-              <a:t>	System architecture</a:t>
-            </a:r>
-          </a:p>
-          <a:p>
-            <a:r>
-              <a:rPr lang="en-US" dirty="0" smtClean="0"/>
-              <a:t>It is </a:t>
-            </a:r>
-            <a:r>
-              <a:rPr lang="en-US" dirty="0"/>
-              <a:t>the conceptual model which defines the </a:t>
-            </a:r>
-            <a:r>
-              <a:rPr lang="en-US" dirty="0" smtClean="0"/>
-              <a:t>structure, behavior, </a:t>
-            </a:r>
-            <a:r>
-              <a:rPr lang="en-US" dirty="0"/>
-              <a:t>and more views of a </a:t>
-            </a:r>
-            <a:r>
-              <a:rPr lang="en-US" dirty="0" smtClean="0"/>
-              <a:t>system. It is the representation of </a:t>
-            </a:r>
-            <a:r>
-              <a:rPr lang="en-US" dirty="0"/>
-              <a:t>the system organized in a way that supports reasoning about the structures and behaviors of the system. </a:t>
-            </a:r>
-            <a:endParaRPr lang="en-US" dirty="0" smtClean="0"/>
-          </a:p>
-          <a:p>
-            <a:r>
-              <a:rPr lang="en-US" dirty="0" smtClean="0"/>
-              <a:t>For the development of this project I used the Three </a:t>
-            </a:r>
-            <a:r>
-              <a:rPr lang="en-US" dirty="0"/>
-              <a:t>T</a:t>
-            </a:r>
-            <a:r>
-              <a:rPr lang="en-US" dirty="0" smtClean="0"/>
-              <a:t>ier </a:t>
-            </a:r>
-            <a:r>
-              <a:rPr lang="en-US" dirty="0"/>
-              <a:t>A</a:t>
-            </a:r>
-            <a:r>
-              <a:rPr lang="en-US" dirty="0" smtClean="0"/>
-              <a:t>rchitecture. It is the web based application which is divided into 3 layers</a:t>
-            </a:r>
-          </a:p>
-          <a:p>
-            <a:pPr marL="0" indent="0">
-              <a:buNone/>
-            </a:pPr>
-            <a:r>
-              <a:rPr lang="en-US" dirty="0" smtClean="0"/>
-              <a:t>	</a:t>
-            </a:r>
-            <a:r>
-              <a:rPr lang="en-US" i="1" u="sng" dirty="0" smtClean="0"/>
-              <a:t>1.Presentation layer</a:t>
-            </a:r>
-          </a:p>
-          <a:p>
-            <a:r>
-              <a:rPr lang="en-US" dirty="0" smtClean="0"/>
-              <a:t>It is the first layer which is handle by the client system.</a:t>
-            </a:r>
-          </a:p>
-          <a:p>
-            <a:r>
-              <a:rPr lang="en-US" dirty="0" smtClean="0"/>
-              <a:t>It transfer the data to the application layer.</a:t>
-            </a:r>
-          </a:p>
-          <a:p>
-            <a:pPr marL="0" indent="0">
-              <a:buNone/>
-            </a:pPr>
-            <a:r>
-              <a:rPr lang="en-US" dirty="0" smtClean="0"/>
-              <a:t>	</a:t>
-            </a:r>
-            <a:r>
-              <a:rPr lang="en-US" i="1" u="sng" dirty="0" smtClean="0"/>
-              <a:t>2. Application layer</a:t>
-            </a:r>
-          </a:p>
-          <a:p>
-            <a:r>
-              <a:rPr lang="en-US" dirty="0" smtClean="0"/>
-              <a:t>It is the middle layer which is handle by the application server.</a:t>
-            </a:r>
-          </a:p>
-          <a:p>
-            <a:r>
-              <a:rPr lang="en-US" dirty="0" smtClean="0"/>
-              <a:t>It helps to transfer the data between the presentation and database layer.</a:t>
-            </a:r>
-          </a:p>
-          <a:p>
-            <a:pPr marL="0" indent="0">
-              <a:buNone/>
-            </a:pPr>
-            <a:r>
-              <a:rPr lang="en-US" dirty="0" smtClean="0"/>
-              <a:t>	</a:t>
-            </a:r>
-            <a:r>
-              <a:rPr lang="en-US" i="1" u="sng" dirty="0" smtClean="0"/>
-              <a:t>3.Database layer</a:t>
-            </a:r>
-          </a:p>
-          <a:p>
-            <a:r>
-              <a:rPr lang="en-US" dirty="0" smtClean="0"/>
-              <a:t>It the third layer which is handle by the server system.</a:t>
-            </a:r>
-          </a:p>
-          <a:p>
-            <a:r>
-              <a:rPr lang="en-US" dirty="0" smtClean="0"/>
-              <a:t>It helps to store and retrieve the information from database or file system.</a:t>
-            </a:r>
-          </a:p>
-          <a:p>
-            <a:endParaRPr lang="en-US" dirty="0" smtClean="0"/>
-          </a:p>
-        </p:txBody>
-      </p:sp>
-    </p:spTree>
-    <p:extLst>
-      <p:ext uri="{BB962C8B-B14F-4D97-AF65-F5344CB8AC3E}">
-        <p14:creationId xmlns:p14="http://schemas.microsoft.com/office/powerpoint/2010/main" val="2912809647"/>
-      </p:ext>
-    </p:extLst>
-  </p:cSld>
-  <p:clrMapOvr>
-    <a:masterClrMapping/>
-  </p:clrMapOvr>
-  <p:timing>
-    <p:tnLst>
-      <p:par>
-        <p:cTn id="1" dur="indefinite" restart="never" nodeType="tmRoot"/>
-      </p:par>
-    </p:tnLst>
-  </p:timing>
-</p:sld>
-</file>
-
-<file path=ppt/slides/slide13.xml><?xml version="1.0" encoding="utf-8"?>
-<p:sld xmlns:a="http://schemas.openxmlformats.org/drawingml/2006/main" xmlns:r="http://schemas.openxmlformats.org/officeDocument/2006/relationships" xmlns:p="http://schemas.openxmlformats.org/presentationml/2006/main">
-  <p:cSld>
-    <p:spTree>
-      <p:nvGrpSpPr>
-        <p:cNvPr id="1" name=""/>
-        <p:cNvGrpSpPr/>
-        <p:nvPr/>
-      </p:nvGrpSpPr>
-      <p:grpSpPr>
-        <a:xfrm>
-          <a:off x="0" y="0"/>
-          <a:ext cx="0" cy="0"/>
-          <a:chOff x="0" y="0"/>
-          <a:chExt cx="0" cy="0"/>
-        </a:xfrm>
-      </p:grpSpPr>
-      <p:sp>
-        <p:nvSpPr>
-          <p:cNvPr id="3" name="Title 2"/>
-          <p:cNvSpPr>
-            <a:spLocks noGrp="1"/>
-          </p:cNvSpPr>
-          <p:nvPr>
-            <p:ph type="title"/>
-          </p:nvPr>
-        </p:nvSpPr>
-        <p:spPr/>
-        <p:txBody>
-          <a:bodyPr>
-            <a:normAutofit/>
-          </a:bodyPr>
-          <a:lstStyle/>
-          <a:p>
-            <a:r>
-              <a:rPr lang="en-US" dirty="0" smtClean="0"/>
-              <a:t>Diagram of three-tier architecture</a:t>
-            </a:r>
-            <a:endParaRPr lang="en-US" dirty="0"/>
-          </a:p>
-        </p:txBody>
-      </p:sp>
-      <p:pic>
-        <p:nvPicPr>
-          <p:cNvPr id="4" name="Content Placeholder 3" descr="F:\4th semester\Mandira\CP\cp proposal\3.PNG"/>
-          <p:cNvPicPr>
-            <a:picLocks noGrp="1"/>
-          </p:cNvPicPr>
-          <p:nvPr>
-            <p:ph sz="quarter" idx="1"/>
-          </p:nvPr>
-        </p:nvPicPr>
-        <p:blipFill>
-          <a:blip r:embed="rId2" cstate="print">
-            <a:extLst>
-              <a:ext uri="{28A0092B-C50C-407E-A947-70E740481C1C}">
-                <a14:useLocalDpi xmlns:a14="http://schemas.microsoft.com/office/drawing/2010/main" val="0"/>
-              </a:ext>
-            </a:extLst>
-          </a:blip>
-          <a:stretch>
-            <a:fillRect/>
-          </a:stretch>
-        </p:blipFill>
-        <p:spPr bwMode="auto">
-          <a:xfrm>
-            <a:off x="1167134" y="2098435"/>
-            <a:ext cx="6773220" cy="3429479"/>
-          </a:xfrm>
-          <a:prstGeom prst="rect">
-            <a:avLst/>
-          </a:prstGeom>
-          <a:noFill/>
-          <a:ln>
-            <a:noFill/>
-          </a:ln>
-        </p:spPr>
-      </p:pic>
-    </p:spTree>
-    <p:extLst>
-      <p:ext uri="{BB962C8B-B14F-4D97-AF65-F5344CB8AC3E}">
-        <p14:creationId xmlns:p14="http://schemas.microsoft.com/office/powerpoint/2010/main" val="643778298"/>
-      </p:ext>
-    </p:extLst>
-  </p:cSld>
-  <p:clrMapOvr>
-    <a:masterClrMapping/>
-  </p:clrMapOvr>
-  <p:timing>
-    <p:tnLst>
-      <p:par>
-        <p:cTn id="1" dur="indefinite" restart="never" nodeType="tmRoot"/>
-      </p:par>
-    </p:tnLst>
-  </p:timing>
-</p:sld>
-</file>
-
-<file path=ppt/slides/slide14.xml><?xml version="1.0" encoding="utf-8"?>
-<p:sld xmlns:a="http://schemas.openxmlformats.org/drawingml/2006/main" xmlns:r="http://schemas.openxmlformats.org/officeDocument/2006/relationships" xmlns:p="http://schemas.openxmlformats.org/presentationml/2006/main">
-  <p:cSld>
-    <p:spTree>
-      <p:nvGrpSpPr>
-        <p:cNvPr id="1" name=""/>
-        <p:cNvGrpSpPr/>
-        <p:nvPr/>
-      </p:nvGrpSpPr>
-      <p:grpSpPr>
-        <a:xfrm>
-          <a:off x="0" y="0"/>
-          <a:ext cx="0" cy="0"/>
-          <a:chOff x="0" y="0"/>
-          <a:chExt cx="0" cy="0"/>
-        </a:xfrm>
-      </p:grpSpPr>
-      <p:sp>
-        <p:nvSpPr>
-          <p:cNvPr id="3" name="Title 2"/>
-          <p:cNvSpPr>
-            <a:spLocks noGrp="1"/>
-          </p:cNvSpPr>
-          <p:nvPr>
-            <p:ph type="title"/>
-          </p:nvPr>
-        </p:nvSpPr>
-        <p:spPr/>
-        <p:txBody>
-          <a:bodyPr/>
-          <a:lstStyle/>
-          <a:p>
-            <a:r>
-              <a:rPr lang="en-US" dirty="0" smtClean="0"/>
-              <a:t>Gantt chart</a:t>
-            </a:r>
-            <a:endParaRPr lang="en-US" dirty="0"/>
-          </a:p>
-        </p:txBody>
-      </p:sp>
-      <p:sp>
-        <p:nvSpPr>
-          <p:cNvPr id="2" name="Content Placeholder 1"/>
-          <p:cNvSpPr>
-            <a:spLocks noGrp="1"/>
-          </p:cNvSpPr>
-          <p:nvPr>
-            <p:ph sz="quarter" idx="1"/>
-          </p:nvPr>
-        </p:nvSpPr>
-        <p:spPr/>
-        <p:txBody>
-          <a:bodyPr>
-            <a:normAutofit/>
-          </a:bodyPr>
-          <a:lstStyle/>
-          <a:p>
-            <a:r>
-              <a:rPr lang="en-US" dirty="0" smtClean="0"/>
-              <a:t>Gantt chart</a:t>
-            </a:r>
-          </a:p>
-          <a:p>
-            <a:pPr marL="342900" indent="-342900">
-              <a:buFont typeface="Wingdings" pitchFamily="2" charset="2"/>
-              <a:buChar char="§"/>
-            </a:pPr>
-            <a:r>
-              <a:rPr lang="en-US" dirty="0" smtClean="0"/>
-              <a:t>It is the process of maintaining the record of the start and the end of the work or activity. </a:t>
-            </a:r>
-          </a:p>
-          <a:p>
-            <a:pPr marL="342900" indent="-342900">
-              <a:buFont typeface="Wingdings" pitchFamily="2" charset="2"/>
-              <a:buChar char="§"/>
-            </a:pPr>
-            <a:r>
-              <a:rPr lang="en-US" dirty="0" smtClean="0"/>
-              <a:t>Its like the timetable which is maintain to manage and finish the work at the time.</a:t>
-            </a:r>
-          </a:p>
-          <a:p>
-            <a:pPr marL="342900" indent="-342900">
-              <a:buFont typeface="Wingdings" pitchFamily="2" charset="2"/>
-              <a:buChar char="§"/>
-            </a:pPr>
-            <a:r>
-              <a:rPr lang="en-US" dirty="0" smtClean="0"/>
-              <a:t> Its main aim is to give the exact record of the work. That is why it play the vital role to develop the project which help to manage the project simply and effectively.</a:t>
-            </a:r>
-            <a:endParaRPr lang="en-US" dirty="0"/>
-          </a:p>
-        </p:txBody>
-      </p:sp>
-    </p:spTree>
-    <p:extLst>
-      <p:ext uri="{BB962C8B-B14F-4D97-AF65-F5344CB8AC3E}">
-        <p14:creationId xmlns:p14="http://schemas.microsoft.com/office/powerpoint/2010/main" val="3257325586"/>
-      </p:ext>
-    </p:extLst>
-  </p:cSld>
-  <p:clrMapOvr>
-    <a:masterClrMapping/>
-  </p:clrMapOvr>
-  <p:timing>
-    <p:tnLst>
-      <p:par>
-        <p:cTn id="1" dur="indefinite" restart="never" nodeType="tmRoot"/>
-      </p:par>
-    </p:tnLst>
-  </p:timing>
-</p:sld>
-</file>
-
 <file path=ppt/slides/slide15.xml><?xml version="1.0" encoding="utf-8"?>
 <p:sld xmlns:a="http://schemas.openxmlformats.org/drawingml/2006/main" xmlns:r="http://schemas.openxmlformats.org/officeDocument/2006/relationships" xmlns:p="http://schemas.openxmlformats.org/presentationml/2006/main">
   <p:cSld>
@@ -6964,59 +6832,198 @@
             <p:ph type="title"/>
           </p:nvPr>
         </p:nvSpPr>
+        <p:spPr>
+          <a:xfrm>
+            <a:off x="609600" y="304800"/>
+            <a:ext cx="8534400" cy="758952"/>
+          </a:xfrm>
+        </p:spPr>
+        <p:txBody>
+          <a:bodyPr>
+            <a:normAutofit fontScale="90000"/>
+          </a:bodyPr>
+          <a:lstStyle/>
+          <a:p>
+            <a:r>
+              <a:rPr lang="en-US" dirty="0" smtClean="0"/>
+              <a:t/>
+            </a:r>
+            <a:br>
+              <a:rPr lang="en-US" dirty="0" smtClean="0"/>
+            </a:br>
+            <a:r>
+              <a:rPr lang="en-US" dirty="0" smtClean="0"/>
+              <a:t>System </a:t>
+            </a:r>
+            <a:r>
+              <a:rPr lang="en-US" dirty="0"/>
+              <a:t>Architecture	</a:t>
+            </a:r>
+            <a:br>
+              <a:rPr lang="en-US" dirty="0"/>
+            </a:br>
+            <a:endParaRPr lang="en-US" dirty="0"/>
+          </a:p>
+        </p:txBody>
+      </p:sp>
+      <p:sp>
+        <p:nvSpPr>
+          <p:cNvPr id="2" name="Content Placeholder 1"/>
+          <p:cNvSpPr>
+            <a:spLocks noGrp="1"/>
+          </p:cNvSpPr>
+          <p:nvPr>
+            <p:ph sz="quarter" idx="1"/>
+          </p:nvPr>
+        </p:nvSpPr>
         <p:spPr/>
         <p:txBody>
-          <a:bodyPr/>
-          <a:lstStyle/>
-          <a:p>
-            <a:r>
-              <a:rPr lang="en-US" dirty="0" smtClean="0"/>
-              <a:t>Diagram of Gantt chart</a:t>
-            </a:r>
-            <a:endParaRPr lang="en-US" dirty="0"/>
-          </a:p>
-        </p:txBody>
-      </p:sp>
-      <p:pic>
-        <p:nvPicPr>
-          <p:cNvPr id="4" name="Content Placeholder 3" descr="F:\4th semester\Mandira\CP\cp proposal\5.PNG"/>
-          <p:cNvPicPr>
-            <a:picLocks noGrp="1"/>
-          </p:cNvPicPr>
-          <p:nvPr>
-            <p:ph sz="quarter" idx="1"/>
-          </p:nvPr>
-        </p:nvPicPr>
-        <p:blipFill>
-          <a:blip r:embed="rId2" cstate="print">
-            <a:extLst>
-              <a:ext uri="{28A0092B-C50C-407E-A947-70E740481C1C}">
-                <a14:useLocalDpi xmlns:a14="http://schemas.microsoft.com/office/drawing/2010/main" val="0"/>
-              </a:ext>
-            </a:extLst>
-          </a:blip>
-          <a:stretch>
-            <a:fillRect/>
-          </a:stretch>
-        </p:blipFill>
-        <p:spPr bwMode="auto">
-          <a:xfrm>
-            <a:off x="1598877" y="1527175"/>
-            <a:ext cx="5909733" cy="4572000"/>
-          </a:xfrm>
-          <a:prstGeom prst="rect">
-            <a:avLst/>
-          </a:prstGeom>
-          <a:noFill/>
-          <a:ln>
-            <a:noFill/>
-          </a:ln>
-        </p:spPr>
-      </p:pic>
+          <a:bodyPr>
+            <a:normAutofit fontScale="70000" lnSpcReduction="20000"/>
+          </a:bodyPr>
+          <a:lstStyle/>
+          <a:p>
+            <a:pPr marL="0" indent="0">
+              <a:buNone/>
+            </a:pPr>
+            <a:r>
+              <a:rPr lang="en-US" b="1" dirty="0" smtClean="0"/>
+              <a:t>	System architecture</a:t>
+            </a:r>
+          </a:p>
+          <a:p>
+            <a:r>
+              <a:rPr lang="en-US" dirty="0" smtClean="0"/>
+              <a:t>It is </a:t>
+            </a:r>
+            <a:r>
+              <a:rPr lang="en-US" dirty="0"/>
+              <a:t>the conceptual model which defines the </a:t>
+            </a:r>
+            <a:r>
+              <a:rPr lang="en-US" dirty="0" smtClean="0"/>
+              <a:t>structure, behavior, </a:t>
+            </a:r>
+            <a:r>
+              <a:rPr lang="en-US" dirty="0"/>
+              <a:t>and more views of a </a:t>
+            </a:r>
+            <a:r>
+              <a:rPr lang="en-US" dirty="0" smtClean="0"/>
+              <a:t>system. It is the representation of </a:t>
+            </a:r>
+            <a:r>
+              <a:rPr lang="en-US" dirty="0"/>
+              <a:t>the system organized in a way that supports reasoning about the structures and behaviors of the system. </a:t>
+            </a:r>
+            <a:endParaRPr lang="en-US" dirty="0" smtClean="0"/>
+          </a:p>
+          <a:p>
+            <a:r>
+              <a:rPr lang="en-US" dirty="0" smtClean="0"/>
+              <a:t>For the development of this project I used the Three </a:t>
+            </a:r>
+            <a:r>
+              <a:rPr lang="en-US" dirty="0"/>
+              <a:t>T</a:t>
+            </a:r>
+            <a:r>
+              <a:rPr lang="en-US" dirty="0" smtClean="0"/>
+              <a:t>ier </a:t>
+            </a:r>
+            <a:r>
+              <a:rPr lang="en-US" dirty="0"/>
+              <a:t>A</a:t>
+            </a:r>
+            <a:r>
+              <a:rPr lang="en-US" dirty="0" smtClean="0"/>
+              <a:t>rchitecture. It is the web based application which is divided into 3 layers</a:t>
+            </a:r>
+          </a:p>
+          <a:p>
+            <a:pPr marL="0" indent="0">
+              <a:buNone/>
+            </a:pPr>
+            <a:r>
+              <a:rPr lang="en-US" dirty="0" smtClean="0"/>
+              <a:t>	</a:t>
+            </a:r>
+            <a:r>
+              <a:rPr lang="en-US" i="1" u="sng" dirty="0" smtClean="0"/>
+              <a:t>1.Presentation layer</a:t>
+            </a:r>
+          </a:p>
+          <a:p>
+            <a:r>
+              <a:rPr lang="en-US" dirty="0" smtClean="0"/>
+              <a:t>It is the first layer which is handle by the client system.</a:t>
+            </a:r>
+          </a:p>
+          <a:p>
+            <a:r>
+              <a:rPr lang="en-US" dirty="0" smtClean="0"/>
+              <a:t>It transfer the data to the application layer.</a:t>
+            </a:r>
+          </a:p>
+          <a:p>
+            <a:pPr marL="0" indent="0">
+              <a:buNone/>
+            </a:pPr>
+            <a:r>
+              <a:rPr lang="en-US" dirty="0" smtClean="0"/>
+              <a:t>	</a:t>
+            </a:r>
+            <a:r>
+              <a:rPr lang="en-US" i="1" u="sng" dirty="0" smtClean="0"/>
+              <a:t>2. Application layer</a:t>
+            </a:r>
+          </a:p>
+          <a:p>
+            <a:r>
+              <a:rPr lang="en-US" dirty="0" smtClean="0"/>
+              <a:t>It is the middle layer which is handle by the application server.</a:t>
+            </a:r>
+          </a:p>
+          <a:p>
+            <a:r>
+              <a:rPr lang="en-US" dirty="0" smtClean="0"/>
+              <a:t>It helps to transfer the data between the presentation and database layer.</a:t>
+            </a:r>
+          </a:p>
+          <a:p>
+            <a:pPr marL="0" indent="0">
+              <a:buNone/>
+            </a:pPr>
+            <a:r>
+              <a:rPr lang="en-US" dirty="0" smtClean="0"/>
+              <a:t>	</a:t>
+            </a:r>
+            <a:r>
+              <a:rPr lang="en-US" i="1" u="sng" dirty="0" smtClean="0"/>
+              <a:t>3.Database layer</a:t>
+            </a:r>
+          </a:p>
+          <a:p>
+            <a:r>
+              <a:rPr lang="en-US" dirty="0" smtClean="0"/>
+              <a:t>It the third layer which is handle by the server system.</a:t>
+            </a:r>
+          </a:p>
+          <a:p>
+            <a:r>
+              <a:rPr lang="en-US" dirty="0" smtClean="0"/>
+              <a:t>It helps to store and retrieve the information from database or file system.</a:t>
+            </a:r>
+          </a:p>
+          <a:p>
+            <a:endParaRPr lang="en-US" dirty="0" smtClean="0"/>
+          </a:p>
+        </p:txBody>
+      </p:sp>
     </p:spTree>
     <p:extLst>
       <p:ext uri="{BB962C8B-B14F-4D97-AF65-F5344CB8AC3E}">
-        <p14:creationId xmlns:p14="http://schemas.microsoft.com/office/powerpoint/2010/main" val="1779612821"/>
+        <p14:creationId xmlns:p14="http://schemas.microsoft.com/office/powerpoint/2010/main" val="2912809647"/>
       </p:ext>
     </p:extLst>
   </p:cSld>
@@ -7062,12 +7069,14 @@
         </p:nvSpPr>
         <p:spPr/>
         <p:txBody>
-          <a:bodyPr/>
-          <a:lstStyle/>
-          <a:p>
-            <a:r>
-              <a:rPr lang="en-US" dirty="0" smtClean="0"/>
-              <a:t>Gantt chart</a:t>
+          <a:bodyPr>
+            <a:normAutofit/>
+          </a:bodyPr>
+          <a:lstStyle/>
+          <a:p>
+            <a:r>
+              <a:rPr lang="en-US" dirty="0" smtClean="0"/>
+              <a:t>Diagram of three-tier architecture</a:t>
             </a:r>
             <a:endParaRPr lang="en-US" dirty="0"/>
           </a:p>
@@ -7075,7 +7084,7 @@
       </p:sp>
       <p:pic>
         <p:nvPicPr>
-          <p:cNvPr id="4" name="Content Placeholder 3" descr="F:\4th semester\Mandira\CP\cp proposal\6.PNG"/>
+          <p:cNvPr id="4" name="Content Placeholder 3" descr="F:\4th semester\Mandira\CP\cp proposal\3.PNG"/>
           <p:cNvPicPr>
             <a:picLocks noGrp="1"/>
           </p:cNvPicPr>
@@ -7097,8 +7106,8 @@
         </p:blipFill>
         <p:spPr bwMode="auto">
           <a:xfrm>
-            <a:off x="662501" y="1527175"/>
-            <a:ext cx="7782485" cy="4572000"/>
+            <a:off x="1167134" y="2098435"/>
+            <a:ext cx="6773220" cy="3429479"/>
           </a:xfrm>
           <a:prstGeom prst="rect">
             <a:avLst/>
@@ -7112,7 +7121,7 @@
     </p:spTree>
     <p:extLst>
       <p:ext uri="{BB962C8B-B14F-4D97-AF65-F5344CB8AC3E}">
-        <p14:creationId xmlns:p14="http://schemas.microsoft.com/office/powerpoint/2010/main" val="1687426290"/>
+        <p14:creationId xmlns:p14="http://schemas.microsoft.com/office/powerpoint/2010/main" val="643778298"/>
       </p:ext>
     </p:extLst>
   </p:cSld>
@@ -7366,14 +7375,14 @@
           <p:nvPr>
             <p:extLst>
               <p:ext uri="{D42A27DB-BD31-4B8C-83A1-F6EECF244321}">
-                <p14:modId xmlns:p14="http://schemas.microsoft.com/office/powerpoint/2010/main" val="666006825"/>
+                <p14:modId xmlns:p14="http://schemas.microsoft.com/office/powerpoint/2010/main" val="1431388321"/>
               </p:ext>
             </p:extLst>
           </p:nvPr>
         </p:nvGraphicFramePr>
         <p:xfrm>
-          <a:off x="533402" y="2012324"/>
-          <a:ext cx="8000997" cy="4774342"/>
+          <a:off x="457200" y="1663185"/>
+          <a:ext cx="8229600" cy="5052457"/>
         </p:xfrm>
         <a:graphic>
           <a:graphicData uri="http://schemas.openxmlformats.org/drawingml/2006/table">
@@ -7382,14 +7391,15 @@
                 <a:tableStyleId>{5C22544A-7EE6-4342-B048-85BDC9FD1C3A}</a:tableStyleId>
               </a:tblPr>
               <a:tblGrid>
-                <a:gridCol w="512711"/>
-                <a:gridCol w="1484165"/>
-                <a:gridCol w="944468"/>
-                <a:gridCol w="1079393"/>
-                <a:gridCol w="674620"/>
-                <a:gridCol w="3305640"/>
+                <a:gridCol w="548893"/>
+                <a:gridCol w="548893"/>
+                <a:gridCol w="1383307"/>
+                <a:gridCol w="880286"/>
+                <a:gridCol w="1006042"/>
+                <a:gridCol w="628776"/>
+                <a:gridCol w="3233403"/>
               </a:tblGrid>
-              <a:tr h="297268">
+              <a:tr h="485248">
                 <a:tc>
                   <a:txBody>
                     <a:bodyPr/>
@@ -7407,12 +7417,47 @@
                         </a:spcAft>
                       </a:pPr>
                       <a:r>
-                        <a:rPr lang="en-US" sz="1200" kern="100">
+                        <a:rPr lang="en-US" sz="1200" kern="100" dirty="0">
                           <a:effectLst/>
                         </a:rPr>
                         <a:t>S. No</a:t>
                       </a:r>
-                      <a:endParaRPr lang="en-US" sz="1200" kern="100">
+                      <a:endParaRPr lang="en-US" sz="1200" kern="100" dirty="0">
+                        <a:effectLst/>
+                        <a:latin typeface="Liberation Serif"/>
+                        <a:ea typeface="Noto Serif CJK SC"/>
+                        <a:cs typeface="Lohit Devanagari"/>
+                      </a:endParaRPr>
+                    </a:p>
+                  </a:txBody>
+                  <a:tcPr marL="34156" marR="34789" marT="34789" marB="34789"/>
+                </a:tc>
+                <a:tc>
+                  <a:txBody>
+                    <a:bodyPr/>
+                    <a:lstStyle/>
+                    <a:p>
+                      <a:pPr marL="0" marR="0">
+                        <a:lnSpc>
+                          <a:spcPct val="115000"/>
+                        </a:lnSpc>
+                        <a:spcBef>
+                          <a:spcPts val="0"/>
+                        </a:spcBef>
+                        <a:spcAft>
+                          <a:spcPts val="0"/>
+                        </a:spcAft>
+                      </a:pPr>
+                      <a:r>
+                        <a:rPr lang="en-US" sz="1200" kern="100" dirty="0" smtClean="0">
+                          <a:effectLst/>
+                          <a:latin typeface="Liberation Serif"/>
+                          <a:ea typeface="Noto Serif CJK SC"/>
+                          <a:cs typeface="Lohit Devanagari"/>
+                        </a:rPr>
+                        <a:t>Risk type </a:t>
+                      </a:r>
+                      <a:endParaRPr lang="en-US" sz="1200" kern="100" dirty="0">
                         <a:effectLst/>
                         <a:latin typeface="Liberation Serif"/>
                         <a:ea typeface="Noto Serif CJK SC"/>
@@ -7583,7 +7628,7 @@
                   <a:tcPr marL="34156" marR="34789" marT="34789" marB="34789"/>
                 </a:tc>
               </a:tr>
-              <a:tr h="520638">
+              <a:tr h="515376">
                 <a:tc>
                   <a:txBody>
                     <a:bodyPr/>
@@ -7607,6 +7652,41 @@
                         <a:t>1</a:t>
                       </a:r>
                       <a:endParaRPr lang="en-US" sz="1200" kern="100">
+                        <a:effectLst/>
+                        <a:latin typeface="Liberation Serif"/>
+                        <a:ea typeface="Noto Serif CJK SC"/>
+                        <a:cs typeface="Lohit Devanagari"/>
+                      </a:endParaRPr>
+                    </a:p>
+                  </a:txBody>
+                  <a:tcPr marL="34156" marR="34789" marT="34789" marB="34789"/>
+                </a:tc>
+                <a:tc>
+                  <a:txBody>
+                    <a:bodyPr/>
+                    <a:lstStyle/>
+                    <a:p>
+                      <a:pPr marL="0" marR="0">
+                        <a:lnSpc>
+                          <a:spcPct val="115000"/>
+                        </a:lnSpc>
+                        <a:spcBef>
+                          <a:spcPts val="0"/>
+                        </a:spcBef>
+                        <a:spcAft>
+                          <a:spcPts val="0"/>
+                        </a:spcAft>
+                      </a:pPr>
+                      <a:r>
+                        <a:rPr lang="en-US" sz="1200" kern="100" dirty="0" smtClean="0">
+                          <a:effectLst/>
+                          <a:latin typeface="Liberation Serif"/>
+                          <a:ea typeface="Noto Serif CJK SC"/>
+                          <a:cs typeface="Lohit Devanagari"/>
+                        </a:rPr>
+                        <a:t>technical</a:t>
+                      </a:r>
+                      <a:endParaRPr lang="en-US" sz="1200" kern="100" dirty="0">
                         <a:effectLst/>
                         <a:latin typeface="Liberation Serif"/>
                         <a:ea typeface="Noto Serif CJK SC"/>
@@ -7777,7 +7857,7 @@
                   <a:tcPr marL="34156" marR="34789" marT="34789" marB="34789"/>
                 </a:tc>
               </a:tr>
-              <a:tr h="744008">
+              <a:tr h="736489">
                 <a:tc>
                   <a:txBody>
                     <a:bodyPr/>
@@ -7800,6 +7880,32 @@
                         </a:rPr>
                         <a:t>2</a:t>
                       </a:r>
+                      <a:endParaRPr lang="en-US" sz="1200" kern="100">
+                        <a:effectLst/>
+                        <a:latin typeface="Liberation Serif"/>
+                        <a:ea typeface="Noto Serif CJK SC"/>
+                        <a:cs typeface="Lohit Devanagari"/>
+                      </a:endParaRPr>
+                    </a:p>
+                  </a:txBody>
+                  <a:tcPr marL="34156" marR="34789" marT="34789" marB="34789"/>
+                </a:tc>
+                <a:tc>
+                  <a:txBody>
+                    <a:bodyPr/>
+                    <a:lstStyle/>
+                    <a:p>
+                      <a:pPr marL="0" marR="0">
+                        <a:lnSpc>
+                          <a:spcPct val="115000"/>
+                        </a:lnSpc>
+                        <a:spcBef>
+                          <a:spcPts val="0"/>
+                        </a:spcBef>
+                        <a:spcAft>
+                          <a:spcPts val="0"/>
+                        </a:spcAft>
+                      </a:pPr>
                       <a:endParaRPr lang="en-US" sz="1200" kern="100">
                         <a:effectLst/>
                         <a:latin typeface="Liberation Serif"/>
@@ -7923,12 +8029,12 @@
                         </a:spcAft>
                       </a:pPr>
                       <a:r>
-                        <a:rPr lang="en-US" sz="1200" kern="100">
+                        <a:rPr lang="en-US" sz="1200" kern="100" dirty="0">
                           <a:effectLst/>
                         </a:rPr>
                         <a:t>2</a:t>
                       </a:r>
-                      <a:endParaRPr lang="en-US" sz="1200" kern="100">
+                      <a:endParaRPr lang="en-US" sz="1200" kern="100" dirty="0">
                         <a:effectLst/>
                         <a:latin typeface="Liberation Serif"/>
                         <a:ea typeface="Noto Serif CJK SC"/>
@@ -7971,7 +8077,7 @@
                   <a:tcPr marL="34156" marR="34789" marT="34789" marB="34789"/>
                 </a:tc>
               </a:tr>
-              <a:tr h="744008">
+              <a:tr h="736489">
                 <a:tc>
                   <a:txBody>
                     <a:bodyPr/>
@@ -7994,6 +8100,32 @@
                         </a:rPr>
                         <a:t>3</a:t>
                       </a:r>
+                      <a:endParaRPr lang="en-US" sz="1200" kern="100">
+                        <a:effectLst/>
+                        <a:latin typeface="Liberation Serif"/>
+                        <a:ea typeface="Noto Serif CJK SC"/>
+                        <a:cs typeface="Lohit Devanagari"/>
+                      </a:endParaRPr>
+                    </a:p>
+                  </a:txBody>
+                  <a:tcPr marL="34156" marR="34789" marT="34789" marB="34789"/>
+                </a:tc>
+                <a:tc>
+                  <a:txBody>
+                    <a:bodyPr/>
+                    <a:lstStyle/>
+                    <a:p>
+                      <a:pPr marL="0" marR="0">
+                        <a:lnSpc>
+                          <a:spcPct val="115000"/>
+                        </a:lnSpc>
+                        <a:spcBef>
+                          <a:spcPts val="0"/>
+                        </a:spcBef>
+                        <a:spcAft>
+                          <a:spcPts val="0"/>
+                        </a:spcAft>
+                      </a:pPr>
                       <a:endParaRPr lang="en-US" sz="1200" kern="100">
                         <a:effectLst/>
                         <a:latin typeface="Liberation Serif"/>
@@ -8165,7 +8297,7 @@
                   <a:tcPr marL="34156" marR="34789" marT="34789" marB="34789"/>
                 </a:tc>
               </a:tr>
-              <a:tr h="744008">
+              <a:tr h="736489">
                 <a:tc>
                   <a:txBody>
                     <a:bodyPr/>
@@ -8214,13 +8346,39 @@
                           <a:spcPts val="0"/>
                         </a:spcAft>
                       </a:pPr>
+                      <a:endParaRPr lang="en-US" sz="1200" kern="100">
+                        <a:effectLst/>
+                        <a:latin typeface="Liberation Serif"/>
+                        <a:ea typeface="Noto Serif CJK SC"/>
+                        <a:cs typeface="Lohit Devanagari"/>
+                      </a:endParaRPr>
+                    </a:p>
+                  </a:txBody>
+                  <a:tcPr marL="34156" marR="34789" marT="34789" marB="34789"/>
+                </a:tc>
+                <a:tc>
+                  <a:txBody>
+                    <a:bodyPr/>
+                    <a:lstStyle/>
+                    <a:p>
+                      <a:pPr marL="0" marR="0">
+                        <a:lnSpc>
+                          <a:spcPct val="115000"/>
+                        </a:lnSpc>
+                        <a:spcBef>
+                          <a:spcPts val="0"/>
+                        </a:spcBef>
+                        <a:spcAft>
+                          <a:spcPts val="0"/>
+                        </a:spcAft>
+                      </a:pPr>
                       <a:r>
-                        <a:rPr lang="en-US" sz="1200" kern="100">
+                        <a:rPr lang="en-US" sz="1200" kern="100" dirty="0">
                           <a:effectLst/>
                         </a:rPr>
                         <a:t>Threat on the system</a:t>
                       </a:r>
-                      <a:endParaRPr lang="en-US" sz="1200" kern="100">
+                      <a:endParaRPr lang="en-US" sz="1200" kern="100" dirty="0">
                         <a:effectLst/>
                         <a:latin typeface="Liberation Serif"/>
                         <a:ea typeface="Noto Serif CJK SC"/>
@@ -8378,7 +8536,7 @@
                   <a:tcPr marL="34156" marR="34789" marT="34789" marB="34789"/>
                 </a:tc>
               </a:tr>
-              <a:tr h="520638">
+              <a:tr h="515376">
                 <a:tc>
                   <a:txBody>
                     <a:bodyPr/>
@@ -8402,6 +8560,41 @@
                         <a:t>5</a:t>
                       </a:r>
                       <a:endParaRPr lang="en-US" sz="1200" kern="100">
+                        <a:effectLst/>
+                        <a:latin typeface="Liberation Serif"/>
+                        <a:ea typeface="Noto Serif CJK SC"/>
+                        <a:cs typeface="Lohit Devanagari"/>
+                      </a:endParaRPr>
+                    </a:p>
+                  </a:txBody>
+                  <a:tcPr marL="34156" marR="34789" marT="34789" marB="34789"/>
+                </a:tc>
+                <a:tc>
+                  <a:txBody>
+                    <a:bodyPr/>
+                    <a:lstStyle/>
+                    <a:p>
+                      <a:pPr marL="0" marR="0">
+                        <a:lnSpc>
+                          <a:spcPct val="115000"/>
+                        </a:lnSpc>
+                        <a:spcBef>
+                          <a:spcPts val="0"/>
+                        </a:spcBef>
+                        <a:spcAft>
+                          <a:spcPts val="0"/>
+                        </a:spcAft>
+                      </a:pPr>
+                      <a:r>
+                        <a:rPr lang="en-US" sz="1200" kern="100" dirty="0" smtClean="0">
+                          <a:effectLst/>
+                          <a:latin typeface="Liberation Serif"/>
+                          <a:ea typeface="Noto Serif CJK SC"/>
+                          <a:cs typeface="Lohit Devanagari"/>
+                        </a:rPr>
+                        <a:t>Non-technical</a:t>
+                      </a:r>
+                      <a:endParaRPr lang="en-US" sz="1200" kern="100" dirty="0">
                         <a:effectLst/>
                         <a:latin typeface="Liberation Serif"/>
                         <a:ea typeface="Noto Serif CJK SC"/>
@@ -8591,7 +8784,7 @@
                   <a:tcPr marL="34156" marR="34789" marT="34789" marB="34789"/>
                 </a:tc>
               </a:tr>
-              <a:tr h="297268">
+              <a:tr h="485248">
                 <a:tc>
                   <a:txBody>
                     <a:bodyPr/>
@@ -8614,6 +8807,32 @@
                         </a:rPr>
                         <a:t>6</a:t>
                       </a:r>
+                      <a:endParaRPr lang="en-US" sz="1200" kern="100">
+                        <a:effectLst/>
+                        <a:latin typeface="Liberation Serif"/>
+                        <a:ea typeface="Noto Serif CJK SC"/>
+                        <a:cs typeface="Lohit Devanagari"/>
+                      </a:endParaRPr>
+                    </a:p>
+                  </a:txBody>
+                  <a:tcPr marL="34156" marR="34789" marT="34789" marB="34789"/>
+                </a:tc>
+                <a:tc>
+                  <a:txBody>
+                    <a:bodyPr/>
+                    <a:lstStyle/>
+                    <a:p>
+                      <a:pPr marL="0" marR="0">
+                        <a:lnSpc>
+                          <a:spcPct val="115000"/>
+                        </a:lnSpc>
+                        <a:spcBef>
+                          <a:spcPts val="0"/>
+                        </a:spcBef>
+                        <a:spcAft>
+                          <a:spcPts val="0"/>
+                        </a:spcAft>
+                      </a:pPr>
                       <a:endParaRPr lang="en-US" sz="1200" kern="100">
                         <a:effectLst/>
                         <a:latin typeface="Liberation Serif"/>
@@ -8788,7 +9007,7 @@
                   <a:tcPr marL="34156" marR="34789" marT="34789" marB="34789"/>
                 </a:tc>
               </a:tr>
-              <a:tr h="520638">
+              <a:tr h="450700">
                 <a:tc>
                   <a:txBody>
                     <a:bodyPr/>
@@ -8812,6 +9031,32 @@
                         <a:t>7</a:t>
                       </a:r>
                       <a:endParaRPr lang="en-US" sz="1200" kern="100">
+                        <a:effectLst/>
+                        <a:latin typeface="Liberation Serif"/>
+                        <a:ea typeface="Noto Serif CJK SC"/>
+                        <a:cs typeface="Lohit Devanagari"/>
+                      </a:endParaRPr>
+                    </a:p>
+                  </a:txBody>
+                  <a:tcPr marL="34156" marR="34789" marT="34789" marB="34789"/>
+                </a:tc>
+                <a:tc>
+                  <a:txBody>
+                    <a:bodyPr/>
+                    <a:lstStyle/>
+                    <a:p>
+                      <a:pPr marL="0" marR="0">
+                        <a:lnSpc>
+                          <a:spcPct val="115000"/>
+                        </a:lnSpc>
+                        <a:spcBef>
+                          <a:spcPts val="0"/>
+                        </a:spcBef>
+                        <a:spcAft>
+                          <a:spcPts val="0"/>
+                        </a:spcAft>
+                      </a:pPr>
+                      <a:endParaRPr lang="en-US" sz="1200" kern="100" dirty="0">
                         <a:effectLst/>
                         <a:latin typeface="Liberation Serif"/>
                         <a:ea typeface="Noto Serif CJK SC"/>
@@ -8934,12 +9179,12 @@
                         </a:spcAft>
                       </a:pPr>
                       <a:r>
-                        <a:rPr lang="en-US" sz="1200" kern="100">
+                        <a:rPr lang="en-US" sz="1200" kern="100" dirty="0">
                           <a:effectLst/>
                         </a:rPr>
                         <a:t>6</a:t>
                       </a:r>
-                      <a:endParaRPr lang="en-US" sz="1200" kern="100">
+                      <a:endParaRPr lang="en-US" sz="1200" kern="100" dirty="0">
                         <a:effectLst/>
                         <a:latin typeface="Liberation Serif"/>
                         <a:ea typeface="Noto Serif CJK SC"/>
@@ -9980,51 +10225,14 @@
           <a:p>
             <a:r>
               <a:rPr lang="en-US" dirty="0" smtClean="0"/>
-              <a:t>The </a:t>
-            </a:r>
-            <a:r>
-              <a:rPr lang="en-US" dirty="0" smtClean="0"/>
-              <a:t>classes </a:t>
-            </a:r>
-            <a:r>
-              <a:rPr lang="en-US" dirty="0" smtClean="0"/>
-              <a:t>of Stock </a:t>
-            </a:r>
-            <a:r>
-              <a:rPr lang="en-US" dirty="0" smtClean="0"/>
-              <a:t>management system are user, product, category, </a:t>
-            </a:r>
-            <a:r>
-              <a:rPr lang="en-US" dirty="0" smtClean="0"/>
-              <a:t>brand </a:t>
-            </a:r>
-            <a:r>
-              <a:rPr lang="en-US" dirty="0" smtClean="0"/>
-              <a:t>and </a:t>
-            </a:r>
-            <a:r>
-              <a:rPr lang="en-US" dirty="0" smtClean="0"/>
-              <a:t>customer</a:t>
-            </a:r>
-            <a:r>
-              <a:rPr lang="en-US" dirty="0" smtClean="0"/>
-              <a:t>. </a:t>
-            </a:r>
-          </a:p>
-          <a:p>
-            <a:r>
-              <a:rPr lang="en-US" dirty="0" smtClean="0"/>
-              <a:t>So the customer </a:t>
-            </a:r>
-            <a:r>
-              <a:rPr lang="en-US" dirty="0" smtClean="0"/>
-              <a:t>can buy the product that are </a:t>
-            </a:r>
-            <a:r>
-              <a:rPr lang="en-US" dirty="0" smtClean="0"/>
-              <a:t>available. </a:t>
-            </a:r>
-            <a:endParaRPr lang="en-US" dirty="0" smtClean="0"/>
+              <a:t>The classes of Stock management system are user, product, category, brand and customer. </a:t>
+            </a:r>
+          </a:p>
+          <a:p>
+            <a:r>
+              <a:rPr lang="en-US" dirty="0" smtClean="0"/>
+              <a:t>So the customer can buy the product that are available. </a:t>
+            </a:r>
           </a:p>
           <a:p>
             <a:r>
@@ -10359,15 +10567,7 @@
           <a:p>
             <a:r>
               <a:rPr lang="en-US" dirty="0" smtClean="0"/>
-              <a:t>Here in the use case diagram, the </a:t>
-            </a:r>
-            <a:r>
-              <a:rPr lang="en-US" dirty="0" smtClean="0"/>
-              <a:t>admin and </a:t>
-            </a:r>
-            <a:r>
-              <a:rPr lang="en-US" dirty="0" smtClean="0"/>
-              <a:t>user are the actor who interact with the use cases.</a:t>
+              <a:t>Here in the use case diagram, the admin and user are the actor who interact with the use cases.</a:t>
             </a:r>
           </a:p>
           <a:p>
@@ -10379,13 +10579,8 @@
           <a:p>
             <a:r>
               <a:rPr lang="en-US" dirty="0" smtClean="0"/>
-              <a:t>The admin has right to control the </a:t>
-            </a:r>
-            <a:r>
-              <a:rPr lang="en-US" dirty="0" smtClean="0"/>
-              <a:t> system.</a:t>
-            </a:r>
-            <a:endParaRPr lang="en-US" dirty="0" smtClean="0"/>
+              <a:t>The admin has right to control the  system.</a:t>
+            </a:r>
           </a:p>
           <a:p>
             <a:r>
@@ -11312,23 +11507,14 @@
           <a:p>
             <a:r>
               <a:rPr lang="en-US" dirty="0" smtClean="0"/>
-              <a:t>They </a:t>
-            </a:r>
-            <a:r>
-              <a:rPr lang="en-US" dirty="0" smtClean="0"/>
-              <a:t>can calculate the payment of the product.</a:t>
-            </a:r>
-          </a:p>
-          <a:p>
-            <a:r>
-              <a:rPr lang="en-US" dirty="0" smtClean="0"/>
-              <a:t>To add the product, admin should select the brand and category</a:t>
-            </a:r>
-            <a:r>
-              <a:rPr lang="en-US" dirty="0" smtClean="0"/>
-              <a:t>. Then, name the product and make the payment.</a:t>
-            </a:r>
-            <a:endParaRPr lang="en-US" dirty="0" smtClean="0"/>
+              <a:t>They can calculate the payment of the product.</a:t>
+            </a:r>
+          </a:p>
+          <a:p>
+            <a:r>
+              <a:rPr lang="en-US" dirty="0" smtClean="0"/>
+              <a:t>To add the product, admin should select the brand and category. Then, name the product and make the payment.</a:t>
+            </a:r>
           </a:p>
           <a:p>
             <a:endParaRPr lang="en-US" dirty="0" smtClean="0"/>
@@ -11488,17 +11674,18 @@
         <p:spPr/>
         <p:txBody>
           <a:bodyPr>
-            <a:normAutofit fontScale="90000"/>
+            <a:normAutofit/>
           </a:bodyPr>
           <a:lstStyle/>
           <a:p>
             <a:r>
-              <a:rPr lang="en-US" dirty="0" smtClean="0"/>
-              <a:t>Activity diagram of selling the product</a:t>
-            </a:r>
-            <a:br>
-              <a:rPr lang="en-US" dirty="0" smtClean="0"/>
-            </a:br>
+              <a:rPr lang="en-US" dirty="0"/>
+              <a:t>Activity diagram of selling the </a:t>
+            </a:r>
+            <a:r>
+              <a:rPr lang="en-US" dirty="0" smtClean="0"/>
+              <a:t>product</a:t>
+            </a:r>
             <a:endParaRPr lang="en-US" dirty="0"/>
           </a:p>
         </p:txBody>
@@ -11520,53 +11707,13 @@
           <a:p>
             <a:r>
               <a:rPr lang="en-US" dirty="0" smtClean="0"/>
-              <a:t>To </a:t>
-            </a:r>
-            <a:r>
-              <a:rPr lang="en-US" dirty="0" smtClean="0"/>
-              <a:t>supply </a:t>
-            </a:r>
-            <a:r>
-              <a:rPr lang="en-US" dirty="0" smtClean="0"/>
-              <a:t>the product to the </a:t>
-            </a:r>
-            <a:r>
-              <a:rPr lang="en-US" dirty="0" smtClean="0"/>
-              <a:t>customer</a:t>
-            </a:r>
-            <a:r>
-              <a:rPr lang="en-US" dirty="0" smtClean="0"/>
-              <a:t>, </a:t>
-            </a:r>
-            <a:r>
-              <a:rPr lang="en-US" dirty="0" smtClean="0"/>
-              <a:t>firstly </a:t>
-            </a:r>
-            <a:r>
-              <a:rPr lang="en-US" dirty="0" smtClean="0"/>
-              <a:t>check the product is available or not.</a:t>
-            </a:r>
-            <a:r>
-              <a:rPr lang="en-US" dirty="0" smtClean="0"/>
-              <a:t> </a:t>
-            </a:r>
-          </a:p>
-          <a:p>
-            <a:r>
-              <a:rPr lang="en-US" dirty="0" smtClean="0"/>
-              <a:t>If </a:t>
-            </a:r>
-            <a:r>
-              <a:rPr lang="en-US" dirty="0" smtClean="0"/>
-              <a:t>product is available then </a:t>
-            </a:r>
-            <a:r>
-              <a:rPr lang="en-US" dirty="0" smtClean="0"/>
-              <a:t>enter the information of customer </a:t>
-            </a:r>
-            <a:r>
-              <a:rPr lang="en-US" dirty="0" smtClean="0"/>
-              <a:t>who needed it.</a:t>
+              <a:t>To supply the product to the customer, firstly check the product is available or not. </a:t>
+            </a:r>
+          </a:p>
+          <a:p>
+            <a:r>
+              <a:rPr lang="en-US" dirty="0" smtClean="0"/>
+              <a:t>If product is available then enter the information of customer who needed it.</a:t>
             </a:r>
           </a:p>
           <a:p>
@@ -11582,15 +11729,7 @@
             </a:r>
             <a:r>
               <a:rPr lang="en-US" dirty="0" smtClean="0"/>
-              <a:t>enerate </a:t>
-            </a:r>
-            <a:r>
-              <a:rPr lang="en-US" dirty="0" smtClean="0"/>
-              <a:t>the bill</a:t>
-            </a:r>
-            <a:r>
-              <a:rPr lang="en-US" dirty="0" smtClean="0"/>
-              <a:t>.</a:t>
+              <a:t>enerate the bill.</a:t>
             </a:r>
           </a:p>
           <a:p>
@@ -11598,7 +11737,6 @@
               <a:rPr lang="en-US" dirty="0" smtClean="0"/>
               <a:t>Lastly send it to customer.</a:t>
             </a:r>
-            <a:endParaRPr lang="en-US" dirty="0" smtClean="0"/>
           </a:p>
           <a:p>
             <a:endParaRPr lang="en-US" dirty="0"/>
@@ -12287,39 +12425,7 @@
           <a:p>
             <a:r>
               <a:rPr lang="en-US" dirty="0" smtClean="0"/>
-              <a:t>Likewise the admin is the actor in this diagram. The login </a:t>
-            </a:r>
-            <a:r>
-              <a:rPr lang="en-US" dirty="0" smtClean="0"/>
-              <a:t>success, brand management, category </a:t>
-            </a:r>
-            <a:r>
-              <a:rPr lang="en-US" dirty="0" smtClean="0"/>
-              <a:t>management, </a:t>
-            </a:r>
-            <a:r>
-              <a:rPr lang="en-US" dirty="0" smtClean="0"/>
-              <a:t>product</a:t>
-            </a:r>
-            <a:r>
-              <a:rPr lang="en-US" dirty="0" smtClean="0"/>
-              <a:t> </a:t>
-            </a:r>
-            <a:r>
-              <a:rPr lang="en-US" dirty="0" smtClean="0"/>
-              <a:t>management, bill management and </a:t>
-            </a:r>
-            <a:r>
-              <a:rPr lang="en-US" dirty="0" smtClean="0"/>
-              <a:t>customer</a:t>
-            </a:r>
-            <a:r>
-              <a:rPr lang="en-US" dirty="0" smtClean="0"/>
-              <a:t> </a:t>
-            </a:r>
-            <a:r>
-              <a:rPr lang="en-US" dirty="0" smtClean="0"/>
-              <a:t>management are the objects.</a:t>
+              <a:t>Likewise the admin is the actor in this diagram. The login success, brand management, category management, product management, bill management and customer management are the objects.</a:t>
             </a:r>
           </a:p>
           <a:p>
@@ -12339,37 +12445,8 @@
             </a:pPr>
             <a:r>
               <a:rPr lang="en-US" dirty="0" smtClean="0"/>
-              <a:t>The admin can manage the </a:t>
-            </a:r>
-            <a:r>
-              <a:rPr lang="en-US" dirty="0" smtClean="0"/>
-              <a:t>brand </a:t>
-            </a:r>
-            <a:r>
-              <a:rPr lang="en-US" dirty="0" smtClean="0"/>
-              <a:t>with the interaction of login success object with the </a:t>
-            </a:r>
-            <a:r>
-              <a:rPr lang="en-US" dirty="0" smtClean="0"/>
-              <a:t>brand </a:t>
-            </a:r>
-            <a:r>
-              <a:rPr lang="en-US" dirty="0" smtClean="0"/>
-              <a:t>management object with the message manage the </a:t>
-            </a:r>
-            <a:r>
-              <a:rPr lang="en-US" dirty="0" smtClean="0"/>
-              <a:t>brand</a:t>
-            </a:r>
-            <a:r>
-              <a:rPr lang="en-US" dirty="0" smtClean="0"/>
-              <a:t> details</a:t>
-            </a:r>
-            <a:r>
-              <a:rPr lang="en-US" dirty="0" smtClean="0"/>
-              <a:t>.</a:t>
-            </a:r>
-            <a:endParaRPr lang="en-US" dirty="0" smtClean="0"/>
+              <a:t>The admin can manage the brand with the interaction of login success object with the brand management object with the message manage the brand details.</a:t>
+            </a:r>
           </a:p>
           <a:p>
             <a:pPr marL="342900" indent="-342900">
@@ -12378,69 +12455,8 @@
             </a:pPr>
             <a:r>
               <a:rPr lang="en-US" dirty="0" smtClean="0"/>
-              <a:t>In this way the admin can manage </a:t>
-            </a:r>
-            <a:r>
-              <a:rPr lang="en-US" dirty="0" smtClean="0"/>
-              <a:t>the category, product, bill </a:t>
-            </a:r>
-            <a:r>
-              <a:rPr lang="en-US" dirty="0" smtClean="0"/>
-              <a:t>and </a:t>
-            </a:r>
-            <a:r>
-              <a:rPr lang="en-US" dirty="0" smtClean="0"/>
-              <a:t>customer </a:t>
-            </a:r>
-            <a:r>
-              <a:rPr lang="en-US" dirty="0" smtClean="0"/>
-              <a:t>with </a:t>
-            </a:r>
-            <a:r>
-              <a:rPr lang="en-US" dirty="0" smtClean="0"/>
-              <a:t>the interaction of login success object with the </a:t>
-            </a:r>
-            <a:r>
-              <a:rPr lang="en-US" dirty="0" smtClean="0"/>
-              <a:t>category</a:t>
-            </a:r>
-            <a:r>
-              <a:rPr lang="en-US" dirty="0" smtClean="0"/>
-              <a:t> </a:t>
-            </a:r>
-            <a:r>
-              <a:rPr lang="en-US" dirty="0" smtClean="0"/>
-              <a:t>management, </a:t>
-            </a:r>
-            <a:r>
-              <a:rPr lang="en-US" dirty="0" smtClean="0"/>
-              <a:t>product </a:t>
-            </a:r>
-            <a:r>
-              <a:rPr lang="en-US" dirty="0" smtClean="0"/>
-              <a:t>management</a:t>
-            </a:r>
-            <a:r>
-              <a:rPr lang="en-US" dirty="0" smtClean="0"/>
-              <a:t>, bill management and </a:t>
-            </a:r>
-            <a:r>
-              <a:rPr lang="en-US" dirty="0" smtClean="0"/>
-              <a:t>customer</a:t>
-            </a:r>
-            <a:r>
-              <a:rPr lang="en-US" dirty="0" smtClean="0"/>
-              <a:t> </a:t>
-            </a:r>
-            <a:r>
-              <a:rPr lang="en-US" dirty="0" smtClean="0"/>
-              <a:t>management with the messages manage the </a:t>
-            </a:r>
-            <a:r>
-              <a:rPr lang="en-US" dirty="0" smtClean="0"/>
-              <a:t>category/product/bill/customer details.</a:t>
-            </a:r>
-            <a:endParaRPr lang="en-US" dirty="0" smtClean="0"/>
+              <a:t>In this way the admin can manage the category, product, bill and customer with the interaction of login success object with the category management, product management, bill management and customer management with the messages manage the category/product/bill/customer details.</a:t>
+            </a:r>
           </a:p>
           <a:p>
             <a:pPr marL="342900" indent="-342900">
@@ -12449,31 +12465,7 @@
             </a:pPr>
             <a:r>
               <a:rPr lang="en-US" dirty="0" smtClean="0"/>
-              <a:t>To edit, add, save, list and delete the </a:t>
-            </a:r>
-            <a:r>
-              <a:rPr lang="en-US" dirty="0" smtClean="0"/>
-              <a:t>brand</a:t>
-            </a:r>
-            <a:r>
-              <a:rPr lang="en-US" dirty="0" smtClean="0"/>
-              <a:t> ,the brand </a:t>
-            </a:r>
-            <a:r>
-              <a:rPr lang="en-US" dirty="0" smtClean="0"/>
-              <a:t>management object interact with self as it is done in the </a:t>
-            </a:r>
-            <a:r>
-              <a:rPr lang="en-US" dirty="0" smtClean="0"/>
-              <a:t>brand</a:t>
-            </a:r>
-            <a:r>
-              <a:rPr lang="en-US" dirty="0" smtClean="0"/>
-              <a:t> </a:t>
-            </a:r>
-            <a:r>
-              <a:rPr lang="en-US" dirty="0" smtClean="0"/>
-              <a:t>management object.</a:t>
+              <a:t>To edit, add, save, list and delete the brand ,the brand management object interact with self as it is done in the brand management object.</a:t>
             </a:r>
           </a:p>
           <a:p>
@@ -12483,31 +12475,7 @@
             </a:pPr>
             <a:r>
               <a:rPr lang="en-US" dirty="0" smtClean="0"/>
-              <a:t>Similarly, to edit, add, save, list and delete the </a:t>
-            </a:r>
-            <a:r>
-              <a:rPr lang="en-US" dirty="0" smtClean="0"/>
-              <a:t>category, product, </a:t>
-            </a:r>
-            <a:r>
-              <a:rPr lang="en-US" dirty="0" smtClean="0"/>
-              <a:t>bill and </a:t>
-            </a:r>
-            <a:r>
-              <a:rPr lang="en-US" dirty="0" smtClean="0"/>
-              <a:t>customer</a:t>
-            </a:r>
-            <a:r>
-              <a:rPr lang="en-US" dirty="0" smtClean="0"/>
-              <a:t> </a:t>
-            </a:r>
-            <a:r>
-              <a:rPr lang="en-US" dirty="0" smtClean="0"/>
-              <a:t>management the objects interact with self as shown in the </a:t>
-            </a:r>
-            <a:r>
-              <a:rPr lang="en-US" dirty="0" smtClean="0"/>
-              <a:t>diagram.</a:t>
+              <a:t>Similarly, to edit, add, save, list and delete the category, product, bill and customer management the objects interact with self as shown in the diagram.</a:t>
             </a:r>
             <a:endParaRPr lang="en-US" dirty="0"/>
           </a:p>
@@ -12675,46 +12643,13 @@
           <a:p>
             <a:r>
               <a:rPr lang="en-US" dirty="0" smtClean="0"/>
-              <a:t>Here, the sequence diagram is of the adding the </a:t>
-            </a:r>
-            <a:r>
-              <a:rPr lang="en-US" dirty="0" smtClean="0"/>
-              <a:t>product</a:t>
-            </a:r>
-            <a:r>
-              <a:rPr lang="en-US" dirty="0" smtClean="0"/>
-              <a:t>.</a:t>
-            </a:r>
-            <a:endParaRPr lang="en-US" dirty="0" smtClean="0"/>
-          </a:p>
-          <a:p>
-            <a:r>
-              <a:rPr lang="en-US" dirty="0" smtClean="0"/>
-              <a:t>Firstly to add the </a:t>
-            </a:r>
-            <a:r>
-              <a:rPr lang="en-US" dirty="0" smtClean="0"/>
-              <a:t>product</a:t>
-            </a:r>
-            <a:r>
-              <a:rPr lang="en-US" dirty="0" smtClean="0"/>
-              <a:t> </a:t>
-            </a:r>
-            <a:r>
-              <a:rPr lang="en-US" dirty="0" smtClean="0"/>
-              <a:t>go to the </a:t>
-            </a:r>
-            <a:r>
-              <a:rPr lang="en-US" dirty="0" smtClean="0"/>
-              <a:t>product</a:t>
-            </a:r>
-            <a:r>
-              <a:rPr lang="en-US" dirty="0" smtClean="0"/>
-              <a:t> </a:t>
-            </a:r>
-            <a:r>
-              <a:rPr lang="en-US" dirty="0" smtClean="0"/>
-              <a:t>management.</a:t>
+              <a:t>Here, the sequence diagram is of the adding the product.</a:t>
+            </a:r>
+          </a:p>
+          <a:p>
+            <a:r>
+              <a:rPr lang="en-US" dirty="0" smtClean="0"/>
+              <a:t>Firstly to add the product go to the product management.</a:t>
             </a:r>
           </a:p>
           <a:p>
@@ -12732,46 +12667,13 @@
           <a:p>
             <a:r>
               <a:rPr lang="en-US" dirty="0" smtClean="0"/>
-              <a:t>Likewise after brand, </a:t>
-            </a:r>
-            <a:r>
-              <a:rPr lang="en-US" dirty="0" smtClean="0"/>
-              <a:t>name the </a:t>
-            </a:r>
-            <a:r>
-              <a:rPr lang="en-US" dirty="0" smtClean="0"/>
-              <a:t> </a:t>
-            </a:r>
-            <a:r>
-              <a:rPr lang="en-US" dirty="0" smtClean="0"/>
-              <a:t>product and </a:t>
-            </a:r>
-            <a:r>
-              <a:rPr lang="en-US" dirty="0" smtClean="0"/>
-              <a:t>manage the rate</a:t>
-            </a:r>
-            <a:r>
-              <a:rPr lang="en-US" dirty="0" smtClean="0"/>
-              <a:t>.</a:t>
-            </a:r>
-            <a:endParaRPr lang="en-US" dirty="0" smtClean="0"/>
-          </a:p>
-          <a:p>
-            <a:r>
-              <a:rPr lang="en-US" dirty="0" smtClean="0"/>
-              <a:t>Now</a:t>
-            </a:r>
-            <a:r>
-              <a:rPr lang="en-US" dirty="0" smtClean="0"/>
-              <a:t>, </a:t>
-            </a:r>
-            <a:r>
-              <a:rPr lang="en-US" dirty="0" smtClean="0"/>
-              <a:t>click to </a:t>
-            </a:r>
-            <a:r>
-              <a:rPr lang="en-US" dirty="0" smtClean="0"/>
-              <a:t>add to add the product.</a:t>
+              <a:t>Likewise after brand, name the  product and manage the rate.</a:t>
+            </a:r>
+          </a:p>
+          <a:p>
+            <a:r>
+              <a:rPr lang="en-US" dirty="0" smtClean="0"/>
+              <a:t>Now, click to add to add the product.</a:t>
             </a:r>
             <a:endParaRPr lang="en-US" dirty="0"/>
           </a:p>
@@ -12831,55 +12733,58 @@
           <a:p>
             <a:r>
               <a:rPr lang="en-US" dirty="0" smtClean="0"/>
-              <a:t>testing</a:t>
+              <a:t>coding</a:t>
             </a:r>
             <a:endParaRPr lang="en-US" dirty="0"/>
           </a:p>
         </p:txBody>
       </p:sp>
-      <p:sp>
-        <p:nvSpPr>
-          <p:cNvPr id="2" name="Content Placeholder 1"/>
-          <p:cNvSpPr>
-            <a:spLocks noGrp="1"/>
-          </p:cNvSpPr>
+      <p:pic>
+        <p:nvPicPr>
+          <p:cNvPr id="1026" name="Picture 2" descr="F:\sem\4th semester\Mandira\CP\analysis\images\c1.PNG"/>
+          <p:cNvPicPr>
+            <a:picLocks noGrp="1" noChangeAspect="1" noChangeArrowheads="1"/>
+          </p:cNvPicPr>
           <p:nvPr>
             <p:ph sz="quarter" idx="1"/>
           </p:nvPr>
-        </p:nvSpPr>
-        <p:spPr/>
-        <p:txBody>
-          <a:bodyPr>
-            <a:normAutofit lnSpcReduction="10000"/>
-          </a:bodyPr>
-          <a:lstStyle/>
-          <a:p>
-            <a:r>
-              <a:rPr lang="en-US" dirty="0" smtClean="0"/>
-              <a:t>Testing </a:t>
-            </a:r>
-          </a:p>
-          <a:p>
-            <a:r>
-              <a:rPr lang="en-US" dirty="0" smtClean="0"/>
-              <a:t>It is the process of checking weather the software works properly or not.</a:t>
-            </a:r>
-          </a:p>
-          <a:p>
-            <a:r>
-              <a:rPr lang="en-US" dirty="0" smtClean="0"/>
-              <a:t>It plays the vital role while developing the project as it provides the validation to the project. It helps to find out the error and solve it effectively. To do the test also there are many testing available like whitebox testing, blackbox testing, integration testing, etc. so, to complete this project here I used the two types of testing which are the blackbox testing and whitebox testing.</a:t>
-            </a:r>
-          </a:p>
-          <a:p>
-            <a:endParaRPr lang="en-US" dirty="0"/>
-          </a:p>
-        </p:txBody>
-      </p:sp>
+        </p:nvPicPr>
+        <p:blipFill>
+          <a:blip r:embed="rId2">
+            <a:extLst>
+              <a:ext uri="{28A0092B-C50C-407E-A947-70E740481C1C}">
+                <a14:useLocalDpi xmlns:a14="http://schemas.microsoft.com/office/drawing/2010/main" val="0"/>
+              </a:ext>
+            </a:extLst>
+          </a:blip>
+          <a:stretch>
+            <a:fillRect/>
+          </a:stretch>
+        </p:blipFill>
+        <p:spPr bwMode="auto">
+          <a:xfrm>
+            <a:off x="1542735" y="1527175"/>
+            <a:ext cx="6022018" cy="4572000"/>
+          </a:xfrm>
+          <a:prstGeom prst="rect">
+            <a:avLst/>
+          </a:prstGeom>
+          <a:noFill/>
+          <a:extLst>
+            <a:ext uri="{909E8E84-426E-40DD-AFC4-6F175D3DCCD1}">
+              <a14:hiddenFill xmlns:a14="http://schemas.microsoft.com/office/drawing/2010/main">
+                <a:solidFill>
+                  <a:srgbClr val="FFFFFF"/>
+                </a:solidFill>
+              </a14:hiddenFill>
+            </a:ext>
+          </a:extLst>
+        </p:spPr>
+      </p:pic>
     </p:spTree>
     <p:extLst>
       <p:ext uri="{BB962C8B-B14F-4D97-AF65-F5344CB8AC3E}">
-        <p14:creationId xmlns:p14="http://schemas.microsoft.com/office/powerpoint/2010/main" val="3301096533"/>
+        <p14:creationId xmlns:p14="http://schemas.microsoft.com/office/powerpoint/2010/main" val="3767161069"/>
       </p:ext>
     </p:extLst>
   </p:cSld>
@@ -12928,6 +12833,1958 @@
           <a:bodyPr/>
           <a:lstStyle/>
           <a:p>
+            <a:endParaRPr lang="en-US"/>
+          </a:p>
+        </p:txBody>
+      </p:sp>
+      <p:pic>
+        <p:nvPicPr>
+          <p:cNvPr id="2050" name="Picture 2" descr="F:\sem\4th semester\Mandira\CP\analysis\images\c2.PNG"/>
+          <p:cNvPicPr>
+            <a:picLocks noGrp="1" noChangeAspect="1" noChangeArrowheads="1"/>
+          </p:cNvPicPr>
+          <p:nvPr>
+            <p:ph sz="quarter" idx="1"/>
+          </p:nvPr>
+        </p:nvPicPr>
+        <p:blipFill>
+          <a:blip r:embed="rId2">
+            <a:extLst>
+              <a:ext uri="{28A0092B-C50C-407E-A947-70E740481C1C}">
+                <a14:useLocalDpi xmlns:a14="http://schemas.microsoft.com/office/drawing/2010/main" val="0"/>
+              </a:ext>
+            </a:extLst>
+          </a:blip>
+          <a:stretch>
+            <a:fillRect/>
+          </a:stretch>
+        </p:blipFill>
+        <p:spPr bwMode="auto">
+          <a:xfrm>
+            <a:off x="1643293" y="1527175"/>
+            <a:ext cx="5820901" cy="4572000"/>
+          </a:xfrm>
+          <a:prstGeom prst="rect">
+            <a:avLst/>
+          </a:prstGeom>
+          <a:noFill/>
+          <a:extLst>
+            <a:ext uri="{909E8E84-426E-40DD-AFC4-6F175D3DCCD1}">
+              <a14:hiddenFill xmlns:a14="http://schemas.microsoft.com/office/drawing/2010/main">
+                <a:solidFill>
+                  <a:srgbClr val="FFFFFF"/>
+                </a:solidFill>
+              </a14:hiddenFill>
+            </a:ext>
+          </a:extLst>
+        </p:spPr>
+      </p:pic>
+    </p:spTree>
+    <p:extLst>
+      <p:ext uri="{BB962C8B-B14F-4D97-AF65-F5344CB8AC3E}">
+        <p14:creationId xmlns:p14="http://schemas.microsoft.com/office/powerpoint/2010/main" val="3913895923"/>
+      </p:ext>
+    </p:extLst>
+  </p:cSld>
+  <p:clrMapOvr>
+    <a:masterClrMapping/>
+  </p:clrMapOvr>
+  <p:timing>
+    <p:tnLst>
+      <p:par>
+        <p:cTn id="1" dur="indefinite" restart="never" nodeType="tmRoot"/>
+      </p:par>
+    </p:tnLst>
+  </p:timing>
+</p:sld>
+</file>
+
+<file path=ppt/slides/slide47.xml><?xml version="1.0" encoding="utf-8"?>
+<p:sld xmlns:a="http://schemas.openxmlformats.org/drawingml/2006/main" xmlns:r="http://schemas.openxmlformats.org/officeDocument/2006/relationships" xmlns:p="http://schemas.openxmlformats.org/presentationml/2006/main">
+  <p:cSld>
+    <p:spTree>
+      <p:nvGrpSpPr>
+        <p:cNvPr id="1" name=""/>
+        <p:cNvGrpSpPr/>
+        <p:nvPr/>
+      </p:nvGrpSpPr>
+      <p:grpSpPr>
+        <a:xfrm>
+          <a:off x="0" y="0"/>
+          <a:ext cx="0" cy="0"/>
+          <a:chOff x="0" y="0"/>
+          <a:chExt cx="0" cy="0"/>
+        </a:xfrm>
+      </p:grpSpPr>
+      <p:sp>
+        <p:nvSpPr>
+          <p:cNvPr id="3" name="Title 2"/>
+          <p:cNvSpPr>
+            <a:spLocks noGrp="1"/>
+          </p:cNvSpPr>
+          <p:nvPr>
+            <p:ph type="title"/>
+          </p:nvPr>
+        </p:nvSpPr>
+        <p:spPr/>
+        <p:txBody>
+          <a:bodyPr/>
+          <a:lstStyle/>
+          <a:p>
+            <a:endParaRPr lang="en-US"/>
+          </a:p>
+        </p:txBody>
+      </p:sp>
+      <p:pic>
+        <p:nvPicPr>
+          <p:cNvPr id="3074" name="Picture 2" descr="F:\sem\4th semester\Mandira\CP\analysis\images\c3.PNG"/>
+          <p:cNvPicPr>
+            <a:picLocks noGrp="1" noChangeAspect="1" noChangeArrowheads="1"/>
+          </p:cNvPicPr>
+          <p:nvPr>
+            <p:ph sz="quarter" idx="1"/>
+          </p:nvPr>
+        </p:nvPicPr>
+        <p:blipFill>
+          <a:blip r:embed="rId2">
+            <a:extLst>
+              <a:ext uri="{28A0092B-C50C-407E-A947-70E740481C1C}">
+                <a14:useLocalDpi xmlns:a14="http://schemas.microsoft.com/office/drawing/2010/main" val="0"/>
+              </a:ext>
+            </a:extLst>
+          </a:blip>
+          <a:stretch>
+            <a:fillRect/>
+          </a:stretch>
+        </p:blipFill>
+        <p:spPr bwMode="auto">
+          <a:xfrm>
+            <a:off x="2308204" y="1527175"/>
+            <a:ext cx="4491079" cy="4572000"/>
+          </a:xfrm>
+          <a:prstGeom prst="rect">
+            <a:avLst/>
+          </a:prstGeom>
+          <a:noFill/>
+          <a:extLst>
+            <a:ext uri="{909E8E84-426E-40DD-AFC4-6F175D3DCCD1}">
+              <a14:hiddenFill xmlns:a14="http://schemas.microsoft.com/office/drawing/2010/main">
+                <a:solidFill>
+                  <a:srgbClr val="FFFFFF"/>
+                </a:solidFill>
+              </a14:hiddenFill>
+            </a:ext>
+          </a:extLst>
+        </p:spPr>
+      </p:pic>
+    </p:spTree>
+    <p:extLst>
+      <p:ext uri="{BB962C8B-B14F-4D97-AF65-F5344CB8AC3E}">
+        <p14:creationId xmlns:p14="http://schemas.microsoft.com/office/powerpoint/2010/main" val="3803853856"/>
+      </p:ext>
+    </p:extLst>
+  </p:cSld>
+  <p:clrMapOvr>
+    <a:masterClrMapping/>
+  </p:clrMapOvr>
+  <p:timing>
+    <p:tnLst>
+      <p:par>
+        <p:cTn id="1" dur="indefinite" restart="never" nodeType="tmRoot"/>
+      </p:par>
+    </p:tnLst>
+  </p:timing>
+</p:sld>
+</file>
+
+<file path=ppt/slides/slide48.xml><?xml version="1.0" encoding="utf-8"?>
+<p:sld xmlns:a="http://schemas.openxmlformats.org/drawingml/2006/main" xmlns:r="http://schemas.openxmlformats.org/officeDocument/2006/relationships" xmlns:p="http://schemas.openxmlformats.org/presentationml/2006/main">
+  <p:cSld>
+    <p:spTree>
+      <p:nvGrpSpPr>
+        <p:cNvPr id="1" name=""/>
+        <p:cNvGrpSpPr/>
+        <p:nvPr/>
+      </p:nvGrpSpPr>
+      <p:grpSpPr>
+        <a:xfrm>
+          <a:off x="0" y="0"/>
+          <a:ext cx="0" cy="0"/>
+          <a:chOff x="0" y="0"/>
+          <a:chExt cx="0" cy="0"/>
+        </a:xfrm>
+      </p:grpSpPr>
+      <p:sp>
+        <p:nvSpPr>
+          <p:cNvPr id="3" name="Title 2"/>
+          <p:cNvSpPr>
+            <a:spLocks noGrp="1"/>
+          </p:cNvSpPr>
+          <p:nvPr>
+            <p:ph type="title"/>
+          </p:nvPr>
+        </p:nvSpPr>
+        <p:spPr/>
+        <p:txBody>
+          <a:bodyPr/>
+          <a:lstStyle/>
+          <a:p>
+            <a:endParaRPr lang="en-US"/>
+          </a:p>
+        </p:txBody>
+      </p:sp>
+      <p:pic>
+        <p:nvPicPr>
+          <p:cNvPr id="4098" name="Picture 2" descr="F:\sem\4th semester\Mandira\CP\analysis\images\c4.PNG"/>
+          <p:cNvPicPr>
+            <a:picLocks noGrp="1" noChangeAspect="1" noChangeArrowheads="1"/>
+          </p:cNvPicPr>
+          <p:nvPr>
+            <p:ph sz="quarter" idx="1"/>
+          </p:nvPr>
+        </p:nvPicPr>
+        <p:blipFill>
+          <a:blip r:embed="rId2">
+            <a:extLst>
+              <a:ext uri="{28A0092B-C50C-407E-A947-70E740481C1C}">
+                <a14:useLocalDpi xmlns:a14="http://schemas.microsoft.com/office/drawing/2010/main" val="0"/>
+              </a:ext>
+            </a:extLst>
+          </a:blip>
+          <a:stretch>
+            <a:fillRect/>
+          </a:stretch>
+        </p:blipFill>
+        <p:spPr bwMode="auto">
+          <a:xfrm>
+            <a:off x="1505744" y="1527175"/>
+            <a:ext cx="6095999" cy="4572000"/>
+          </a:xfrm>
+          <a:prstGeom prst="rect">
+            <a:avLst/>
+          </a:prstGeom>
+          <a:noFill/>
+          <a:extLst>
+            <a:ext uri="{909E8E84-426E-40DD-AFC4-6F175D3DCCD1}">
+              <a14:hiddenFill xmlns:a14="http://schemas.microsoft.com/office/drawing/2010/main">
+                <a:solidFill>
+                  <a:srgbClr val="FFFFFF"/>
+                </a:solidFill>
+              </a14:hiddenFill>
+            </a:ext>
+          </a:extLst>
+        </p:spPr>
+      </p:pic>
+    </p:spTree>
+    <p:extLst>
+      <p:ext uri="{BB962C8B-B14F-4D97-AF65-F5344CB8AC3E}">
+        <p14:creationId xmlns:p14="http://schemas.microsoft.com/office/powerpoint/2010/main" val="1048112640"/>
+      </p:ext>
+    </p:extLst>
+  </p:cSld>
+  <p:clrMapOvr>
+    <a:masterClrMapping/>
+  </p:clrMapOvr>
+  <p:timing>
+    <p:tnLst>
+      <p:par>
+        <p:cTn id="1" dur="indefinite" restart="never" nodeType="tmRoot"/>
+      </p:par>
+    </p:tnLst>
+  </p:timing>
+</p:sld>
+</file>
+
+<file path=ppt/slides/slide49.xml><?xml version="1.0" encoding="utf-8"?>
+<p:sld xmlns:a="http://schemas.openxmlformats.org/drawingml/2006/main" xmlns:r="http://schemas.openxmlformats.org/officeDocument/2006/relationships" xmlns:p="http://schemas.openxmlformats.org/presentationml/2006/main">
+  <p:cSld>
+    <p:spTree>
+      <p:nvGrpSpPr>
+        <p:cNvPr id="1" name=""/>
+        <p:cNvGrpSpPr/>
+        <p:nvPr/>
+      </p:nvGrpSpPr>
+      <p:grpSpPr>
+        <a:xfrm>
+          <a:off x="0" y="0"/>
+          <a:ext cx="0" cy="0"/>
+          <a:chOff x="0" y="0"/>
+          <a:chExt cx="0" cy="0"/>
+        </a:xfrm>
+      </p:grpSpPr>
+      <p:sp>
+        <p:nvSpPr>
+          <p:cNvPr id="3" name="Title 2"/>
+          <p:cNvSpPr>
+            <a:spLocks noGrp="1"/>
+          </p:cNvSpPr>
+          <p:nvPr>
+            <p:ph type="title"/>
+          </p:nvPr>
+        </p:nvSpPr>
+        <p:spPr/>
+        <p:txBody>
+          <a:bodyPr/>
+          <a:lstStyle/>
+          <a:p>
+            <a:endParaRPr lang="en-US"/>
+          </a:p>
+        </p:txBody>
+      </p:sp>
+      <p:pic>
+        <p:nvPicPr>
+          <p:cNvPr id="5122" name="Picture 2" descr="F:\sem\4th semester\Mandira\CP\analysis\images\c5.PNG"/>
+          <p:cNvPicPr>
+            <a:picLocks noGrp="1" noChangeAspect="1" noChangeArrowheads="1"/>
+          </p:cNvPicPr>
+          <p:nvPr>
+            <p:ph sz="quarter" idx="1"/>
+          </p:nvPr>
+        </p:nvPicPr>
+        <p:blipFill>
+          <a:blip r:embed="rId2">
+            <a:extLst>
+              <a:ext uri="{28A0092B-C50C-407E-A947-70E740481C1C}">
+                <a14:useLocalDpi xmlns:a14="http://schemas.microsoft.com/office/drawing/2010/main" val="0"/>
+              </a:ext>
+            </a:extLst>
+          </a:blip>
+          <a:stretch>
+            <a:fillRect/>
+          </a:stretch>
+        </p:blipFill>
+        <p:spPr bwMode="auto">
+          <a:xfrm>
+            <a:off x="1766495" y="1527175"/>
+            <a:ext cx="5574498" cy="4572000"/>
+          </a:xfrm>
+          <a:prstGeom prst="rect">
+            <a:avLst/>
+          </a:prstGeom>
+          <a:noFill/>
+          <a:extLst>
+            <a:ext uri="{909E8E84-426E-40DD-AFC4-6F175D3DCCD1}">
+              <a14:hiddenFill xmlns:a14="http://schemas.microsoft.com/office/drawing/2010/main">
+                <a:solidFill>
+                  <a:srgbClr val="FFFFFF"/>
+                </a:solidFill>
+              </a14:hiddenFill>
+            </a:ext>
+          </a:extLst>
+        </p:spPr>
+      </p:pic>
+    </p:spTree>
+    <p:extLst>
+      <p:ext uri="{BB962C8B-B14F-4D97-AF65-F5344CB8AC3E}">
+        <p14:creationId xmlns:p14="http://schemas.microsoft.com/office/powerpoint/2010/main" val="3329182200"/>
+      </p:ext>
+    </p:extLst>
+  </p:cSld>
+  <p:clrMapOvr>
+    <a:masterClrMapping/>
+  </p:clrMapOvr>
+  <p:timing>
+    <p:tnLst>
+      <p:par>
+        <p:cTn id="1" dur="indefinite" restart="never" nodeType="tmRoot"/>
+      </p:par>
+    </p:tnLst>
+  </p:timing>
+</p:sld>
+</file>
+
+<file path=ppt/slides/slide5.xml><?xml version="1.0" encoding="utf-8"?>
+<p:sld xmlns:a="http://schemas.openxmlformats.org/drawingml/2006/main" xmlns:r="http://schemas.openxmlformats.org/officeDocument/2006/relationships" xmlns:p="http://schemas.openxmlformats.org/presentationml/2006/main">
+  <p:cSld>
+    <p:spTree>
+      <p:nvGrpSpPr>
+        <p:cNvPr id="1" name=""/>
+        <p:cNvGrpSpPr/>
+        <p:nvPr/>
+      </p:nvGrpSpPr>
+      <p:grpSpPr>
+        <a:xfrm>
+          <a:off x="0" y="0"/>
+          <a:ext cx="0" cy="0"/>
+          <a:chOff x="0" y="0"/>
+          <a:chExt cx="0" cy="0"/>
+        </a:xfrm>
+      </p:grpSpPr>
+      <p:sp>
+        <p:nvSpPr>
+          <p:cNvPr id="2" name="Title 1"/>
+          <p:cNvSpPr>
+            <a:spLocks noGrp="1"/>
+          </p:cNvSpPr>
+          <p:nvPr>
+            <p:ph type="title"/>
+          </p:nvPr>
+        </p:nvSpPr>
+        <p:spPr/>
+        <p:txBody>
+          <a:bodyPr>
+            <a:normAutofit/>
+          </a:bodyPr>
+          <a:lstStyle/>
+          <a:p>
+            <a:r>
+              <a:rPr lang="en-US" dirty="0" smtClean="0"/>
+              <a:t>Aims of Stock Management System</a:t>
+            </a:r>
+            <a:endParaRPr lang="en-US" dirty="0"/>
+          </a:p>
+        </p:txBody>
+      </p:sp>
+      <p:sp>
+        <p:nvSpPr>
+          <p:cNvPr id="3" name="Content Placeholder 2"/>
+          <p:cNvSpPr>
+            <a:spLocks noGrp="1"/>
+          </p:cNvSpPr>
+          <p:nvPr>
+            <p:ph sz="quarter" idx="1"/>
+          </p:nvPr>
+        </p:nvSpPr>
+        <p:spPr>
+          <a:xfrm>
+            <a:off x="533400" y="2057400"/>
+            <a:ext cx="8229600" cy="4075176"/>
+          </a:xfrm>
+        </p:spPr>
+        <p:txBody>
+          <a:bodyPr>
+            <a:normAutofit lnSpcReduction="10000"/>
+          </a:bodyPr>
+          <a:lstStyle/>
+          <a:p>
+            <a:r>
+              <a:rPr lang="en-US" sz="3200" dirty="0" smtClean="0"/>
+              <a:t>Followings are the aims of sms</a:t>
+            </a:r>
+          </a:p>
+          <a:p>
+            <a:pPr marL="457200" indent="-457200">
+              <a:buFont typeface="Wingdings" pitchFamily="2" charset="2"/>
+              <a:buChar char="§"/>
+            </a:pPr>
+            <a:r>
+              <a:rPr lang="en-US" sz="3200" dirty="0" smtClean="0"/>
+              <a:t>The main aim is to manage the product available in the stock in the systematic way.</a:t>
+            </a:r>
+          </a:p>
+          <a:p>
+            <a:pPr marL="457200" indent="-457200">
+              <a:buFont typeface="Wingdings" pitchFamily="2" charset="2"/>
+              <a:buChar char="§"/>
+            </a:pPr>
+            <a:r>
+              <a:rPr lang="en-US" sz="3200" dirty="0" smtClean="0"/>
+              <a:t>To keep the records of products and manage it properly in the database.</a:t>
+            </a:r>
+          </a:p>
+          <a:p>
+            <a:pPr marL="457200" indent="-457200">
+              <a:buFont typeface="Wingdings" pitchFamily="2" charset="2"/>
+              <a:buChar char="§"/>
+            </a:pPr>
+            <a:r>
+              <a:rPr lang="en-US" sz="3200" dirty="0" smtClean="0"/>
+              <a:t>To display the available products and their details.</a:t>
+            </a:r>
+          </a:p>
+          <a:p>
+            <a:pPr marL="457200" indent="-457200">
+              <a:buFont typeface="Wingdings" pitchFamily="2" charset="2"/>
+              <a:buChar char="§"/>
+            </a:pPr>
+            <a:endParaRPr lang="en-US" sz="3200" dirty="0"/>
+          </a:p>
+        </p:txBody>
+      </p:sp>
+    </p:spTree>
+    <p:extLst>
+      <p:ext uri="{BB962C8B-B14F-4D97-AF65-F5344CB8AC3E}">
+        <p14:creationId xmlns:p14="http://schemas.microsoft.com/office/powerpoint/2010/main" val="3046616702"/>
+      </p:ext>
+    </p:extLst>
+  </p:cSld>
+  <p:clrMapOvr>
+    <a:masterClrMapping/>
+  </p:clrMapOvr>
+  <p:timing>
+    <p:tnLst>
+      <p:par>
+        <p:cTn id="1" dur="indefinite" restart="never" nodeType="tmRoot"/>
+      </p:par>
+    </p:tnLst>
+  </p:timing>
+</p:sld>
+</file>
+
+<file path=ppt/slides/slide50.xml><?xml version="1.0" encoding="utf-8"?>
+<p:sld xmlns:a="http://schemas.openxmlformats.org/drawingml/2006/main" xmlns:r="http://schemas.openxmlformats.org/officeDocument/2006/relationships" xmlns:p="http://schemas.openxmlformats.org/presentationml/2006/main">
+  <p:cSld>
+    <p:spTree>
+      <p:nvGrpSpPr>
+        <p:cNvPr id="1" name=""/>
+        <p:cNvGrpSpPr/>
+        <p:nvPr/>
+      </p:nvGrpSpPr>
+      <p:grpSpPr>
+        <a:xfrm>
+          <a:off x="0" y="0"/>
+          <a:ext cx="0" cy="0"/>
+          <a:chOff x="0" y="0"/>
+          <a:chExt cx="0" cy="0"/>
+        </a:xfrm>
+      </p:grpSpPr>
+      <p:sp>
+        <p:nvSpPr>
+          <p:cNvPr id="3" name="Title 2"/>
+          <p:cNvSpPr>
+            <a:spLocks noGrp="1"/>
+          </p:cNvSpPr>
+          <p:nvPr>
+            <p:ph type="title"/>
+          </p:nvPr>
+        </p:nvSpPr>
+        <p:spPr/>
+        <p:txBody>
+          <a:bodyPr/>
+          <a:lstStyle/>
+          <a:p>
+            <a:endParaRPr lang="en-US"/>
+          </a:p>
+        </p:txBody>
+      </p:sp>
+      <p:pic>
+        <p:nvPicPr>
+          <p:cNvPr id="6146" name="Picture 2" descr="F:\sem\4th semester\Mandira\CP\analysis\images\c6.PNG"/>
+          <p:cNvPicPr>
+            <a:picLocks noGrp="1" noChangeAspect="1" noChangeArrowheads="1"/>
+          </p:cNvPicPr>
+          <p:nvPr>
+            <p:ph sz="quarter" idx="1"/>
+          </p:nvPr>
+        </p:nvPicPr>
+        <p:blipFill>
+          <a:blip r:embed="rId2">
+            <a:extLst>
+              <a:ext uri="{28A0092B-C50C-407E-A947-70E740481C1C}">
+                <a14:useLocalDpi xmlns:a14="http://schemas.microsoft.com/office/drawing/2010/main" val="0"/>
+              </a:ext>
+            </a:extLst>
+          </a:blip>
+          <a:stretch>
+            <a:fillRect/>
+          </a:stretch>
+        </p:blipFill>
+        <p:spPr bwMode="auto">
+          <a:xfrm>
+            <a:off x="1672706" y="1527175"/>
+            <a:ext cx="5762075" cy="4572000"/>
+          </a:xfrm>
+          <a:prstGeom prst="rect">
+            <a:avLst/>
+          </a:prstGeom>
+          <a:noFill/>
+          <a:extLst>
+            <a:ext uri="{909E8E84-426E-40DD-AFC4-6F175D3DCCD1}">
+              <a14:hiddenFill xmlns:a14="http://schemas.microsoft.com/office/drawing/2010/main">
+                <a:solidFill>
+                  <a:srgbClr val="FFFFFF"/>
+                </a:solidFill>
+              </a14:hiddenFill>
+            </a:ext>
+          </a:extLst>
+        </p:spPr>
+      </p:pic>
+    </p:spTree>
+    <p:extLst>
+      <p:ext uri="{BB962C8B-B14F-4D97-AF65-F5344CB8AC3E}">
+        <p14:creationId xmlns:p14="http://schemas.microsoft.com/office/powerpoint/2010/main" val="2805605409"/>
+      </p:ext>
+    </p:extLst>
+  </p:cSld>
+  <p:clrMapOvr>
+    <a:masterClrMapping/>
+  </p:clrMapOvr>
+  <p:timing>
+    <p:tnLst>
+      <p:par>
+        <p:cTn id="1" dur="indefinite" restart="never" nodeType="tmRoot"/>
+      </p:par>
+    </p:tnLst>
+  </p:timing>
+</p:sld>
+</file>
+
+<file path=ppt/slides/slide51.xml><?xml version="1.0" encoding="utf-8"?>
+<p:sld xmlns:a="http://schemas.openxmlformats.org/drawingml/2006/main" xmlns:r="http://schemas.openxmlformats.org/officeDocument/2006/relationships" xmlns:p="http://schemas.openxmlformats.org/presentationml/2006/main">
+  <p:cSld>
+    <p:spTree>
+      <p:nvGrpSpPr>
+        <p:cNvPr id="1" name=""/>
+        <p:cNvGrpSpPr/>
+        <p:nvPr/>
+      </p:nvGrpSpPr>
+      <p:grpSpPr>
+        <a:xfrm>
+          <a:off x="0" y="0"/>
+          <a:ext cx="0" cy="0"/>
+          <a:chOff x="0" y="0"/>
+          <a:chExt cx="0" cy="0"/>
+        </a:xfrm>
+      </p:grpSpPr>
+      <p:sp>
+        <p:nvSpPr>
+          <p:cNvPr id="3" name="Title 2"/>
+          <p:cNvSpPr>
+            <a:spLocks noGrp="1"/>
+          </p:cNvSpPr>
+          <p:nvPr>
+            <p:ph type="title"/>
+          </p:nvPr>
+        </p:nvSpPr>
+        <p:spPr/>
+        <p:txBody>
+          <a:bodyPr/>
+          <a:lstStyle/>
+          <a:p>
+            <a:endParaRPr lang="en-US"/>
+          </a:p>
+        </p:txBody>
+      </p:sp>
+      <p:pic>
+        <p:nvPicPr>
+          <p:cNvPr id="7170" name="Picture 2" descr="F:\sem\4th semester\Mandira\CP\analysis\images\c7.PNG"/>
+          <p:cNvPicPr>
+            <a:picLocks noGrp="1" noChangeAspect="1" noChangeArrowheads="1"/>
+          </p:cNvPicPr>
+          <p:nvPr>
+            <p:ph sz="quarter" idx="1"/>
+          </p:nvPr>
+        </p:nvPicPr>
+        <p:blipFill>
+          <a:blip r:embed="rId2">
+            <a:extLst>
+              <a:ext uri="{28A0092B-C50C-407E-A947-70E740481C1C}">
+                <a14:useLocalDpi xmlns:a14="http://schemas.microsoft.com/office/drawing/2010/main" val="0"/>
+              </a:ext>
+            </a:extLst>
+          </a:blip>
+          <a:stretch>
+            <a:fillRect/>
+          </a:stretch>
+        </p:blipFill>
+        <p:spPr bwMode="auto">
+          <a:xfrm>
+            <a:off x="1740789" y="1527175"/>
+            <a:ext cx="5625909" cy="4572000"/>
+          </a:xfrm>
+          <a:prstGeom prst="rect">
+            <a:avLst/>
+          </a:prstGeom>
+          <a:noFill/>
+          <a:extLst>
+            <a:ext uri="{909E8E84-426E-40DD-AFC4-6F175D3DCCD1}">
+              <a14:hiddenFill xmlns:a14="http://schemas.microsoft.com/office/drawing/2010/main">
+                <a:solidFill>
+                  <a:srgbClr val="FFFFFF"/>
+                </a:solidFill>
+              </a14:hiddenFill>
+            </a:ext>
+          </a:extLst>
+        </p:spPr>
+      </p:pic>
+    </p:spTree>
+    <p:extLst>
+      <p:ext uri="{BB962C8B-B14F-4D97-AF65-F5344CB8AC3E}">
+        <p14:creationId xmlns:p14="http://schemas.microsoft.com/office/powerpoint/2010/main" val="402942668"/>
+      </p:ext>
+    </p:extLst>
+  </p:cSld>
+  <p:clrMapOvr>
+    <a:masterClrMapping/>
+  </p:clrMapOvr>
+  <p:timing>
+    <p:tnLst>
+      <p:par>
+        <p:cTn id="1" dur="indefinite" restart="never" nodeType="tmRoot"/>
+      </p:par>
+    </p:tnLst>
+  </p:timing>
+</p:sld>
+</file>
+
+<file path=ppt/slides/slide52.xml><?xml version="1.0" encoding="utf-8"?>
+<p:sld xmlns:a="http://schemas.openxmlformats.org/drawingml/2006/main" xmlns:r="http://schemas.openxmlformats.org/officeDocument/2006/relationships" xmlns:p="http://schemas.openxmlformats.org/presentationml/2006/main">
+  <p:cSld>
+    <p:spTree>
+      <p:nvGrpSpPr>
+        <p:cNvPr id="1" name=""/>
+        <p:cNvGrpSpPr/>
+        <p:nvPr/>
+      </p:nvGrpSpPr>
+      <p:grpSpPr>
+        <a:xfrm>
+          <a:off x="0" y="0"/>
+          <a:ext cx="0" cy="0"/>
+          <a:chOff x="0" y="0"/>
+          <a:chExt cx="0" cy="0"/>
+        </a:xfrm>
+      </p:grpSpPr>
+      <p:sp>
+        <p:nvSpPr>
+          <p:cNvPr id="3" name="Title 2"/>
+          <p:cNvSpPr>
+            <a:spLocks noGrp="1"/>
+          </p:cNvSpPr>
+          <p:nvPr>
+            <p:ph type="title"/>
+          </p:nvPr>
+        </p:nvSpPr>
+        <p:spPr/>
+        <p:txBody>
+          <a:bodyPr/>
+          <a:lstStyle/>
+          <a:p>
+            <a:endParaRPr lang="en-US"/>
+          </a:p>
+        </p:txBody>
+      </p:sp>
+      <p:pic>
+        <p:nvPicPr>
+          <p:cNvPr id="8194" name="Picture 2" descr="F:\sem\4th semester\Mandira\CP\analysis\images\c8.PNG"/>
+          <p:cNvPicPr>
+            <a:picLocks noGrp="1" noChangeAspect="1" noChangeArrowheads="1"/>
+          </p:cNvPicPr>
+          <p:nvPr>
+            <p:ph sz="quarter" idx="1"/>
+          </p:nvPr>
+        </p:nvPicPr>
+        <p:blipFill>
+          <a:blip r:embed="rId2">
+            <a:extLst>
+              <a:ext uri="{28A0092B-C50C-407E-A947-70E740481C1C}">
+                <a14:useLocalDpi xmlns:a14="http://schemas.microsoft.com/office/drawing/2010/main" val="0"/>
+              </a:ext>
+            </a:extLst>
+          </a:blip>
+          <a:stretch>
+            <a:fillRect/>
+          </a:stretch>
+        </p:blipFill>
+        <p:spPr bwMode="auto">
+          <a:xfrm>
+            <a:off x="2259793" y="1527175"/>
+            <a:ext cx="4587902" cy="4572000"/>
+          </a:xfrm>
+          <a:prstGeom prst="rect">
+            <a:avLst/>
+          </a:prstGeom>
+          <a:noFill/>
+          <a:extLst>
+            <a:ext uri="{909E8E84-426E-40DD-AFC4-6F175D3DCCD1}">
+              <a14:hiddenFill xmlns:a14="http://schemas.microsoft.com/office/drawing/2010/main">
+                <a:solidFill>
+                  <a:srgbClr val="FFFFFF"/>
+                </a:solidFill>
+              </a14:hiddenFill>
+            </a:ext>
+          </a:extLst>
+        </p:spPr>
+      </p:pic>
+    </p:spTree>
+    <p:extLst>
+      <p:ext uri="{BB962C8B-B14F-4D97-AF65-F5344CB8AC3E}">
+        <p14:creationId xmlns:p14="http://schemas.microsoft.com/office/powerpoint/2010/main" val="3738497168"/>
+      </p:ext>
+    </p:extLst>
+  </p:cSld>
+  <p:clrMapOvr>
+    <a:masterClrMapping/>
+  </p:clrMapOvr>
+  <p:timing>
+    <p:tnLst>
+      <p:par>
+        <p:cTn id="1" dur="indefinite" restart="never" nodeType="tmRoot"/>
+      </p:par>
+    </p:tnLst>
+  </p:timing>
+</p:sld>
+</file>
+
+<file path=ppt/slides/slide53.xml><?xml version="1.0" encoding="utf-8"?>
+<p:sld xmlns:a="http://schemas.openxmlformats.org/drawingml/2006/main" xmlns:r="http://schemas.openxmlformats.org/officeDocument/2006/relationships" xmlns:p="http://schemas.openxmlformats.org/presentationml/2006/main">
+  <p:cSld>
+    <p:spTree>
+      <p:nvGrpSpPr>
+        <p:cNvPr id="1" name=""/>
+        <p:cNvGrpSpPr/>
+        <p:nvPr/>
+      </p:nvGrpSpPr>
+      <p:grpSpPr>
+        <a:xfrm>
+          <a:off x="0" y="0"/>
+          <a:ext cx="0" cy="0"/>
+          <a:chOff x="0" y="0"/>
+          <a:chExt cx="0" cy="0"/>
+        </a:xfrm>
+      </p:grpSpPr>
+      <p:sp>
+        <p:nvSpPr>
+          <p:cNvPr id="3" name="Title 2"/>
+          <p:cNvSpPr>
+            <a:spLocks noGrp="1"/>
+          </p:cNvSpPr>
+          <p:nvPr>
+            <p:ph type="title"/>
+          </p:nvPr>
+        </p:nvSpPr>
+        <p:spPr/>
+        <p:txBody>
+          <a:bodyPr/>
+          <a:lstStyle/>
+          <a:p>
+            <a:endParaRPr lang="en-US"/>
+          </a:p>
+        </p:txBody>
+      </p:sp>
+      <p:pic>
+        <p:nvPicPr>
+          <p:cNvPr id="9218" name="Picture 2" descr="F:\sem\4th semester\Mandira\CP\analysis\images\c9.PNG"/>
+          <p:cNvPicPr>
+            <a:picLocks noGrp="1" noChangeAspect="1" noChangeArrowheads="1"/>
+          </p:cNvPicPr>
+          <p:nvPr>
+            <p:ph sz="quarter" idx="1"/>
+          </p:nvPr>
+        </p:nvPicPr>
+        <p:blipFill>
+          <a:blip r:embed="rId2">
+            <a:extLst>
+              <a:ext uri="{28A0092B-C50C-407E-A947-70E740481C1C}">
+                <a14:useLocalDpi xmlns:a14="http://schemas.microsoft.com/office/drawing/2010/main" val="0"/>
+              </a:ext>
+            </a:extLst>
+          </a:blip>
+          <a:stretch>
+            <a:fillRect/>
+          </a:stretch>
+        </p:blipFill>
+        <p:spPr bwMode="auto">
+          <a:xfrm>
+            <a:off x="1707095" y="1527175"/>
+            <a:ext cx="5693297" cy="4572000"/>
+          </a:xfrm>
+          <a:prstGeom prst="rect">
+            <a:avLst/>
+          </a:prstGeom>
+          <a:noFill/>
+          <a:extLst>
+            <a:ext uri="{909E8E84-426E-40DD-AFC4-6F175D3DCCD1}">
+              <a14:hiddenFill xmlns:a14="http://schemas.microsoft.com/office/drawing/2010/main">
+                <a:solidFill>
+                  <a:srgbClr val="FFFFFF"/>
+                </a:solidFill>
+              </a14:hiddenFill>
+            </a:ext>
+          </a:extLst>
+        </p:spPr>
+      </p:pic>
+    </p:spTree>
+    <p:extLst>
+      <p:ext uri="{BB962C8B-B14F-4D97-AF65-F5344CB8AC3E}">
+        <p14:creationId xmlns:p14="http://schemas.microsoft.com/office/powerpoint/2010/main" val="1604978431"/>
+      </p:ext>
+    </p:extLst>
+  </p:cSld>
+  <p:clrMapOvr>
+    <a:masterClrMapping/>
+  </p:clrMapOvr>
+  <p:timing>
+    <p:tnLst>
+      <p:par>
+        <p:cTn id="1" dur="indefinite" restart="never" nodeType="tmRoot"/>
+      </p:par>
+    </p:tnLst>
+  </p:timing>
+</p:sld>
+</file>
+
+<file path=ppt/slides/slide54.xml><?xml version="1.0" encoding="utf-8"?>
+<p:sld xmlns:a="http://schemas.openxmlformats.org/drawingml/2006/main" xmlns:r="http://schemas.openxmlformats.org/officeDocument/2006/relationships" xmlns:p="http://schemas.openxmlformats.org/presentationml/2006/main">
+  <p:cSld>
+    <p:spTree>
+      <p:nvGrpSpPr>
+        <p:cNvPr id="1" name=""/>
+        <p:cNvGrpSpPr/>
+        <p:nvPr/>
+      </p:nvGrpSpPr>
+      <p:grpSpPr>
+        <a:xfrm>
+          <a:off x="0" y="0"/>
+          <a:ext cx="0" cy="0"/>
+          <a:chOff x="0" y="0"/>
+          <a:chExt cx="0" cy="0"/>
+        </a:xfrm>
+      </p:grpSpPr>
+      <p:sp>
+        <p:nvSpPr>
+          <p:cNvPr id="3" name="Title 2"/>
+          <p:cNvSpPr>
+            <a:spLocks noGrp="1"/>
+          </p:cNvSpPr>
+          <p:nvPr>
+            <p:ph type="title"/>
+          </p:nvPr>
+        </p:nvSpPr>
+        <p:spPr/>
+        <p:txBody>
+          <a:bodyPr/>
+          <a:lstStyle/>
+          <a:p>
+            <a:endParaRPr lang="en-US"/>
+          </a:p>
+        </p:txBody>
+      </p:sp>
+      <p:pic>
+        <p:nvPicPr>
+          <p:cNvPr id="10242" name="Picture 2" descr="F:\sem\4th semester\Mandira\CP\analysis\images\c10.PNG"/>
+          <p:cNvPicPr>
+            <a:picLocks noGrp="1" noChangeAspect="1" noChangeArrowheads="1"/>
+          </p:cNvPicPr>
+          <p:nvPr>
+            <p:ph sz="quarter" idx="1"/>
+          </p:nvPr>
+        </p:nvPicPr>
+        <p:blipFill>
+          <a:blip r:embed="rId2">
+            <a:extLst>
+              <a:ext uri="{28A0092B-C50C-407E-A947-70E740481C1C}">
+                <a14:useLocalDpi xmlns:a14="http://schemas.microsoft.com/office/drawing/2010/main" val="0"/>
+              </a:ext>
+            </a:extLst>
+          </a:blip>
+          <a:stretch>
+            <a:fillRect/>
+          </a:stretch>
+        </p:blipFill>
+        <p:spPr bwMode="auto">
+          <a:xfrm>
+            <a:off x="1758126" y="1527175"/>
+            <a:ext cx="5591235" cy="4572000"/>
+          </a:xfrm>
+          <a:prstGeom prst="rect">
+            <a:avLst/>
+          </a:prstGeom>
+          <a:noFill/>
+          <a:extLst>
+            <a:ext uri="{909E8E84-426E-40DD-AFC4-6F175D3DCCD1}">
+              <a14:hiddenFill xmlns:a14="http://schemas.microsoft.com/office/drawing/2010/main">
+                <a:solidFill>
+                  <a:srgbClr val="FFFFFF"/>
+                </a:solidFill>
+              </a14:hiddenFill>
+            </a:ext>
+          </a:extLst>
+        </p:spPr>
+      </p:pic>
+    </p:spTree>
+    <p:extLst>
+      <p:ext uri="{BB962C8B-B14F-4D97-AF65-F5344CB8AC3E}">
+        <p14:creationId xmlns:p14="http://schemas.microsoft.com/office/powerpoint/2010/main" val="2886627645"/>
+      </p:ext>
+    </p:extLst>
+  </p:cSld>
+  <p:clrMapOvr>
+    <a:masterClrMapping/>
+  </p:clrMapOvr>
+  <p:timing>
+    <p:tnLst>
+      <p:par>
+        <p:cTn id="1" dur="indefinite" restart="never" nodeType="tmRoot"/>
+      </p:par>
+    </p:tnLst>
+  </p:timing>
+</p:sld>
+</file>
+
+<file path=ppt/slides/slide55.xml><?xml version="1.0" encoding="utf-8"?>
+<p:sld xmlns:a="http://schemas.openxmlformats.org/drawingml/2006/main" xmlns:r="http://schemas.openxmlformats.org/officeDocument/2006/relationships" xmlns:p="http://schemas.openxmlformats.org/presentationml/2006/main">
+  <p:cSld>
+    <p:spTree>
+      <p:nvGrpSpPr>
+        <p:cNvPr id="1" name=""/>
+        <p:cNvGrpSpPr/>
+        <p:nvPr/>
+      </p:nvGrpSpPr>
+      <p:grpSpPr>
+        <a:xfrm>
+          <a:off x="0" y="0"/>
+          <a:ext cx="0" cy="0"/>
+          <a:chOff x="0" y="0"/>
+          <a:chExt cx="0" cy="0"/>
+        </a:xfrm>
+      </p:grpSpPr>
+      <p:sp>
+        <p:nvSpPr>
+          <p:cNvPr id="3" name="Title 2"/>
+          <p:cNvSpPr>
+            <a:spLocks noGrp="1"/>
+          </p:cNvSpPr>
+          <p:nvPr>
+            <p:ph type="title"/>
+          </p:nvPr>
+        </p:nvSpPr>
+        <p:spPr/>
+        <p:txBody>
+          <a:bodyPr/>
+          <a:lstStyle/>
+          <a:p>
+            <a:endParaRPr lang="en-US"/>
+          </a:p>
+        </p:txBody>
+      </p:sp>
+      <p:pic>
+        <p:nvPicPr>
+          <p:cNvPr id="11266" name="Picture 2" descr="F:\sem\4th semester\Mandira\CP\analysis\images\c11.PNG"/>
+          <p:cNvPicPr>
+            <a:picLocks noGrp="1" noChangeAspect="1" noChangeArrowheads="1"/>
+          </p:cNvPicPr>
+          <p:nvPr>
+            <p:ph sz="quarter" idx="1"/>
+          </p:nvPr>
+        </p:nvPicPr>
+        <p:blipFill>
+          <a:blip r:embed="rId2">
+            <a:extLst>
+              <a:ext uri="{28A0092B-C50C-407E-A947-70E740481C1C}">
+                <a14:useLocalDpi xmlns:a14="http://schemas.microsoft.com/office/drawing/2010/main" val="0"/>
+              </a:ext>
+            </a:extLst>
+          </a:blip>
+          <a:stretch>
+            <a:fillRect/>
+          </a:stretch>
+        </p:blipFill>
+        <p:spPr bwMode="auto">
+          <a:xfrm>
+            <a:off x="1685324" y="1527175"/>
+            <a:ext cx="5736840" cy="4572000"/>
+          </a:xfrm>
+          <a:prstGeom prst="rect">
+            <a:avLst/>
+          </a:prstGeom>
+          <a:noFill/>
+          <a:extLst>
+            <a:ext uri="{909E8E84-426E-40DD-AFC4-6F175D3DCCD1}">
+              <a14:hiddenFill xmlns:a14="http://schemas.microsoft.com/office/drawing/2010/main">
+                <a:solidFill>
+                  <a:srgbClr val="FFFFFF"/>
+                </a:solidFill>
+              </a14:hiddenFill>
+            </a:ext>
+          </a:extLst>
+        </p:spPr>
+      </p:pic>
+    </p:spTree>
+    <p:extLst>
+      <p:ext uri="{BB962C8B-B14F-4D97-AF65-F5344CB8AC3E}">
+        <p14:creationId xmlns:p14="http://schemas.microsoft.com/office/powerpoint/2010/main" val="3638165579"/>
+      </p:ext>
+    </p:extLst>
+  </p:cSld>
+  <p:clrMapOvr>
+    <a:masterClrMapping/>
+  </p:clrMapOvr>
+  <p:timing>
+    <p:tnLst>
+      <p:par>
+        <p:cTn id="1" dur="indefinite" restart="never" nodeType="tmRoot"/>
+      </p:par>
+    </p:tnLst>
+  </p:timing>
+</p:sld>
+</file>
+
+<file path=ppt/slides/slide56.xml><?xml version="1.0" encoding="utf-8"?>
+<p:sld xmlns:a="http://schemas.openxmlformats.org/drawingml/2006/main" xmlns:r="http://schemas.openxmlformats.org/officeDocument/2006/relationships" xmlns:p="http://schemas.openxmlformats.org/presentationml/2006/main">
+  <p:cSld>
+    <p:spTree>
+      <p:nvGrpSpPr>
+        <p:cNvPr id="1" name=""/>
+        <p:cNvGrpSpPr/>
+        <p:nvPr/>
+      </p:nvGrpSpPr>
+      <p:grpSpPr>
+        <a:xfrm>
+          <a:off x="0" y="0"/>
+          <a:ext cx="0" cy="0"/>
+          <a:chOff x="0" y="0"/>
+          <a:chExt cx="0" cy="0"/>
+        </a:xfrm>
+      </p:grpSpPr>
+      <p:sp>
+        <p:nvSpPr>
+          <p:cNvPr id="3" name="Title 2"/>
+          <p:cNvSpPr>
+            <a:spLocks noGrp="1"/>
+          </p:cNvSpPr>
+          <p:nvPr>
+            <p:ph type="title"/>
+          </p:nvPr>
+        </p:nvSpPr>
+        <p:spPr/>
+        <p:txBody>
+          <a:bodyPr/>
+          <a:lstStyle/>
+          <a:p>
+            <a:endParaRPr lang="en-US"/>
+          </a:p>
+        </p:txBody>
+      </p:sp>
+      <p:pic>
+        <p:nvPicPr>
+          <p:cNvPr id="12290" name="Picture 2" descr="F:\sem\4th semester\Mandira\CP\analysis\images\c12.PNG"/>
+          <p:cNvPicPr>
+            <a:picLocks noGrp="1" noChangeAspect="1" noChangeArrowheads="1"/>
+          </p:cNvPicPr>
+          <p:nvPr>
+            <p:ph sz="quarter" idx="1"/>
+          </p:nvPr>
+        </p:nvPicPr>
+        <p:blipFill>
+          <a:blip r:embed="rId2">
+            <a:extLst>
+              <a:ext uri="{28A0092B-C50C-407E-A947-70E740481C1C}">
+                <a14:useLocalDpi xmlns:a14="http://schemas.microsoft.com/office/drawing/2010/main" val="0"/>
+              </a:ext>
+            </a:extLst>
+          </a:blip>
+          <a:stretch>
+            <a:fillRect/>
+          </a:stretch>
+        </p:blipFill>
+        <p:spPr bwMode="auto">
+          <a:xfrm>
+            <a:off x="928975" y="1598303"/>
+            <a:ext cx="7249537" cy="4429743"/>
+          </a:xfrm>
+          <a:prstGeom prst="rect">
+            <a:avLst/>
+          </a:prstGeom>
+          <a:noFill/>
+          <a:extLst>
+            <a:ext uri="{909E8E84-426E-40DD-AFC4-6F175D3DCCD1}">
+              <a14:hiddenFill xmlns:a14="http://schemas.microsoft.com/office/drawing/2010/main">
+                <a:solidFill>
+                  <a:srgbClr val="FFFFFF"/>
+                </a:solidFill>
+              </a14:hiddenFill>
+            </a:ext>
+          </a:extLst>
+        </p:spPr>
+      </p:pic>
+    </p:spTree>
+    <p:extLst>
+      <p:ext uri="{BB962C8B-B14F-4D97-AF65-F5344CB8AC3E}">
+        <p14:creationId xmlns:p14="http://schemas.microsoft.com/office/powerpoint/2010/main" val="1497332726"/>
+      </p:ext>
+    </p:extLst>
+  </p:cSld>
+  <p:clrMapOvr>
+    <a:masterClrMapping/>
+  </p:clrMapOvr>
+  <p:timing>
+    <p:tnLst>
+      <p:par>
+        <p:cTn id="1" dur="indefinite" restart="never" nodeType="tmRoot"/>
+      </p:par>
+    </p:tnLst>
+  </p:timing>
+</p:sld>
+</file>
+
+<file path=ppt/slides/slide57.xml><?xml version="1.0" encoding="utf-8"?>
+<p:sld xmlns:a="http://schemas.openxmlformats.org/drawingml/2006/main" xmlns:r="http://schemas.openxmlformats.org/officeDocument/2006/relationships" xmlns:p="http://schemas.openxmlformats.org/presentationml/2006/main">
+  <p:cSld>
+    <p:spTree>
+      <p:nvGrpSpPr>
+        <p:cNvPr id="1" name=""/>
+        <p:cNvGrpSpPr/>
+        <p:nvPr/>
+      </p:nvGrpSpPr>
+      <p:grpSpPr>
+        <a:xfrm>
+          <a:off x="0" y="0"/>
+          <a:ext cx="0" cy="0"/>
+          <a:chOff x="0" y="0"/>
+          <a:chExt cx="0" cy="0"/>
+        </a:xfrm>
+      </p:grpSpPr>
+      <p:sp>
+        <p:nvSpPr>
+          <p:cNvPr id="3" name="Title 2"/>
+          <p:cNvSpPr>
+            <a:spLocks noGrp="1"/>
+          </p:cNvSpPr>
+          <p:nvPr>
+            <p:ph type="title"/>
+          </p:nvPr>
+        </p:nvSpPr>
+        <p:spPr/>
+        <p:txBody>
+          <a:bodyPr/>
+          <a:lstStyle/>
+          <a:p>
+            <a:endParaRPr lang="en-US"/>
+          </a:p>
+        </p:txBody>
+      </p:sp>
+      <p:pic>
+        <p:nvPicPr>
+          <p:cNvPr id="13314" name="Picture 2" descr="F:\sem\4th semester\Mandira\CP\analysis\images\c13.PNG"/>
+          <p:cNvPicPr>
+            <a:picLocks noGrp="1" noChangeAspect="1" noChangeArrowheads="1"/>
+          </p:cNvPicPr>
+          <p:nvPr>
+            <p:ph sz="quarter" idx="1"/>
+          </p:nvPr>
+        </p:nvPicPr>
+        <p:blipFill>
+          <a:blip r:embed="rId2">
+            <a:extLst>
+              <a:ext uri="{28A0092B-C50C-407E-A947-70E740481C1C}">
+                <a14:useLocalDpi xmlns:a14="http://schemas.microsoft.com/office/drawing/2010/main" val="0"/>
+              </a:ext>
+            </a:extLst>
+          </a:blip>
+          <a:stretch>
+            <a:fillRect/>
+          </a:stretch>
+        </p:blipFill>
+        <p:spPr bwMode="auto">
+          <a:xfrm>
+            <a:off x="2202430" y="1527175"/>
+            <a:ext cx="4702628" cy="4572000"/>
+          </a:xfrm>
+          <a:prstGeom prst="rect">
+            <a:avLst/>
+          </a:prstGeom>
+          <a:noFill/>
+          <a:extLst>
+            <a:ext uri="{909E8E84-426E-40DD-AFC4-6F175D3DCCD1}">
+              <a14:hiddenFill xmlns:a14="http://schemas.microsoft.com/office/drawing/2010/main">
+                <a:solidFill>
+                  <a:srgbClr val="FFFFFF"/>
+                </a:solidFill>
+              </a14:hiddenFill>
+            </a:ext>
+          </a:extLst>
+        </p:spPr>
+      </p:pic>
+    </p:spTree>
+    <p:extLst>
+      <p:ext uri="{BB962C8B-B14F-4D97-AF65-F5344CB8AC3E}">
+        <p14:creationId xmlns:p14="http://schemas.microsoft.com/office/powerpoint/2010/main" val="3726312922"/>
+      </p:ext>
+    </p:extLst>
+  </p:cSld>
+  <p:clrMapOvr>
+    <a:masterClrMapping/>
+  </p:clrMapOvr>
+  <p:timing>
+    <p:tnLst>
+      <p:par>
+        <p:cTn id="1" dur="indefinite" restart="never" nodeType="tmRoot"/>
+      </p:par>
+    </p:tnLst>
+  </p:timing>
+</p:sld>
+</file>
+
+<file path=ppt/slides/slide58.xml><?xml version="1.0" encoding="utf-8"?>
+<p:sld xmlns:a="http://schemas.openxmlformats.org/drawingml/2006/main" xmlns:r="http://schemas.openxmlformats.org/officeDocument/2006/relationships" xmlns:p="http://schemas.openxmlformats.org/presentationml/2006/main">
+  <p:cSld>
+    <p:spTree>
+      <p:nvGrpSpPr>
+        <p:cNvPr id="1" name=""/>
+        <p:cNvGrpSpPr/>
+        <p:nvPr/>
+      </p:nvGrpSpPr>
+      <p:grpSpPr>
+        <a:xfrm>
+          <a:off x="0" y="0"/>
+          <a:ext cx="0" cy="0"/>
+          <a:chOff x="0" y="0"/>
+          <a:chExt cx="0" cy="0"/>
+        </a:xfrm>
+      </p:grpSpPr>
+      <p:sp>
+        <p:nvSpPr>
+          <p:cNvPr id="3" name="Title 2"/>
+          <p:cNvSpPr>
+            <a:spLocks noGrp="1"/>
+          </p:cNvSpPr>
+          <p:nvPr>
+            <p:ph type="title"/>
+          </p:nvPr>
+        </p:nvSpPr>
+        <p:spPr/>
+        <p:txBody>
+          <a:bodyPr/>
+          <a:lstStyle/>
+          <a:p>
+            <a:endParaRPr lang="en-US"/>
+          </a:p>
+        </p:txBody>
+      </p:sp>
+      <p:pic>
+        <p:nvPicPr>
+          <p:cNvPr id="14338" name="Picture 2" descr="F:\sem\4th semester\Mandira\CP\analysis\images\c14.PNG"/>
+          <p:cNvPicPr>
+            <a:picLocks noGrp="1" noChangeAspect="1" noChangeArrowheads="1"/>
+          </p:cNvPicPr>
+          <p:nvPr>
+            <p:ph sz="quarter" idx="1"/>
+          </p:nvPr>
+        </p:nvPicPr>
+        <p:blipFill>
+          <a:blip r:embed="rId2">
+            <a:extLst>
+              <a:ext uri="{28A0092B-C50C-407E-A947-70E740481C1C}">
+                <a14:useLocalDpi xmlns:a14="http://schemas.microsoft.com/office/drawing/2010/main" val="0"/>
+              </a:ext>
+            </a:extLst>
+          </a:blip>
+          <a:stretch>
+            <a:fillRect/>
+          </a:stretch>
+        </p:blipFill>
+        <p:spPr bwMode="auto">
+          <a:xfrm>
+            <a:off x="1761796" y="1527175"/>
+            <a:ext cx="5583896" cy="4572000"/>
+          </a:xfrm>
+          <a:prstGeom prst="rect">
+            <a:avLst/>
+          </a:prstGeom>
+          <a:noFill/>
+          <a:extLst>
+            <a:ext uri="{909E8E84-426E-40DD-AFC4-6F175D3DCCD1}">
+              <a14:hiddenFill xmlns:a14="http://schemas.microsoft.com/office/drawing/2010/main">
+                <a:solidFill>
+                  <a:srgbClr val="FFFFFF"/>
+                </a:solidFill>
+              </a14:hiddenFill>
+            </a:ext>
+          </a:extLst>
+        </p:spPr>
+      </p:pic>
+    </p:spTree>
+    <p:extLst>
+      <p:ext uri="{BB962C8B-B14F-4D97-AF65-F5344CB8AC3E}">
+        <p14:creationId xmlns:p14="http://schemas.microsoft.com/office/powerpoint/2010/main" val="2784028791"/>
+      </p:ext>
+    </p:extLst>
+  </p:cSld>
+  <p:clrMapOvr>
+    <a:masterClrMapping/>
+  </p:clrMapOvr>
+  <p:timing>
+    <p:tnLst>
+      <p:par>
+        <p:cTn id="1" dur="indefinite" restart="never" nodeType="tmRoot"/>
+      </p:par>
+    </p:tnLst>
+  </p:timing>
+</p:sld>
+</file>
+
+<file path=ppt/slides/slide59.xml><?xml version="1.0" encoding="utf-8"?>
+<p:sld xmlns:a="http://schemas.openxmlformats.org/drawingml/2006/main" xmlns:r="http://schemas.openxmlformats.org/officeDocument/2006/relationships" xmlns:p="http://schemas.openxmlformats.org/presentationml/2006/main">
+  <p:cSld>
+    <p:spTree>
+      <p:nvGrpSpPr>
+        <p:cNvPr id="1" name=""/>
+        <p:cNvGrpSpPr/>
+        <p:nvPr/>
+      </p:nvGrpSpPr>
+      <p:grpSpPr>
+        <a:xfrm>
+          <a:off x="0" y="0"/>
+          <a:ext cx="0" cy="0"/>
+          <a:chOff x="0" y="0"/>
+          <a:chExt cx="0" cy="0"/>
+        </a:xfrm>
+      </p:grpSpPr>
+      <p:sp>
+        <p:nvSpPr>
+          <p:cNvPr id="2" name="Title 1"/>
+          <p:cNvSpPr>
+            <a:spLocks noGrp="1"/>
+          </p:cNvSpPr>
+          <p:nvPr>
+            <p:ph type="title"/>
+          </p:nvPr>
+        </p:nvSpPr>
+        <p:spPr/>
+        <p:txBody>
+          <a:bodyPr/>
+          <a:lstStyle/>
+          <a:p>
+            <a:r>
+              <a:rPr lang="en-US" dirty="0" smtClean="0"/>
+              <a:t>Ui design</a:t>
+            </a:r>
+            <a:endParaRPr lang="en-US" dirty="0"/>
+          </a:p>
+        </p:txBody>
+      </p:sp>
+      <p:sp>
+        <p:nvSpPr>
+          <p:cNvPr id="5" name="Content Placeholder 4"/>
+          <p:cNvSpPr>
+            <a:spLocks noGrp="1"/>
+          </p:cNvSpPr>
+          <p:nvPr>
+            <p:ph sz="quarter" idx="1"/>
+          </p:nvPr>
+        </p:nvSpPr>
+        <p:spPr/>
+        <p:txBody>
+          <a:bodyPr/>
+          <a:lstStyle/>
+          <a:p>
+            <a:r>
+              <a:rPr lang="en-US" dirty="0" smtClean="0"/>
+              <a:t>Login</a:t>
+            </a:r>
+          </a:p>
+          <a:p>
+            <a:endParaRPr lang="en-US" dirty="0"/>
+          </a:p>
+        </p:txBody>
+      </p:sp>
+      <p:pic>
+        <p:nvPicPr>
+          <p:cNvPr id="6" name="Content Placeholder 3"/>
+          <p:cNvPicPr>
+            <a:picLocks noChangeAspect="1"/>
+          </p:cNvPicPr>
+          <p:nvPr/>
+        </p:nvPicPr>
+        <p:blipFill>
+          <a:blip r:embed="rId2">
+            <a:extLst>
+              <a:ext uri="{28A0092B-C50C-407E-A947-70E740481C1C}">
+                <a14:useLocalDpi xmlns:a14="http://schemas.microsoft.com/office/drawing/2010/main" val="0"/>
+              </a:ext>
+            </a:extLst>
+          </a:blip>
+          <a:stretch>
+            <a:fillRect/>
+          </a:stretch>
+        </p:blipFill>
+        <p:spPr>
+          <a:xfrm>
+            <a:off x="2472241" y="2207988"/>
+            <a:ext cx="4163006" cy="3210373"/>
+          </a:xfrm>
+          <a:prstGeom prst="rect">
+            <a:avLst/>
+          </a:prstGeom>
+        </p:spPr>
+      </p:pic>
+    </p:spTree>
+    <p:extLst>
+      <p:ext uri="{BB962C8B-B14F-4D97-AF65-F5344CB8AC3E}">
+        <p14:creationId xmlns:p14="http://schemas.microsoft.com/office/powerpoint/2010/main" val="3516622108"/>
+      </p:ext>
+    </p:extLst>
+  </p:cSld>
+  <p:clrMapOvr>
+    <a:masterClrMapping/>
+  </p:clrMapOvr>
+</p:sld>
+</file>
+
+<file path=ppt/slides/slide6.xml><?xml version="1.0" encoding="utf-8"?>
+<p:sld xmlns:a="http://schemas.openxmlformats.org/drawingml/2006/main" xmlns:r="http://schemas.openxmlformats.org/officeDocument/2006/relationships" xmlns:p="http://schemas.openxmlformats.org/presentationml/2006/main">
+  <p:cSld>
+    <p:spTree>
+      <p:nvGrpSpPr>
+        <p:cNvPr id="1" name=""/>
+        <p:cNvGrpSpPr/>
+        <p:nvPr/>
+      </p:nvGrpSpPr>
+      <p:grpSpPr>
+        <a:xfrm>
+          <a:off x="0" y="0"/>
+          <a:ext cx="0" cy="0"/>
+          <a:chOff x="0" y="0"/>
+          <a:chExt cx="0" cy="0"/>
+        </a:xfrm>
+      </p:grpSpPr>
+      <p:sp>
+        <p:nvSpPr>
+          <p:cNvPr id="2" name="Title 1"/>
+          <p:cNvSpPr>
+            <a:spLocks noGrp="1"/>
+          </p:cNvSpPr>
+          <p:nvPr>
+            <p:ph type="title"/>
+          </p:nvPr>
+        </p:nvSpPr>
+        <p:spPr>
+          <a:xfrm>
+            <a:off x="2514600" y="304800"/>
+            <a:ext cx="3733800" cy="685800"/>
+          </a:xfrm>
+        </p:spPr>
+        <p:style>
+          <a:lnRef idx="2">
+            <a:schemeClr val="accent4"/>
+          </a:lnRef>
+          <a:fillRef idx="1">
+            <a:schemeClr val="lt1"/>
+          </a:fillRef>
+          <a:effectRef idx="0">
+            <a:schemeClr val="accent4"/>
+          </a:effectRef>
+          <a:fontRef idx="minor">
+            <a:schemeClr val="dk1"/>
+          </a:fontRef>
+        </p:style>
+        <p:txBody>
+          <a:bodyPr>
+            <a:normAutofit fontScale="90000"/>
+          </a:bodyPr>
+          <a:lstStyle/>
+          <a:p>
+            <a:r>
+              <a:rPr lang="en-US" dirty="0" smtClean="0"/>
+              <a:t/>
+            </a:r>
+            <a:br>
+              <a:rPr lang="en-US" dirty="0" smtClean="0"/>
+            </a:br>
+            <a:r>
+              <a:rPr lang="en-US" dirty="0" smtClean="0"/>
+              <a:t>objectives </a:t>
+            </a:r>
+            <a:endParaRPr lang="en-US" dirty="0"/>
+          </a:p>
+        </p:txBody>
+      </p:sp>
+      <p:sp>
+        <p:nvSpPr>
+          <p:cNvPr id="3" name="Content Placeholder 2"/>
+          <p:cNvSpPr>
+            <a:spLocks noGrp="1"/>
+          </p:cNvSpPr>
+          <p:nvPr>
+            <p:ph sz="quarter" idx="1"/>
+          </p:nvPr>
+        </p:nvSpPr>
+        <p:spPr/>
+        <p:txBody>
+          <a:bodyPr>
+            <a:noAutofit/>
+          </a:bodyPr>
+          <a:lstStyle/>
+          <a:p>
+            <a:r>
+              <a:rPr lang="en-US" sz="3200" dirty="0" smtClean="0"/>
+              <a:t>To meet the given aims here are the objectives of sms</a:t>
+            </a:r>
+          </a:p>
+          <a:p>
+            <a:pPr marL="457200" indent="-457200">
+              <a:buFont typeface="Wingdings" pitchFamily="2" charset="2"/>
+              <a:buChar char="Ø"/>
+            </a:pPr>
+            <a:r>
+              <a:rPr lang="en-US" sz="3200" dirty="0" smtClean="0"/>
+              <a:t>Firstly collecting the requirements</a:t>
+            </a:r>
+          </a:p>
+          <a:p>
+            <a:pPr marL="457200" indent="-457200">
+              <a:buFont typeface="Wingdings" pitchFamily="2" charset="2"/>
+              <a:buChar char="Ø"/>
+            </a:pPr>
+            <a:r>
+              <a:rPr lang="en-US" sz="3200" dirty="0" smtClean="0"/>
+              <a:t>Designing the database for sms</a:t>
+            </a:r>
+          </a:p>
+          <a:p>
+            <a:pPr marL="457200" indent="-457200">
+              <a:buFont typeface="Wingdings" pitchFamily="2" charset="2"/>
+              <a:buChar char="Ø"/>
+            </a:pPr>
+            <a:r>
+              <a:rPr lang="en-US" sz="3200" dirty="0" smtClean="0"/>
+              <a:t>Performing the installation</a:t>
+            </a:r>
+          </a:p>
+          <a:p>
+            <a:pPr marL="457200" indent="-457200">
+              <a:buFont typeface="Wingdings" pitchFamily="2" charset="2"/>
+              <a:buChar char="Ø"/>
+            </a:pPr>
+            <a:r>
+              <a:rPr lang="en-US" sz="3200" dirty="0" smtClean="0"/>
+              <a:t>Performing the planning</a:t>
+            </a:r>
+          </a:p>
+          <a:p>
+            <a:pPr marL="457200" indent="-457200">
+              <a:buFont typeface="Wingdings" pitchFamily="2" charset="2"/>
+              <a:buChar char="Ø"/>
+            </a:pPr>
+            <a:r>
+              <a:rPr lang="en-US" sz="3200" dirty="0" smtClean="0"/>
+              <a:t>Performing the testing</a:t>
+            </a:r>
+          </a:p>
+          <a:p>
+            <a:pPr marL="457200" indent="-457200">
+              <a:buFont typeface="Wingdings" pitchFamily="2" charset="2"/>
+              <a:buChar char="Ø"/>
+            </a:pPr>
+            <a:r>
+              <a:rPr lang="en-US" sz="3200" dirty="0" smtClean="0"/>
+              <a:t>Performing the release</a:t>
+            </a:r>
+          </a:p>
+          <a:p>
+            <a:pPr marL="457200" indent="-457200">
+              <a:buFont typeface="Wingdings" pitchFamily="2" charset="2"/>
+              <a:buChar char="Ø"/>
+            </a:pPr>
+            <a:endParaRPr lang="en-US" sz="3200" dirty="0"/>
+          </a:p>
+        </p:txBody>
+      </p:sp>
+    </p:spTree>
+    <p:extLst>
+      <p:ext uri="{BB962C8B-B14F-4D97-AF65-F5344CB8AC3E}">
+        <p14:creationId xmlns:p14="http://schemas.microsoft.com/office/powerpoint/2010/main" val="2320549971"/>
+      </p:ext>
+    </p:extLst>
+  </p:cSld>
+  <p:clrMapOvr>
+    <a:masterClrMapping/>
+  </p:clrMapOvr>
+  <p:timing>
+    <p:tnLst>
+      <p:par>
+        <p:cTn id="1" dur="indefinite" restart="never" nodeType="tmRoot"/>
+      </p:par>
+    </p:tnLst>
+  </p:timing>
+</p:sld>
+</file>
+
+<file path=ppt/slides/slide60.xml><?xml version="1.0" encoding="utf-8"?>
+<p:sld xmlns:a="http://schemas.openxmlformats.org/drawingml/2006/main" xmlns:r="http://schemas.openxmlformats.org/officeDocument/2006/relationships" xmlns:p="http://schemas.openxmlformats.org/presentationml/2006/main">
+  <p:cSld>
+    <p:spTree>
+      <p:nvGrpSpPr>
+        <p:cNvPr id="1" name=""/>
+        <p:cNvGrpSpPr/>
+        <p:nvPr/>
+      </p:nvGrpSpPr>
+      <p:grpSpPr>
+        <a:xfrm>
+          <a:off x="0" y="0"/>
+          <a:ext cx="0" cy="0"/>
+          <a:chOff x="0" y="0"/>
+          <a:chExt cx="0" cy="0"/>
+        </a:xfrm>
+      </p:grpSpPr>
+      <p:sp>
+        <p:nvSpPr>
+          <p:cNvPr id="2" name="Title 1"/>
+          <p:cNvSpPr>
+            <a:spLocks noGrp="1"/>
+          </p:cNvSpPr>
+          <p:nvPr>
+            <p:ph type="title"/>
+          </p:nvPr>
+        </p:nvSpPr>
+        <p:spPr/>
+        <p:txBody>
+          <a:bodyPr/>
+          <a:lstStyle/>
+          <a:p>
+            <a:r>
+              <a:rPr lang="en-US" dirty="0" smtClean="0"/>
+              <a:t>dashboard</a:t>
+            </a:r>
+            <a:endParaRPr lang="en-US" dirty="0"/>
+          </a:p>
+        </p:txBody>
+      </p:sp>
+      <p:pic>
+        <p:nvPicPr>
+          <p:cNvPr id="4" name="Content Placeholder 3"/>
+          <p:cNvPicPr>
+            <a:picLocks noGrp="1" noChangeAspect="1"/>
+          </p:cNvPicPr>
+          <p:nvPr>
+            <p:ph sz="quarter" idx="1"/>
+          </p:nvPr>
+        </p:nvPicPr>
+        <p:blipFill>
+          <a:blip r:embed="rId2">
+            <a:extLst>
+              <a:ext uri="{28A0092B-C50C-407E-A947-70E740481C1C}">
+                <a14:useLocalDpi xmlns:a14="http://schemas.microsoft.com/office/drawing/2010/main" val="0"/>
+              </a:ext>
+            </a:extLst>
+          </a:blip>
+          <a:stretch>
+            <a:fillRect/>
+          </a:stretch>
+        </p:blipFill>
+        <p:spPr>
+          <a:xfrm>
+            <a:off x="301625" y="1855208"/>
+            <a:ext cx="8504238" cy="3915933"/>
+          </a:xfrm>
+        </p:spPr>
+      </p:pic>
+    </p:spTree>
+    <p:extLst>
+      <p:ext uri="{BB962C8B-B14F-4D97-AF65-F5344CB8AC3E}">
+        <p14:creationId xmlns:p14="http://schemas.microsoft.com/office/powerpoint/2010/main" val="4293988457"/>
+      </p:ext>
+    </p:extLst>
+  </p:cSld>
+  <p:clrMapOvr>
+    <a:masterClrMapping/>
+  </p:clrMapOvr>
+</p:sld>
+</file>
+
+<file path=ppt/slides/slide61.xml><?xml version="1.0" encoding="utf-8"?>
+<p:sld xmlns:a="http://schemas.openxmlformats.org/drawingml/2006/main" xmlns:r="http://schemas.openxmlformats.org/officeDocument/2006/relationships" xmlns:p="http://schemas.openxmlformats.org/presentationml/2006/main">
+  <p:cSld>
+    <p:spTree>
+      <p:nvGrpSpPr>
+        <p:cNvPr id="1" name=""/>
+        <p:cNvGrpSpPr/>
+        <p:nvPr/>
+      </p:nvGrpSpPr>
+      <p:grpSpPr>
+        <a:xfrm>
+          <a:off x="0" y="0"/>
+          <a:ext cx="0" cy="0"/>
+          <a:chOff x="0" y="0"/>
+          <a:chExt cx="0" cy="0"/>
+        </a:xfrm>
+      </p:grpSpPr>
+      <p:sp>
+        <p:nvSpPr>
+          <p:cNvPr id="2" name="Title 1"/>
+          <p:cNvSpPr>
+            <a:spLocks noGrp="1"/>
+          </p:cNvSpPr>
+          <p:nvPr>
+            <p:ph type="title"/>
+          </p:nvPr>
+        </p:nvSpPr>
+        <p:spPr/>
+        <p:txBody>
+          <a:bodyPr/>
+          <a:lstStyle/>
+          <a:p>
+            <a:r>
+              <a:rPr lang="en-US" dirty="0" smtClean="0"/>
+              <a:t>Display the category</a:t>
+            </a:r>
+            <a:endParaRPr lang="en-US" dirty="0"/>
+          </a:p>
+        </p:txBody>
+      </p:sp>
+      <p:pic>
+        <p:nvPicPr>
+          <p:cNvPr id="4" name="Content Placeholder 3"/>
+          <p:cNvPicPr>
+            <a:picLocks noGrp="1" noChangeAspect="1"/>
+          </p:cNvPicPr>
+          <p:nvPr>
+            <p:ph sz="quarter" idx="1"/>
+          </p:nvPr>
+        </p:nvPicPr>
+        <p:blipFill>
+          <a:blip r:embed="rId2">
+            <a:extLst>
+              <a:ext uri="{28A0092B-C50C-407E-A947-70E740481C1C}">
+                <a14:useLocalDpi xmlns:a14="http://schemas.microsoft.com/office/drawing/2010/main" val="0"/>
+              </a:ext>
+            </a:extLst>
+          </a:blip>
+          <a:stretch>
+            <a:fillRect/>
+          </a:stretch>
+        </p:blipFill>
+        <p:spPr>
+          <a:xfrm>
+            <a:off x="301625" y="1858321"/>
+            <a:ext cx="8504238" cy="3909708"/>
+          </a:xfrm>
+        </p:spPr>
+      </p:pic>
+    </p:spTree>
+    <p:extLst>
+      <p:ext uri="{BB962C8B-B14F-4D97-AF65-F5344CB8AC3E}">
+        <p14:creationId xmlns:p14="http://schemas.microsoft.com/office/powerpoint/2010/main" val="614810625"/>
+      </p:ext>
+    </p:extLst>
+  </p:cSld>
+  <p:clrMapOvr>
+    <a:masterClrMapping/>
+  </p:clrMapOvr>
+</p:sld>
+</file>
+
+<file path=ppt/slides/slide62.xml><?xml version="1.0" encoding="utf-8"?>
+<p:sld xmlns:a="http://schemas.openxmlformats.org/drawingml/2006/main" xmlns:r="http://schemas.openxmlformats.org/officeDocument/2006/relationships" xmlns:p="http://schemas.openxmlformats.org/presentationml/2006/main">
+  <p:cSld>
+    <p:spTree>
+      <p:nvGrpSpPr>
+        <p:cNvPr id="1" name=""/>
+        <p:cNvGrpSpPr/>
+        <p:nvPr/>
+      </p:nvGrpSpPr>
+      <p:grpSpPr>
+        <a:xfrm>
+          <a:off x="0" y="0"/>
+          <a:ext cx="0" cy="0"/>
+          <a:chOff x="0" y="0"/>
+          <a:chExt cx="0" cy="0"/>
+        </a:xfrm>
+      </p:grpSpPr>
+      <p:sp>
+        <p:nvSpPr>
+          <p:cNvPr id="3" name="Title 2"/>
+          <p:cNvSpPr>
+            <a:spLocks noGrp="1"/>
+          </p:cNvSpPr>
+          <p:nvPr>
+            <p:ph type="title"/>
+          </p:nvPr>
+        </p:nvSpPr>
+        <p:spPr/>
+        <p:txBody>
+          <a:bodyPr/>
+          <a:lstStyle/>
+          <a:p>
+            <a:r>
+              <a:rPr lang="en-US" dirty="0" smtClean="0"/>
+              <a:t>testing</a:t>
+            </a:r>
+            <a:endParaRPr lang="en-US" dirty="0"/>
+          </a:p>
+        </p:txBody>
+      </p:sp>
+      <p:sp>
+        <p:nvSpPr>
+          <p:cNvPr id="2" name="Content Placeholder 1"/>
+          <p:cNvSpPr>
+            <a:spLocks noGrp="1"/>
+          </p:cNvSpPr>
+          <p:nvPr>
+            <p:ph sz="quarter" idx="1"/>
+          </p:nvPr>
+        </p:nvSpPr>
+        <p:spPr/>
+        <p:txBody>
+          <a:bodyPr>
+            <a:normAutofit lnSpcReduction="10000"/>
+          </a:bodyPr>
+          <a:lstStyle/>
+          <a:p>
+            <a:r>
+              <a:rPr lang="en-US" dirty="0" smtClean="0"/>
+              <a:t>Testing </a:t>
+            </a:r>
+          </a:p>
+          <a:p>
+            <a:r>
+              <a:rPr lang="en-US" dirty="0" smtClean="0"/>
+              <a:t>It is the process of checking weather the software works properly or not.</a:t>
+            </a:r>
+          </a:p>
+          <a:p>
+            <a:r>
+              <a:rPr lang="en-US" dirty="0" smtClean="0"/>
+              <a:t>It plays the vital role while developing the project as it provides the validation to the project. It helps to find out the error and solve it effectively. To do the test also there are many testing available like whitebox testing, blackbox testing, integration testing, etc. so, to complete this project here I used the two types of testing which are the blackbox testing and whitebox testing.</a:t>
+            </a:r>
+          </a:p>
+          <a:p>
+            <a:endParaRPr lang="en-US" dirty="0"/>
+          </a:p>
+        </p:txBody>
+      </p:sp>
+    </p:spTree>
+    <p:extLst>
+      <p:ext uri="{BB962C8B-B14F-4D97-AF65-F5344CB8AC3E}">
+        <p14:creationId xmlns:p14="http://schemas.microsoft.com/office/powerpoint/2010/main" val="3301096533"/>
+      </p:ext>
+    </p:extLst>
+  </p:cSld>
+  <p:clrMapOvr>
+    <a:masterClrMapping/>
+  </p:clrMapOvr>
+  <p:timing>
+    <p:tnLst>
+      <p:par>
+        <p:cTn id="1" dur="indefinite" restart="never" nodeType="tmRoot"/>
+      </p:par>
+    </p:tnLst>
+  </p:timing>
+</p:sld>
+</file>
+
+<file path=ppt/slides/slide63.xml><?xml version="1.0" encoding="utf-8"?>
+<p:sld xmlns:a="http://schemas.openxmlformats.org/drawingml/2006/main" xmlns:r="http://schemas.openxmlformats.org/officeDocument/2006/relationships" xmlns:p="http://schemas.openxmlformats.org/presentationml/2006/main">
+  <p:cSld>
+    <p:spTree>
+      <p:nvGrpSpPr>
+        <p:cNvPr id="1" name=""/>
+        <p:cNvGrpSpPr/>
+        <p:nvPr/>
+      </p:nvGrpSpPr>
+      <p:grpSpPr>
+        <a:xfrm>
+          <a:off x="0" y="0"/>
+          <a:ext cx="0" cy="0"/>
+          <a:chOff x="0" y="0"/>
+          <a:chExt cx="0" cy="0"/>
+        </a:xfrm>
+      </p:grpSpPr>
+      <p:sp>
+        <p:nvSpPr>
+          <p:cNvPr id="3" name="Title 2"/>
+          <p:cNvSpPr>
+            <a:spLocks noGrp="1"/>
+          </p:cNvSpPr>
+          <p:nvPr>
+            <p:ph type="title"/>
+          </p:nvPr>
+        </p:nvSpPr>
+        <p:spPr/>
+        <p:txBody>
+          <a:bodyPr/>
+          <a:lstStyle/>
+          <a:p>
             <a:r>
               <a:rPr lang="en-US" dirty="0" smtClean="0"/>
               <a:t>Blackbox testing</a:t>
@@ -12959,7 +14816,43 @@
           <a:p>
             <a:r>
               <a:rPr lang="en-US" dirty="0" smtClean="0"/>
-              <a:t>It is one of the best testing method which is used to test the functional part of the software and making sure that the behavior of the software is as expected. So it is also know as the behavioral based testing. It only look up to the functional part testing not the internal part of the software. Just like the login, registration and other functional part of the software.</a:t>
+              <a:t>It is one of the best testing method which is used to test the functional part of the software and making sure that the behavior of the software is as </a:t>
+            </a:r>
+            <a:r>
+              <a:rPr lang="en-US" dirty="0" smtClean="0"/>
+              <a:t>expected.</a:t>
+            </a:r>
+          </a:p>
+          <a:p>
+            <a:r>
+              <a:rPr lang="en-US" dirty="0" smtClean="0"/>
+              <a:t>So </a:t>
+            </a:r>
+            <a:r>
+              <a:rPr lang="en-US" dirty="0" smtClean="0"/>
+              <a:t>it is also know as the behavioral based testing. </a:t>
+            </a:r>
+            <a:endParaRPr lang="en-US" dirty="0" smtClean="0"/>
+          </a:p>
+          <a:p>
+            <a:r>
+              <a:rPr lang="en-US" dirty="0" smtClean="0"/>
+              <a:t>It </a:t>
+            </a:r>
+            <a:r>
+              <a:rPr lang="en-US" dirty="0" smtClean="0"/>
+              <a:t>only look up to the functional part testing not the internal part of the software. </a:t>
+            </a:r>
+            <a:endParaRPr lang="en-US" dirty="0" smtClean="0"/>
+          </a:p>
+          <a:p>
+            <a:r>
+              <a:rPr lang="en-US" dirty="0" smtClean="0"/>
+              <a:t>Just </a:t>
+            </a:r>
+            <a:r>
+              <a:rPr lang="en-US" dirty="0" smtClean="0"/>
+              <a:t>like the login, registration and other functional part of the software.</a:t>
             </a:r>
             <a:endParaRPr lang="en-US" dirty="0"/>
           </a:p>
@@ -12985,7 +14878,7 @@
 </p:sld>
 </file>
 
-<file path=ppt/slides/slide47.xml><?xml version="1.0" encoding="utf-8"?>
+<file path=ppt/slides/slide64.xml><?xml version="1.0" encoding="utf-8"?>
 <p:sld xmlns:a="http://schemas.openxmlformats.org/drawingml/2006/main" xmlns:r="http://schemas.openxmlformats.org/officeDocument/2006/relationships" xmlns:p="http://schemas.openxmlformats.org/presentationml/2006/main">
   <p:cSld>
     <p:spTree>
@@ -13464,11 +15357,7 @@
                     <a:p>
                       <a:r>
                         <a:rPr lang="en-US" sz="1100" dirty="0" smtClean="0"/>
-                        <a:t>Email does not </a:t>
-                      </a:r>
-                      <a:r>
-                        <a:rPr lang="en-US" sz="1100" dirty="0" smtClean="0"/>
-                        <a:t>exists</a:t>
+                        <a:t>Email does not exists</a:t>
                       </a:r>
                       <a:endParaRPr lang="en-US" sz="1100" dirty="0"/>
                     </a:p>
@@ -13886,7 +15775,7 @@
 </p:sld>
 </file>
 
-<file path=ppt/slides/slide48.xml><?xml version="1.0" encoding="utf-8"?>
+<file path=ppt/slides/slide65.xml><?xml version="1.0" encoding="utf-8"?>
 <p:sld xmlns:a="http://schemas.openxmlformats.org/drawingml/2006/main" xmlns:r="http://schemas.openxmlformats.org/officeDocument/2006/relationships" xmlns:p="http://schemas.openxmlformats.org/presentationml/2006/main">
   <p:cSld>
     <p:spTree>
@@ -14498,7 +16387,7 @@
 </p:sld>
 </file>
 
-<file path=ppt/slides/slide49.xml><?xml version="1.0" encoding="utf-8"?>
+<file path=ppt/slides/slide66.xml><?xml version="1.0" encoding="utf-8"?>
 <p:sld xmlns:a="http://schemas.openxmlformats.org/drawingml/2006/main" xmlns:r="http://schemas.openxmlformats.org/officeDocument/2006/relationships" xmlns:p="http://schemas.openxmlformats.org/presentationml/2006/main">
   <p:cSld>
     <p:spTree>
@@ -14707,135 +16596,7 @@
 </p:sld>
 </file>
 
-<file path=ppt/slides/slide5.xml><?xml version="1.0" encoding="utf-8"?>
-<p:sld xmlns:a="http://schemas.openxmlformats.org/drawingml/2006/main" xmlns:r="http://schemas.openxmlformats.org/officeDocument/2006/relationships" xmlns:p="http://schemas.openxmlformats.org/presentationml/2006/main">
-  <p:cSld>
-    <p:spTree>
-      <p:nvGrpSpPr>
-        <p:cNvPr id="1" name=""/>
-        <p:cNvGrpSpPr/>
-        <p:nvPr/>
-      </p:nvGrpSpPr>
-      <p:grpSpPr>
-        <a:xfrm>
-          <a:off x="0" y="0"/>
-          <a:ext cx="0" cy="0"/>
-          <a:chOff x="0" y="0"/>
-          <a:chExt cx="0" cy="0"/>
-        </a:xfrm>
-      </p:grpSpPr>
-      <p:sp>
-        <p:nvSpPr>
-          <p:cNvPr id="2" name="Title 1"/>
-          <p:cNvSpPr>
-            <a:spLocks noGrp="1"/>
-          </p:cNvSpPr>
-          <p:nvPr>
-            <p:ph type="title"/>
-          </p:nvPr>
-        </p:nvSpPr>
-        <p:spPr/>
-        <p:txBody>
-          <a:bodyPr>
-            <a:normAutofit/>
-          </a:bodyPr>
-          <a:lstStyle/>
-          <a:p>
-            <a:r>
-              <a:rPr lang="en-US" dirty="0" smtClean="0"/>
-              <a:t>Aims of Stock Management System</a:t>
-            </a:r>
-            <a:endParaRPr lang="en-US" dirty="0"/>
-          </a:p>
-        </p:txBody>
-      </p:sp>
-      <p:sp>
-        <p:nvSpPr>
-          <p:cNvPr id="3" name="Content Placeholder 2"/>
-          <p:cNvSpPr>
-            <a:spLocks noGrp="1"/>
-          </p:cNvSpPr>
-          <p:nvPr>
-            <p:ph sz="quarter" idx="1"/>
-          </p:nvPr>
-        </p:nvSpPr>
-        <p:spPr>
-          <a:xfrm>
-            <a:off x="533400" y="2057400"/>
-            <a:ext cx="8229600" cy="4075176"/>
-          </a:xfrm>
-        </p:spPr>
-        <p:txBody>
-          <a:bodyPr>
-            <a:normAutofit lnSpcReduction="10000"/>
-          </a:bodyPr>
-          <a:lstStyle/>
-          <a:p>
-            <a:r>
-              <a:rPr lang="en-US" sz="3200" dirty="0" smtClean="0"/>
-              <a:t>Followings are the aims of sms</a:t>
-            </a:r>
-          </a:p>
-          <a:p>
-            <a:pPr marL="457200" indent="-457200">
-              <a:buFont typeface="Wingdings" pitchFamily="2" charset="2"/>
-              <a:buChar char="§"/>
-            </a:pPr>
-            <a:r>
-              <a:rPr lang="en-US" sz="3200" dirty="0" smtClean="0"/>
-              <a:t>The main aim is to manage the product available in the stock in the systematic way.</a:t>
-            </a:r>
-          </a:p>
-          <a:p>
-            <a:pPr marL="457200" indent="-457200">
-              <a:buFont typeface="Wingdings" pitchFamily="2" charset="2"/>
-              <a:buChar char="§"/>
-            </a:pPr>
-            <a:r>
-              <a:rPr lang="en-US" sz="3200" dirty="0" smtClean="0"/>
-              <a:t>To keep the records of products and manage it properly in the database.</a:t>
-            </a:r>
-          </a:p>
-          <a:p>
-            <a:pPr marL="457200" indent="-457200">
-              <a:buFont typeface="Wingdings" pitchFamily="2" charset="2"/>
-              <a:buChar char="§"/>
-            </a:pPr>
-            <a:r>
-              <a:rPr lang="en-US" sz="3200" dirty="0" smtClean="0"/>
-              <a:t>To display the available products and their details.</a:t>
-            </a:r>
-          </a:p>
-          <a:p>
-            <a:pPr marL="457200" indent="-457200">
-              <a:buFont typeface="Wingdings" pitchFamily="2" charset="2"/>
-              <a:buChar char="§"/>
-            </a:pPr>
-            <a:endParaRPr lang="en-US" sz="3200" dirty="0"/>
-          </a:p>
-        </p:txBody>
-      </p:sp>
-    </p:spTree>
-    <p:extLst>
-      <p:ext uri="{BB962C8B-B14F-4D97-AF65-F5344CB8AC3E}">
-        <p14:creationId xmlns:p14="http://schemas.microsoft.com/office/powerpoint/2010/main" val="3046616702"/>
-      </p:ext>
-    </p:extLst>
-  </p:cSld>
-  <p:clrMapOvr>
-    <a:masterClrMapping/>
-  </p:clrMapOvr>
-  <p:timing>
-    <p:tnLst>
-      <p:par>
-        <p:cTn id="1" dur="indefinite" restart="never" nodeType="tmRoot"/>
-      </p:par>
-    </p:tnLst>
-  </p:timing>
-</p:sld>
-</file>
-
-<file path=ppt/slides/slide50.xml><?xml version="1.0" encoding="utf-8"?>
+<file path=ppt/slides/slide67.xml><?xml version="1.0" encoding="utf-8"?>
 <p:sld xmlns:a="http://schemas.openxmlformats.org/drawingml/2006/main" xmlns:r="http://schemas.openxmlformats.org/officeDocument/2006/relationships" xmlns:p="http://schemas.openxmlformats.org/presentationml/2006/main">
   <p:cSld>
     <p:spTree>
@@ -15108,7 +16869,7 @@
 </p:sld>
 </file>
 
-<file path=ppt/slides/slide51.xml><?xml version="1.0" encoding="utf-8"?>
+<file path=ppt/slides/slide68.xml><?xml version="1.0" encoding="utf-8"?>
 <p:sld xmlns:a="http://schemas.openxmlformats.org/drawingml/2006/main" xmlns:r="http://schemas.openxmlformats.org/officeDocument/2006/relationships" xmlns:p="http://schemas.openxmlformats.org/presentationml/2006/main">
   <p:cSld>
     <p:spTree>
@@ -15381,7 +17142,7 @@
 </p:sld>
 </file>
 
-<file path=ppt/slides/slide52.xml><?xml version="1.0" encoding="utf-8"?>
+<file path=ppt/slides/slide69.xml><?xml version="1.0" encoding="utf-8"?>
 <p:sld xmlns:a="http://schemas.openxmlformats.org/drawingml/2006/main" xmlns:r="http://schemas.openxmlformats.org/officeDocument/2006/relationships" xmlns:p="http://schemas.openxmlformats.org/presentationml/2006/main">
   <p:cSld>
     <p:spTree>
@@ -15654,7 +17415,139 @@
 </p:sld>
 </file>
 
-<file path=ppt/slides/slide53.xml><?xml version="1.0" encoding="utf-8"?>
+<file path=ppt/slides/slide7.xml><?xml version="1.0" encoding="utf-8"?>
+<p:sld xmlns:a="http://schemas.openxmlformats.org/drawingml/2006/main" xmlns:r="http://schemas.openxmlformats.org/officeDocument/2006/relationships" xmlns:p="http://schemas.openxmlformats.org/presentationml/2006/main">
+  <p:cSld>
+    <p:spTree>
+      <p:nvGrpSpPr>
+        <p:cNvPr id="1" name=""/>
+        <p:cNvGrpSpPr/>
+        <p:nvPr/>
+      </p:nvGrpSpPr>
+      <p:grpSpPr>
+        <a:xfrm>
+          <a:off x="0" y="0"/>
+          <a:ext cx="0" cy="0"/>
+          <a:chOff x="0" y="0"/>
+          <a:chExt cx="0" cy="0"/>
+        </a:xfrm>
+      </p:grpSpPr>
+      <p:sp>
+        <p:nvSpPr>
+          <p:cNvPr id="3" name="Title 2"/>
+          <p:cNvSpPr>
+            <a:spLocks noGrp="1"/>
+          </p:cNvSpPr>
+          <p:nvPr>
+            <p:ph type="title"/>
+          </p:nvPr>
+        </p:nvSpPr>
+        <p:spPr/>
+        <p:txBody>
+          <a:bodyPr/>
+          <a:lstStyle/>
+          <a:p>
+            <a:r>
+              <a:rPr lang="en-US" dirty="0" smtClean="0"/>
+              <a:t>features</a:t>
+            </a:r>
+            <a:endParaRPr lang="en-US" dirty="0"/>
+          </a:p>
+        </p:txBody>
+      </p:sp>
+      <p:sp>
+        <p:nvSpPr>
+          <p:cNvPr id="2" name="Content Placeholder 1"/>
+          <p:cNvSpPr>
+            <a:spLocks noGrp="1"/>
+          </p:cNvSpPr>
+          <p:nvPr>
+            <p:ph sz="quarter" idx="1"/>
+          </p:nvPr>
+        </p:nvSpPr>
+        <p:spPr/>
+        <p:txBody>
+          <a:bodyPr>
+            <a:normAutofit fontScale="77500" lnSpcReduction="20000"/>
+          </a:bodyPr>
+          <a:lstStyle/>
+          <a:p>
+            <a:r>
+              <a:rPr lang="en-US" dirty="0" smtClean="0"/>
+              <a:t>Following are the features of the stock management system</a:t>
+            </a:r>
+          </a:p>
+          <a:p>
+            <a:r>
+              <a:rPr lang="en-US" dirty="0" smtClean="0"/>
+              <a:t>1.Customer management</a:t>
+            </a:r>
+          </a:p>
+          <a:p>
+            <a:r>
+              <a:rPr lang="en-US" dirty="0" smtClean="0"/>
+              <a:t>It keeps the details of the customer and keep the record safely. It keeps the order of customer and provide with bill.</a:t>
+            </a:r>
+          </a:p>
+          <a:p>
+            <a:r>
+              <a:rPr lang="en-US" dirty="0" smtClean="0"/>
+              <a:t>2.Point of sales management</a:t>
+            </a:r>
+          </a:p>
+          <a:p>
+            <a:r>
+              <a:rPr lang="en-US" dirty="0" smtClean="0"/>
+              <a:t>It has the billing system which keep the record of payments. It helps to ensure the customer transaction complete correctly and keep the record safe.</a:t>
+            </a:r>
+          </a:p>
+          <a:p>
+            <a:r>
+              <a:rPr lang="en-US" dirty="0" smtClean="0"/>
+              <a:t>3.Stock control</a:t>
+            </a:r>
+          </a:p>
+          <a:p>
+            <a:r>
+              <a:rPr lang="en-US" dirty="0" smtClean="0"/>
+              <a:t>It manages the stock and keep the record of the stock. It shows the available of the stock and helps to edit the stock.</a:t>
+            </a:r>
+          </a:p>
+          <a:p>
+            <a:r>
+              <a:rPr lang="en-US" dirty="0" smtClean="0"/>
+              <a:t>4.It provides the best security and keeps the data and information safely.</a:t>
+            </a:r>
+          </a:p>
+          <a:p>
+            <a:r>
+              <a:rPr lang="en-US" dirty="0" smtClean="0"/>
+              <a:t>5. It helps to save the cost as well as time while approaching the data and information.</a:t>
+            </a:r>
+          </a:p>
+        </p:txBody>
+      </p:sp>
+    </p:spTree>
+    <p:extLst>
+      <p:ext uri="{BB962C8B-B14F-4D97-AF65-F5344CB8AC3E}">
+        <p14:creationId xmlns:p14="http://schemas.microsoft.com/office/powerpoint/2010/main" val="2306280887"/>
+      </p:ext>
+    </p:extLst>
+  </p:cSld>
+  <p:clrMapOvr>
+    <a:masterClrMapping/>
+  </p:clrMapOvr>
+  <p:timing>
+    <p:tnLst>
+      <p:par>
+        <p:cTn id="1" dur="indefinite" restart="never" nodeType="tmRoot"/>
+      </p:par>
+    </p:tnLst>
+  </p:timing>
+</p:sld>
+</file>
+
+<file path=ppt/slides/slide70.xml><?xml version="1.0" encoding="utf-8"?>
 <p:sld xmlns:a="http://schemas.openxmlformats.org/drawingml/2006/main" xmlns:r="http://schemas.openxmlformats.org/officeDocument/2006/relationships" xmlns:p="http://schemas.openxmlformats.org/presentationml/2006/main">
   <p:cSld>
     <p:spTree>
@@ -16025,7 +17918,7 @@
 </p:sld>
 </file>
 
-<file path=ppt/slides/slide54.xml><?xml version="1.0" encoding="utf-8"?>
+<file path=ppt/slides/slide71.xml><?xml version="1.0" encoding="utf-8"?>
 <p:sld xmlns:a="http://schemas.openxmlformats.org/drawingml/2006/main" xmlns:r="http://schemas.openxmlformats.org/officeDocument/2006/relationships" xmlns:p="http://schemas.openxmlformats.org/presentationml/2006/main">
   <p:cSld>
     <p:spTree>
@@ -16396,7 +18289,7 @@
 </p:sld>
 </file>
 
-<file path=ppt/slides/slide55.xml><?xml version="1.0" encoding="utf-8"?>
+<file path=ppt/slides/slide72.xml><?xml version="1.0" encoding="utf-8"?>
 <p:sld xmlns:a="http://schemas.openxmlformats.org/drawingml/2006/main" xmlns:r="http://schemas.openxmlformats.org/officeDocument/2006/relationships" xmlns:p="http://schemas.openxmlformats.org/presentationml/2006/main">
   <p:cSld>
     <p:spTree>
@@ -16742,7 +18635,7 @@
 </p:sld>
 </file>
 
-<file path=ppt/slides/slide56.xml><?xml version="1.0" encoding="utf-8"?>
+<file path=ppt/slides/slide73.xml><?xml version="1.0" encoding="utf-8"?>
 <p:sld xmlns:a="http://schemas.openxmlformats.org/drawingml/2006/main" xmlns:r="http://schemas.openxmlformats.org/officeDocument/2006/relationships" xmlns:p="http://schemas.openxmlformats.org/presentationml/2006/main">
   <p:cSld>
     <p:spTree>
@@ -17113,7 +19006,7 @@
 </p:sld>
 </file>
 
-<file path=ppt/slides/slide57.xml><?xml version="1.0" encoding="utf-8"?>
+<file path=ppt/slides/slide74.xml><?xml version="1.0" encoding="utf-8"?>
 <p:sld xmlns:a="http://schemas.openxmlformats.org/drawingml/2006/main" xmlns:r="http://schemas.openxmlformats.org/officeDocument/2006/relationships" xmlns:p="http://schemas.openxmlformats.org/presentationml/2006/main">
   <p:cSld>
     <p:spTree>
@@ -17420,7 +19313,7 @@
 </p:sld>
 </file>
 
-<file path=ppt/slides/slide58.xml><?xml version="1.0" encoding="utf-8"?>
+<file path=ppt/slides/slide75.xml><?xml version="1.0" encoding="utf-8"?>
 <p:sld xmlns:a="http://schemas.openxmlformats.org/drawingml/2006/main" xmlns:r="http://schemas.openxmlformats.org/officeDocument/2006/relationships" xmlns:p="http://schemas.openxmlformats.org/presentationml/2006/main">
   <p:cSld>
     <p:spTree>
@@ -17731,2029 +19624,6 @@
 </p:sld>
 </file>
 
-<file path=ppt/slides/slide59.xml><?xml version="1.0" encoding="utf-8"?>
-<p:sld xmlns:a="http://schemas.openxmlformats.org/drawingml/2006/main" xmlns:r="http://schemas.openxmlformats.org/officeDocument/2006/relationships" xmlns:p="http://schemas.openxmlformats.org/presentationml/2006/main">
-  <p:cSld>
-    <p:spTree>
-      <p:nvGrpSpPr>
-        <p:cNvPr id="1" name=""/>
-        <p:cNvGrpSpPr/>
-        <p:nvPr/>
-      </p:nvGrpSpPr>
-      <p:grpSpPr>
-        <a:xfrm>
-          <a:off x="0" y="0"/>
-          <a:ext cx="0" cy="0"/>
-          <a:chOff x="0" y="0"/>
-          <a:chExt cx="0" cy="0"/>
-        </a:xfrm>
-      </p:grpSpPr>
-      <p:sp>
-        <p:nvSpPr>
-          <p:cNvPr id="3" name="Title 2"/>
-          <p:cNvSpPr>
-            <a:spLocks noGrp="1"/>
-          </p:cNvSpPr>
-          <p:nvPr>
-            <p:ph type="title"/>
-          </p:nvPr>
-        </p:nvSpPr>
-        <p:spPr/>
-        <p:txBody>
-          <a:bodyPr/>
-          <a:lstStyle/>
-          <a:p>
-            <a:r>
-              <a:rPr lang="en-US" dirty="0" smtClean="0"/>
-              <a:t>coding</a:t>
-            </a:r>
-            <a:endParaRPr lang="en-US" dirty="0"/>
-          </a:p>
-        </p:txBody>
-      </p:sp>
-      <p:pic>
-        <p:nvPicPr>
-          <p:cNvPr id="1026" name="Picture 2" descr="F:\sem\4th semester\Mandira\CP\analysis\images\c1.PNG"/>
-          <p:cNvPicPr>
-            <a:picLocks noGrp="1" noChangeAspect="1" noChangeArrowheads="1"/>
-          </p:cNvPicPr>
-          <p:nvPr>
-            <p:ph sz="quarter" idx="1"/>
-          </p:nvPr>
-        </p:nvPicPr>
-        <p:blipFill>
-          <a:blip r:embed="rId2">
-            <a:extLst>
-              <a:ext uri="{28A0092B-C50C-407E-A947-70E740481C1C}">
-                <a14:useLocalDpi xmlns:a14="http://schemas.microsoft.com/office/drawing/2010/main" val="0"/>
-              </a:ext>
-            </a:extLst>
-          </a:blip>
-          <a:stretch>
-            <a:fillRect/>
-          </a:stretch>
-        </p:blipFill>
-        <p:spPr bwMode="auto">
-          <a:xfrm>
-            <a:off x="1542735" y="1527175"/>
-            <a:ext cx="6022018" cy="4572000"/>
-          </a:xfrm>
-          <a:prstGeom prst="rect">
-            <a:avLst/>
-          </a:prstGeom>
-          <a:noFill/>
-          <a:extLst>
-            <a:ext uri="{909E8E84-426E-40DD-AFC4-6F175D3DCCD1}">
-              <a14:hiddenFill xmlns:a14="http://schemas.microsoft.com/office/drawing/2010/main">
-                <a:solidFill>
-                  <a:srgbClr val="FFFFFF"/>
-                </a:solidFill>
-              </a14:hiddenFill>
-            </a:ext>
-          </a:extLst>
-        </p:spPr>
-      </p:pic>
-    </p:spTree>
-    <p:extLst>
-      <p:ext uri="{BB962C8B-B14F-4D97-AF65-F5344CB8AC3E}">
-        <p14:creationId xmlns:p14="http://schemas.microsoft.com/office/powerpoint/2010/main" val="3767161069"/>
-      </p:ext>
-    </p:extLst>
-  </p:cSld>
-  <p:clrMapOvr>
-    <a:masterClrMapping/>
-  </p:clrMapOvr>
-  <p:timing>
-    <p:tnLst>
-      <p:par>
-        <p:cTn id="1" dur="indefinite" restart="never" nodeType="tmRoot"/>
-      </p:par>
-    </p:tnLst>
-  </p:timing>
-</p:sld>
-</file>
-
-<file path=ppt/slides/slide6.xml><?xml version="1.0" encoding="utf-8"?>
-<p:sld xmlns:a="http://schemas.openxmlformats.org/drawingml/2006/main" xmlns:r="http://schemas.openxmlformats.org/officeDocument/2006/relationships" xmlns:p="http://schemas.openxmlformats.org/presentationml/2006/main">
-  <p:cSld>
-    <p:spTree>
-      <p:nvGrpSpPr>
-        <p:cNvPr id="1" name=""/>
-        <p:cNvGrpSpPr/>
-        <p:nvPr/>
-      </p:nvGrpSpPr>
-      <p:grpSpPr>
-        <a:xfrm>
-          <a:off x="0" y="0"/>
-          <a:ext cx="0" cy="0"/>
-          <a:chOff x="0" y="0"/>
-          <a:chExt cx="0" cy="0"/>
-        </a:xfrm>
-      </p:grpSpPr>
-      <p:sp>
-        <p:nvSpPr>
-          <p:cNvPr id="2" name="Title 1"/>
-          <p:cNvSpPr>
-            <a:spLocks noGrp="1"/>
-          </p:cNvSpPr>
-          <p:nvPr>
-            <p:ph type="title"/>
-          </p:nvPr>
-        </p:nvSpPr>
-        <p:spPr>
-          <a:xfrm>
-            <a:off x="2514600" y="304800"/>
-            <a:ext cx="3733800" cy="685800"/>
-          </a:xfrm>
-        </p:spPr>
-        <p:style>
-          <a:lnRef idx="2">
-            <a:schemeClr val="accent4"/>
-          </a:lnRef>
-          <a:fillRef idx="1">
-            <a:schemeClr val="lt1"/>
-          </a:fillRef>
-          <a:effectRef idx="0">
-            <a:schemeClr val="accent4"/>
-          </a:effectRef>
-          <a:fontRef idx="minor">
-            <a:schemeClr val="dk1"/>
-          </a:fontRef>
-        </p:style>
-        <p:txBody>
-          <a:bodyPr>
-            <a:normAutofit fontScale="90000"/>
-          </a:bodyPr>
-          <a:lstStyle/>
-          <a:p>
-            <a:r>
-              <a:rPr lang="en-US" dirty="0" smtClean="0"/>
-              <a:t/>
-            </a:r>
-            <a:br>
-              <a:rPr lang="en-US" dirty="0" smtClean="0"/>
-            </a:br>
-            <a:r>
-              <a:rPr lang="en-US" dirty="0" smtClean="0"/>
-              <a:t>objectives </a:t>
-            </a:r>
-            <a:endParaRPr lang="en-US" dirty="0"/>
-          </a:p>
-        </p:txBody>
-      </p:sp>
-      <p:sp>
-        <p:nvSpPr>
-          <p:cNvPr id="3" name="Content Placeholder 2"/>
-          <p:cNvSpPr>
-            <a:spLocks noGrp="1"/>
-          </p:cNvSpPr>
-          <p:nvPr>
-            <p:ph sz="quarter" idx="1"/>
-          </p:nvPr>
-        </p:nvSpPr>
-        <p:spPr/>
-        <p:txBody>
-          <a:bodyPr>
-            <a:noAutofit/>
-          </a:bodyPr>
-          <a:lstStyle/>
-          <a:p>
-            <a:r>
-              <a:rPr lang="en-US" sz="3200" dirty="0" smtClean="0"/>
-              <a:t>To meet the given aims here are the objectives of sms</a:t>
-            </a:r>
-          </a:p>
-          <a:p>
-            <a:pPr marL="457200" indent="-457200">
-              <a:buFont typeface="Wingdings" pitchFamily="2" charset="2"/>
-              <a:buChar char="Ø"/>
-            </a:pPr>
-            <a:r>
-              <a:rPr lang="en-US" sz="3200" dirty="0" smtClean="0"/>
-              <a:t>Firstly collecting the requirements</a:t>
-            </a:r>
-          </a:p>
-          <a:p>
-            <a:pPr marL="457200" indent="-457200">
-              <a:buFont typeface="Wingdings" pitchFamily="2" charset="2"/>
-              <a:buChar char="Ø"/>
-            </a:pPr>
-            <a:r>
-              <a:rPr lang="en-US" sz="3200" dirty="0" smtClean="0"/>
-              <a:t>Designing the database for sms</a:t>
-            </a:r>
-          </a:p>
-          <a:p>
-            <a:pPr marL="457200" indent="-457200">
-              <a:buFont typeface="Wingdings" pitchFamily="2" charset="2"/>
-              <a:buChar char="Ø"/>
-            </a:pPr>
-            <a:r>
-              <a:rPr lang="en-US" sz="3200" dirty="0" smtClean="0"/>
-              <a:t>Performing the installation</a:t>
-            </a:r>
-          </a:p>
-          <a:p>
-            <a:pPr marL="457200" indent="-457200">
-              <a:buFont typeface="Wingdings" pitchFamily="2" charset="2"/>
-              <a:buChar char="Ø"/>
-            </a:pPr>
-            <a:r>
-              <a:rPr lang="en-US" sz="3200" dirty="0" smtClean="0"/>
-              <a:t>Performing the planning</a:t>
-            </a:r>
-          </a:p>
-          <a:p>
-            <a:pPr marL="457200" indent="-457200">
-              <a:buFont typeface="Wingdings" pitchFamily="2" charset="2"/>
-              <a:buChar char="Ø"/>
-            </a:pPr>
-            <a:r>
-              <a:rPr lang="en-US" sz="3200" dirty="0" smtClean="0"/>
-              <a:t>Performing the testing</a:t>
-            </a:r>
-          </a:p>
-          <a:p>
-            <a:pPr marL="457200" indent="-457200">
-              <a:buFont typeface="Wingdings" pitchFamily="2" charset="2"/>
-              <a:buChar char="Ø"/>
-            </a:pPr>
-            <a:r>
-              <a:rPr lang="en-US" sz="3200" dirty="0" smtClean="0"/>
-              <a:t>Performing the release</a:t>
-            </a:r>
-          </a:p>
-          <a:p>
-            <a:pPr marL="457200" indent="-457200">
-              <a:buFont typeface="Wingdings" pitchFamily="2" charset="2"/>
-              <a:buChar char="Ø"/>
-            </a:pPr>
-            <a:endParaRPr lang="en-US" sz="3200" dirty="0"/>
-          </a:p>
-        </p:txBody>
-      </p:sp>
-    </p:spTree>
-    <p:extLst>
-      <p:ext uri="{BB962C8B-B14F-4D97-AF65-F5344CB8AC3E}">
-        <p14:creationId xmlns:p14="http://schemas.microsoft.com/office/powerpoint/2010/main" val="2320549971"/>
-      </p:ext>
-    </p:extLst>
-  </p:cSld>
-  <p:clrMapOvr>
-    <a:masterClrMapping/>
-  </p:clrMapOvr>
-  <p:timing>
-    <p:tnLst>
-      <p:par>
-        <p:cTn id="1" dur="indefinite" restart="never" nodeType="tmRoot"/>
-      </p:par>
-    </p:tnLst>
-  </p:timing>
-</p:sld>
-</file>
-
-<file path=ppt/slides/slide60.xml><?xml version="1.0" encoding="utf-8"?>
-<p:sld xmlns:a="http://schemas.openxmlformats.org/drawingml/2006/main" xmlns:r="http://schemas.openxmlformats.org/officeDocument/2006/relationships" xmlns:p="http://schemas.openxmlformats.org/presentationml/2006/main">
-  <p:cSld>
-    <p:spTree>
-      <p:nvGrpSpPr>
-        <p:cNvPr id="1" name=""/>
-        <p:cNvGrpSpPr/>
-        <p:nvPr/>
-      </p:nvGrpSpPr>
-      <p:grpSpPr>
-        <a:xfrm>
-          <a:off x="0" y="0"/>
-          <a:ext cx="0" cy="0"/>
-          <a:chOff x="0" y="0"/>
-          <a:chExt cx="0" cy="0"/>
-        </a:xfrm>
-      </p:grpSpPr>
-      <p:sp>
-        <p:nvSpPr>
-          <p:cNvPr id="3" name="Title 2"/>
-          <p:cNvSpPr>
-            <a:spLocks noGrp="1"/>
-          </p:cNvSpPr>
-          <p:nvPr>
-            <p:ph type="title"/>
-          </p:nvPr>
-        </p:nvSpPr>
-        <p:spPr/>
-        <p:txBody>
-          <a:bodyPr/>
-          <a:lstStyle/>
-          <a:p>
-            <a:endParaRPr lang="en-US"/>
-          </a:p>
-        </p:txBody>
-      </p:sp>
-      <p:pic>
-        <p:nvPicPr>
-          <p:cNvPr id="2050" name="Picture 2" descr="F:\sem\4th semester\Mandira\CP\analysis\images\c2.PNG"/>
-          <p:cNvPicPr>
-            <a:picLocks noGrp="1" noChangeAspect="1" noChangeArrowheads="1"/>
-          </p:cNvPicPr>
-          <p:nvPr>
-            <p:ph sz="quarter" idx="1"/>
-          </p:nvPr>
-        </p:nvPicPr>
-        <p:blipFill>
-          <a:blip r:embed="rId2">
-            <a:extLst>
-              <a:ext uri="{28A0092B-C50C-407E-A947-70E740481C1C}">
-                <a14:useLocalDpi xmlns:a14="http://schemas.microsoft.com/office/drawing/2010/main" val="0"/>
-              </a:ext>
-            </a:extLst>
-          </a:blip>
-          <a:stretch>
-            <a:fillRect/>
-          </a:stretch>
-        </p:blipFill>
-        <p:spPr bwMode="auto">
-          <a:xfrm>
-            <a:off x="1643293" y="1527175"/>
-            <a:ext cx="5820901" cy="4572000"/>
-          </a:xfrm>
-          <a:prstGeom prst="rect">
-            <a:avLst/>
-          </a:prstGeom>
-          <a:noFill/>
-          <a:extLst>
-            <a:ext uri="{909E8E84-426E-40DD-AFC4-6F175D3DCCD1}">
-              <a14:hiddenFill xmlns:a14="http://schemas.microsoft.com/office/drawing/2010/main">
-                <a:solidFill>
-                  <a:srgbClr val="FFFFFF"/>
-                </a:solidFill>
-              </a14:hiddenFill>
-            </a:ext>
-          </a:extLst>
-        </p:spPr>
-      </p:pic>
-    </p:spTree>
-    <p:extLst>
-      <p:ext uri="{BB962C8B-B14F-4D97-AF65-F5344CB8AC3E}">
-        <p14:creationId xmlns:p14="http://schemas.microsoft.com/office/powerpoint/2010/main" val="3913895923"/>
-      </p:ext>
-    </p:extLst>
-  </p:cSld>
-  <p:clrMapOvr>
-    <a:masterClrMapping/>
-  </p:clrMapOvr>
-  <p:timing>
-    <p:tnLst>
-      <p:par>
-        <p:cTn id="1" dur="indefinite" restart="never" nodeType="tmRoot"/>
-      </p:par>
-    </p:tnLst>
-  </p:timing>
-</p:sld>
-</file>
-
-<file path=ppt/slides/slide61.xml><?xml version="1.0" encoding="utf-8"?>
-<p:sld xmlns:a="http://schemas.openxmlformats.org/drawingml/2006/main" xmlns:r="http://schemas.openxmlformats.org/officeDocument/2006/relationships" xmlns:p="http://schemas.openxmlformats.org/presentationml/2006/main">
-  <p:cSld>
-    <p:spTree>
-      <p:nvGrpSpPr>
-        <p:cNvPr id="1" name=""/>
-        <p:cNvGrpSpPr/>
-        <p:nvPr/>
-      </p:nvGrpSpPr>
-      <p:grpSpPr>
-        <a:xfrm>
-          <a:off x="0" y="0"/>
-          <a:ext cx="0" cy="0"/>
-          <a:chOff x="0" y="0"/>
-          <a:chExt cx="0" cy="0"/>
-        </a:xfrm>
-      </p:grpSpPr>
-      <p:sp>
-        <p:nvSpPr>
-          <p:cNvPr id="3" name="Title 2"/>
-          <p:cNvSpPr>
-            <a:spLocks noGrp="1"/>
-          </p:cNvSpPr>
-          <p:nvPr>
-            <p:ph type="title"/>
-          </p:nvPr>
-        </p:nvSpPr>
-        <p:spPr/>
-        <p:txBody>
-          <a:bodyPr/>
-          <a:lstStyle/>
-          <a:p>
-            <a:endParaRPr lang="en-US"/>
-          </a:p>
-        </p:txBody>
-      </p:sp>
-      <p:pic>
-        <p:nvPicPr>
-          <p:cNvPr id="3074" name="Picture 2" descr="F:\sem\4th semester\Mandira\CP\analysis\images\c3.PNG"/>
-          <p:cNvPicPr>
-            <a:picLocks noGrp="1" noChangeAspect="1" noChangeArrowheads="1"/>
-          </p:cNvPicPr>
-          <p:nvPr>
-            <p:ph sz="quarter" idx="1"/>
-          </p:nvPr>
-        </p:nvPicPr>
-        <p:blipFill>
-          <a:blip r:embed="rId2">
-            <a:extLst>
-              <a:ext uri="{28A0092B-C50C-407E-A947-70E740481C1C}">
-                <a14:useLocalDpi xmlns:a14="http://schemas.microsoft.com/office/drawing/2010/main" val="0"/>
-              </a:ext>
-            </a:extLst>
-          </a:blip>
-          <a:stretch>
-            <a:fillRect/>
-          </a:stretch>
-        </p:blipFill>
-        <p:spPr bwMode="auto">
-          <a:xfrm>
-            <a:off x="2308204" y="1527175"/>
-            <a:ext cx="4491079" cy="4572000"/>
-          </a:xfrm>
-          <a:prstGeom prst="rect">
-            <a:avLst/>
-          </a:prstGeom>
-          <a:noFill/>
-          <a:extLst>
-            <a:ext uri="{909E8E84-426E-40DD-AFC4-6F175D3DCCD1}">
-              <a14:hiddenFill xmlns:a14="http://schemas.microsoft.com/office/drawing/2010/main">
-                <a:solidFill>
-                  <a:srgbClr val="FFFFFF"/>
-                </a:solidFill>
-              </a14:hiddenFill>
-            </a:ext>
-          </a:extLst>
-        </p:spPr>
-      </p:pic>
-    </p:spTree>
-    <p:extLst>
-      <p:ext uri="{BB962C8B-B14F-4D97-AF65-F5344CB8AC3E}">
-        <p14:creationId xmlns:p14="http://schemas.microsoft.com/office/powerpoint/2010/main" val="3803853856"/>
-      </p:ext>
-    </p:extLst>
-  </p:cSld>
-  <p:clrMapOvr>
-    <a:masterClrMapping/>
-  </p:clrMapOvr>
-  <p:timing>
-    <p:tnLst>
-      <p:par>
-        <p:cTn id="1" dur="indefinite" restart="never" nodeType="tmRoot"/>
-      </p:par>
-    </p:tnLst>
-  </p:timing>
-</p:sld>
-</file>
-
-<file path=ppt/slides/slide62.xml><?xml version="1.0" encoding="utf-8"?>
-<p:sld xmlns:a="http://schemas.openxmlformats.org/drawingml/2006/main" xmlns:r="http://schemas.openxmlformats.org/officeDocument/2006/relationships" xmlns:p="http://schemas.openxmlformats.org/presentationml/2006/main">
-  <p:cSld>
-    <p:spTree>
-      <p:nvGrpSpPr>
-        <p:cNvPr id="1" name=""/>
-        <p:cNvGrpSpPr/>
-        <p:nvPr/>
-      </p:nvGrpSpPr>
-      <p:grpSpPr>
-        <a:xfrm>
-          <a:off x="0" y="0"/>
-          <a:ext cx="0" cy="0"/>
-          <a:chOff x="0" y="0"/>
-          <a:chExt cx="0" cy="0"/>
-        </a:xfrm>
-      </p:grpSpPr>
-      <p:sp>
-        <p:nvSpPr>
-          <p:cNvPr id="3" name="Title 2"/>
-          <p:cNvSpPr>
-            <a:spLocks noGrp="1"/>
-          </p:cNvSpPr>
-          <p:nvPr>
-            <p:ph type="title"/>
-          </p:nvPr>
-        </p:nvSpPr>
-        <p:spPr/>
-        <p:txBody>
-          <a:bodyPr/>
-          <a:lstStyle/>
-          <a:p>
-            <a:endParaRPr lang="en-US"/>
-          </a:p>
-        </p:txBody>
-      </p:sp>
-      <p:pic>
-        <p:nvPicPr>
-          <p:cNvPr id="4098" name="Picture 2" descr="F:\sem\4th semester\Mandira\CP\analysis\images\c4.PNG"/>
-          <p:cNvPicPr>
-            <a:picLocks noGrp="1" noChangeAspect="1" noChangeArrowheads="1"/>
-          </p:cNvPicPr>
-          <p:nvPr>
-            <p:ph sz="quarter" idx="1"/>
-          </p:nvPr>
-        </p:nvPicPr>
-        <p:blipFill>
-          <a:blip r:embed="rId2">
-            <a:extLst>
-              <a:ext uri="{28A0092B-C50C-407E-A947-70E740481C1C}">
-                <a14:useLocalDpi xmlns:a14="http://schemas.microsoft.com/office/drawing/2010/main" val="0"/>
-              </a:ext>
-            </a:extLst>
-          </a:blip>
-          <a:stretch>
-            <a:fillRect/>
-          </a:stretch>
-        </p:blipFill>
-        <p:spPr bwMode="auto">
-          <a:xfrm>
-            <a:off x="1505744" y="1527175"/>
-            <a:ext cx="6095999" cy="4572000"/>
-          </a:xfrm>
-          <a:prstGeom prst="rect">
-            <a:avLst/>
-          </a:prstGeom>
-          <a:noFill/>
-          <a:extLst>
-            <a:ext uri="{909E8E84-426E-40DD-AFC4-6F175D3DCCD1}">
-              <a14:hiddenFill xmlns:a14="http://schemas.microsoft.com/office/drawing/2010/main">
-                <a:solidFill>
-                  <a:srgbClr val="FFFFFF"/>
-                </a:solidFill>
-              </a14:hiddenFill>
-            </a:ext>
-          </a:extLst>
-        </p:spPr>
-      </p:pic>
-    </p:spTree>
-    <p:extLst>
-      <p:ext uri="{BB962C8B-B14F-4D97-AF65-F5344CB8AC3E}">
-        <p14:creationId xmlns:p14="http://schemas.microsoft.com/office/powerpoint/2010/main" val="1048112640"/>
-      </p:ext>
-    </p:extLst>
-  </p:cSld>
-  <p:clrMapOvr>
-    <a:masterClrMapping/>
-  </p:clrMapOvr>
-  <p:timing>
-    <p:tnLst>
-      <p:par>
-        <p:cTn id="1" dur="indefinite" restart="never" nodeType="tmRoot"/>
-      </p:par>
-    </p:tnLst>
-  </p:timing>
-</p:sld>
-</file>
-
-<file path=ppt/slides/slide63.xml><?xml version="1.0" encoding="utf-8"?>
-<p:sld xmlns:a="http://schemas.openxmlformats.org/drawingml/2006/main" xmlns:r="http://schemas.openxmlformats.org/officeDocument/2006/relationships" xmlns:p="http://schemas.openxmlformats.org/presentationml/2006/main">
-  <p:cSld>
-    <p:spTree>
-      <p:nvGrpSpPr>
-        <p:cNvPr id="1" name=""/>
-        <p:cNvGrpSpPr/>
-        <p:nvPr/>
-      </p:nvGrpSpPr>
-      <p:grpSpPr>
-        <a:xfrm>
-          <a:off x="0" y="0"/>
-          <a:ext cx="0" cy="0"/>
-          <a:chOff x="0" y="0"/>
-          <a:chExt cx="0" cy="0"/>
-        </a:xfrm>
-      </p:grpSpPr>
-      <p:sp>
-        <p:nvSpPr>
-          <p:cNvPr id="3" name="Title 2"/>
-          <p:cNvSpPr>
-            <a:spLocks noGrp="1"/>
-          </p:cNvSpPr>
-          <p:nvPr>
-            <p:ph type="title"/>
-          </p:nvPr>
-        </p:nvSpPr>
-        <p:spPr/>
-        <p:txBody>
-          <a:bodyPr/>
-          <a:lstStyle/>
-          <a:p>
-            <a:endParaRPr lang="en-US"/>
-          </a:p>
-        </p:txBody>
-      </p:sp>
-      <p:pic>
-        <p:nvPicPr>
-          <p:cNvPr id="5122" name="Picture 2" descr="F:\sem\4th semester\Mandira\CP\analysis\images\c5.PNG"/>
-          <p:cNvPicPr>
-            <a:picLocks noGrp="1" noChangeAspect="1" noChangeArrowheads="1"/>
-          </p:cNvPicPr>
-          <p:nvPr>
-            <p:ph sz="quarter" idx="1"/>
-          </p:nvPr>
-        </p:nvPicPr>
-        <p:blipFill>
-          <a:blip r:embed="rId2">
-            <a:extLst>
-              <a:ext uri="{28A0092B-C50C-407E-A947-70E740481C1C}">
-                <a14:useLocalDpi xmlns:a14="http://schemas.microsoft.com/office/drawing/2010/main" val="0"/>
-              </a:ext>
-            </a:extLst>
-          </a:blip>
-          <a:stretch>
-            <a:fillRect/>
-          </a:stretch>
-        </p:blipFill>
-        <p:spPr bwMode="auto">
-          <a:xfrm>
-            <a:off x="1766495" y="1527175"/>
-            <a:ext cx="5574498" cy="4572000"/>
-          </a:xfrm>
-          <a:prstGeom prst="rect">
-            <a:avLst/>
-          </a:prstGeom>
-          <a:noFill/>
-          <a:extLst>
-            <a:ext uri="{909E8E84-426E-40DD-AFC4-6F175D3DCCD1}">
-              <a14:hiddenFill xmlns:a14="http://schemas.microsoft.com/office/drawing/2010/main">
-                <a:solidFill>
-                  <a:srgbClr val="FFFFFF"/>
-                </a:solidFill>
-              </a14:hiddenFill>
-            </a:ext>
-          </a:extLst>
-        </p:spPr>
-      </p:pic>
-    </p:spTree>
-    <p:extLst>
-      <p:ext uri="{BB962C8B-B14F-4D97-AF65-F5344CB8AC3E}">
-        <p14:creationId xmlns:p14="http://schemas.microsoft.com/office/powerpoint/2010/main" val="3329182200"/>
-      </p:ext>
-    </p:extLst>
-  </p:cSld>
-  <p:clrMapOvr>
-    <a:masterClrMapping/>
-  </p:clrMapOvr>
-  <p:timing>
-    <p:tnLst>
-      <p:par>
-        <p:cTn id="1" dur="indefinite" restart="never" nodeType="tmRoot"/>
-      </p:par>
-    </p:tnLst>
-  </p:timing>
-</p:sld>
-</file>
-
-<file path=ppt/slides/slide64.xml><?xml version="1.0" encoding="utf-8"?>
-<p:sld xmlns:a="http://schemas.openxmlformats.org/drawingml/2006/main" xmlns:r="http://schemas.openxmlformats.org/officeDocument/2006/relationships" xmlns:p="http://schemas.openxmlformats.org/presentationml/2006/main">
-  <p:cSld>
-    <p:spTree>
-      <p:nvGrpSpPr>
-        <p:cNvPr id="1" name=""/>
-        <p:cNvGrpSpPr/>
-        <p:nvPr/>
-      </p:nvGrpSpPr>
-      <p:grpSpPr>
-        <a:xfrm>
-          <a:off x="0" y="0"/>
-          <a:ext cx="0" cy="0"/>
-          <a:chOff x="0" y="0"/>
-          <a:chExt cx="0" cy="0"/>
-        </a:xfrm>
-      </p:grpSpPr>
-      <p:sp>
-        <p:nvSpPr>
-          <p:cNvPr id="3" name="Title 2"/>
-          <p:cNvSpPr>
-            <a:spLocks noGrp="1"/>
-          </p:cNvSpPr>
-          <p:nvPr>
-            <p:ph type="title"/>
-          </p:nvPr>
-        </p:nvSpPr>
-        <p:spPr/>
-        <p:txBody>
-          <a:bodyPr/>
-          <a:lstStyle/>
-          <a:p>
-            <a:endParaRPr lang="en-US"/>
-          </a:p>
-        </p:txBody>
-      </p:sp>
-      <p:pic>
-        <p:nvPicPr>
-          <p:cNvPr id="6146" name="Picture 2" descr="F:\sem\4th semester\Mandira\CP\analysis\images\c6.PNG"/>
-          <p:cNvPicPr>
-            <a:picLocks noGrp="1" noChangeAspect="1" noChangeArrowheads="1"/>
-          </p:cNvPicPr>
-          <p:nvPr>
-            <p:ph sz="quarter" idx="1"/>
-          </p:nvPr>
-        </p:nvPicPr>
-        <p:blipFill>
-          <a:blip r:embed="rId2">
-            <a:extLst>
-              <a:ext uri="{28A0092B-C50C-407E-A947-70E740481C1C}">
-                <a14:useLocalDpi xmlns:a14="http://schemas.microsoft.com/office/drawing/2010/main" val="0"/>
-              </a:ext>
-            </a:extLst>
-          </a:blip>
-          <a:stretch>
-            <a:fillRect/>
-          </a:stretch>
-        </p:blipFill>
-        <p:spPr bwMode="auto">
-          <a:xfrm>
-            <a:off x="1672706" y="1527175"/>
-            <a:ext cx="5762075" cy="4572000"/>
-          </a:xfrm>
-          <a:prstGeom prst="rect">
-            <a:avLst/>
-          </a:prstGeom>
-          <a:noFill/>
-          <a:extLst>
-            <a:ext uri="{909E8E84-426E-40DD-AFC4-6F175D3DCCD1}">
-              <a14:hiddenFill xmlns:a14="http://schemas.microsoft.com/office/drawing/2010/main">
-                <a:solidFill>
-                  <a:srgbClr val="FFFFFF"/>
-                </a:solidFill>
-              </a14:hiddenFill>
-            </a:ext>
-          </a:extLst>
-        </p:spPr>
-      </p:pic>
-    </p:spTree>
-    <p:extLst>
-      <p:ext uri="{BB962C8B-B14F-4D97-AF65-F5344CB8AC3E}">
-        <p14:creationId xmlns:p14="http://schemas.microsoft.com/office/powerpoint/2010/main" val="2805605409"/>
-      </p:ext>
-    </p:extLst>
-  </p:cSld>
-  <p:clrMapOvr>
-    <a:masterClrMapping/>
-  </p:clrMapOvr>
-  <p:timing>
-    <p:tnLst>
-      <p:par>
-        <p:cTn id="1" dur="indefinite" restart="never" nodeType="tmRoot"/>
-      </p:par>
-    </p:tnLst>
-  </p:timing>
-</p:sld>
-</file>
-
-<file path=ppt/slides/slide65.xml><?xml version="1.0" encoding="utf-8"?>
-<p:sld xmlns:a="http://schemas.openxmlformats.org/drawingml/2006/main" xmlns:r="http://schemas.openxmlformats.org/officeDocument/2006/relationships" xmlns:p="http://schemas.openxmlformats.org/presentationml/2006/main">
-  <p:cSld>
-    <p:spTree>
-      <p:nvGrpSpPr>
-        <p:cNvPr id="1" name=""/>
-        <p:cNvGrpSpPr/>
-        <p:nvPr/>
-      </p:nvGrpSpPr>
-      <p:grpSpPr>
-        <a:xfrm>
-          <a:off x="0" y="0"/>
-          <a:ext cx="0" cy="0"/>
-          <a:chOff x="0" y="0"/>
-          <a:chExt cx="0" cy="0"/>
-        </a:xfrm>
-      </p:grpSpPr>
-      <p:sp>
-        <p:nvSpPr>
-          <p:cNvPr id="3" name="Title 2"/>
-          <p:cNvSpPr>
-            <a:spLocks noGrp="1"/>
-          </p:cNvSpPr>
-          <p:nvPr>
-            <p:ph type="title"/>
-          </p:nvPr>
-        </p:nvSpPr>
-        <p:spPr/>
-        <p:txBody>
-          <a:bodyPr/>
-          <a:lstStyle/>
-          <a:p>
-            <a:endParaRPr lang="en-US"/>
-          </a:p>
-        </p:txBody>
-      </p:sp>
-      <p:pic>
-        <p:nvPicPr>
-          <p:cNvPr id="7170" name="Picture 2" descr="F:\sem\4th semester\Mandira\CP\analysis\images\c7.PNG"/>
-          <p:cNvPicPr>
-            <a:picLocks noGrp="1" noChangeAspect="1" noChangeArrowheads="1"/>
-          </p:cNvPicPr>
-          <p:nvPr>
-            <p:ph sz="quarter" idx="1"/>
-          </p:nvPr>
-        </p:nvPicPr>
-        <p:blipFill>
-          <a:blip r:embed="rId2">
-            <a:extLst>
-              <a:ext uri="{28A0092B-C50C-407E-A947-70E740481C1C}">
-                <a14:useLocalDpi xmlns:a14="http://schemas.microsoft.com/office/drawing/2010/main" val="0"/>
-              </a:ext>
-            </a:extLst>
-          </a:blip>
-          <a:stretch>
-            <a:fillRect/>
-          </a:stretch>
-        </p:blipFill>
-        <p:spPr bwMode="auto">
-          <a:xfrm>
-            <a:off x="1740789" y="1527175"/>
-            <a:ext cx="5625909" cy="4572000"/>
-          </a:xfrm>
-          <a:prstGeom prst="rect">
-            <a:avLst/>
-          </a:prstGeom>
-          <a:noFill/>
-          <a:extLst>
-            <a:ext uri="{909E8E84-426E-40DD-AFC4-6F175D3DCCD1}">
-              <a14:hiddenFill xmlns:a14="http://schemas.microsoft.com/office/drawing/2010/main">
-                <a:solidFill>
-                  <a:srgbClr val="FFFFFF"/>
-                </a:solidFill>
-              </a14:hiddenFill>
-            </a:ext>
-          </a:extLst>
-        </p:spPr>
-      </p:pic>
-    </p:spTree>
-    <p:extLst>
-      <p:ext uri="{BB962C8B-B14F-4D97-AF65-F5344CB8AC3E}">
-        <p14:creationId xmlns:p14="http://schemas.microsoft.com/office/powerpoint/2010/main" val="402942668"/>
-      </p:ext>
-    </p:extLst>
-  </p:cSld>
-  <p:clrMapOvr>
-    <a:masterClrMapping/>
-  </p:clrMapOvr>
-  <p:timing>
-    <p:tnLst>
-      <p:par>
-        <p:cTn id="1" dur="indefinite" restart="never" nodeType="tmRoot"/>
-      </p:par>
-    </p:tnLst>
-  </p:timing>
-</p:sld>
-</file>
-
-<file path=ppt/slides/slide66.xml><?xml version="1.0" encoding="utf-8"?>
-<p:sld xmlns:a="http://schemas.openxmlformats.org/drawingml/2006/main" xmlns:r="http://schemas.openxmlformats.org/officeDocument/2006/relationships" xmlns:p="http://schemas.openxmlformats.org/presentationml/2006/main">
-  <p:cSld>
-    <p:spTree>
-      <p:nvGrpSpPr>
-        <p:cNvPr id="1" name=""/>
-        <p:cNvGrpSpPr/>
-        <p:nvPr/>
-      </p:nvGrpSpPr>
-      <p:grpSpPr>
-        <a:xfrm>
-          <a:off x="0" y="0"/>
-          <a:ext cx="0" cy="0"/>
-          <a:chOff x="0" y="0"/>
-          <a:chExt cx="0" cy="0"/>
-        </a:xfrm>
-      </p:grpSpPr>
-      <p:sp>
-        <p:nvSpPr>
-          <p:cNvPr id="3" name="Title 2"/>
-          <p:cNvSpPr>
-            <a:spLocks noGrp="1"/>
-          </p:cNvSpPr>
-          <p:nvPr>
-            <p:ph type="title"/>
-          </p:nvPr>
-        </p:nvSpPr>
-        <p:spPr/>
-        <p:txBody>
-          <a:bodyPr/>
-          <a:lstStyle/>
-          <a:p>
-            <a:endParaRPr lang="en-US"/>
-          </a:p>
-        </p:txBody>
-      </p:sp>
-      <p:pic>
-        <p:nvPicPr>
-          <p:cNvPr id="8194" name="Picture 2" descr="F:\sem\4th semester\Mandira\CP\analysis\images\c8.PNG"/>
-          <p:cNvPicPr>
-            <a:picLocks noGrp="1" noChangeAspect="1" noChangeArrowheads="1"/>
-          </p:cNvPicPr>
-          <p:nvPr>
-            <p:ph sz="quarter" idx="1"/>
-          </p:nvPr>
-        </p:nvPicPr>
-        <p:blipFill>
-          <a:blip r:embed="rId2">
-            <a:extLst>
-              <a:ext uri="{28A0092B-C50C-407E-A947-70E740481C1C}">
-                <a14:useLocalDpi xmlns:a14="http://schemas.microsoft.com/office/drawing/2010/main" val="0"/>
-              </a:ext>
-            </a:extLst>
-          </a:blip>
-          <a:stretch>
-            <a:fillRect/>
-          </a:stretch>
-        </p:blipFill>
-        <p:spPr bwMode="auto">
-          <a:xfrm>
-            <a:off x="2259793" y="1527175"/>
-            <a:ext cx="4587902" cy="4572000"/>
-          </a:xfrm>
-          <a:prstGeom prst="rect">
-            <a:avLst/>
-          </a:prstGeom>
-          <a:noFill/>
-          <a:extLst>
-            <a:ext uri="{909E8E84-426E-40DD-AFC4-6F175D3DCCD1}">
-              <a14:hiddenFill xmlns:a14="http://schemas.microsoft.com/office/drawing/2010/main">
-                <a:solidFill>
-                  <a:srgbClr val="FFFFFF"/>
-                </a:solidFill>
-              </a14:hiddenFill>
-            </a:ext>
-          </a:extLst>
-        </p:spPr>
-      </p:pic>
-    </p:spTree>
-    <p:extLst>
-      <p:ext uri="{BB962C8B-B14F-4D97-AF65-F5344CB8AC3E}">
-        <p14:creationId xmlns:p14="http://schemas.microsoft.com/office/powerpoint/2010/main" val="3738497168"/>
-      </p:ext>
-    </p:extLst>
-  </p:cSld>
-  <p:clrMapOvr>
-    <a:masterClrMapping/>
-  </p:clrMapOvr>
-  <p:timing>
-    <p:tnLst>
-      <p:par>
-        <p:cTn id="1" dur="indefinite" restart="never" nodeType="tmRoot"/>
-      </p:par>
-    </p:tnLst>
-  </p:timing>
-</p:sld>
-</file>
-
-<file path=ppt/slides/slide67.xml><?xml version="1.0" encoding="utf-8"?>
-<p:sld xmlns:a="http://schemas.openxmlformats.org/drawingml/2006/main" xmlns:r="http://schemas.openxmlformats.org/officeDocument/2006/relationships" xmlns:p="http://schemas.openxmlformats.org/presentationml/2006/main">
-  <p:cSld>
-    <p:spTree>
-      <p:nvGrpSpPr>
-        <p:cNvPr id="1" name=""/>
-        <p:cNvGrpSpPr/>
-        <p:nvPr/>
-      </p:nvGrpSpPr>
-      <p:grpSpPr>
-        <a:xfrm>
-          <a:off x="0" y="0"/>
-          <a:ext cx="0" cy="0"/>
-          <a:chOff x="0" y="0"/>
-          <a:chExt cx="0" cy="0"/>
-        </a:xfrm>
-      </p:grpSpPr>
-      <p:sp>
-        <p:nvSpPr>
-          <p:cNvPr id="3" name="Title 2"/>
-          <p:cNvSpPr>
-            <a:spLocks noGrp="1"/>
-          </p:cNvSpPr>
-          <p:nvPr>
-            <p:ph type="title"/>
-          </p:nvPr>
-        </p:nvSpPr>
-        <p:spPr/>
-        <p:txBody>
-          <a:bodyPr/>
-          <a:lstStyle/>
-          <a:p>
-            <a:endParaRPr lang="en-US"/>
-          </a:p>
-        </p:txBody>
-      </p:sp>
-      <p:pic>
-        <p:nvPicPr>
-          <p:cNvPr id="9218" name="Picture 2" descr="F:\sem\4th semester\Mandira\CP\analysis\images\c9.PNG"/>
-          <p:cNvPicPr>
-            <a:picLocks noGrp="1" noChangeAspect="1" noChangeArrowheads="1"/>
-          </p:cNvPicPr>
-          <p:nvPr>
-            <p:ph sz="quarter" idx="1"/>
-          </p:nvPr>
-        </p:nvPicPr>
-        <p:blipFill>
-          <a:blip r:embed="rId2">
-            <a:extLst>
-              <a:ext uri="{28A0092B-C50C-407E-A947-70E740481C1C}">
-                <a14:useLocalDpi xmlns:a14="http://schemas.microsoft.com/office/drawing/2010/main" val="0"/>
-              </a:ext>
-            </a:extLst>
-          </a:blip>
-          <a:stretch>
-            <a:fillRect/>
-          </a:stretch>
-        </p:blipFill>
-        <p:spPr bwMode="auto">
-          <a:xfrm>
-            <a:off x="1707095" y="1527175"/>
-            <a:ext cx="5693297" cy="4572000"/>
-          </a:xfrm>
-          <a:prstGeom prst="rect">
-            <a:avLst/>
-          </a:prstGeom>
-          <a:noFill/>
-          <a:extLst>
-            <a:ext uri="{909E8E84-426E-40DD-AFC4-6F175D3DCCD1}">
-              <a14:hiddenFill xmlns:a14="http://schemas.microsoft.com/office/drawing/2010/main">
-                <a:solidFill>
-                  <a:srgbClr val="FFFFFF"/>
-                </a:solidFill>
-              </a14:hiddenFill>
-            </a:ext>
-          </a:extLst>
-        </p:spPr>
-      </p:pic>
-    </p:spTree>
-    <p:extLst>
-      <p:ext uri="{BB962C8B-B14F-4D97-AF65-F5344CB8AC3E}">
-        <p14:creationId xmlns:p14="http://schemas.microsoft.com/office/powerpoint/2010/main" val="1604978431"/>
-      </p:ext>
-    </p:extLst>
-  </p:cSld>
-  <p:clrMapOvr>
-    <a:masterClrMapping/>
-  </p:clrMapOvr>
-  <p:timing>
-    <p:tnLst>
-      <p:par>
-        <p:cTn id="1" dur="indefinite" restart="never" nodeType="tmRoot"/>
-      </p:par>
-    </p:tnLst>
-  </p:timing>
-</p:sld>
-</file>
-
-<file path=ppt/slides/slide68.xml><?xml version="1.0" encoding="utf-8"?>
-<p:sld xmlns:a="http://schemas.openxmlformats.org/drawingml/2006/main" xmlns:r="http://schemas.openxmlformats.org/officeDocument/2006/relationships" xmlns:p="http://schemas.openxmlformats.org/presentationml/2006/main">
-  <p:cSld>
-    <p:spTree>
-      <p:nvGrpSpPr>
-        <p:cNvPr id="1" name=""/>
-        <p:cNvGrpSpPr/>
-        <p:nvPr/>
-      </p:nvGrpSpPr>
-      <p:grpSpPr>
-        <a:xfrm>
-          <a:off x="0" y="0"/>
-          <a:ext cx="0" cy="0"/>
-          <a:chOff x="0" y="0"/>
-          <a:chExt cx="0" cy="0"/>
-        </a:xfrm>
-      </p:grpSpPr>
-      <p:sp>
-        <p:nvSpPr>
-          <p:cNvPr id="3" name="Title 2"/>
-          <p:cNvSpPr>
-            <a:spLocks noGrp="1"/>
-          </p:cNvSpPr>
-          <p:nvPr>
-            <p:ph type="title"/>
-          </p:nvPr>
-        </p:nvSpPr>
-        <p:spPr/>
-        <p:txBody>
-          <a:bodyPr/>
-          <a:lstStyle/>
-          <a:p>
-            <a:endParaRPr lang="en-US"/>
-          </a:p>
-        </p:txBody>
-      </p:sp>
-      <p:pic>
-        <p:nvPicPr>
-          <p:cNvPr id="10242" name="Picture 2" descr="F:\sem\4th semester\Mandira\CP\analysis\images\c10.PNG"/>
-          <p:cNvPicPr>
-            <a:picLocks noGrp="1" noChangeAspect="1" noChangeArrowheads="1"/>
-          </p:cNvPicPr>
-          <p:nvPr>
-            <p:ph sz="quarter" idx="1"/>
-          </p:nvPr>
-        </p:nvPicPr>
-        <p:blipFill>
-          <a:blip r:embed="rId2">
-            <a:extLst>
-              <a:ext uri="{28A0092B-C50C-407E-A947-70E740481C1C}">
-                <a14:useLocalDpi xmlns:a14="http://schemas.microsoft.com/office/drawing/2010/main" val="0"/>
-              </a:ext>
-            </a:extLst>
-          </a:blip>
-          <a:stretch>
-            <a:fillRect/>
-          </a:stretch>
-        </p:blipFill>
-        <p:spPr bwMode="auto">
-          <a:xfrm>
-            <a:off x="1758126" y="1527175"/>
-            <a:ext cx="5591235" cy="4572000"/>
-          </a:xfrm>
-          <a:prstGeom prst="rect">
-            <a:avLst/>
-          </a:prstGeom>
-          <a:noFill/>
-          <a:extLst>
-            <a:ext uri="{909E8E84-426E-40DD-AFC4-6F175D3DCCD1}">
-              <a14:hiddenFill xmlns:a14="http://schemas.microsoft.com/office/drawing/2010/main">
-                <a:solidFill>
-                  <a:srgbClr val="FFFFFF"/>
-                </a:solidFill>
-              </a14:hiddenFill>
-            </a:ext>
-          </a:extLst>
-        </p:spPr>
-      </p:pic>
-    </p:spTree>
-    <p:extLst>
-      <p:ext uri="{BB962C8B-B14F-4D97-AF65-F5344CB8AC3E}">
-        <p14:creationId xmlns:p14="http://schemas.microsoft.com/office/powerpoint/2010/main" val="2886627645"/>
-      </p:ext>
-    </p:extLst>
-  </p:cSld>
-  <p:clrMapOvr>
-    <a:masterClrMapping/>
-  </p:clrMapOvr>
-  <p:timing>
-    <p:tnLst>
-      <p:par>
-        <p:cTn id="1" dur="indefinite" restart="never" nodeType="tmRoot"/>
-      </p:par>
-    </p:tnLst>
-  </p:timing>
-</p:sld>
-</file>
-
-<file path=ppt/slides/slide69.xml><?xml version="1.0" encoding="utf-8"?>
-<p:sld xmlns:a="http://schemas.openxmlformats.org/drawingml/2006/main" xmlns:r="http://schemas.openxmlformats.org/officeDocument/2006/relationships" xmlns:p="http://schemas.openxmlformats.org/presentationml/2006/main">
-  <p:cSld>
-    <p:spTree>
-      <p:nvGrpSpPr>
-        <p:cNvPr id="1" name=""/>
-        <p:cNvGrpSpPr/>
-        <p:nvPr/>
-      </p:nvGrpSpPr>
-      <p:grpSpPr>
-        <a:xfrm>
-          <a:off x="0" y="0"/>
-          <a:ext cx="0" cy="0"/>
-          <a:chOff x="0" y="0"/>
-          <a:chExt cx="0" cy="0"/>
-        </a:xfrm>
-      </p:grpSpPr>
-      <p:sp>
-        <p:nvSpPr>
-          <p:cNvPr id="3" name="Title 2"/>
-          <p:cNvSpPr>
-            <a:spLocks noGrp="1"/>
-          </p:cNvSpPr>
-          <p:nvPr>
-            <p:ph type="title"/>
-          </p:nvPr>
-        </p:nvSpPr>
-        <p:spPr/>
-        <p:txBody>
-          <a:bodyPr/>
-          <a:lstStyle/>
-          <a:p>
-            <a:endParaRPr lang="en-US"/>
-          </a:p>
-        </p:txBody>
-      </p:sp>
-      <p:pic>
-        <p:nvPicPr>
-          <p:cNvPr id="11266" name="Picture 2" descr="F:\sem\4th semester\Mandira\CP\analysis\images\c11.PNG"/>
-          <p:cNvPicPr>
-            <a:picLocks noGrp="1" noChangeAspect="1" noChangeArrowheads="1"/>
-          </p:cNvPicPr>
-          <p:nvPr>
-            <p:ph sz="quarter" idx="1"/>
-          </p:nvPr>
-        </p:nvPicPr>
-        <p:blipFill>
-          <a:blip r:embed="rId2">
-            <a:extLst>
-              <a:ext uri="{28A0092B-C50C-407E-A947-70E740481C1C}">
-                <a14:useLocalDpi xmlns:a14="http://schemas.microsoft.com/office/drawing/2010/main" val="0"/>
-              </a:ext>
-            </a:extLst>
-          </a:blip>
-          <a:stretch>
-            <a:fillRect/>
-          </a:stretch>
-        </p:blipFill>
-        <p:spPr bwMode="auto">
-          <a:xfrm>
-            <a:off x="1685324" y="1527175"/>
-            <a:ext cx="5736840" cy="4572000"/>
-          </a:xfrm>
-          <a:prstGeom prst="rect">
-            <a:avLst/>
-          </a:prstGeom>
-          <a:noFill/>
-          <a:extLst>
-            <a:ext uri="{909E8E84-426E-40DD-AFC4-6F175D3DCCD1}">
-              <a14:hiddenFill xmlns:a14="http://schemas.microsoft.com/office/drawing/2010/main">
-                <a:solidFill>
-                  <a:srgbClr val="FFFFFF"/>
-                </a:solidFill>
-              </a14:hiddenFill>
-            </a:ext>
-          </a:extLst>
-        </p:spPr>
-      </p:pic>
-    </p:spTree>
-    <p:extLst>
-      <p:ext uri="{BB962C8B-B14F-4D97-AF65-F5344CB8AC3E}">
-        <p14:creationId xmlns:p14="http://schemas.microsoft.com/office/powerpoint/2010/main" val="3638165579"/>
-      </p:ext>
-    </p:extLst>
-  </p:cSld>
-  <p:clrMapOvr>
-    <a:masterClrMapping/>
-  </p:clrMapOvr>
-  <p:timing>
-    <p:tnLst>
-      <p:par>
-        <p:cTn id="1" dur="indefinite" restart="never" nodeType="tmRoot"/>
-      </p:par>
-    </p:tnLst>
-  </p:timing>
-</p:sld>
-</file>
-
-<file path=ppt/slides/slide7.xml><?xml version="1.0" encoding="utf-8"?>
-<p:sld xmlns:a="http://schemas.openxmlformats.org/drawingml/2006/main" xmlns:r="http://schemas.openxmlformats.org/officeDocument/2006/relationships" xmlns:p="http://schemas.openxmlformats.org/presentationml/2006/main">
-  <p:cSld>
-    <p:spTree>
-      <p:nvGrpSpPr>
-        <p:cNvPr id="1" name=""/>
-        <p:cNvGrpSpPr/>
-        <p:nvPr/>
-      </p:nvGrpSpPr>
-      <p:grpSpPr>
-        <a:xfrm>
-          <a:off x="0" y="0"/>
-          <a:ext cx="0" cy="0"/>
-          <a:chOff x="0" y="0"/>
-          <a:chExt cx="0" cy="0"/>
-        </a:xfrm>
-      </p:grpSpPr>
-      <p:sp>
-        <p:nvSpPr>
-          <p:cNvPr id="3" name="Title 2"/>
-          <p:cNvSpPr>
-            <a:spLocks noGrp="1"/>
-          </p:cNvSpPr>
-          <p:nvPr>
-            <p:ph type="title"/>
-          </p:nvPr>
-        </p:nvSpPr>
-        <p:spPr/>
-        <p:txBody>
-          <a:bodyPr/>
-          <a:lstStyle/>
-          <a:p>
-            <a:r>
-              <a:rPr lang="en-US" dirty="0" smtClean="0"/>
-              <a:t>features</a:t>
-            </a:r>
-            <a:endParaRPr lang="en-US" dirty="0"/>
-          </a:p>
-        </p:txBody>
-      </p:sp>
-      <p:sp>
-        <p:nvSpPr>
-          <p:cNvPr id="2" name="Content Placeholder 1"/>
-          <p:cNvSpPr>
-            <a:spLocks noGrp="1"/>
-          </p:cNvSpPr>
-          <p:nvPr>
-            <p:ph sz="quarter" idx="1"/>
-          </p:nvPr>
-        </p:nvSpPr>
-        <p:spPr/>
-        <p:txBody>
-          <a:bodyPr>
-            <a:normAutofit fontScale="77500" lnSpcReduction="20000"/>
-          </a:bodyPr>
-          <a:lstStyle/>
-          <a:p>
-            <a:r>
-              <a:rPr lang="en-US" dirty="0" smtClean="0"/>
-              <a:t>Following are the features of the stock management system</a:t>
-            </a:r>
-          </a:p>
-          <a:p>
-            <a:r>
-              <a:rPr lang="en-US" dirty="0" smtClean="0"/>
-              <a:t>1.Customer management</a:t>
-            </a:r>
-          </a:p>
-          <a:p>
-            <a:r>
-              <a:rPr lang="en-US" dirty="0" smtClean="0"/>
-              <a:t>It keeps the details of the customer and keep the record safely. It keeps the order of customer and provide with bill.</a:t>
-            </a:r>
-          </a:p>
-          <a:p>
-            <a:r>
-              <a:rPr lang="en-US" dirty="0" smtClean="0"/>
-              <a:t>2.Point of sales management</a:t>
-            </a:r>
-          </a:p>
-          <a:p>
-            <a:r>
-              <a:rPr lang="en-US" dirty="0" smtClean="0"/>
-              <a:t>It has the billing system which keep the record of payments. It helps to ensure the customer transaction complete correctly and keep the record safe.</a:t>
-            </a:r>
-          </a:p>
-          <a:p>
-            <a:r>
-              <a:rPr lang="en-US" dirty="0" smtClean="0"/>
-              <a:t>3.Stock control</a:t>
-            </a:r>
-          </a:p>
-          <a:p>
-            <a:r>
-              <a:rPr lang="en-US" dirty="0" smtClean="0"/>
-              <a:t>It manages the stock and keep the record of the stock. It shows the available of the stock and helps to edit the stock.</a:t>
-            </a:r>
-          </a:p>
-          <a:p>
-            <a:r>
-              <a:rPr lang="en-US" dirty="0" smtClean="0"/>
-              <a:t>4.It provides the best security and keeps the data and information safely.</a:t>
-            </a:r>
-          </a:p>
-          <a:p>
-            <a:r>
-              <a:rPr lang="en-US" dirty="0" smtClean="0"/>
-              <a:t>5. It helps to save the cost as well as time while approaching the data and information.</a:t>
-            </a:r>
-          </a:p>
-        </p:txBody>
-      </p:sp>
-    </p:spTree>
-    <p:extLst>
-      <p:ext uri="{BB962C8B-B14F-4D97-AF65-F5344CB8AC3E}">
-        <p14:creationId xmlns:p14="http://schemas.microsoft.com/office/powerpoint/2010/main" val="2306280887"/>
-      </p:ext>
-    </p:extLst>
-  </p:cSld>
-  <p:clrMapOvr>
-    <a:masterClrMapping/>
-  </p:clrMapOvr>
-  <p:timing>
-    <p:tnLst>
-      <p:par>
-        <p:cTn id="1" dur="indefinite" restart="never" nodeType="tmRoot"/>
-      </p:par>
-    </p:tnLst>
-  </p:timing>
-</p:sld>
-</file>
-
-<file path=ppt/slides/slide70.xml><?xml version="1.0" encoding="utf-8"?>
-<p:sld xmlns:a="http://schemas.openxmlformats.org/drawingml/2006/main" xmlns:r="http://schemas.openxmlformats.org/officeDocument/2006/relationships" xmlns:p="http://schemas.openxmlformats.org/presentationml/2006/main">
-  <p:cSld>
-    <p:spTree>
-      <p:nvGrpSpPr>
-        <p:cNvPr id="1" name=""/>
-        <p:cNvGrpSpPr/>
-        <p:nvPr/>
-      </p:nvGrpSpPr>
-      <p:grpSpPr>
-        <a:xfrm>
-          <a:off x="0" y="0"/>
-          <a:ext cx="0" cy="0"/>
-          <a:chOff x="0" y="0"/>
-          <a:chExt cx="0" cy="0"/>
-        </a:xfrm>
-      </p:grpSpPr>
-      <p:sp>
-        <p:nvSpPr>
-          <p:cNvPr id="3" name="Title 2"/>
-          <p:cNvSpPr>
-            <a:spLocks noGrp="1"/>
-          </p:cNvSpPr>
-          <p:nvPr>
-            <p:ph type="title"/>
-          </p:nvPr>
-        </p:nvSpPr>
-        <p:spPr/>
-        <p:txBody>
-          <a:bodyPr/>
-          <a:lstStyle/>
-          <a:p>
-            <a:endParaRPr lang="en-US"/>
-          </a:p>
-        </p:txBody>
-      </p:sp>
-      <p:pic>
-        <p:nvPicPr>
-          <p:cNvPr id="12290" name="Picture 2" descr="F:\sem\4th semester\Mandira\CP\analysis\images\c12.PNG"/>
-          <p:cNvPicPr>
-            <a:picLocks noGrp="1" noChangeAspect="1" noChangeArrowheads="1"/>
-          </p:cNvPicPr>
-          <p:nvPr>
-            <p:ph sz="quarter" idx="1"/>
-          </p:nvPr>
-        </p:nvPicPr>
-        <p:blipFill>
-          <a:blip r:embed="rId2">
-            <a:extLst>
-              <a:ext uri="{28A0092B-C50C-407E-A947-70E740481C1C}">
-                <a14:useLocalDpi xmlns:a14="http://schemas.microsoft.com/office/drawing/2010/main" val="0"/>
-              </a:ext>
-            </a:extLst>
-          </a:blip>
-          <a:stretch>
-            <a:fillRect/>
-          </a:stretch>
-        </p:blipFill>
-        <p:spPr bwMode="auto">
-          <a:xfrm>
-            <a:off x="928975" y="1598303"/>
-            <a:ext cx="7249537" cy="4429743"/>
-          </a:xfrm>
-          <a:prstGeom prst="rect">
-            <a:avLst/>
-          </a:prstGeom>
-          <a:noFill/>
-          <a:extLst>
-            <a:ext uri="{909E8E84-426E-40DD-AFC4-6F175D3DCCD1}">
-              <a14:hiddenFill xmlns:a14="http://schemas.microsoft.com/office/drawing/2010/main">
-                <a:solidFill>
-                  <a:srgbClr val="FFFFFF"/>
-                </a:solidFill>
-              </a14:hiddenFill>
-            </a:ext>
-          </a:extLst>
-        </p:spPr>
-      </p:pic>
-    </p:spTree>
-    <p:extLst>
-      <p:ext uri="{BB962C8B-B14F-4D97-AF65-F5344CB8AC3E}">
-        <p14:creationId xmlns:p14="http://schemas.microsoft.com/office/powerpoint/2010/main" val="1497332726"/>
-      </p:ext>
-    </p:extLst>
-  </p:cSld>
-  <p:clrMapOvr>
-    <a:masterClrMapping/>
-  </p:clrMapOvr>
-  <p:timing>
-    <p:tnLst>
-      <p:par>
-        <p:cTn id="1" dur="indefinite" restart="never" nodeType="tmRoot"/>
-      </p:par>
-    </p:tnLst>
-  </p:timing>
-</p:sld>
-</file>
-
-<file path=ppt/slides/slide71.xml><?xml version="1.0" encoding="utf-8"?>
-<p:sld xmlns:a="http://schemas.openxmlformats.org/drawingml/2006/main" xmlns:r="http://schemas.openxmlformats.org/officeDocument/2006/relationships" xmlns:p="http://schemas.openxmlformats.org/presentationml/2006/main">
-  <p:cSld>
-    <p:spTree>
-      <p:nvGrpSpPr>
-        <p:cNvPr id="1" name=""/>
-        <p:cNvGrpSpPr/>
-        <p:nvPr/>
-      </p:nvGrpSpPr>
-      <p:grpSpPr>
-        <a:xfrm>
-          <a:off x="0" y="0"/>
-          <a:ext cx="0" cy="0"/>
-          <a:chOff x="0" y="0"/>
-          <a:chExt cx="0" cy="0"/>
-        </a:xfrm>
-      </p:grpSpPr>
-      <p:sp>
-        <p:nvSpPr>
-          <p:cNvPr id="3" name="Title 2"/>
-          <p:cNvSpPr>
-            <a:spLocks noGrp="1"/>
-          </p:cNvSpPr>
-          <p:nvPr>
-            <p:ph type="title"/>
-          </p:nvPr>
-        </p:nvSpPr>
-        <p:spPr/>
-        <p:txBody>
-          <a:bodyPr/>
-          <a:lstStyle/>
-          <a:p>
-            <a:endParaRPr lang="en-US"/>
-          </a:p>
-        </p:txBody>
-      </p:sp>
-      <p:pic>
-        <p:nvPicPr>
-          <p:cNvPr id="13314" name="Picture 2" descr="F:\sem\4th semester\Mandira\CP\analysis\images\c13.PNG"/>
-          <p:cNvPicPr>
-            <a:picLocks noGrp="1" noChangeAspect="1" noChangeArrowheads="1"/>
-          </p:cNvPicPr>
-          <p:nvPr>
-            <p:ph sz="quarter" idx="1"/>
-          </p:nvPr>
-        </p:nvPicPr>
-        <p:blipFill>
-          <a:blip r:embed="rId2">
-            <a:extLst>
-              <a:ext uri="{28A0092B-C50C-407E-A947-70E740481C1C}">
-                <a14:useLocalDpi xmlns:a14="http://schemas.microsoft.com/office/drawing/2010/main" val="0"/>
-              </a:ext>
-            </a:extLst>
-          </a:blip>
-          <a:stretch>
-            <a:fillRect/>
-          </a:stretch>
-        </p:blipFill>
-        <p:spPr bwMode="auto">
-          <a:xfrm>
-            <a:off x="2202430" y="1527175"/>
-            <a:ext cx="4702628" cy="4572000"/>
-          </a:xfrm>
-          <a:prstGeom prst="rect">
-            <a:avLst/>
-          </a:prstGeom>
-          <a:noFill/>
-          <a:extLst>
-            <a:ext uri="{909E8E84-426E-40DD-AFC4-6F175D3DCCD1}">
-              <a14:hiddenFill xmlns:a14="http://schemas.microsoft.com/office/drawing/2010/main">
-                <a:solidFill>
-                  <a:srgbClr val="FFFFFF"/>
-                </a:solidFill>
-              </a14:hiddenFill>
-            </a:ext>
-          </a:extLst>
-        </p:spPr>
-      </p:pic>
-    </p:spTree>
-    <p:extLst>
-      <p:ext uri="{BB962C8B-B14F-4D97-AF65-F5344CB8AC3E}">
-        <p14:creationId xmlns:p14="http://schemas.microsoft.com/office/powerpoint/2010/main" val="3726312922"/>
-      </p:ext>
-    </p:extLst>
-  </p:cSld>
-  <p:clrMapOvr>
-    <a:masterClrMapping/>
-  </p:clrMapOvr>
-  <p:timing>
-    <p:tnLst>
-      <p:par>
-        <p:cTn id="1" dur="indefinite" restart="never" nodeType="tmRoot"/>
-      </p:par>
-    </p:tnLst>
-  </p:timing>
-</p:sld>
-</file>
-
-<file path=ppt/slides/slide72.xml><?xml version="1.0" encoding="utf-8"?>
-<p:sld xmlns:a="http://schemas.openxmlformats.org/drawingml/2006/main" xmlns:r="http://schemas.openxmlformats.org/officeDocument/2006/relationships" xmlns:p="http://schemas.openxmlformats.org/presentationml/2006/main">
-  <p:cSld>
-    <p:spTree>
-      <p:nvGrpSpPr>
-        <p:cNvPr id="1" name=""/>
-        <p:cNvGrpSpPr/>
-        <p:nvPr/>
-      </p:nvGrpSpPr>
-      <p:grpSpPr>
-        <a:xfrm>
-          <a:off x="0" y="0"/>
-          <a:ext cx="0" cy="0"/>
-          <a:chOff x="0" y="0"/>
-          <a:chExt cx="0" cy="0"/>
-        </a:xfrm>
-      </p:grpSpPr>
-      <p:sp>
-        <p:nvSpPr>
-          <p:cNvPr id="3" name="Title 2"/>
-          <p:cNvSpPr>
-            <a:spLocks noGrp="1"/>
-          </p:cNvSpPr>
-          <p:nvPr>
-            <p:ph type="title"/>
-          </p:nvPr>
-        </p:nvSpPr>
-        <p:spPr/>
-        <p:txBody>
-          <a:bodyPr/>
-          <a:lstStyle/>
-          <a:p>
-            <a:endParaRPr lang="en-US"/>
-          </a:p>
-        </p:txBody>
-      </p:sp>
-      <p:pic>
-        <p:nvPicPr>
-          <p:cNvPr id="14338" name="Picture 2" descr="F:\sem\4th semester\Mandira\CP\analysis\images\c14.PNG"/>
-          <p:cNvPicPr>
-            <a:picLocks noGrp="1" noChangeAspect="1" noChangeArrowheads="1"/>
-          </p:cNvPicPr>
-          <p:nvPr>
-            <p:ph sz="quarter" idx="1"/>
-          </p:nvPr>
-        </p:nvPicPr>
-        <p:blipFill>
-          <a:blip r:embed="rId2">
-            <a:extLst>
-              <a:ext uri="{28A0092B-C50C-407E-A947-70E740481C1C}">
-                <a14:useLocalDpi xmlns:a14="http://schemas.microsoft.com/office/drawing/2010/main" val="0"/>
-              </a:ext>
-            </a:extLst>
-          </a:blip>
-          <a:stretch>
-            <a:fillRect/>
-          </a:stretch>
-        </p:blipFill>
-        <p:spPr bwMode="auto">
-          <a:xfrm>
-            <a:off x="1761796" y="1527175"/>
-            <a:ext cx="5583896" cy="4572000"/>
-          </a:xfrm>
-          <a:prstGeom prst="rect">
-            <a:avLst/>
-          </a:prstGeom>
-          <a:noFill/>
-          <a:extLst>
-            <a:ext uri="{909E8E84-426E-40DD-AFC4-6F175D3DCCD1}">
-              <a14:hiddenFill xmlns:a14="http://schemas.microsoft.com/office/drawing/2010/main">
-                <a:solidFill>
-                  <a:srgbClr val="FFFFFF"/>
-                </a:solidFill>
-              </a14:hiddenFill>
-            </a:ext>
-          </a:extLst>
-        </p:spPr>
-      </p:pic>
-    </p:spTree>
-    <p:extLst>
-      <p:ext uri="{BB962C8B-B14F-4D97-AF65-F5344CB8AC3E}">
-        <p14:creationId xmlns:p14="http://schemas.microsoft.com/office/powerpoint/2010/main" val="2784028791"/>
-      </p:ext>
-    </p:extLst>
-  </p:cSld>
-  <p:clrMapOvr>
-    <a:masterClrMapping/>
-  </p:clrMapOvr>
-  <p:timing>
-    <p:tnLst>
-      <p:par>
-        <p:cTn id="1" dur="indefinite" restart="never" nodeType="tmRoot"/>
-      </p:par>
-    </p:tnLst>
-  </p:timing>
-</p:sld>
-</file>
-
-<file path=ppt/slides/slide73.xml><?xml version="1.0" encoding="utf-8"?>
-<p:sld xmlns:a="http://schemas.openxmlformats.org/drawingml/2006/main" xmlns:r="http://schemas.openxmlformats.org/officeDocument/2006/relationships" xmlns:p="http://schemas.openxmlformats.org/presentationml/2006/main">
-  <p:cSld>
-    <p:spTree>
-      <p:nvGrpSpPr>
-        <p:cNvPr id="1" name=""/>
-        <p:cNvGrpSpPr/>
-        <p:nvPr/>
-      </p:nvGrpSpPr>
-      <p:grpSpPr>
-        <a:xfrm>
-          <a:off x="0" y="0"/>
-          <a:ext cx="0" cy="0"/>
-          <a:chOff x="0" y="0"/>
-          <a:chExt cx="0" cy="0"/>
-        </a:xfrm>
-      </p:grpSpPr>
-      <p:sp>
-        <p:nvSpPr>
-          <p:cNvPr id="3" name="Title 2"/>
-          <p:cNvSpPr>
-            <a:spLocks noGrp="1"/>
-          </p:cNvSpPr>
-          <p:nvPr>
-            <p:ph type="title"/>
-          </p:nvPr>
-        </p:nvSpPr>
-        <p:spPr/>
-        <p:txBody>
-          <a:bodyPr/>
-          <a:lstStyle/>
-          <a:p>
-            <a:r>
-              <a:rPr lang="en-US" dirty="0" err="1" smtClean="0"/>
-              <a:t>Ui</a:t>
-            </a:r>
-            <a:r>
-              <a:rPr lang="en-US" dirty="0" smtClean="0"/>
-              <a:t> design</a:t>
-            </a:r>
-            <a:endParaRPr lang="en-US" dirty="0"/>
-          </a:p>
-        </p:txBody>
-      </p:sp>
-      <p:pic>
-        <p:nvPicPr>
-          <p:cNvPr id="3074" name="Picture 2" descr="E:\SMS\analysis\images\ui1.PNG"/>
-          <p:cNvPicPr>
-            <a:picLocks noGrp="1" noChangeAspect="1" noChangeArrowheads="1"/>
-          </p:cNvPicPr>
-          <p:nvPr>
-            <p:ph sz="quarter" idx="1"/>
-          </p:nvPr>
-        </p:nvPicPr>
-        <p:blipFill>
-          <a:blip r:embed="rId2">
-            <a:extLst>
-              <a:ext uri="{28A0092B-C50C-407E-A947-70E740481C1C}">
-                <a14:useLocalDpi xmlns:a14="http://schemas.microsoft.com/office/drawing/2010/main" val="0"/>
-              </a:ext>
-            </a:extLst>
-          </a:blip>
-          <a:srcRect/>
-          <a:stretch>
-            <a:fillRect/>
-          </a:stretch>
-        </p:blipFill>
-        <p:spPr bwMode="auto">
-          <a:xfrm>
-            <a:off x="1447800" y="1828800"/>
-            <a:ext cx="5943600" cy="4267200"/>
-          </a:xfrm>
-          <a:prstGeom prst="rect">
-            <a:avLst/>
-          </a:prstGeom>
-          <a:noFill/>
-          <a:extLst>
-            <a:ext uri="{909E8E84-426E-40DD-AFC4-6F175D3DCCD1}">
-              <a14:hiddenFill xmlns:a14="http://schemas.microsoft.com/office/drawing/2010/main">
-                <a:solidFill>
-                  <a:srgbClr val="FFFFFF"/>
-                </a:solidFill>
-              </a14:hiddenFill>
-            </a:ext>
-          </a:extLst>
-        </p:spPr>
-      </p:pic>
-    </p:spTree>
-    <p:extLst>
-      <p:ext uri="{BB962C8B-B14F-4D97-AF65-F5344CB8AC3E}">
-        <p14:creationId xmlns:p14="http://schemas.microsoft.com/office/powerpoint/2010/main" val="3569180786"/>
-      </p:ext>
-    </p:extLst>
-  </p:cSld>
-  <p:clrMapOvr>
-    <a:masterClrMapping/>
-  </p:clrMapOvr>
-  <p:timing>
-    <p:tnLst>
-      <p:par>
-        <p:cTn id="1" dur="indefinite" restart="never" nodeType="tmRoot"/>
-      </p:par>
-    </p:tnLst>
-  </p:timing>
-</p:sld>
-</file>
-
-<file path=ppt/slides/slide74.xml><?xml version="1.0" encoding="utf-8"?>
-<p:sld xmlns:a="http://schemas.openxmlformats.org/drawingml/2006/main" xmlns:r="http://schemas.openxmlformats.org/officeDocument/2006/relationships" xmlns:p="http://schemas.openxmlformats.org/presentationml/2006/main">
-  <p:cSld>
-    <p:spTree>
-      <p:nvGrpSpPr>
-        <p:cNvPr id="1" name=""/>
-        <p:cNvGrpSpPr/>
-        <p:nvPr/>
-      </p:nvGrpSpPr>
-      <p:grpSpPr>
-        <a:xfrm>
-          <a:off x="0" y="0"/>
-          <a:ext cx="0" cy="0"/>
-          <a:chOff x="0" y="0"/>
-          <a:chExt cx="0" cy="0"/>
-        </a:xfrm>
-      </p:grpSpPr>
-      <p:sp>
-        <p:nvSpPr>
-          <p:cNvPr id="3" name="Title 2"/>
-          <p:cNvSpPr>
-            <a:spLocks noGrp="1"/>
-          </p:cNvSpPr>
-          <p:nvPr>
-            <p:ph type="title"/>
-          </p:nvPr>
-        </p:nvSpPr>
-        <p:spPr/>
-        <p:txBody>
-          <a:bodyPr/>
-          <a:lstStyle/>
-          <a:p>
-            <a:r>
-              <a:rPr lang="en-US" dirty="0" smtClean="0"/>
-              <a:t>dashboard</a:t>
-            </a:r>
-            <a:endParaRPr lang="en-US" dirty="0"/>
-          </a:p>
-        </p:txBody>
-      </p:sp>
-      <p:pic>
-        <p:nvPicPr>
-          <p:cNvPr id="2050" name="Picture 2" descr="E:\SMS\analysis\images\ui2.PNG"/>
-          <p:cNvPicPr>
-            <a:picLocks noGrp="1" noChangeAspect="1" noChangeArrowheads="1"/>
-          </p:cNvPicPr>
-          <p:nvPr>
-            <p:ph sz="quarter" idx="1"/>
-          </p:nvPr>
-        </p:nvPicPr>
-        <p:blipFill>
-          <a:blip r:embed="rId2">
-            <a:extLst>
-              <a:ext uri="{28A0092B-C50C-407E-A947-70E740481C1C}">
-                <a14:useLocalDpi xmlns:a14="http://schemas.microsoft.com/office/drawing/2010/main" val="0"/>
-              </a:ext>
-            </a:extLst>
-          </a:blip>
-          <a:srcRect/>
-          <a:stretch>
-            <a:fillRect/>
-          </a:stretch>
-        </p:blipFill>
-        <p:spPr bwMode="auto">
-          <a:xfrm>
-            <a:off x="301625" y="1855208"/>
-            <a:ext cx="8504238" cy="3915933"/>
-          </a:xfrm>
-          <a:prstGeom prst="rect">
-            <a:avLst/>
-          </a:prstGeom>
-          <a:noFill/>
-          <a:extLst>
-            <a:ext uri="{909E8E84-426E-40DD-AFC4-6F175D3DCCD1}">
-              <a14:hiddenFill xmlns:a14="http://schemas.microsoft.com/office/drawing/2010/main">
-                <a:solidFill>
-                  <a:srgbClr val="FFFFFF"/>
-                </a:solidFill>
-              </a14:hiddenFill>
-            </a:ext>
-          </a:extLst>
-        </p:spPr>
-      </p:pic>
-    </p:spTree>
-    <p:extLst>
-      <p:ext uri="{BB962C8B-B14F-4D97-AF65-F5344CB8AC3E}">
-        <p14:creationId xmlns:p14="http://schemas.microsoft.com/office/powerpoint/2010/main" val="1870291381"/>
-      </p:ext>
-    </p:extLst>
-  </p:cSld>
-  <p:clrMapOvr>
-    <a:masterClrMapping/>
-  </p:clrMapOvr>
-  <p:timing>
-    <p:tnLst>
-      <p:par>
-        <p:cTn id="1" dur="indefinite" restart="never" nodeType="tmRoot"/>
-      </p:par>
-    </p:tnLst>
-  </p:timing>
-</p:sld>
-</file>
-
-<file path=ppt/slides/slide75.xml><?xml version="1.0" encoding="utf-8"?>
-<p:sld xmlns:a="http://schemas.openxmlformats.org/drawingml/2006/main" xmlns:r="http://schemas.openxmlformats.org/officeDocument/2006/relationships" xmlns:p="http://schemas.openxmlformats.org/presentationml/2006/main">
-  <p:cSld>
-    <p:spTree>
-      <p:nvGrpSpPr>
-        <p:cNvPr id="1" name=""/>
-        <p:cNvGrpSpPr/>
-        <p:nvPr/>
-      </p:nvGrpSpPr>
-      <p:grpSpPr>
-        <a:xfrm>
-          <a:off x="0" y="0"/>
-          <a:ext cx="0" cy="0"/>
-          <a:chOff x="0" y="0"/>
-          <a:chExt cx="0" cy="0"/>
-        </a:xfrm>
-      </p:grpSpPr>
-      <p:sp>
-        <p:nvSpPr>
-          <p:cNvPr id="3" name="Title 2"/>
-          <p:cNvSpPr>
-            <a:spLocks noGrp="1"/>
-          </p:cNvSpPr>
-          <p:nvPr>
-            <p:ph type="title"/>
-          </p:nvPr>
-        </p:nvSpPr>
-        <p:spPr/>
-        <p:txBody>
-          <a:bodyPr/>
-          <a:lstStyle/>
-          <a:p>
-            <a:r>
-              <a:rPr lang="en-US" dirty="0" smtClean="0"/>
-              <a:t>Category </a:t>
-            </a:r>
-            <a:endParaRPr lang="en-US" dirty="0"/>
-          </a:p>
-        </p:txBody>
-      </p:sp>
-      <p:pic>
-        <p:nvPicPr>
-          <p:cNvPr id="1026" name="Picture 2"/>
-          <p:cNvPicPr>
-            <a:picLocks noGrp="1" noChangeAspect="1" noChangeArrowheads="1"/>
-          </p:cNvPicPr>
-          <p:nvPr>
-            <p:ph sz="quarter" idx="1"/>
-          </p:nvPr>
-        </p:nvPicPr>
-        <p:blipFill>
-          <a:blip r:embed="rId2">
-            <a:extLst>
-              <a:ext uri="{28A0092B-C50C-407E-A947-70E740481C1C}">
-                <a14:useLocalDpi xmlns:a14="http://schemas.microsoft.com/office/drawing/2010/main" val="0"/>
-              </a:ext>
-            </a:extLst>
-          </a:blip>
-          <a:srcRect/>
-          <a:stretch>
-            <a:fillRect/>
-          </a:stretch>
-        </p:blipFill>
-        <p:spPr bwMode="auto">
-          <a:xfrm>
-            <a:off x="301625" y="1858321"/>
-            <a:ext cx="8504238" cy="3909708"/>
-          </a:xfrm>
-          <a:prstGeom prst="rect">
-            <a:avLst/>
-          </a:prstGeom>
-          <a:noFill/>
-          <a:ln>
-            <a:noFill/>
-          </a:ln>
-          <a:effectLst/>
-          <a:extLst>
-            <a:ext uri="{909E8E84-426E-40DD-AFC4-6F175D3DCCD1}">
-              <a14:hiddenFill xmlns:a14="http://schemas.microsoft.com/office/drawing/2010/main">
-                <a:solidFill>
-                  <a:schemeClr val="accent1"/>
-                </a:solidFill>
-              </a14:hiddenFill>
-            </a:ext>
-            <a:ext uri="{91240B29-F687-4F45-9708-019B960494DF}">
-              <a14:hiddenLine xmlns:a14="http://schemas.microsoft.com/office/drawing/2010/main" w="9525">
-                <a:solidFill>
-                  <a:schemeClr val="tx1"/>
-                </a:solidFill>
-                <a:miter lim="800000"/>
-                <a:headEnd/>
-                <a:tailEnd/>
-              </a14:hiddenLine>
-            </a:ext>
-            <a:ext uri="{AF507438-7753-43E0-B8FC-AC1667EBCBE1}">
-              <a14:hiddenEffects xmlns:a14="http://schemas.microsoft.com/office/drawing/2010/main">
-                <a:effectLst>
-                  <a:outerShdw dist="35921" dir="2700000" algn="ctr" rotWithShape="0">
-                    <a:schemeClr val="bg2"/>
-                  </a:outerShdw>
-                </a:effectLst>
-              </a14:hiddenEffects>
-            </a:ext>
-          </a:extLst>
-        </p:spPr>
-      </p:pic>
-    </p:spTree>
-    <p:extLst>
-      <p:ext uri="{BB962C8B-B14F-4D97-AF65-F5344CB8AC3E}">
-        <p14:creationId xmlns:p14="http://schemas.microsoft.com/office/powerpoint/2010/main" val="3414818043"/>
-      </p:ext>
-    </p:extLst>
-  </p:cSld>
-  <p:clrMapOvr>
-    <a:masterClrMapping/>
-  </p:clrMapOvr>
-  <p:timing>
-    <p:tnLst>
-      <p:par>
-        <p:cTn id="1" dur="indefinite" restart="never" nodeType="tmRoot"/>
-      </p:par>
-    </p:tnLst>
-  </p:timing>
-</p:sld>
-</file>
-
 <file path=ppt/slides/slide76.xml><?xml version="1.0" encoding="utf-8"?>
 <p:sld xmlns:a="http://schemas.openxmlformats.org/drawingml/2006/main" xmlns:r="http://schemas.openxmlformats.org/officeDocument/2006/relationships" xmlns:p="http://schemas.openxmlformats.org/presentationml/2006/main">
   <p:cSld>
@@ -19773,7 +19643,7 @@
       </p:grpSpPr>
       <p:sp>
         <p:nvSpPr>
-          <p:cNvPr id="3" name="Title 2"/>
+          <p:cNvPr id="2" name="Title 1"/>
           <p:cNvSpPr>
             <a:spLocks noGrp="1"/>
           </p:cNvSpPr>
@@ -19788,7 +19658,7 @@
           <a:p>
             <a:r>
               <a:rPr lang="en-US" dirty="0" smtClean="0"/>
-              <a:t>Future work</a:t>
+              <a:t>Unit testing</a:t>
             </a:r>
             <a:endParaRPr lang="en-US" dirty="0"/>
           </a:p>
@@ -19796,7 +19666,7 @@
       </p:sp>
       <p:sp>
         <p:nvSpPr>
-          <p:cNvPr id="2" name="Content Placeholder 1"/>
+          <p:cNvPr id="3" name="Content Placeholder 2"/>
           <p:cNvSpPr>
             <a:spLocks noGrp="1"/>
           </p:cNvSpPr>
@@ -19811,25 +19681,19 @@
           <a:p>
             <a:r>
               <a:rPr lang="en-US" dirty="0" smtClean="0"/>
-              <a:t>It is not only use for the business but also the shops as it is related to the product and its management in the systematic way.</a:t>
-            </a:r>
-          </a:p>
-          <a:p>
-            <a:r>
-              <a:rPr lang="en-US" dirty="0" smtClean="0"/>
-              <a:t>If the admin wants to use the staffs to control the some features in the near future then they can allow it.</a:t>
-            </a:r>
-          </a:p>
-          <a:p>
-            <a:r>
-              <a:rPr lang="en-US" dirty="0" smtClean="0"/>
-              <a:t>The admin can completely add and edit the new products.</a:t>
-            </a:r>
-          </a:p>
-          <a:p>
-            <a:r>
-              <a:rPr lang="en-US" dirty="0" smtClean="0"/>
-              <a:t> </a:t>
+              <a:t>It is one the testing method which is used to test the software.</a:t>
+            </a:r>
+          </a:p>
+          <a:p>
+            <a:r>
+              <a:rPr lang="en-US" dirty="0" smtClean="0"/>
+              <a:t>It test the internal parts of the software.</a:t>
+            </a:r>
+          </a:p>
+          <a:p>
+            <a:r>
+              <a:rPr lang="en-US" dirty="0" smtClean="0"/>
+              <a:t>To use this test should have the knowledge of the programming and coding.</a:t>
             </a:r>
             <a:endParaRPr lang="en-US" dirty="0"/>
           </a:p>
@@ -19838,20 +19702,13 @@
     </p:spTree>
     <p:extLst>
       <p:ext uri="{BB962C8B-B14F-4D97-AF65-F5344CB8AC3E}">
-        <p14:creationId xmlns:p14="http://schemas.microsoft.com/office/powerpoint/2010/main" val="1555483637"/>
+        <p14:creationId xmlns:p14="http://schemas.microsoft.com/office/powerpoint/2010/main" val="1670465089"/>
       </p:ext>
     </p:extLst>
   </p:cSld>
   <p:clrMapOvr>
     <a:masterClrMapping/>
   </p:clrMapOvr>
-  <p:timing>
-    <p:tnLst>
-      <p:par>
-        <p:cTn id="1" dur="indefinite" restart="never" nodeType="tmRoot"/>
-      </p:par>
-    </p:tnLst>
-  </p:timing>
 </p:sld>
 </file>
 
@@ -19874,7 +19731,7 @@
       </p:grpSpPr>
       <p:sp>
         <p:nvSpPr>
-          <p:cNvPr id="3" name="Title 2"/>
+          <p:cNvPr id="2" name="Title 1"/>
           <p:cNvSpPr>
             <a:spLocks noGrp="1"/>
           </p:cNvSpPr>
@@ -19889,70 +19746,59 @@
           <a:p>
             <a:r>
               <a:rPr lang="en-US" dirty="0" smtClean="0"/>
-              <a:t>limitation</a:t>
+              <a:t>Unit testing</a:t>
             </a:r>
             <a:endParaRPr lang="en-US" dirty="0"/>
           </a:p>
         </p:txBody>
       </p:sp>
-      <p:sp>
-        <p:nvSpPr>
-          <p:cNvPr id="2" name="Content Placeholder 1"/>
-          <p:cNvSpPr>
-            <a:spLocks noGrp="1"/>
-          </p:cNvSpPr>
+      <p:pic>
+        <p:nvPicPr>
+          <p:cNvPr id="4" name="Content Placeholder 3" descr="E:\SMS\analysis\images\ut.PNG"/>
+          <p:cNvPicPr>
+            <a:picLocks noGrp="1"/>
+          </p:cNvPicPr>
           <p:nvPr>
             <p:ph sz="quarter" idx="1"/>
           </p:nvPr>
-        </p:nvSpPr>
-        <p:spPr/>
-        <p:txBody>
-          <a:bodyPr/>
-          <a:lstStyle/>
-          <a:p>
-            <a:r>
-              <a:rPr lang="en-US" dirty="0" smtClean="0"/>
-              <a:t>The project is made under the step by step method with rules and regulation. We can say that the project works under the waterfall model.</a:t>
-            </a:r>
-          </a:p>
-          <a:p>
-            <a:r>
-              <a:rPr lang="en-US" dirty="0" smtClean="0"/>
-              <a:t> The work flows like the waterfall so we cannot go back to the first step after entering the second step.</a:t>
-            </a:r>
-          </a:p>
-          <a:p>
-            <a:r>
-              <a:rPr lang="en-US" dirty="0" smtClean="0"/>
-              <a:t>We cannot change it in the middle.</a:t>
-            </a:r>
-          </a:p>
-          <a:p>
-            <a:r>
-              <a:rPr lang="en-US" dirty="0" smtClean="0"/>
-              <a:t>This project is not the online website which is only control by the admin so the outside user cannot open it.</a:t>
-            </a:r>
-            <a:endParaRPr lang="en-US" dirty="0"/>
-          </a:p>
-        </p:txBody>
-      </p:sp>
+        </p:nvPicPr>
+        <p:blipFill>
+          <a:blip r:embed="rId2">
+            <a:extLst>
+              <a:ext uri="{28A0092B-C50C-407E-A947-70E740481C1C}">
+                <a14:useLocalDpi xmlns:a14="http://schemas.microsoft.com/office/drawing/2010/main" val="0"/>
+              </a:ext>
+            </a:extLst>
+          </a:blip>
+          <a:srcRect/>
+          <a:stretch>
+            <a:fillRect/>
+          </a:stretch>
+        </p:blipFill>
+        <p:spPr bwMode="auto">
+          <a:xfrm>
+            <a:off x="301625" y="3023909"/>
+            <a:ext cx="8504238" cy="1578532"/>
+          </a:xfrm>
+          <a:prstGeom prst="rect">
+            <a:avLst/>
+          </a:prstGeom>
+          <a:noFill/>
+          <a:ln>
+            <a:noFill/>
+          </a:ln>
+        </p:spPr>
+      </p:pic>
     </p:spTree>
     <p:extLst>
       <p:ext uri="{BB962C8B-B14F-4D97-AF65-F5344CB8AC3E}">
-        <p14:creationId xmlns:p14="http://schemas.microsoft.com/office/powerpoint/2010/main" val="76047110"/>
+        <p14:creationId xmlns:p14="http://schemas.microsoft.com/office/powerpoint/2010/main" val="819150937"/>
       </p:ext>
     </p:extLst>
   </p:cSld>
   <p:clrMapOvr>
     <a:masterClrMapping/>
   </p:clrMapOvr>
-  <p:timing>
-    <p:tnLst>
-      <p:par>
-        <p:cTn id="1" dur="indefinite" restart="never" nodeType="tmRoot"/>
-      </p:par>
-    </p:tnLst>
-  </p:timing>
 </p:sld>
 </file>
 
@@ -19990,7 +19836,7 @@
           <a:p>
             <a:r>
               <a:rPr lang="en-US" dirty="0" smtClean="0"/>
-              <a:t>conclusion</a:t>
+              <a:t>Future work</a:t>
             </a:r>
             <a:endParaRPr lang="en-US" dirty="0"/>
           </a:p>
@@ -20013,7 +19859,25 @@
           <a:p>
             <a:r>
               <a:rPr lang="en-US" dirty="0" smtClean="0"/>
-              <a:t>Finally the required stock management system was successfully designed and implement at the time. The web based system for managing the stock allow to edit the stock and record of it. It also keeps the record of purchase with billing and helps to edits the available products. With the help of different diagrams and methods the stock management system completed successfully without complications and obstacles.</a:t>
+              <a:t>It is not only use for the business but also the shops as it is related to the product and its management in the systematic way.</a:t>
+            </a:r>
+          </a:p>
+          <a:p>
+            <a:r>
+              <a:rPr lang="en-US" dirty="0" smtClean="0"/>
+              <a:t>If the admin wants to use the staffs to control the some features in the near future then they can allow it.</a:t>
+            </a:r>
+          </a:p>
+          <a:p>
+            <a:r>
+              <a:rPr lang="en-US" dirty="0" smtClean="0"/>
+              <a:t>The admin can completely add and edit the new products.</a:t>
+            </a:r>
+          </a:p>
+          <a:p>
+            <a:r>
+              <a:rPr lang="en-US" dirty="0" smtClean="0"/>
+              <a:t> </a:t>
             </a:r>
             <a:endParaRPr lang="en-US" dirty="0"/>
           </a:p>
@@ -20022,7 +19886,7 @@
     </p:spTree>
     <p:extLst>
       <p:ext uri="{BB962C8B-B14F-4D97-AF65-F5344CB8AC3E}">
-        <p14:creationId xmlns:p14="http://schemas.microsoft.com/office/powerpoint/2010/main" val="814669846"/>
+        <p14:creationId xmlns:p14="http://schemas.microsoft.com/office/powerpoint/2010/main" val="1555483637"/>
       </p:ext>
     </p:extLst>
   </p:cSld>
@@ -20073,7 +19937,7 @@
           <a:p>
             <a:r>
               <a:rPr lang="en-US" dirty="0" smtClean="0"/>
-              <a:t>references</a:t>
+              <a:t>limitation</a:t>
             </a:r>
             <a:endParaRPr lang="en-US" dirty="0"/>
           </a:p>
@@ -20095,77 +19959,27 @@
           <a:lstStyle/>
           <a:p>
             <a:r>
-              <a:rPr lang="en-US" dirty="0">
-                <a:hlinkClick r:id="rId2"/>
-              </a:rPr>
-              <a:t>https://</a:t>
-            </a:r>
-            <a:r>
-              <a:rPr lang="en-US" dirty="0" smtClean="0">
-                <a:hlinkClick r:id="rId2"/>
-              </a:rPr>
-              <a:t>en.wikipedia.org</a:t>
-            </a:r>
-            <a:endParaRPr lang="en-US" dirty="0" smtClean="0"/>
-          </a:p>
-          <a:p>
-            <a:r>
-              <a:rPr lang="en-US" u="sng" dirty="0" smtClean="0">
-                <a:hlinkClick r:id="rId3"/>
-              </a:rPr>
-              <a:t>http</a:t>
-            </a:r>
-            <a:r>
-              <a:rPr lang="en-US" u="sng" dirty="0">
-                <a:hlinkClick r:id="rId3"/>
-              </a:rPr>
-              <a:t>://</a:t>
-            </a:r>
-            <a:r>
-              <a:rPr lang="en-US" u="sng" dirty="0" smtClean="0">
-                <a:hlinkClick r:id="rId3"/>
-              </a:rPr>
-              <a:t>www.tutorialspoint.com</a:t>
-            </a:r>
-            <a:endParaRPr lang="en-US" dirty="0"/>
-          </a:p>
-          <a:p>
-            <a:r>
-              <a:rPr lang="en-US" u="sng" dirty="0" smtClean="0">
-                <a:hlinkClick r:id="rId4"/>
-              </a:rPr>
-              <a:t>https</a:t>
-            </a:r>
-            <a:r>
-              <a:rPr lang="en-US" u="sng" dirty="0">
-                <a:hlinkClick r:id="rId4"/>
-              </a:rPr>
-              <a:t>://www.carajaclasses.com</a:t>
-            </a:r>
-            <a:endParaRPr lang="en-US" dirty="0"/>
-          </a:p>
-          <a:p>
-            <a:r>
-              <a:rPr lang="en-US" u="sng" dirty="0" smtClean="0">
-                <a:hlinkClick r:id="rId5"/>
-              </a:rPr>
-              <a:t>http</a:t>
-            </a:r>
-            <a:r>
-              <a:rPr lang="en-US" u="sng" dirty="0">
-                <a:hlinkClick r:id="rId5"/>
-              </a:rPr>
-              <a:t>://www.lynda.com/Business-Project..</a:t>
-            </a:r>
-            <a:endParaRPr lang="en-US" dirty="0"/>
-          </a:p>
-          <a:p>
-            <a:r>
-              <a:rPr lang="en-US" dirty="0"/>
-              <a:t> </a:t>
-            </a:r>
-          </a:p>
-          <a:p>
+              <a:rPr lang="en-US" dirty="0" smtClean="0"/>
+              <a:t>The project is made under the step by step method with rules and regulation. We can say that the project works under the waterfall model.</a:t>
+            </a:r>
+          </a:p>
+          <a:p>
+            <a:r>
+              <a:rPr lang="en-US" dirty="0" smtClean="0"/>
+              <a:t> The work flows like the waterfall so we cannot go back to the first step after entering the second step.</a:t>
+            </a:r>
+          </a:p>
+          <a:p>
+            <a:r>
+              <a:rPr lang="en-US" dirty="0" smtClean="0"/>
+              <a:t>We cannot change it in the middle.</a:t>
+            </a:r>
+          </a:p>
+          <a:p>
+            <a:r>
+              <a:rPr lang="en-US" dirty="0" smtClean="0"/>
+              <a:t>This project is not the online website which is only control by the admin so the outside user cannot open it.</a:t>
+            </a:r>
             <a:endParaRPr lang="en-US" dirty="0"/>
           </a:p>
         </p:txBody>
@@ -20173,7 +19987,7 @@
     </p:spTree>
     <p:extLst>
       <p:ext uri="{BB962C8B-B14F-4D97-AF65-F5344CB8AC3E}">
-        <p14:creationId xmlns:p14="http://schemas.microsoft.com/office/powerpoint/2010/main" val="3156000321"/>
+        <p14:creationId xmlns:p14="http://schemas.microsoft.com/office/powerpoint/2010/main" val="76047110"/>
       </p:ext>
     </p:extLst>
   </p:cSld>
@@ -20291,6 +20105,989 @@
 </p:sld>
 </file>
 
+<file path=ppt/slides/slide80.xml><?xml version="1.0" encoding="utf-8"?>
+<p:sld xmlns:a="http://schemas.openxmlformats.org/drawingml/2006/main" xmlns:r="http://schemas.openxmlformats.org/officeDocument/2006/relationships" xmlns:p="http://schemas.openxmlformats.org/presentationml/2006/main">
+  <p:cSld>
+    <p:spTree>
+      <p:nvGrpSpPr>
+        <p:cNvPr id="1" name=""/>
+        <p:cNvGrpSpPr/>
+        <p:nvPr/>
+      </p:nvGrpSpPr>
+      <p:grpSpPr>
+        <a:xfrm>
+          <a:off x="0" y="0"/>
+          <a:ext cx="0" cy="0"/>
+          <a:chOff x="0" y="0"/>
+          <a:chExt cx="0" cy="0"/>
+        </a:xfrm>
+      </p:grpSpPr>
+      <p:sp>
+        <p:nvSpPr>
+          <p:cNvPr id="3" name="Title 2"/>
+          <p:cNvSpPr>
+            <a:spLocks noGrp="1"/>
+          </p:cNvSpPr>
+          <p:nvPr>
+            <p:ph type="title"/>
+          </p:nvPr>
+        </p:nvSpPr>
+        <p:spPr/>
+        <p:txBody>
+          <a:bodyPr/>
+          <a:lstStyle/>
+          <a:p>
+            <a:r>
+              <a:rPr lang="en-US" dirty="0" smtClean="0"/>
+              <a:t>User manual</a:t>
+            </a:r>
+            <a:endParaRPr lang="en-US" dirty="0"/>
+          </a:p>
+        </p:txBody>
+      </p:sp>
+      <p:sp>
+        <p:nvSpPr>
+          <p:cNvPr id="5" name="Content Placeholder 4"/>
+          <p:cNvSpPr>
+            <a:spLocks noGrp="1"/>
+          </p:cNvSpPr>
+          <p:nvPr>
+            <p:ph sz="quarter" idx="1"/>
+          </p:nvPr>
+        </p:nvSpPr>
+        <p:spPr/>
+        <p:txBody>
+          <a:bodyPr/>
+          <a:lstStyle/>
+          <a:p>
+            <a:r>
+              <a:rPr lang="en-US" dirty="0" smtClean="0"/>
+              <a:t>Login</a:t>
+            </a:r>
+          </a:p>
+          <a:p>
+            <a:endParaRPr lang="en-US" dirty="0"/>
+          </a:p>
+        </p:txBody>
+      </p:sp>
+      <p:pic>
+        <p:nvPicPr>
+          <p:cNvPr id="9" name="Picture 8" descr="E:\SMS\analysis\images\test10.PNG"/>
+          <p:cNvPicPr/>
+          <p:nvPr/>
+        </p:nvPicPr>
+        <p:blipFill>
+          <a:blip r:embed="rId2">
+            <a:extLst>
+              <a:ext uri="{28A0092B-C50C-407E-A947-70E740481C1C}">
+                <a14:useLocalDpi xmlns:a14="http://schemas.microsoft.com/office/drawing/2010/main" val="0"/>
+              </a:ext>
+            </a:extLst>
+          </a:blip>
+          <a:srcRect/>
+          <a:stretch>
+            <a:fillRect/>
+          </a:stretch>
+        </p:blipFill>
+        <p:spPr bwMode="auto">
+          <a:xfrm>
+            <a:off x="2362200" y="2590800"/>
+            <a:ext cx="3819525" cy="3057525"/>
+          </a:xfrm>
+          <a:prstGeom prst="rect">
+            <a:avLst/>
+          </a:prstGeom>
+          <a:noFill/>
+          <a:ln>
+            <a:noFill/>
+          </a:ln>
+        </p:spPr>
+      </p:pic>
+    </p:spTree>
+    <p:extLst>
+      <p:ext uri="{BB962C8B-B14F-4D97-AF65-F5344CB8AC3E}">
+        <p14:creationId xmlns:p14="http://schemas.microsoft.com/office/powerpoint/2010/main" val="3569180786"/>
+      </p:ext>
+    </p:extLst>
+  </p:cSld>
+  <p:clrMapOvr>
+    <a:masterClrMapping/>
+  </p:clrMapOvr>
+  <p:timing>
+    <p:tnLst>
+      <p:par>
+        <p:cTn id="1" dur="indefinite" restart="never" nodeType="tmRoot"/>
+      </p:par>
+    </p:tnLst>
+  </p:timing>
+</p:sld>
+</file>
+
+<file path=ppt/slides/slide81.xml><?xml version="1.0" encoding="utf-8"?>
+<p:sld xmlns:a="http://schemas.openxmlformats.org/drawingml/2006/main" xmlns:r="http://schemas.openxmlformats.org/officeDocument/2006/relationships" xmlns:p="http://schemas.openxmlformats.org/presentationml/2006/main">
+  <p:cSld>
+    <p:spTree>
+      <p:nvGrpSpPr>
+        <p:cNvPr id="1" name=""/>
+        <p:cNvGrpSpPr/>
+        <p:nvPr/>
+      </p:nvGrpSpPr>
+      <p:grpSpPr>
+        <a:xfrm>
+          <a:off x="0" y="0"/>
+          <a:ext cx="0" cy="0"/>
+          <a:chOff x="0" y="0"/>
+          <a:chExt cx="0" cy="0"/>
+        </a:xfrm>
+      </p:grpSpPr>
+      <p:sp>
+        <p:nvSpPr>
+          <p:cNvPr id="2" name="Title 1"/>
+          <p:cNvSpPr>
+            <a:spLocks noGrp="1"/>
+          </p:cNvSpPr>
+          <p:nvPr>
+            <p:ph type="title"/>
+          </p:nvPr>
+        </p:nvSpPr>
+        <p:spPr/>
+        <p:txBody>
+          <a:bodyPr/>
+          <a:lstStyle/>
+          <a:p>
+            <a:r>
+              <a:rPr lang="en-US" dirty="0" smtClean="0"/>
+              <a:t>Login </a:t>
+            </a:r>
+            <a:endParaRPr lang="en-US" dirty="0"/>
+          </a:p>
+        </p:txBody>
+      </p:sp>
+      <p:sp>
+        <p:nvSpPr>
+          <p:cNvPr id="3" name="Content Placeholder 2"/>
+          <p:cNvSpPr>
+            <a:spLocks noGrp="1"/>
+          </p:cNvSpPr>
+          <p:nvPr>
+            <p:ph sz="quarter" idx="1"/>
+          </p:nvPr>
+        </p:nvSpPr>
+        <p:spPr/>
+        <p:txBody>
+          <a:bodyPr/>
+          <a:lstStyle/>
+          <a:p>
+            <a:r>
+              <a:rPr lang="en-US" dirty="0" smtClean="0"/>
+              <a:t>Firstly the admin should enter the email/password.</a:t>
+            </a:r>
+          </a:p>
+          <a:p>
+            <a:r>
+              <a:rPr lang="en-US" dirty="0" smtClean="0"/>
+              <a:t>The email/password should be validate.</a:t>
+            </a:r>
+          </a:p>
+          <a:p>
+            <a:r>
+              <a:rPr lang="en-US" dirty="0" smtClean="0"/>
+              <a:t>If its valid then the admin is allowed to enter inside the system but in case of invalid, the admin will not be able to enter inside the system.</a:t>
+            </a:r>
+            <a:endParaRPr lang="en-US" dirty="0"/>
+          </a:p>
+        </p:txBody>
+      </p:sp>
+    </p:spTree>
+    <p:extLst>
+      <p:ext uri="{BB962C8B-B14F-4D97-AF65-F5344CB8AC3E}">
+        <p14:creationId xmlns:p14="http://schemas.microsoft.com/office/powerpoint/2010/main" val="2890805833"/>
+      </p:ext>
+    </p:extLst>
+  </p:cSld>
+  <p:clrMapOvr>
+    <a:masterClrMapping/>
+  </p:clrMapOvr>
+  <p:timing>
+    <p:tnLst>
+      <p:par>
+        <p:cTn id="1" dur="indefinite" restart="never" nodeType="tmRoot"/>
+      </p:par>
+    </p:tnLst>
+  </p:timing>
+</p:sld>
+</file>
+
+<file path=ppt/slides/slide82.xml><?xml version="1.0" encoding="utf-8"?>
+<p:sld xmlns:a="http://schemas.openxmlformats.org/drawingml/2006/main" xmlns:r="http://schemas.openxmlformats.org/officeDocument/2006/relationships" xmlns:p="http://schemas.openxmlformats.org/presentationml/2006/main">
+  <p:cSld>
+    <p:spTree>
+      <p:nvGrpSpPr>
+        <p:cNvPr id="1" name=""/>
+        <p:cNvGrpSpPr/>
+        <p:nvPr/>
+      </p:nvGrpSpPr>
+      <p:grpSpPr>
+        <a:xfrm>
+          <a:off x="0" y="0"/>
+          <a:ext cx="0" cy="0"/>
+          <a:chOff x="0" y="0"/>
+          <a:chExt cx="0" cy="0"/>
+        </a:xfrm>
+      </p:grpSpPr>
+      <p:sp>
+        <p:nvSpPr>
+          <p:cNvPr id="3" name="Title 2"/>
+          <p:cNvSpPr>
+            <a:spLocks noGrp="1"/>
+          </p:cNvSpPr>
+          <p:nvPr>
+            <p:ph type="title"/>
+          </p:nvPr>
+        </p:nvSpPr>
+        <p:spPr/>
+        <p:txBody>
+          <a:bodyPr/>
+          <a:lstStyle/>
+          <a:p>
+            <a:r>
+              <a:rPr lang="en-US" dirty="0" smtClean="0"/>
+              <a:t>Add the product</a:t>
+            </a:r>
+            <a:endParaRPr lang="en-US" dirty="0"/>
+          </a:p>
+        </p:txBody>
+      </p:sp>
+      <p:pic>
+        <p:nvPicPr>
+          <p:cNvPr id="9" name="Content Placeholder 8"/>
+          <p:cNvPicPr>
+            <a:picLocks noGrp="1"/>
+          </p:cNvPicPr>
+          <p:nvPr>
+            <p:ph sz="quarter" idx="1"/>
+          </p:nvPr>
+        </p:nvPicPr>
+        <p:blipFill>
+          <a:blip r:embed="rId2"/>
+          <a:stretch>
+            <a:fillRect/>
+          </a:stretch>
+        </p:blipFill>
+        <p:spPr>
+          <a:xfrm>
+            <a:off x="301625" y="1815727"/>
+            <a:ext cx="6175375" cy="2299073"/>
+          </a:xfrm>
+          <a:prstGeom prst="rect">
+            <a:avLst/>
+          </a:prstGeom>
+        </p:spPr>
+      </p:pic>
+      <p:pic>
+        <p:nvPicPr>
+          <p:cNvPr id="10" name="Picture 9"/>
+          <p:cNvPicPr/>
+          <p:nvPr/>
+        </p:nvPicPr>
+        <p:blipFill>
+          <a:blip r:embed="rId3"/>
+          <a:stretch>
+            <a:fillRect/>
+          </a:stretch>
+        </p:blipFill>
+        <p:spPr>
+          <a:xfrm>
+            <a:off x="304800" y="4114800"/>
+            <a:ext cx="6172200" cy="2184400"/>
+          </a:xfrm>
+          <a:prstGeom prst="rect">
+            <a:avLst/>
+          </a:prstGeom>
+        </p:spPr>
+      </p:pic>
+    </p:spTree>
+    <p:extLst>
+      <p:ext uri="{BB962C8B-B14F-4D97-AF65-F5344CB8AC3E}">
+        <p14:creationId xmlns:p14="http://schemas.microsoft.com/office/powerpoint/2010/main" val="1870291381"/>
+      </p:ext>
+    </p:extLst>
+  </p:cSld>
+  <p:clrMapOvr>
+    <a:masterClrMapping/>
+  </p:clrMapOvr>
+  <p:timing>
+    <p:tnLst>
+      <p:par>
+        <p:cTn id="1" dur="indefinite" restart="never" nodeType="tmRoot"/>
+      </p:par>
+    </p:tnLst>
+  </p:timing>
+</p:sld>
+</file>
+
+<file path=ppt/slides/slide83.xml><?xml version="1.0" encoding="utf-8"?>
+<p:sld xmlns:a="http://schemas.openxmlformats.org/drawingml/2006/main" xmlns:r="http://schemas.openxmlformats.org/officeDocument/2006/relationships" xmlns:p="http://schemas.openxmlformats.org/presentationml/2006/main">
+  <p:cSld>
+    <p:spTree>
+      <p:nvGrpSpPr>
+        <p:cNvPr id="1" name=""/>
+        <p:cNvGrpSpPr/>
+        <p:nvPr/>
+      </p:nvGrpSpPr>
+      <p:grpSpPr>
+        <a:xfrm>
+          <a:off x="0" y="0"/>
+          <a:ext cx="0" cy="0"/>
+          <a:chOff x="0" y="0"/>
+          <a:chExt cx="0" cy="0"/>
+        </a:xfrm>
+      </p:grpSpPr>
+      <p:sp>
+        <p:nvSpPr>
+          <p:cNvPr id="2" name="Title 1"/>
+          <p:cNvSpPr>
+            <a:spLocks noGrp="1"/>
+          </p:cNvSpPr>
+          <p:nvPr>
+            <p:ph type="title"/>
+          </p:nvPr>
+        </p:nvSpPr>
+        <p:spPr/>
+        <p:txBody>
+          <a:bodyPr/>
+          <a:lstStyle/>
+          <a:p>
+            <a:r>
+              <a:rPr lang="en-US" dirty="0" smtClean="0"/>
+              <a:t>Adding the product</a:t>
+            </a:r>
+            <a:endParaRPr lang="en-US" dirty="0"/>
+          </a:p>
+        </p:txBody>
+      </p:sp>
+      <p:sp>
+        <p:nvSpPr>
+          <p:cNvPr id="3" name="Content Placeholder 2"/>
+          <p:cNvSpPr>
+            <a:spLocks noGrp="1"/>
+          </p:cNvSpPr>
+          <p:nvPr>
+            <p:ph sz="quarter" idx="1"/>
+          </p:nvPr>
+        </p:nvSpPr>
+        <p:spPr/>
+        <p:txBody>
+          <a:bodyPr/>
+          <a:lstStyle/>
+          <a:p>
+            <a:r>
+              <a:rPr lang="en-US" dirty="0"/>
+              <a:t>After entering the valid email/password, the dashboard will open.</a:t>
+            </a:r>
+          </a:p>
+          <a:p>
+            <a:r>
+              <a:rPr lang="en-US" dirty="0"/>
+              <a:t>Click on the product which is in the side menu bar of the dashboard</a:t>
+            </a:r>
+            <a:r>
+              <a:rPr lang="en-US" dirty="0" smtClean="0"/>
+              <a:t>.</a:t>
+            </a:r>
+          </a:p>
+          <a:p>
+            <a:r>
+              <a:rPr lang="en-US" dirty="0"/>
+              <a:t>C</a:t>
+            </a:r>
+            <a:r>
+              <a:rPr lang="en-US" dirty="0" smtClean="0"/>
+              <a:t>lick add product in the dropdown menu.</a:t>
+            </a:r>
+          </a:p>
+          <a:p>
+            <a:r>
+              <a:rPr lang="en-US" dirty="0" smtClean="0"/>
+              <a:t>Insert the values in the form and click to add button to add the product.</a:t>
+            </a:r>
+            <a:endParaRPr lang="en-US" dirty="0"/>
+          </a:p>
+        </p:txBody>
+      </p:sp>
+    </p:spTree>
+    <p:extLst>
+      <p:ext uri="{BB962C8B-B14F-4D97-AF65-F5344CB8AC3E}">
+        <p14:creationId xmlns:p14="http://schemas.microsoft.com/office/powerpoint/2010/main" val="1577042299"/>
+      </p:ext>
+    </p:extLst>
+  </p:cSld>
+  <p:clrMapOvr>
+    <a:masterClrMapping/>
+  </p:clrMapOvr>
+</p:sld>
+</file>
+
+<file path=ppt/slides/slide84.xml><?xml version="1.0" encoding="utf-8"?>
+<p:sld xmlns:a="http://schemas.openxmlformats.org/drawingml/2006/main" xmlns:r="http://schemas.openxmlformats.org/officeDocument/2006/relationships" xmlns:p="http://schemas.openxmlformats.org/presentationml/2006/main">
+  <p:cSld>
+    <p:spTree>
+      <p:nvGrpSpPr>
+        <p:cNvPr id="1" name=""/>
+        <p:cNvGrpSpPr/>
+        <p:nvPr/>
+      </p:nvGrpSpPr>
+      <p:grpSpPr>
+        <a:xfrm>
+          <a:off x="0" y="0"/>
+          <a:ext cx="0" cy="0"/>
+          <a:chOff x="0" y="0"/>
+          <a:chExt cx="0" cy="0"/>
+        </a:xfrm>
+      </p:grpSpPr>
+      <p:sp>
+        <p:nvSpPr>
+          <p:cNvPr id="3" name="Title 2"/>
+          <p:cNvSpPr>
+            <a:spLocks noGrp="1"/>
+          </p:cNvSpPr>
+          <p:nvPr>
+            <p:ph type="title"/>
+          </p:nvPr>
+        </p:nvSpPr>
+        <p:spPr/>
+        <p:txBody>
+          <a:bodyPr/>
+          <a:lstStyle/>
+          <a:p>
+            <a:r>
+              <a:rPr lang="en-US" dirty="0" smtClean="0"/>
+              <a:t>Displaying the product</a:t>
+            </a:r>
+            <a:endParaRPr lang="en-US" dirty="0"/>
+          </a:p>
+        </p:txBody>
+      </p:sp>
+      <p:pic>
+        <p:nvPicPr>
+          <p:cNvPr id="4" name="Content Placeholder 3"/>
+          <p:cNvPicPr>
+            <a:picLocks noGrp="1" noChangeAspect="1"/>
+          </p:cNvPicPr>
+          <p:nvPr>
+            <p:ph sz="quarter" idx="1"/>
+          </p:nvPr>
+        </p:nvPicPr>
+        <p:blipFill>
+          <a:blip r:embed="rId2">
+            <a:extLst>
+              <a:ext uri="{28A0092B-C50C-407E-A947-70E740481C1C}">
+                <a14:useLocalDpi xmlns:a14="http://schemas.microsoft.com/office/drawing/2010/main" val="0"/>
+              </a:ext>
+            </a:extLst>
+          </a:blip>
+          <a:stretch>
+            <a:fillRect/>
+          </a:stretch>
+        </p:blipFill>
+        <p:spPr>
+          <a:xfrm>
+            <a:off x="301752" y="1527048"/>
+            <a:ext cx="8503920" cy="4572000"/>
+          </a:xfrm>
+        </p:spPr>
+      </p:pic>
+    </p:spTree>
+    <p:extLst>
+      <p:ext uri="{BB962C8B-B14F-4D97-AF65-F5344CB8AC3E}">
+        <p14:creationId xmlns:p14="http://schemas.microsoft.com/office/powerpoint/2010/main" val="3414818043"/>
+      </p:ext>
+    </p:extLst>
+  </p:cSld>
+  <p:clrMapOvr>
+    <a:masterClrMapping/>
+  </p:clrMapOvr>
+  <p:timing>
+    <p:tnLst>
+      <p:par>
+        <p:cTn id="1" dur="indefinite" restart="never" nodeType="tmRoot"/>
+      </p:par>
+    </p:tnLst>
+  </p:timing>
+</p:sld>
+</file>
+
+<file path=ppt/slides/slide85.xml><?xml version="1.0" encoding="utf-8"?>
+<p:sld xmlns:a="http://schemas.openxmlformats.org/drawingml/2006/main" xmlns:r="http://schemas.openxmlformats.org/officeDocument/2006/relationships" xmlns:p="http://schemas.openxmlformats.org/presentationml/2006/main">
+  <p:cSld>
+    <p:spTree>
+      <p:nvGrpSpPr>
+        <p:cNvPr id="1" name=""/>
+        <p:cNvGrpSpPr/>
+        <p:nvPr/>
+      </p:nvGrpSpPr>
+      <p:grpSpPr>
+        <a:xfrm>
+          <a:off x="0" y="0"/>
+          <a:ext cx="0" cy="0"/>
+          <a:chOff x="0" y="0"/>
+          <a:chExt cx="0" cy="0"/>
+        </a:xfrm>
+      </p:grpSpPr>
+      <p:sp>
+        <p:nvSpPr>
+          <p:cNvPr id="2" name="Title 1"/>
+          <p:cNvSpPr>
+            <a:spLocks noGrp="1"/>
+          </p:cNvSpPr>
+          <p:nvPr>
+            <p:ph type="title"/>
+          </p:nvPr>
+        </p:nvSpPr>
+        <p:spPr/>
+        <p:txBody>
+          <a:bodyPr/>
+          <a:lstStyle/>
+          <a:p>
+            <a:r>
+              <a:rPr lang="en-US" dirty="0" smtClean="0"/>
+              <a:t>Display the product</a:t>
+            </a:r>
+            <a:endParaRPr lang="en-US" dirty="0"/>
+          </a:p>
+        </p:txBody>
+      </p:sp>
+      <p:sp>
+        <p:nvSpPr>
+          <p:cNvPr id="3" name="Content Placeholder 2"/>
+          <p:cNvSpPr>
+            <a:spLocks noGrp="1"/>
+          </p:cNvSpPr>
+          <p:nvPr>
+            <p:ph sz="quarter" idx="1"/>
+          </p:nvPr>
+        </p:nvSpPr>
+        <p:spPr/>
+        <p:txBody>
+          <a:bodyPr/>
+          <a:lstStyle/>
+          <a:p>
+            <a:r>
+              <a:rPr lang="en-US" dirty="0"/>
+              <a:t>After entering the valid email/password, the dashboard will open.</a:t>
+            </a:r>
+          </a:p>
+          <a:p>
+            <a:r>
+              <a:rPr lang="en-US" dirty="0"/>
+              <a:t>Click on the product which is in the side menu bar of the dashboard</a:t>
+            </a:r>
+            <a:r>
+              <a:rPr lang="en-US" dirty="0" smtClean="0"/>
+              <a:t>.</a:t>
+            </a:r>
+          </a:p>
+          <a:p>
+            <a:r>
+              <a:rPr lang="en-US" dirty="0" smtClean="0"/>
+              <a:t>Click on the manage the product in the dropdown menu.</a:t>
+            </a:r>
+            <a:endParaRPr lang="en-US" dirty="0"/>
+          </a:p>
+          <a:p>
+            <a:r>
+              <a:rPr lang="en-US" dirty="0" smtClean="0"/>
+              <a:t>It display all the products of the warehouse.</a:t>
+            </a:r>
+            <a:endParaRPr lang="en-US" dirty="0"/>
+          </a:p>
+        </p:txBody>
+      </p:sp>
+    </p:spTree>
+    <p:extLst>
+      <p:ext uri="{BB962C8B-B14F-4D97-AF65-F5344CB8AC3E}">
+        <p14:creationId xmlns:p14="http://schemas.microsoft.com/office/powerpoint/2010/main" val="237115106"/>
+      </p:ext>
+    </p:extLst>
+  </p:cSld>
+  <p:clrMapOvr>
+    <a:masterClrMapping/>
+  </p:clrMapOvr>
+</p:sld>
+</file>
+
+<file path=ppt/slides/slide86.xml><?xml version="1.0" encoding="utf-8"?>
+<p:sld xmlns:a="http://schemas.openxmlformats.org/drawingml/2006/main" xmlns:r="http://schemas.openxmlformats.org/officeDocument/2006/relationships" xmlns:p="http://schemas.openxmlformats.org/presentationml/2006/main">
+  <p:cSld>
+    <p:spTree>
+      <p:nvGrpSpPr>
+        <p:cNvPr id="1" name=""/>
+        <p:cNvGrpSpPr/>
+        <p:nvPr/>
+      </p:nvGrpSpPr>
+      <p:grpSpPr>
+        <a:xfrm>
+          <a:off x="0" y="0"/>
+          <a:ext cx="0" cy="0"/>
+          <a:chOff x="0" y="0"/>
+          <a:chExt cx="0" cy="0"/>
+        </a:xfrm>
+      </p:grpSpPr>
+      <p:sp>
+        <p:nvSpPr>
+          <p:cNvPr id="2" name="Title 1"/>
+          <p:cNvSpPr>
+            <a:spLocks noGrp="1"/>
+          </p:cNvSpPr>
+          <p:nvPr>
+            <p:ph type="title"/>
+          </p:nvPr>
+        </p:nvSpPr>
+        <p:spPr/>
+        <p:txBody>
+          <a:bodyPr/>
+          <a:lstStyle/>
+          <a:p>
+            <a:r>
+              <a:rPr lang="en-US" dirty="0" smtClean="0"/>
+              <a:t>Searching and sorting result-&gt;product</a:t>
+            </a:r>
+            <a:endParaRPr lang="en-US" dirty="0"/>
+          </a:p>
+        </p:txBody>
+      </p:sp>
+      <p:pic>
+        <p:nvPicPr>
+          <p:cNvPr id="4" name="Content Placeholder 3"/>
+          <p:cNvPicPr>
+            <a:picLocks noGrp="1" noChangeAspect="1"/>
+          </p:cNvPicPr>
+          <p:nvPr>
+            <p:ph sz="quarter" idx="1"/>
+          </p:nvPr>
+        </p:nvPicPr>
+        <p:blipFill>
+          <a:blip r:embed="rId2">
+            <a:extLst>
+              <a:ext uri="{28A0092B-C50C-407E-A947-70E740481C1C}">
+                <a14:useLocalDpi xmlns:a14="http://schemas.microsoft.com/office/drawing/2010/main" val="0"/>
+              </a:ext>
+            </a:extLst>
+          </a:blip>
+          <a:stretch>
+            <a:fillRect/>
+          </a:stretch>
+        </p:blipFill>
+        <p:spPr>
+          <a:xfrm>
+            <a:off x="301625" y="1845870"/>
+            <a:ext cx="8504238" cy="3934610"/>
+          </a:xfrm>
+        </p:spPr>
+      </p:pic>
+    </p:spTree>
+    <p:extLst>
+      <p:ext uri="{BB962C8B-B14F-4D97-AF65-F5344CB8AC3E}">
+        <p14:creationId xmlns:p14="http://schemas.microsoft.com/office/powerpoint/2010/main" val="1882530946"/>
+      </p:ext>
+    </p:extLst>
+  </p:cSld>
+  <p:clrMapOvr>
+    <a:masterClrMapping/>
+  </p:clrMapOvr>
+</p:sld>
+</file>
+
+<file path=ppt/slides/slide87.xml><?xml version="1.0" encoding="utf-8"?>
+<p:sld xmlns:a="http://schemas.openxmlformats.org/drawingml/2006/main" xmlns:r="http://schemas.openxmlformats.org/officeDocument/2006/relationships" xmlns:p="http://schemas.openxmlformats.org/presentationml/2006/main">
+  <p:cSld>
+    <p:spTree>
+      <p:nvGrpSpPr>
+        <p:cNvPr id="1" name=""/>
+        <p:cNvGrpSpPr/>
+        <p:nvPr/>
+      </p:nvGrpSpPr>
+      <p:grpSpPr>
+        <a:xfrm>
+          <a:off x="0" y="0"/>
+          <a:ext cx="0" cy="0"/>
+          <a:chOff x="0" y="0"/>
+          <a:chExt cx="0" cy="0"/>
+        </a:xfrm>
+      </p:grpSpPr>
+      <p:sp>
+        <p:nvSpPr>
+          <p:cNvPr id="2" name="Title 1"/>
+          <p:cNvSpPr>
+            <a:spLocks noGrp="1"/>
+          </p:cNvSpPr>
+          <p:nvPr>
+            <p:ph type="title"/>
+          </p:nvPr>
+        </p:nvSpPr>
+        <p:spPr/>
+        <p:txBody>
+          <a:bodyPr/>
+          <a:lstStyle/>
+          <a:p>
+            <a:r>
+              <a:rPr lang="en-US" dirty="0" smtClean="0"/>
+              <a:t>Searching and sorting result-&gt;product</a:t>
+            </a:r>
+            <a:endParaRPr lang="en-US" dirty="0"/>
+          </a:p>
+        </p:txBody>
+      </p:sp>
+      <p:sp>
+        <p:nvSpPr>
+          <p:cNvPr id="3" name="Content Placeholder 2"/>
+          <p:cNvSpPr>
+            <a:spLocks noGrp="1"/>
+          </p:cNvSpPr>
+          <p:nvPr>
+            <p:ph sz="quarter" idx="1"/>
+          </p:nvPr>
+        </p:nvSpPr>
+        <p:spPr/>
+        <p:txBody>
+          <a:bodyPr/>
+          <a:lstStyle/>
+          <a:p>
+            <a:r>
+              <a:rPr lang="en-US" dirty="0" smtClean="0"/>
+              <a:t>After entering the valid email/password, the dashboard will open.</a:t>
+            </a:r>
+          </a:p>
+          <a:p>
+            <a:r>
+              <a:rPr lang="en-US" dirty="0" smtClean="0"/>
+              <a:t>Click on the product which is in the side menu bar of the dashboard.</a:t>
+            </a:r>
+          </a:p>
+          <a:p>
+            <a:r>
+              <a:rPr lang="en-US" dirty="0" smtClean="0"/>
+              <a:t>Click to the manage product in the dropdown menu.</a:t>
+            </a:r>
+          </a:p>
+          <a:p>
+            <a:r>
+              <a:rPr lang="en-US" dirty="0" smtClean="0"/>
+              <a:t>On the top right side, there is search box where enter the search string.</a:t>
+            </a:r>
+          </a:p>
+          <a:p>
+            <a:r>
+              <a:rPr lang="en-US" dirty="0" smtClean="0"/>
+              <a:t>It will appears the search result.</a:t>
+            </a:r>
+            <a:endParaRPr lang="en-US" dirty="0"/>
+          </a:p>
+        </p:txBody>
+      </p:sp>
+    </p:spTree>
+    <p:extLst>
+      <p:ext uri="{BB962C8B-B14F-4D97-AF65-F5344CB8AC3E}">
+        <p14:creationId xmlns:p14="http://schemas.microsoft.com/office/powerpoint/2010/main" val="796860997"/>
+      </p:ext>
+    </p:extLst>
+  </p:cSld>
+  <p:clrMapOvr>
+    <a:masterClrMapping/>
+  </p:clrMapOvr>
+</p:sld>
+</file>
+
+<file path=ppt/slides/slide88.xml><?xml version="1.0" encoding="utf-8"?>
+<p:sld xmlns:a="http://schemas.openxmlformats.org/drawingml/2006/main" xmlns:r="http://schemas.openxmlformats.org/officeDocument/2006/relationships" xmlns:p="http://schemas.openxmlformats.org/presentationml/2006/main">
+  <p:cSld>
+    <p:spTree>
+      <p:nvGrpSpPr>
+        <p:cNvPr id="1" name=""/>
+        <p:cNvGrpSpPr/>
+        <p:nvPr/>
+      </p:nvGrpSpPr>
+      <p:grpSpPr>
+        <a:xfrm>
+          <a:off x="0" y="0"/>
+          <a:ext cx="0" cy="0"/>
+          <a:chOff x="0" y="0"/>
+          <a:chExt cx="0" cy="0"/>
+        </a:xfrm>
+      </p:grpSpPr>
+      <p:sp>
+        <p:nvSpPr>
+          <p:cNvPr id="2" name="Title 1"/>
+          <p:cNvSpPr>
+            <a:spLocks noGrp="1"/>
+          </p:cNvSpPr>
+          <p:nvPr>
+            <p:ph type="title"/>
+          </p:nvPr>
+        </p:nvSpPr>
+        <p:spPr/>
+        <p:txBody>
+          <a:bodyPr/>
+          <a:lstStyle/>
+          <a:p>
+            <a:r>
+              <a:rPr lang="en-US" dirty="0" smtClean="0"/>
+              <a:t>Delete the product</a:t>
+            </a:r>
+            <a:endParaRPr lang="en-US" dirty="0"/>
+          </a:p>
+        </p:txBody>
+      </p:sp>
+      <p:pic>
+        <p:nvPicPr>
+          <p:cNvPr id="4" name="Content Placeholder 3"/>
+          <p:cNvPicPr>
+            <a:picLocks noGrp="1" noChangeAspect="1"/>
+          </p:cNvPicPr>
+          <p:nvPr>
+            <p:ph sz="quarter" idx="1"/>
+          </p:nvPr>
+        </p:nvPicPr>
+        <p:blipFill>
+          <a:blip r:embed="rId2">
+            <a:extLst>
+              <a:ext uri="{28A0092B-C50C-407E-A947-70E740481C1C}">
+                <a14:useLocalDpi xmlns:a14="http://schemas.microsoft.com/office/drawing/2010/main" val="0"/>
+              </a:ext>
+            </a:extLst>
+          </a:blip>
+          <a:stretch>
+            <a:fillRect/>
+          </a:stretch>
+        </p:blipFill>
+        <p:spPr>
+          <a:xfrm>
+            <a:off x="301625" y="1870772"/>
+            <a:ext cx="8504238" cy="3884805"/>
+          </a:xfrm>
+        </p:spPr>
+      </p:pic>
+    </p:spTree>
+    <p:extLst>
+      <p:ext uri="{BB962C8B-B14F-4D97-AF65-F5344CB8AC3E}">
+        <p14:creationId xmlns:p14="http://schemas.microsoft.com/office/powerpoint/2010/main" val="1956632358"/>
+      </p:ext>
+    </p:extLst>
+  </p:cSld>
+  <p:clrMapOvr>
+    <a:masterClrMapping/>
+  </p:clrMapOvr>
+</p:sld>
+</file>
+
+<file path=ppt/slides/slide89.xml><?xml version="1.0" encoding="utf-8"?>
+<p:sld xmlns:a="http://schemas.openxmlformats.org/drawingml/2006/main" xmlns:r="http://schemas.openxmlformats.org/officeDocument/2006/relationships" xmlns:p="http://schemas.openxmlformats.org/presentationml/2006/main">
+  <p:cSld>
+    <p:spTree>
+      <p:nvGrpSpPr>
+        <p:cNvPr id="1" name=""/>
+        <p:cNvGrpSpPr/>
+        <p:nvPr/>
+      </p:nvGrpSpPr>
+      <p:grpSpPr>
+        <a:xfrm>
+          <a:off x="0" y="0"/>
+          <a:ext cx="0" cy="0"/>
+          <a:chOff x="0" y="0"/>
+          <a:chExt cx="0" cy="0"/>
+        </a:xfrm>
+      </p:grpSpPr>
+      <p:sp>
+        <p:nvSpPr>
+          <p:cNvPr id="2" name="Title 1"/>
+          <p:cNvSpPr>
+            <a:spLocks noGrp="1"/>
+          </p:cNvSpPr>
+          <p:nvPr>
+            <p:ph type="title"/>
+          </p:nvPr>
+        </p:nvSpPr>
+        <p:spPr/>
+        <p:txBody>
+          <a:bodyPr/>
+          <a:lstStyle/>
+          <a:p>
+            <a:r>
+              <a:rPr lang="en-US" dirty="0" smtClean="0"/>
+              <a:t>Deleting the product</a:t>
+            </a:r>
+            <a:endParaRPr lang="en-US" dirty="0"/>
+          </a:p>
+        </p:txBody>
+      </p:sp>
+      <p:sp>
+        <p:nvSpPr>
+          <p:cNvPr id="3" name="Content Placeholder 2"/>
+          <p:cNvSpPr>
+            <a:spLocks noGrp="1"/>
+          </p:cNvSpPr>
+          <p:nvPr>
+            <p:ph sz="quarter" idx="1"/>
+          </p:nvPr>
+        </p:nvSpPr>
+        <p:spPr/>
+        <p:txBody>
+          <a:bodyPr>
+            <a:normAutofit fontScale="92500" lnSpcReduction="10000"/>
+          </a:bodyPr>
+          <a:lstStyle/>
+          <a:p>
+            <a:r>
+              <a:rPr lang="en-US" dirty="0"/>
+              <a:t>After entering the valid email/password, the dashboard will open.</a:t>
+            </a:r>
+          </a:p>
+          <a:p>
+            <a:r>
+              <a:rPr lang="en-US" dirty="0"/>
+              <a:t>Click on the product which is in the side menu bar of the dashboard.</a:t>
+            </a:r>
+          </a:p>
+          <a:p>
+            <a:r>
+              <a:rPr lang="en-US" dirty="0" smtClean="0"/>
+              <a:t>Click to the manage the product in the drop down menu.</a:t>
+            </a:r>
+          </a:p>
+          <a:p>
+            <a:r>
+              <a:rPr lang="en-US" dirty="0" smtClean="0"/>
+              <a:t>All the product of warehouse is display in the form where there is also the delete symbol in the right side in the action field.</a:t>
+            </a:r>
+          </a:p>
+          <a:p>
+            <a:r>
+              <a:rPr lang="en-US" dirty="0" smtClean="0"/>
+              <a:t>Click it and message box appears with ‘do you really want to delete?’</a:t>
+            </a:r>
+          </a:p>
+          <a:p>
+            <a:r>
+              <a:rPr lang="en-US" dirty="0" smtClean="0"/>
+              <a:t>Click to yes button to delete the product.</a:t>
+            </a:r>
+            <a:endParaRPr lang="en-US" dirty="0"/>
+          </a:p>
+        </p:txBody>
+      </p:sp>
+    </p:spTree>
+    <p:extLst>
+      <p:ext uri="{BB962C8B-B14F-4D97-AF65-F5344CB8AC3E}">
+        <p14:creationId xmlns:p14="http://schemas.microsoft.com/office/powerpoint/2010/main" val="1587346751"/>
+      </p:ext>
+    </p:extLst>
+  </p:cSld>
+  <p:clrMapOvr>
+    <a:masterClrMapping/>
+  </p:clrMapOvr>
+</p:sld>
+</file>
+
 <file path=ppt/slides/slide9.xml><?xml version="1.0" encoding="utf-8"?>
 <p:sld xmlns:a="http://schemas.openxmlformats.org/drawingml/2006/main" xmlns:r="http://schemas.openxmlformats.org/officeDocument/2006/relationships" xmlns:p="http://schemas.openxmlformats.org/presentationml/2006/main">
   <p:cSld>
@@ -20373,6 +21170,1094 @@
     <p:extLst>
       <p:ext uri="{BB962C8B-B14F-4D97-AF65-F5344CB8AC3E}">
         <p14:creationId xmlns:p14="http://schemas.microsoft.com/office/powerpoint/2010/main" val="808100994"/>
+      </p:ext>
+    </p:extLst>
+  </p:cSld>
+  <p:clrMapOvr>
+    <a:masterClrMapping/>
+  </p:clrMapOvr>
+  <p:timing>
+    <p:tnLst>
+      <p:par>
+        <p:cTn id="1" dur="indefinite" restart="never" nodeType="tmRoot"/>
+      </p:par>
+    </p:tnLst>
+  </p:timing>
+</p:sld>
+</file>
+
+<file path=ppt/slides/slide90.xml><?xml version="1.0" encoding="utf-8"?>
+<p:sld xmlns:a="http://schemas.openxmlformats.org/drawingml/2006/main" xmlns:r="http://schemas.openxmlformats.org/officeDocument/2006/relationships" xmlns:p="http://schemas.openxmlformats.org/presentationml/2006/main">
+  <p:cSld>
+    <p:spTree>
+      <p:nvGrpSpPr>
+        <p:cNvPr id="1" name=""/>
+        <p:cNvGrpSpPr/>
+        <p:nvPr/>
+      </p:nvGrpSpPr>
+      <p:grpSpPr>
+        <a:xfrm>
+          <a:off x="0" y="0"/>
+          <a:ext cx="0" cy="0"/>
+          <a:chOff x="0" y="0"/>
+          <a:chExt cx="0" cy="0"/>
+        </a:xfrm>
+      </p:grpSpPr>
+      <p:sp>
+        <p:nvSpPr>
+          <p:cNvPr id="2" name="Title 1"/>
+          <p:cNvSpPr>
+            <a:spLocks noGrp="1"/>
+          </p:cNvSpPr>
+          <p:nvPr>
+            <p:ph type="title"/>
+          </p:nvPr>
+        </p:nvSpPr>
+        <p:spPr/>
+        <p:txBody>
+          <a:bodyPr/>
+          <a:lstStyle/>
+          <a:p>
+            <a:r>
+              <a:rPr lang="en-US" dirty="0" smtClean="0"/>
+              <a:t>Updating the product</a:t>
+            </a:r>
+            <a:endParaRPr lang="en-US" dirty="0"/>
+          </a:p>
+        </p:txBody>
+      </p:sp>
+      <p:pic>
+        <p:nvPicPr>
+          <p:cNvPr id="6" name="Content Placeholder 5"/>
+          <p:cNvPicPr>
+            <a:picLocks noGrp="1"/>
+          </p:cNvPicPr>
+          <p:nvPr>
+            <p:ph sz="quarter" idx="1"/>
+          </p:nvPr>
+        </p:nvPicPr>
+        <p:blipFill>
+          <a:blip r:embed="rId2"/>
+          <a:stretch>
+            <a:fillRect/>
+          </a:stretch>
+        </p:blipFill>
+        <p:spPr>
+          <a:xfrm>
+            <a:off x="533400" y="1676400"/>
+            <a:ext cx="6784975" cy="2399541"/>
+          </a:xfrm>
+          <a:prstGeom prst="rect">
+            <a:avLst/>
+          </a:prstGeom>
+        </p:spPr>
+      </p:pic>
+      <p:pic>
+        <p:nvPicPr>
+          <p:cNvPr id="7" name="Picture 6"/>
+          <p:cNvPicPr/>
+          <p:nvPr/>
+        </p:nvPicPr>
+        <p:blipFill>
+          <a:blip r:embed="rId3"/>
+          <a:stretch>
+            <a:fillRect/>
+          </a:stretch>
+        </p:blipFill>
+        <p:spPr>
+          <a:xfrm>
+            <a:off x="533400" y="4114800"/>
+            <a:ext cx="6858000" cy="1570990"/>
+          </a:xfrm>
+          <a:prstGeom prst="rect">
+            <a:avLst/>
+          </a:prstGeom>
+        </p:spPr>
+      </p:pic>
+    </p:spTree>
+    <p:extLst>
+      <p:ext uri="{BB962C8B-B14F-4D97-AF65-F5344CB8AC3E}">
+        <p14:creationId xmlns:p14="http://schemas.microsoft.com/office/powerpoint/2010/main" val="556173027"/>
+      </p:ext>
+    </p:extLst>
+  </p:cSld>
+  <p:clrMapOvr>
+    <a:masterClrMapping/>
+  </p:clrMapOvr>
+</p:sld>
+</file>
+
+<file path=ppt/slides/slide91.xml><?xml version="1.0" encoding="utf-8"?>
+<p:sld xmlns:a="http://schemas.openxmlformats.org/drawingml/2006/main" xmlns:r="http://schemas.openxmlformats.org/officeDocument/2006/relationships" xmlns:p="http://schemas.openxmlformats.org/presentationml/2006/main">
+  <p:cSld>
+    <p:spTree>
+      <p:nvGrpSpPr>
+        <p:cNvPr id="1" name=""/>
+        <p:cNvGrpSpPr/>
+        <p:nvPr/>
+      </p:nvGrpSpPr>
+      <p:grpSpPr>
+        <a:xfrm>
+          <a:off x="0" y="0"/>
+          <a:ext cx="0" cy="0"/>
+          <a:chOff x="0" y="0"/>
+          <a:chExt cx="0" cy="0"/>
+        </a:xfrm>
+      </p:grpSpPr>
+      <p:sp>
+        <p:nvSpPr>
+          <p:cNvPr id="2" name="Title 1"/>
+          <p:cNvSpPr>
+            <a:spLocks noGrp="1"/>
+          </p:cNvSpPr>
+          <p:nvPr>
+            <p:ph type="title"/>
+          </p:nvPr>
+        </p:nvSpPr>
+        <p:spPr/>
+        <p:txBody>
+          <a:bodyPr/>
+          <a:lstStyle/>
+          <a:p>
+            <a:r>
+              <a:rPr lang="en-US" dirty="0" smtClean="0"/>
+              <a:t>Update the product</a:t>
+            </a:r>
+            <a:endParaRPr lang="en-US" dirty="0"/>
+          </a:p>
+        </p:txBody>
+      </p:sp>
+      <p:sp>
+        <p:nvSpPr>
+          <p:cNvPr id="3" name="Content Placeholder 2"/>
+          <p:cNvSpPr>
+            <a:spLocks noGrp="1"/>
+          </p:cNvSpPr>
+          <p:nvPr>
+            <p:ph sz="quarter" idx="1"/>
+          </p:nvPr>
+        </p:nvSpPr>
+        <p:spPr/>
+        <p:txBody>
+          <a:bodyPr>
+            <a:normAutofit fontScale="92500" lnSpcReduction="10000"/>
+          </a:bodyPr>
+          <a:lstStyle/>
+          <a:p>
+            <a:r>
+              <a:rPr lang="en-US" dirty="0"/>
+              <a:t>After entering the valid email/password, the dashboard will open.</a:t>
+            </a:r>
+          </a:p>
+          <a:p>
+            <a:r>
+              <a:rPr lang="en-US" dirty="0"/>
+              <a:t>Click on the product which is in the side menu bar of the dashboard.</a:t>
+            </a:r>
+          </a:p>
+          <a:p>
+            <a:r>
+              <a:rPr lang="en-US" dirty="0"/>
+              <a:t>Click to the manage the product in the drop down menu.</a:t>
+            </a:r>
+          </a:p>
+          <a:p>
+            <a:r>
+              <a:rPr lang="en-US" dirty="0"/>
+              <a:t>All the product of warehouse is display in the form where there is also the </a:t>
+            </a:r>
+            <a:r>
+              <a:rPr lang="en-US" dirty="0" smtClean="0"/>
+              <a:t>edit </a:t>
+            </a:r>
+            <a:r>
+              <a:rPr lang="en-US" dirty="0"/>
+              <a:t>symbol in the right side in the action field</a:t>
+            </a:r>
+            <a:r>
+              <a:rPr lang="en-US" dirty="0" smtClean="0"/>
+              <a:t>.</a:t>
+            </a:r>
+          </a:p>
+          <a:p>
+            <a:r>
+              <a:rPr lang="en-US" dirty="0" smtClean="0"/>
+              <a:t>Click it and the form appears.</a:t>
+            </a:r>
+          </a:p>
+          <a:p>
+            <a:r>
+              <a:rPr lang="en-US" dirty="0" smtClean="0"/>
+              <a:t>Update the selected product in the form.</a:t>
+            </a:r>
+          </a:p>
+          <a:p>
+            <a:r>
+              <a:rPr lang="en-US" dirty="0" smtClean="0"/>
+              <a:t>Click to the update button to update the product.</a:t>
+            </a:r>
+            <a:endParaRPr lang="en-US" dirty="0"/>
+          </a:p>
+          <a:p>
+            <a:endParaRPr lang="en-US" dirty="0"/>
+          </a:p>
+        </p:txBody>
+      </p:sp>
+    </p:spTree>
+    <p:extLst>
+      <p:ext uri="{BB962C8B-B14F-4D97-AF65-F5344CB8AC3E}">
+        <p14:creationId xmlns:p14="http://schemas.microsoft.com/office/powerpoint/2010/main" val="3478163326"/>
+      </p:ext>
+    </p:extLst>
+  </p:cSld>
+  <p:clrMapOvr>
+    <a:masterClrMapping/>
+  </p:clrMapOvr>
+</p:sld>
+</file>
+
+<file path=ppt/slides/slide92.xml><?xml version="1.0" encoding="utf-8"?>
+<p:sld xmlns:a="http://schemas.openxmlformats.org/drawingml/2006/main" xmlns:r="http://schemas.openxmlformats.org/officeDocument/2006/relationships" xmlns:p="http://schemas.openxmlformats.org/presentationml/2006/main">
+  <p:cSld>
+    <p:spTree>
+      <p:nvGrpSpPr>
+        <p:cNvPr id="1" name=""/>
+        <p:cNvGrpSpPr/>
+        <p:nvPr/>
+      </p:nvGrpSpPr>
+      <p:grpSpPr>
+        <a:xfrm>
+          <a:off x="0" y="0"/>
+          <a:ext cx="0" cy="0"/>
+          <a:chOff x="0" y="0"/>
+          <a:chExt cx="0" cy="0"/>
+        </a:xfrm>
+      </p:grpSpPr>
+      <p:sp>
+        <p:nvSpPr>
+          <p:cNvPr id="2" name="Title 1"/>
+          <p:cNvSpPr>
+            <a:spLocks noGrp="1"/>
+          </p:cNvSpPr>
+          <p:nvPr>
+            <p:ph type="title"/>
+          </p:nvPr>
+        </p:nvSpPr>
+        <p:spPr/>
+        <p:txBody>
+          <a:bodyPr/>
+          <a:lstStyle/>
+          <a:p>
+            <a:r>
+              <a:rPr lang="en-US" dirty="0" smtClean="0"/>
+              <a:t>Adding the order</a:t>
+            </a:r>
+            <a:endParaRPr lang="en-US" dirty="0"/>
+          </a:p>
+        </p:txBody>
+      </p:sp>
+      <p:pic>
+        <p:nvPicPr>
+          <p:cNvPr id="4" name="Content Placeholder 3"/>
+          <p:cNvPicPr>
+            <a:picLocks noGrp="1"/>
+          </p:cNvPicPr>
+          <p:nvPr>
+            <p:ph sz="quarter" idx="1"/>
+          </p:nvPr>
+        </p:nvPicPr>
+        <p:blipFill>
+          <a:blip r:embed="rId2"/>
+          <a:stretch>
+            <a:fillRect/>
+          </a:stretch>
+        </p:blipFill>
+        <p:spPr>
+          <a:xfrm>
+            <a:off x="381000" y="1600200"/>
+            <a:ext cx="7394575" cy="2971800"/>
+          </a:xfrm>
+          <a:prstGeom prst="rect">
+            <a:avLst/>
+          </a:prstGeom>
+        </p:spPr>
+      </p:pic>
+      <p:pic>
+        <p:nvPicPr>
+          <p:cNvPr id="5" name="Picture 4"/>
+          <p:cNvPicPr/>
+          <p:nvPr/>
+        </p:nvPicPr>
+        <p:blipFill>
+          <a:blip r:embed="rId3"/>
+          <a:stretch>
+            <a:fillRect/>
+          </a:stretch>
+        </p:blipFill>
+        <p:spPr>
+          <a:xfrm>
+            <a:off x="381000" y="4572000"/>
+            <a:ext cx="7467600" cy="1219200"/>
+          </a:xfrm>
+          <a:prstGeom prst="rect">
+            <a:avLst/>
+          </a:prstGeom>
+        </p:spPr>
+      </p:pic>
+    </p:spTree>
+    <p:extLst>
+      <p:ext uri="{BB962C8B-B14F-4D97-AF65-F5344CB8AC3E}">
+        <p14:creationId xmlns:p14="http://schemas.microsoft.com/office/powerpoint/2010/main" val="2490258272"/>
+      </p:ext>
+    </p:extLst>
+  </p:cSld>
+  <p:clrMapOvr>
+    <a:masterClrMapping/>
+  </p:clrMapOvr>
+</p:sld>
+</file>
+
+<file path=ppt/slides/slide93.xml><?xml version="1.0" encoding="utf-8"?>
+<p:sld xmlns:a="http://schemas.openxmlformats.org/drawingml/2006/main" xmlns:r="http://schemas.openxmlformats.org/officeDocument/2006/relationships" xmlns:p="http://schemas.openxmlformats.org/presentationml/2006/main">
+  <p:cSld>
+    <p:spTree>
+      <p:nvGrpSpPr>
+        <p:cNvPr id="1" name=""/>
+        <p:cNvGrpSpPr/>
+        <p:nvPr/>
+      </p:nvGrpSpPr>
+      <p:grpSpPr>
+        <a:xfrm>
+          <a:off x="0" y="0"/>
+          <a:ext cx="0" cy="0"/>
+          <a:chOff x="0" y="0"/>
+          <a:chExt cx="0" cy="0"/>
+        </a:xfrm>
+      </p:grpSpPr>
+      <p:sp>
+        <p:nvSpPr>
+          <p:cNvPr id="2" name="Title 1"/>
+          <p:cNvSpPr>
+            <a:spLocks noGrp="1"/>
+          </p:cNvSpPr>
+          <p:nvPr>
+            <p:ph type="title"/>
+          </p:nvPr>
+        </p:nvSpPr>
+        <p:spPr/>
+        <p:txBody>
+          <a:bodyPr/>
+          <a:lstStyle/>
+          <a:p>
+            <a:r>
+              <a:rPr lang="en-US" dirty="0" smtClean="0"/>
+              <a:t>Add the order</a:t>
+            </a:r>
+            <a:endParaRPr lang="en-US" dirty="0"/>
+          </a:p>
+        </p:txBody>
+      </p:sp>
+      <p:sp>
+        <p:nvSpPr>
+          <p:cNvPr id="3" name="Content Placeholder 2"/>
+          <p:cNvSpPr>
+            <a:spLocks noGrp="1"/>
+          </p:cNvSpPr>
+          <p:nvPr>
+            <p:ph sz="quarter" idx="1"/>
+          </p:nvPr>
+        </p:nvSpPr>
+        <p:spPr/>
+        <p:txBody>
+          <a:bodyPr/>
+          <a:lstStyle/>
+          <a:p>
+            <a:r>
+              <a:rPr lang="en-US" dirty="0"/>
+              <a:t>After entering the valid email/password, the dashboard will open.</a:t>
+            </a:r>
+          </a:p>
+          <a:p>
+            <a:r>
+              <a:rPr lang="en-US" dirty="0"/>
+              <a:t>Click on the </a:t>
+            </a:r>
+            <a:r>
+              <a:rPr lang="en-US" dirty="0" smtClean="0"/>
+              <a:t>order </a:t>
+            </a:r>
+            <a:r>
+              <a:rPr lang="en-US" dirty="0"/>
+              <a:t>which is in the side menu bar of the dashboard.</a:t>
+            </a:r>
+          </a:p>
+          <a:p>
+            <a:r>
+              <a:rPr lang="en-US" dirty="0"/>
+              <a:t>Click to the </a:t>
+            </a:r>
+            <a:r>
+              <a:rPr lang="en-US" dirty="0" smtClean="0"/>
+              <a:t>add order </a:t>
+            </a:r>
+            <a:r>
+              <a:rPr lang="en-US" dirty="0"/>
+              <a:t>in the drop down menu</a:t>
+            </a:r>
+            <a:r>
+              <a:rPr lang="en-US" dirty="0" smtClean="0"/>
+              <a:t>.</a:t>
+            </a:r>
+          </a:p>
+          <a:p>
+            <a:r>
+              <a:rPr lang="en-US" dirty="0" smtClean="0"/>
+              <a:t>Insert the value in the form and click to the add to add the order.</a:t>
+            </a:r>
+            <a:endParaRPr lang="en-US" dirty="0"/>
+          </a:p>
+          <a:p>
+            <a:endParaRPr lang="en-US" dirty="0"/>
+          </a:p>
+        </p:txBody>
+      </p:sp>
+    </p:spTree>
+    <p:extLst>
+      <p:ext uri="{BB962C8B-B14F-4D97-AF65-F5344CB8AC3E}">
+        <p14:creationId xmlns:p14="http://schemas.microsoft.com/office/powerpoint/2010/main" val="691212518"/>
+      </p:ext>
+    </p:extLst>
+  </p:cSld>
+  <p:clrMapOvr>
+    <a:masterClrMapping/>
+  </p:clrMapOvr>
+</p:sld>
+</file>
+
+<file path=ppt/slides/slide94.xml><?xml version="1.0" encoding="utf-8"?>
+<p:sld xmlns:a="http://schemas.openxmlformats.org/drawingml/2006/main" xmlns:r="http://schemas.openxmlformats.org/officeDocument/2006/relationships" xmlns:p="http://schemas.openxmlformats.org/presentationml/2006/main">
+  <p:cSld>
+    <p:spTree>
+      <p:nvGrpSpPr>
+        <p:cNvPr id="1" name=""/>
+        <p:cNvGrpSpPr/>
+        <p:nvPr/>
+      </p:nvGrpSpPr>
+      <p:grpSpPr>
+        <a:xfrm>
+          <a:off x="0" y="0"/>
+          <a:ext cx="0" cy="0"/>
+          <a:chOff x="0" y="0"/>
+          <a:chExt cx="0" cy="0"/>
+        </a:xfrm>
+      </p:grpSpPr>
+      <p:sp>
+        <p:nvSpPr>
+          <p:cNvPr id="2" name="Title 1"/>
+          <p:cNvSpPr>
+            <a:spLocks noGrp="1"/>
+          </p:cNvSpPr>
+          <p:nvPr>
+            <p:ph type="title"/>
+          </p:nvPr>
+        </p:nvSpPr>
+        <p:spPr/>
+        <p:txBody>
+          <a:bodyPr/>
+          <a:lstStyle/>
+          <a:p>
+            <a:r>
+              <a:rPr lang="en-US" dirty="0" smtClean="0"/>
+              <a:t>Print the order</a:t>
+            </a:r>
+            <a:endParaRPr lang="en-US" dirty="0"/>
+          </a:p>
+        </p:txBody>
+      </p:sp>
+      <p:pic>
+        <p:nvPicPr>
+          <p:cNvPr id="4" name="Content Placeholder 3"/>
+          <p:cNvPicPr>
+            <a:picLocks noGrp="1"/>
+          </p:cNvPicPr>
+          <p:nvPr>
+            <p:ph sz="quarter" idx="1"/>
+          </p:nvPr>
+        </p:nvPicPr>
+        <p:blipFill>
+          <a:blip r:embed="rId2"/>
+          <a:stretch>
+            <a:fillRect/>
+          </a:stretch>
+        </p:blipFill>
+        <p:spPr>
+          <a:xfrm>
+            <a:off x="304800" y="1659883"/>
+            <a:ext cx="8504238" cy="2866079"/>
+          </a:xfrm>
+          <a:prstGeom prst="rect">
+            <a:avLst/>
+          </a:prstGeom>
+        </p:spPr>
+      </p:pic>
+      <p:pic>
+        <p:nvPicPr>
+          <p:cNvPr id="5" name="Picture 4"/>
+          <p:cNvPicPr/>
+          <p:nvPr/>
+        </p:nvPicPr>
+        <p:blipFill>
+          <a:blip r:embed="rId3"/>
+          <a:stretch>
+            <a:fillRect/>
+          </a:stretch>
+        </p:blipFill>
+        <p:spPr>
+          <a:xfrm>
+            <a:off x="304800" y="4572000"/>
+            <a:ext cx="8534400" cy="1279525"/>
+          </a:xfrm>
+          <a:prstGeom prst="rect">
+            <a:avLst/>
+          </a:prstGeom>
+        </p:spPr>
+      </p:pic>
+    </p:spTree>
+    <p:extLst>
+      <p:ext uri="{BB962C8B-B14F-4D97-AF65-F5344CB8AC3E}">
+        <p14:creationId xmlns:p14="http://schemas.microsoft.com/office/powerpoint/2010/main" val="4004599364"/>
+      </p:ext>
+    </p:extLst>
+  </p:cSld>
+  <p:clrMapOvr>
+    <a:masterClrMapping/>
+  </p:clrMapOvr>
+</p:sld>
+</file>
+
+<file path=ppt/slides/slide95.xml><?xml version="1.0" encoding="utf-8"?>
+<p:sld xmlns:a="http://schemas.openxmlformats.org/drawingml/2006/main" xmlns:r="http://schemas.openxmlformats.org/officeDocument/2006/relationships" xmlns:p="http://schemas.openxmlformats.org/presentationml/2006/main">
+  <p:cSld>
+    <p:spTree>
+      <p:nvGrpSpPr>
+        <p:cNvPr id="1" name=""/>
+        <p:cNvGrpSpPr/>
+        <p:nvPr/>
+      </p:nvGrpSpPr>
+      <p:grpSpPr>
+        <a:xfrm>
+          <a:off x="0" y="0"/>
+          <a:ext cx="0" cy="0"/>
+          <a:chOff x="0" y="0"/>
+          <a:chExt cx="0" cy="0"/>
+        </a:xfrm>
+      </p:grpSpPr>
+      <p:sp>
+        <p:nvSpPr>
+          <p:cNvPr id="2" name="Title 1"/>
+          <p:cNvSpPr>
+            <a:spLocks noGrp="1"/>
+          </p:cNvSpPr>
+          <p:nvPr>
+            <p:ph type="title"/>
+          </p:nvPr>
+        </p:nvSpPr>
+        <p:spPr/>
+        <p:txBody>
+          <a:bodyPr/>
+          <a:lstStyle/>
+          <a:p>
+            <a:r>
+              <a:rPr lang="en-US" dirty="0" smtClean="0"/>
+              <a:t>Print the order</a:t>
+            </a:r>
+            <a:endParaRPr lang="en-US" dirty="0"/>
+          </a:p>
+        </p:txBody>
+      </p:sp>
+      <p:sp>
+        <p:nvSpPr>
+          <p:cNvPr id="3" name="Content Placeholder 2"/>
+          <p:cNvSpPr>
+            <a:spLocks noGrp="1"/>
+          </p:cNvSpPr>
+          <p:nvPr>
+            <p:ph sz="quarter" idx="1"/>
+          </p:nvPr>
+        </p:nvSpPr>
+        <p:spPr/>
+        <p:txBody>
+          <a:bodyPr/>
+          <a:lstStyle/>
+          <a:p>
+            <a:r>
+              <a:rPr lang="en-US" dirty="0"/>
+              <a:t>After entering the valid email/password, the dashboard will open.</a:t>
+            </a:r>
+          </a:p>
+          <a:p>
+            <a:r>
+              <a:rPr lang="en-US" dirty="0"/>
+              <a:t>Click on the </a:t>
+            </a:r>
+            <a:r>
+              <a:rPr lang="en-US" dirty="0" smtClean="0"/>
+              <a:t>order </a:t>
+            </a:r>
+            <a:r>
+              <a:rPr lang="en-US" dirty="0"/>
+              <a:t>which is in the side menu bar of the dashboard.</a:t>
+            </a:r>
+          </a:p>
+          <a:p>
+            <a:r>
+              <a:rPr lang="en-US" dirty="0"/>
+              <a:t>Click to the </a:t>
+            </a:r>
+            <a:r>
+              <a:rPr lang="en-US" dirty="0" smtClean="0"/>
+              <a:t>manage order </a:t>
+            </a:r>
+            <a:r>
+              <a:rPr lang="en-US" dirty="0"/>
+              <a:t>in the drop down menu</a:t>
+            </a:r>
+            <a:r>
+              <a:rPr lang="en-US" dirty="0" smtClean="0"/>
+              <a:t>.</a:t>
+            </a:r>
+          </a:p>
+          <a:p>
+            <a:r>
+              <a:rPr lang="en-US" dirty="0" smtClean="0"/>
+              <a:t>All the orders are available in it and click to the print button which is show at the bottom of the form.</a:t>
+            </a:r>
+            <a:endParaRPr lang="en-US" dirty="0"/>
+          </a:p>
+          <a:p>
+            <a:endParaRPr lang="en-US" dirty="0"/>
+          </a:p>
+        </p:txBody>
+      </p:sp>
+    </p:spTree>
+    <p:extLst>
+      <p:ext uri="{BB962C8B-B14F-4D97-AF65-F5344CB8AC3E}">
+        <p14:creationId xmlns:p14="http://schemas.microsoft.com/office/powerpoint/2010/main" val="2762407151"/>
+      </p:ext>
+    </p:extLst>
+  </p:cSld>
+  <p:clrMapOvr>
+    <a:masterClrMapping/>
+  </p:clrMapOvr>
+</p:sld>
+</file>
+
+<file path=ppt/slides/slide96.xml><?xml version="1.0" encoding="utf-8"?>
+<p:sld xmlns:a="http://schemas.openxmlformats.org/drawingml/2006/main" xmlns:r="http://schemas.openxmlformats.org/officeDocument/2006/relationships" xmlns:p="http://schemas.openxmlformats.org/presentationml/2006/main">
+  <p:cSld>
+    <p:spTree>
+      <p:nvGrpSpPr>
+        <p:cNvPr id="1" name=""/>
+        <p:cNvGrpSpPr/>
+        <p:nvPr/>
+      </p:nvGrpSpPr>
+      <p:grpSpPr>
+        <a:xfrm>
+          <a:off x="0" y="0"/>
+          <a:ext cx="0" cy="0"/>
+          <a:chOff x="0" y="0"/>
+          <a:chExt cx="0" cy="0"/>
+        </a:xfrm>
+      </p:grpSpPr>
+      <p:sp>
+        <p:nvSpPr>
+          <p:cNvPr id="2" name="Title 1"/>
+          <p:cNvSpPr>
+            <a:spLocks noGrp="1"/>
+          </p:cNvSpPr>
+          <p:nvPr>
+            <p:ph type="title"/>
+          </p:nvPr>
+        </p:nvSpPr>
+        <p:spPr/>
+        <p:txBody>
+          <a:bodyPr/>
+          <a:lstStyle/>
+          <a:p>
+            <a:r>
+              <a:rPr lang="en-US" dirty="0" smtClean="0"/>
+              <a:t>Bill of the product</a:t>
+            </a:r>
+            <a:endParaRPr lang="en-US" dirty="0"/>
+          </a:p>
+        </p:txBody>
+      </p:sp>
+      <p:pic>
+        <p:nvPicPr>
+          <p:cNvPr id="4" name="Content Placeholder 3"/>
+          <p:cNvPicPr>
+            <a:picLocks noGrp="1" noChangeAspect="1"/>
+          </p:cNvPicPr>
+          <p:nvPr>
+            <p:ph sz="quarter" idx="1"/>
+          </p:nvPr>
+        </p:nvPicPr>
+        <p:blipFill>
+          <a:blip r:embed="rId2">
+            <a:extLst>
+              <a:ext uri="{28A0092B-C50C-407E-A947-70E740481C1C}">
+                <a14:useLocalDpi xmlns:a14="http://schemas.microsoft.com/office/drawing/2010/main" val="0"/>
+              </a:ext>
+            </a:extLst>
+          </a:blip>
+          <a:stretch>
+            <a:fillRect/>
+          </a:stretch>
+        </p:blipFill>
+        <p:spPr>
+          <a:xfrm>
+            <a:off x="301625" y="2104734"/>
+            <a:ext cx="8504238" cy="3416881"/>
+          </a:xfrm>
+        </p:spPr>
+      </p:pic>
+    </p:spTree>
+    <p:extLst>
+      <p:ext uri="{BB962C8B-B14F-4D97-AF65-F5344CB8AC3E}">
+        <p14:creationId xmlns:p14="http://schemas.microsoft.com/office/powerpoint/2010/main" val="1342407059"/>
+      </p:ext>
+    </p:extLst>
+  </p:cSld>
+  <p:clrMapOvr>
+    <a:masterClrMapping/>
+  </p:clrMapOvr>
+</p:sld>
+</file>
+
+<file path=ppt/slides/slide97.xml><?xml version="1.0" encoding="utf-8"?>
+<p:sld xmlns:a="http://schemas.openxmlformats.org/drawingml/2006/main" xmlns:r="http://schemas.openxmlformats.org/officeDocument/2006/relationships" xmlns:p="http://schemas.openxmlformats.org/presentationml/2006/main">
+  <p:cSld>
+    <p:spTree>
+      <p:nvGrpSpPr>
+        <p:cNvPr id="1" name=""/>
+        <p:cNvGrpSpPr/>
+        <p:nvPr/>
+      </p:nvGrpSpPr>
+      <p:grpSpPr>
+        <a:xfrm>
+          <a:off x="0" y="0"/>
+          <a:ext cx="0" cy="0"/>
+          <a:chOff x="0" y="0"/>
+          <a:chExt cx="0" cy="0"/>
+        </a:xfrm>
+      </p:grpSpPr>
+      <p:sp>
+        <p:nvSpPr>
+          <p:cNvPr id="2" name="Title 1"/>
+          <p:cNvSpPr>
+            <a:spLocks noGrp="1"/>
+          </p:cNvSpPr>
+          <p:nvPr>
+            <p:ph type="title"/>
+          </p:nvPr>
+        </p:nvSpPr>
+        <p:spPr/>
+        <p:txBody>
+          <a:bodyPr/>
+          <a:lstStyle/>
+          <a:p>
+            <a:r>
+              <a:rPr lang="en-US" dirty="0" smtClean="0"/>
+              <a:t>Bill of the product</a:t>
+            </a:r>
+            <a:endParaRPr lang="en-US" dirty="0"/>
+          </a:p>
+        </p:txBody>
+      </p:sp>
+      <p:sp>
+        <p:nvSpPr>
+          <p:cNvPr id="3" name="Content Placeholder 2"/>
+          <p:cNvSpPr>
+            <a:spLocks noGrp="1"/>
+          </p:cNvSpPr>
+          <p:nvPr>
+            <p:ph sz="quarter" idx="1"/>
+          </p:nvPr>
+        </p:nvSpPr>
+        <p:spPr/>
+        <p:txBody>
+          <a:bodyPr/>
+          <a:lstStyle/>
+          <a:p>
+            <a:r>
+              <a:rPr lang="en-US" dirty="0"/>
+              <a:t>After entering the valid email/password, the dashboard will open.</a:t>
+            </a:r>
+          </a:p>
+          <a:p>
+            <a:r>
+              <a:rPr lang="en-US" dirty="0"/>
+              <a:t>Click on the order which is in the side menu bar of the dashboard.</a:t>
+            </a:r>
+          </a:p>
+          <a:p>
+            <a:r>
+              <a:rPr lang="en-US" dirty="0"/>
+              <a:t>Click to the manage order in the drop down menu.</a:t>
+            </a:r>
+          </a:p>
+          <a:p>
+            <a:r>
+              <a:rPr lang="en-US" dirty="0"/>
+              <a:t>All the orders are available in it and click to the print button which is show at the bottom of the form.</a:t>
+            </a:r>
+          </a:p>
+          <a:p>
+            <a:r>
+              <a:rPr lang="en-US" dirty="0" smtClean="0"/>
+              <a:t>The bill is produce after clicking the print button.</a:t>
+            </a:r>
+            <a:endParaRPr lang="en-US" dirty="0"/>
+          </a:p>
+        </p:txBody>
+      </p:sp>
+    </p:spTree>
+    <p:extLst>
+      <p:ext uri="{BB962C8B-B14F-4D97-AF65-F5344CB8AC3E}">
+        <p14:creationId xmlns:p14="http://schemas.microsoft.com/office/powerpoint/2010/main" val="4233977570"/>
+      </p:ext>
+    </p:extLst>
+  </p:cSld>
+  <p:clrMapOvr>
+    <a:masterClrMapping/>
+  </p:clrMapOvr>
+</p:sld>
+</file>
+
+<file path=ppt/slides/slide98.xml><?xml version="1.0" encoding="utf-8"?>
+<p:sld xmlns:a="http://schemas.openxmlformats.org/drawingml/2006/main" xmlns:r="http://schemas.openxmlformats.org/officeDocument/2006/relationships" xmlns:p="http://schemas.openxmlformats.org/presentationml/2006/main">
+  <p:cSld>
+    <p:spTree>
+      <p:nvGrpSpPr>
+        <p:cNvPr id="1" name=""/>
+        <p:cNvGrpSpPr/>
+        <p:nvPr/>
+      </p:nvGrpSpPr>
+      <p:grpSpPr>
+        <a:xfrm>
+          <a:off x="0" y="0"/>
+          <a:ext cx="0" cy="0"/>
+          <a:chOff x="0" y="0"/>
+          <a:chExt cx="0" cy="0"/>
+        </a:xfrm>
+      </p:grpSpPr>
+      <p:sp>
+        <p:nvSpPr>
+          <p:cNvPr id="3" name="Title 2"/>
+          <p:cNvSpPr>
+            <a:spLocks noGrp="1"/>
+          </p:cNvSpPr>
+          <p:nvPr>
+            <p:ph type="title"/>
+          </p:nvPr>
+        </p:nvSpPr>
+        <p:spPr/>
+        <p:txBody>
+          <a:bodyPr/>
+          <a:lstStyle/>
+          <a:p>
+            <a:r>
+              <a:rPr lang="en-US" dirty="0" smtClean="0"/>
+              <a:t>conclusion</a:t>
+            </a:r>
+            <a:endParaRPr lang="en-US" dirty="0"/>
+          </a:p>
+        </p:txBody>
+      </p:sp>
+      <p:sp>
+        <p:nvSpPr>
+          <p:cNvPr id="2" name="Content Placeholder 1"/>
+          <p:cNvSpPr>
+            <a:spLocks noGrp="1"/>
+          </p:cNvSpPr>
+          <p:nvPr>
+            <p:ph sz="quarter" idx="1"/>
+          </p:nvPr>
+        </p:nvSpPr>
+        <p:spPr/>
+        <p:txBody>
+          <a:bodyPr/>
+          <a:lstStyle/>
+          <a:p>
+            <a:r>
+              <a:rPr lang="en-US" dirty="0" smtClean="0"/>
+              <a:t>Finally the required stock management system was successfully designed and implement at the time. The web based system for managing the stock allow to edit the stock and record of it. It also keeps the record of purchase with billing and helps to edits the available products. With the help of different diagrams and methods the stock management system completed successfully without complications and obstacles.</a:t>
+            </a:r>
+            <a:endParaRPr lang="en-US" dirty="0"/>
+          </a:p>
+        </p:txBody>
+      </p:sp>
+    </p:spTree>
+    <p:extLst>
+      <p:ext uri="{BB962C8B-B14F-4D97-AF65-F5344CB8AC3E}">
+        <p14:creationId xmlns:p14="http://schemas.microsoft.com/office/powerpoint/2010/main" val="814669846"/>
+      </p:ext>
+    </p:extLst>
+  </p:cSld>
+  <p:clrMapOvr>
+    <a:masterClrMapping/>
+  </p:clrMapOvr>
+  <p:timing>
+    <p:tnLst>
+      <p:par>
+        <p:cTn id="1" dur="indefinite" restart="never" nodeType="tmRoot"/>
+      </p:par>
+    </p:tnLst>
+  </p:timing>
+</p:sld>
+</file>
+
+<file path=ppt/slides/slide99.xml><?xml version="1.0" encoding="utf-8"?>
+<p:sld xmlns:a="http://schemas.openxmlformats.org/drawingml/2006/main" xmlns:r="http://schemas.openxmlformats.org/officeDocument/2006/relationships" xmlns:p="http://schemas.openxmlformats.org/presentationml/2006/main">
+  <p:cSld>
+    <p:spTree>
+      <p:nvGrpSpPr>
+        <p:cNvPr id="1" name=""/>
+        <p:cNvGrpSpPr/>
+        <p:nvPr/>
+      </p:nvGrpSpPr>
+      <p:grpSpPr>
+        <a:xfrm>
+          <a:off x="0" y="0"/>
+          <a:ext cx="0" cy="0"/>
+          <a:chOff x="0" y="0"/>
+          <a:chExt cx="0" cy="0"/>
+        </a:xfrm>
+      </p:grpSpPr>
+      <p:sp>
+        <p:nvSpPr>
+          <p:cNvPr id="3" name="Title 2"/>
+          <p:cNvSpPr>
+            <a:spLocks noGrp="1"/>
+          </p:cNvSpPr>
+          <p:nvPr>
+            <p:ph type="title"/>
+          </p:nvPr>
+        </p:nvSpPr>
+        <p:spPr/>
+        <p:txBody>
+          <a:bodyPr/>
+          <a:lstStyle/>
+          <a:p>
+            <a:r>
+              <a:rPr lang="en-US" dirty="0" smtClean="0"/>
+              <a:t>references</a:t>
+            </a:r>
+            <a:endParaRPr lang="en-US" dirty="0"/>
+          </a:p>
+        </p:txBody>
+      </p:sp>
+      <p:sp>
+        <p:nvSpPr>
+          <p:cNvPr id="2" name="Content Placeholder 1"/>
+          <p:cNvSpPr>
+            <a:spLocks noGrp="1"/>
+          </p:cNvSpPr>
+          <p:nvPr>
+            <p:ph sz="quarter" idx="1"/>
+          </p:nvPr>
+        </p:nvSpPr>
+        <p:spPr/>
+        <p:txBody>
+          <a:bodyPr/>
+          <a:lstStyle/>
+          <a:p>
+            <a:r>
+              <a:rPr lang="en-US" dirty="0">
+                <a:hlinkClick r:id="rId2"/>
+              </a:rPr>
+              <a:t>https://</a:t>
+            </a:r>
+            <a:r>
+              <a:rPr lang="en-US" dirty="0" smtClean="0">
+                <a:hlinkClick r:id="rId2"/>
+              </a:rPr>
+              <a:t>en.wikipedia.org</a:t>
+            </a:r>
+            <a:endParaRPr lang="en-US" dirty="0" smtClean="0"/>
+          </a:p>
+          <a:p>
+            <a:r>
+              <a:rPr lang="en-US" u="sng" dirty="0" smtClean="0">
+                <a:hlinkClick r:id="rId3"/>
+              </a:rPr>
+              <a:t>http</a:t>
+            </a:r>
+            <a:r>
+              <a:rPr lang="en-US" u="sng" dirty="0">
+                <a:hlinkClick r:id="rId3"/>
+              </a:rPr>
+              <a:t>://</a:t>
+            </a:r>
+            <a:r>
+              <a:rPr lang="en-US" u="sng" dirty="0" smtClean="0">
+                <a:hlinkClick r:id="rId3"/>
+              </a:rPr>
+              <a:t>www.tutorialspoint.com</a:t>
+            </a:r>
+            <a:endParaRPr lang="en-US" dirty="0"/>
+          </a:p>
+          <a:p>
+            <a:r>
+              <a:rPr lang="en-US" u="sng" dirty="0" smtClean="0">
+                <a:hlinkClick r:id="rId4"/>
+              </a:rPr>
+              <a:t>https</a:t>
+            </a:r>
+            <a:r>
+              <a:rPr lang="en-US" u="sng" dirty="0">
+                <a:hlinkClick r:id="rId4"/>
+              </a:rPr>
+              <a:t>://www.carajaclasses.com</a:t>
+            </a:r>
+            <a:endParaRPr lang="en-US" dirty="0"/>
+          </a:p>
+          <a:p>
+            <a:r>
+              <a:rPr lang="en-US" u="sng" dirty="0" smtClean="0">
+                <a:hlinkClick r:id="rId5"/>
+              </a:rPr>
+              <a:t>http</a:t>
+            </a:r>
+            <a:r>
+              <a:rPr lang="en-US" u="sng" dirty="0">
+                <a:hlinkClick r:id="rId5"/>
+              </a:rPr>
+              <a:t>://</a:t>
+            </a:r>
+            <a:r>
+              <a:rPr lang="en-US" u="sng" dirty="0" smtClean="0">
+                <a:hlinkClick r:id="rId5"/>
+              </a:rPr>
+              <a:t>www.lynda.com</a:t>
+            </a:r>
+            <a:endParaRPr lang="en-US" u="sng" dirty="0" smtClean="0"/>
+          </a:p>
+          <a:p>
+            <a:pPr marL="0" indent="0">
+              <a:buNone/>
+            </a:pPr>
+            <a:endParaRPr lang="en-US" dirty="0"/>
+          </a:p>
+          <a:p>
+            <a:endParaRPr lang="en-US" dirty="0"/>
+          </a:p>
+        </p:txBody>
+      </p:sp>
+    </p:spTree>
+    <p:extLst>
+      <p:ext uri="{BB962C8B-B14F-4D97-AF65-F5344CB8AC3E}">
+        <p14:creationId xmlns:p14="http://schemas.microsoft.com/office/powerpoint/2010/main" val="3156000321"/>
       </p:ext>
     </p:extLst>
   </p:cSld>
